--- a/Day3/DockerAndKubernetes_Training-day3.pptx
+++ b/Day3/DockerAndKubernetes_Training-day3.pptx
@@ -5,23 +5,24 @@
     <p:sldMasterId id="2147483880" r:id="rId1"/>
   </p:sldMasterIdLst>
   <p:notesMasterIdLst>
-    <p:notesMasterId r:id="rId16"/>
+    <p:notesMasterId r:id="rId17"/>
   </p:notesMasterIdLst>
   <p:sldIdLst>
     <p:sldId id="414" r:id="rId2"/>
     <p:sldId id="415" r:id="rId3"/>
     <p:sldId id="262" r:id="rId4"/>
-    <p:sldId id="263" r:id="rId5"/>
-    <p:sldId id="291" r:id="rId6"/>
-    <p:sldId id="292" r:id="rId7"/>
-    <p:sldId id="382" r:id="rId8"/>
-    <p:sldId id="383" r:id="rId9"/>
-    <p:sldId id="384" r:id="rId10"/>
-    <p:sldId id="385" r:id="rId11"/>
-    <p:sldId id="402" r:id="rId12"/>
-    <p:sldId id="399" r:id="rId13"/>
-    <p:sldId id="264" r:id="rId14"/>
-    <p:sldId id="417" r:id="rId15"/>
+    <p:sldId id="418" r:id="rId5"/>
+    <p:sldId id="263" r:id="rId6"/>
+    <p:sldId id="291" r:id="rId7"/>
+    <p:sldId id="292" r:id="rId8"/>
+    <p:sldId id="382" r:id="rId9"/>
+    <p:sldId id="383" r:id="rId10"/>
+    <p:sldId id="384" r:id="rId11"/>
+    <p:sldId id="385" r:id="rId12"/>
+    <p:sldId id="402" r:id="rId13"/>
+    <p:sldId id="399" r:id="rId14"/>
+    <p:sldId id="264" r:id="rId15"/>
+    <p:sldId id="417" r:id="rId16"/>
   </p:sldIdLst>
   <p:sldSz cx="12192000" cy="6858000"/>
   <p:notesSz cx="6858000" cy="9144000"/>
@@ -742,7 +743,7 @@
                 </a:solidFill>
               </a:rPr>
               <a:pPr/>
-              <a:t>7</a:t>
+              <a:t>8</a:t>
             </a:fld>
             <a:endParaRPr lang="en-US">
               <a:solidFill>
@@ -14020,6 +14021,938 @@
 </file>
 
 <file path=ppt/slides/slide10.xml><?xml version="1.0" encoding="utf-8"?>
+<p:sld xmlns:a="http://schemas.openxmlformats.org/drawingml/2006/main" xmlns:r="http://schemas.openxmlformats.org/officeDocument/2006/relationships" xmlns:p="http://schemas.openxmlformats.org/presentationml/2006/main">
+  <p:cSld>
+    <p:spTree>
+      <p:nvGrpSpPr>
+        <p:cNvPr id="1" name=""/>
+        <p:cNvGrpSpPr/>
+        <p:nvPr/>
+      </p:nvGrpSpPr>
+      <p:grpSpPr>
+        <a:xfrm>
+          <a:off x="0" y="0"/>
+          <a:ext cx="0" cy="0"/>
+          <a:chOff x="0" y="0"/>
+          <a:chExt cx="0" cy="0"/>
+        </a:xfrm>
+      </p:grpSpPr>
+      <p:sp>
+        <p:nvSpPr>
+          <p:cNvPr id="4" name="Title 1">
+            <a:extLst>
+              <a:ext uri="{FF2B5EF4-FFF2-40B4-BE49-F238E27FC236}">
+                <a16:creationId xmlns:a16="http://schemas.microsoft.com/office/drawing/2014/main" id="{84823479-A31A-9A25-B7F5-EFCABE23D8F6}"/>
+              </a:ext>
+            </a:extLst>
+          </p:cNvPr>
+          <p:cNvSpPr>
+            <a:spLocks noGrp="1"/>
+          </p:cNvSpPr>
+          <p:nvPr>
+            <p:ph type="title"/>
+          </p:nvPr>
+        </p:nvSpPr>
+        <p:spPr>
+          <a:xfrm>
+            <a:off x="832976" y="929923"/>
+            <a:ext cx="8761413" cy="706964"/>
+          </a:xfrm>
+        </p:spPr>
+        <p:txBody>
+          <a:bodyPr>
+            <a:normAutofit/>
+          </a:bodyPr>
+          <a:lstStyle/>
+          <a:p>
+            <a:r>
+              <a:rPr lang="en-US" dirty="0"/>
+              <a:t>DOCKER CONTAINER</a:t>
+            </a:r>
+            <a:endParaRPr lang="en-IN" dirty="0"/>
+          </a:p>
+        </p:txBody>
+      </p:sp>
+      <p:sp>
+        <p:nvSpPr>
+          <p:cNvPr id="3" name="Content Placeholder 2"/>
+          <p:cNvSpPr>
+            <a:spLocks noGrp="1"/>
+          </p:cNvSpPr>
+          <p:nvPr>
+            <p:ph idx="1"/>
+          </p:nvPr>
+        </p:nvSpPr>
+        <p:spPr>
+          <a:xfrm>
+            <a:off x="395118" y="2278499"/>
+            <a:ext cx="10017361" cy="3836697"/>
+          </a:xfrm>
+        </p:spPr>
+        <p:txBody>
+          <a:bodyPr anchor="t"/>
+          <a:lstStyle/>
+          <a:p>
+            <a:r>
+              <a:rPr lang="en-US" dirty="0">
+                <a:solidFill>
+                  <a:srgbClr val="31859C"/>
+                </a:solidFill>
+              </a:rPr>
+              <a:t>Isolated application platform</a:t>
+            </a:r>
+          </a:p>
+          <a:p>
+            <a:r>
+              <a:rPr lang="en-US" dirty="0">
+                <a:solidFill>
+                  <a:srgbClr val="31859C"/>
+                </a:solidFill>
+              </a:rPr>
+              <a:t>Containers everything needed to run you application</a:t>
+            </a:r>
+          </a:p>
+          <a:p>
+            <a:r>
+              <a:rPr lang="en-US" dirty="0">
+                <a:solidFill>
+                  <a:srgbClr val="31859C"/>
+                </a:solidFill>
+              </a:rPr>
+              <a:t>Based on one or more images</a:t>
+            </a:r>
+          </a:p>
+          <a:p>
+            <a:r>
+              <a:rPr lang="en-US" dirty="0">
+                <a:solidFill>
+                  <a:srgbClr val="31859C"/>
+                </a:solidFill>
+              </a:rPr>
+              <a:t>Docker containers launched from Docker image</a:t>
+            </a:r>
+          </a:p>
+          <a:p>
+            <a:r>
+              <a:rPr lang="en-US" dirty="0">
+                <a:solidFill>
+                  <a:srgbClr val="31859C"/>
+                </a:solidFill>
+              </a:rPr>
+              <a:t>When Docker container runs, it adds a read-write layer on top of the image</a:t>
+            </a:r>
+          </a:p>
+        </p:txBody>
+      </p:sp>
+      <p:pic>
+        <p:nvPicPr>
+          <p:cNvPr id="2" name="Picture 1"/>
+          <p:cNvPicPr>
+            <a:picLocks noChangeAspect="1"/>
+          </p:cNvPicPr>
+          <p:nvPr/>
+        </p:nvPicPr>
+        <p:blipFill>
+          <a:blip r:embed="rId2">
+            <a:alphaModFix/>
+            <a:extLst>
+              <a:ext uri="{28A0092B-C50C-407E-A947-70E740481C1C}">
+                <a14:useLocalDpi xmlns:a14="http://schemas.microsoft.com/office/drawing/2010/main" val="0"/>
+              </a:ext>
+            </a:extLst>
+          </a:blip>
+          <a:stretch>
+            <a:fillRect/>
+          </a:stretch>
+        </p:blipFill>
+        <p:spPr>
+          <a:xfrm>
+            <a:off x="4796590" y="4405395"/>
+            <a:ext cx="6976980" cy="2277353"/>
+          </a:xfrm>
+          <a:prstGeom prst="rect">
+            <a:avLst/>
+          </a:prstGeom>
+          <a:noFill/>
+          <a:ln>
+            <a:solidFill>
+              <a:schemeClr val="tx1"/>
+            </a:solidFill>
+          </a:ln>
+          <a:effectLst>
+            <a:outerShdw blurRad="63500" sx="102000" sy="102000" algn="ctr" rotWithShape="0">
+              <a:prstClr val="black">
+                <a:alpha val="40000"/>
+              </a:prstClr>
+            </a:outerShdw>
+          </a:effectLst>
+        </p:spPr>
+      </p:pic>
+    </p:spTree>
+    <p:extLst>
+      <p:ext uri="{BB962C8B-B14F-4D97-AF65-F5344CB8AC3E}">
+        <p14:creationId xmlns:p14="http://schemas.microsoft.com/office/powerpoint/2010/main" val="1136863945"/>
+      </p:ext>
+    </p:extLst>
+  </p:cSld>
+  <p:clrMapOvr>
+    <a:masterClrMapping/>
+  </p:clrMapOvr>
+  <mc:AlternateContent xmlns:mc="http://schemas.openxmlformats.org/markup-compatibility/2006" xmlns:p14="http://schemas.microsoft.com/office/powerpoint/2010/main">
+    <mc:Choice Requires="p14">
+      <p:transition spd="med" p14:dur="700">
+        <p:fade/>
+      </p:transition>
+    </mc:Choice>
+    <mc:Fallback xmlns="">
+      <p:transition spd="med">
+        <p:fade/>
+      </p:transition>
+    </mc:Fallback>
+  </mc:AlternateContent>
+  <p:timing>
+    <p:tnLst>
+      <p:par>
+        <p:cTn id="1" dur="indefinite" restart="never" nodeType="tmRoot">
+          <p:childTnLst>
+            <p:seq concurrent="1" nextAc="seek">
+              <p:cTn id="2" dur="indefinite" nodeType="mainSeq">
+                <p:childTnLst>
+                  <p:par>
+                    <p:cTn id="3" fill="hold">
+                      <p:stCondLst>
+                        <p:cond delay="indefinite"/>
+                      </p:stCondLst>
+                      <p:childTnLst>
+                        <p:par>
+                          <p:cTn id="4" fill="hold">
+                            <p:stCondLst>
+                              <p:cond delay="0"/>
+                            </p:stCondLst>
+                            <p:childTnLst>
+                              <p:par>
+                                <p:cTn id="5" presetID="2" presetClass="entr" presetSubtype="4" fill="hold" grpId="0" nodeType="clickEffect">
+                                  <p:stCondLst>
+                                    <p:cond delay="0"/>
+                                  </p:stCondLst>
+                                  <p:childTnLst>
+                                    <p:set>
+                                      <p:cBhvr>
+                                        <p:cTn id="6" dur="1" fill="hold">
+                                          <p:stCondLst>
+                                            <p:cond delay="0"/>
+                                          </p:stCondLst>
+                                        </p:cTn>
+                                        <p:tgtEl>
+                                          <p:spTgt spid="4"/>
+                                        </p:tgtEl>
+                                        <p:attrNameLst>
+                                          <p:attrName>style.visibility</p:attrName>
+                                        </p:attrNameLst>
+                                      </p:cBhvr>
+                                      <p:to>
+                                        <p:strVal val="visible"/>
+                                      </p:to>
+                                    </p:set>
+                                    <p:anim calcmode="lin" valueType="num">
+                                      <p:cBhvr additive="base">
+                                        <p:cTn id="7" dur="500" fill="hold"/>
+                                        <p:tgtEl>
+                                          <p:spTgt spid="4"/>
+                                        </p:tgtEl>
+                                        <p:attrNameLst>
+                                          <p:attrName>ppt_x</p:attrName>
+                                        </p:attrNameLst>
+                                      </p:cBhvr>
+                                      <p:tavLst>
+                                        <p:tav tm="0">
+                                          <p:val>
+                                            <p:strVal val="#ppt_x"/>
+                                          </p:val>
+                                        </p:tav>
+                                        <p:tav tm="100000">
+                                          <p:val>
+                                            <p:strVal val="#ppt_x"/>
+                                          </p:val>
+                                        </p:tav>
+                                      </p:tavLst>
+                                    </p:anim>
+                                    <p:anim calcmode="lin" valueType="num">
+                                      <p:cBhvr additive="base">
+                                        <p:cTn id="8" dur="500" fill="hold"/>
+                                        <p:tgtEl>
+                                          <p:spTgt spid="4"/>
+                                        </p:tgtEl>
+                                        <p:attrNameLst>
+                                          <p:attrName>ppt_y</p:attrName>
+                                        </p:attrNameLst>
+                                      </p:cBhvr>
+                                      <p:tavLst>
+                                        <p:tav tm="0">
+                                          <p:val>
+                                            <p:strVal val="1+#ppt_h/2"/>
+                                          </p:val>
+                                        </p:tav>
+                                        <p:tav tm="100000">
+                                          <p:val>
+                                            <p:strVal val="#ppt_y"/>
+                                          </p:val>
+                                        </p:tav>
+                                      </p:tavLst>
+                                    </p:anim>
+                                  </p:childTnLst>
+                                </p:cTn>
+                              </p:par>
+                            </p:childTnLst>
+                          </p:cTn>
+                        </p:par>
+                      </p:childTnLst>
+                    </p:cTn>
+                  </p:par>
+                  <p:par>
+                    <p:cTn id="9" fill="hold">
+                      <p:stCondLst>
+                        <p:cond delay="indefinite"/>
+                      </p:stCondLst>
+                      <p:childTnLst>
+                        <p:par>
+                          <p:cTn id="10" fill="hold">
+                            <p:stCondLst>
+                              <p:cond delay="0"/>
+                            </p:stCondLst>
+                            <p:childTnLst>
+                              <p:par>
+                                <p:cTn id="11" presetID="2" presetClass="entr" presetSubtype="4" fill="hold" grpId="0" nodeType="clickEffect">
+                                  <p:stCondLst>
+                                    <p:cond delay="0"/>
+                                  </p:stCondLst>
+                                  <p:childTnLst>
+                                    <p:set>
+                                      <p:cBhvr>
+                                        <p:cTn id="12" dur="1" fill="hold">
+                                          <p:stCondLst>
+                                            <p:cond delay="0"/>
+                                          </p:stCondLst>
+                                        </p:cTn>
+                                        <p:tgtEl>
+                                          <p:spTgt spid="3">
+                                            <p:txEl>
+                                              <p:pRg st="0" end="0"/>
+                                            </p:txEl>
+                                          </p:spTgt>
+                                        </p:tgtEl>
+                                        <p:attrNameLst>
+                                          <p:attrName>style.visibility</p:attrName>
+                                        </p:attrNameLst>
+                                      </p:cBhvr>
+                                      <p:to>
+                                        <p:strVal val="visible"/>
+                                      </p:to>
+                                    </p:set>
+                                    <p:anim calcmode="lin" valueType="num">
+                                      <p:cBhvr additive="base">
+                                        <p:cTn id="13" dur="500" fill="hold"/>
+                                        <p:tgtEl>
+                                          <p:spTgt spid="3">
+                                            <p:txEl>
+                                              <p:pRg st="0" end="0"/>
+                                            </p:txEl>
+                                          </p:spTgt>
+                                        </p:tgtEl>
+                                        <p:attrNameLst>
+                                          <p:attrName>ppt_x</p:attrName>
+                                        </p:attrNameLst>
+                                      </p:cBhvr>
+                                      <p:tavLst>
+                                        <p:tav tm="0">
+                                          <p:val>
+                                            <p:strVal val="#ppt_x"/>
+                                          </p:val>
+                                        </p:tav>
+                                        <p:tav tm="100000">
+                                          <p:val>
+                                            <p:strVal val="#ppt_x"/>
+                                          </p:val>
+                                        </p:tav>
+                                      </p:tavLst>
+                                    </p:anim>
+                                    <p:anim calcmode="lin" valueType="num">
+                                      <p:cBhvr additive="base">
+                                        <p:cTn id="14" dur="500" fill="hold"/>
+                                        <p:tgtEl>
+                                          <p:spTgt spid="3">
+                                            <p:txEl>
+                                              <p:pRg st="0" end="0"/>
+                                            </p:txEl>
+                                          </p:spTgt>
+                                        </p:tgtEl>
+                                        <p:attrNameLst>
+                                          <p:attrName>ppt_y</p:attrName>
+                                        </p:attrNameLst>
+                                      </p:cBhvr>
+                                      <p:tavLst>
+                                        <p:tav tm="0">
+                                          <p:val>
+                                            <p:strVal val="1+#ppt_h/2"/>
+                                          </p:val>
+                                        </p:tav>
+                                        <p:tav tm="100000">
+                                          <p:val>
+                                            <p:strVal val="#ppt_y"/>
+                                          </p:val>
+                                        </p:tav>
+                                      </p:tavLst>
+                                    </p:anim>
+                                  </p:childTnLst>
+                                </p:cTn>
+                              </p:par>
+                            </p:childTnLst>
+                          </p:cTn>
+                        </p:par>
+                      </p:childTnLst>
+                    </p:cTn>
+                  </p:par>
+                  <p:par>
+                    <p:cTn id="15" fill="hold">
+                      <p:stCondLst>
+                        <p:cond delay="indefinite"/>
+                      </p:stCondLst>
+                      <p:childTnLst>
+                        <p:par>
+                          <p:cTn id="16" fill="hold">
+                            <p:stCondLst>
+                              <p:cond delay="0"/>
+                            </p:stCondLst>
+                            <p:childTnLst>
+                              <p:par>
+                                <p:cTn id="17" presetID="2" presetClass="entr" presetSubtype="4" fill="hold" grpId="0" nodeType="clickEffect">
+                                  <p:stCondLst>
+                                    <p:cond delay="0"/>
+                                  </p:stCondLst>
+                                  <p:childTnLst>
+                                    <p:set>
+                                      <p:cBhvr>
+                                        <p:cTn id="18" dur="1" fill="hold">
+                                          <p:stCondLst>
+                                            <p:cond delay="0"/>
+                                          </p:stCondLst>
+                                        </p:cTn>
+                                        <p:tgtEl>
+                                          <p:spTgt spid="3">
+                                            <p:txEl>
+                                              <p:pRg st="1" end="1"/>
+                                            </p:txEl>
+                                          </p:spTgt>
+                                        </p:tgtEl>
+                                        <p:attrNameLst>
+                                          <p:attrName>style.visibility</p:attrName>
+                                        </p:attrNameLst>
+                                      </p:cBhvr>
+                                      <p:to>
+                                        <p:strVal val="visible"/>
+                                      </p:to>
+                                    </p:set>
+                                    <p:anim calcmode="lin" valueType="num">
+                                      <p:cBhvr additive="base">
+                                        <p:cTn id="19" dur="500" fill="hold"/>
+                                        <p:tgtEl>
+                                          <p:spTgt spid="3">
+                                            <p:txEl>
+                                              <p:pRg st="1" end="1"/>
+                                            </p:txEl>
+                                          </p:spTgt>
+                                        </p:tgtEl>
+                                        <p:attrNameLst>
+                                          <p:attrName>ppt_x</p:attrName>
+                                        </p:attrNameLst>
+                                      </p:cBhvr>
+                                      <p:tavLst>
+                                        <p:tav tm="0">
+                                          <p:val>
+                                            <p:strVal val="#ppt_x"/>
+                                          </p:val>
+                                        </p:tav>
+                                        <p:tav tm="100000">
+                                          <p:val>
+                                            <p:strVal val="#ppt_x"/>
+                                          </p:val>
+                                        </p:tav>
+                                      </p:tavLst>
+                                    </p:anim>
+                                    <p:anim calcmode="lin" valueType="num">
+                                      <p:cBhvr additive="base">
+                                        <p:cTn id="20" dur="500" fill="hold"/>
+                                        <p:tgtEl>
+                                          <p:spTgt spid="3">
+                                            <p:txEl>
+                                              <p:pRg st="1" end="1"/>
+                                            </p:txEl>
+                                          </p:spTgt>
+                                        </p:tgtEl>
+                                        <p:attrNameLst>
+                                          <p:attrName>ppt_y</p:attrName>
+                                        </p:attrNameLst>
+                                      </p:cBhvr>
+                                      <p:tavLst>
+                                        <p:tav tm="0">
+                                          <p:val>
+                                            <p:strVal val="1+#ppt_h/2"/>
+                                          </p:val>
+                                        </p:tav>
+                                        <p:tav tm="100000">
+                                          <p:val>
+                                            <p:strVal val="#ppt_y"/>
+                                          </p:val>
+                                        </p:tav>
+                                      </p:tavLst>
+                                    </p:anim>
+                                  </p:childTnLst>
+                                </p:cTn>
+                              </p:par>
+                            </p:childTnLst>
+                          </p:cTn>
+                        </p:par>
+                      </p:childTnLst>
+                    </p:cTn>
+                  </p:par>
+                  <p:par>
+                    <p:cTn id="21" fill="hold">
+                      <p:stCondLst>
+                        <p:cond delay="indefinite"/>
+                      </p:stCondLst>
+                      <p:childTnLst>
+                        <p:par>
+                          <p:cTn id="22" fill="hold">
+                            <p:stCondLst>
+                              <p:cond delay="0"/>
+                            </p:stCondLst>
+                            <p:childTnLst>
+                              <p:par>
+                                <p:cTn id="23" presetID="2" presetClass="entr" presetSubtype="4" fill="hold" grpId="0" nodeType="clickEffect">
+                                  <p:stCondLst>
+                                    <p:cond delay="0"/>
+                                  </p:stCondLst>
+                                  <p:childTnLst>
+                                    <p:set>
+                                      <p:cBhvr>
+                                        <p:cTn id="24" dur="1" fill="hold">
+                                          <p:stCondLst>
+                                            <p:cond delay="0"/>
+                                          </p:stCondLst>
+                                        </p:cTn>
+                                        <p:tgtEl>
+                                          <p:spTgt spid="3">
+                                            <p:txEl>
+                                              <p:pRg st="2" end="2"/>
+                                            </p:txEl>
+                                          </p:spTgt>
+                                        </p:tgtEl>
+                                        <p:attrNameLst>
+                                          <p:attrName>style.visibility</p:attrName>
+                                        </p:attrNameLst>
+                                      </p:cBhvr>
+                                      <p:to>
+                                        <p:strVal val="visible"/>
+                                      </p:to>
+                                    </p:set>
+                                    <p:anim calcmode="lin" valueType="num">
+                                      <p:cBhvr additive="base">
+                                        <p:cTn id="25" dur="500" fill="hold"/>
+                                        <p:tgtEl>
+                                          <p:spTgt spid="3">
+                                            <p:txEl>
+                                              <p:pRg st="2" end="2"/>
+                                            </p:txEl>
+                                          </p:spTgt>
+                                        </p:tgtEl>
+                                        <p:attrNameLst>
+                                          <p:attrName>ppt_x</p:attrName>
+                                        </p:attrNameLst>
+                                      </p:cBhvr>
+                                      <p:tavLst>
+                                        <p:tav tm="0">
+                                          <p:val>
+                                            <p:strVal val="#ppt_x"/>
+                                          </p:val>
+                                        </p:tav>
+                                        <p:tav tm="100000">
+                                          <p:val>
+                                            <p:strVal val="#ppt_x"/>
+                                          </p:val>
+                                        </p:tav>
+                                      </p:tavLst>
+                                    </p:anim>
+                                    <p:anim calcmode="lin" valueType="num">
+                                      <p:cBhvr additive="base">
+                                        <p:cTn id="26" dur="500" fill="hold"/>
+                                        <p:tgtEl>
+                                          <p:spTgt spid="3">
+                                            <p:txEl>
+                                              <p:pRg st="2" end="2"/>
+                                            </p:txEl>
+                                          </p:spTgt>
+                                        </p:tgtEl>
+                                        <p:attrNameLst>
+                                          <p:attrName>ppt_y</p:attrName>
+                                        </p:attrNameLst>
+                                      </p:cBhvr>
+                                      <p:tavLst>
+                                        <p:tav tm="0">
+                                          <p:val>
+                                            <p:strVal val="1+#ppt_h/2"/>
+                                          </p:val>
+                                        </p:tav>
+                                        <p:tav tm="100000">
+                                          <p:val>
+                                            <p:strVal val="#ppt_y"/>
+                                          </p:val>
+                                        </p:tav>
+                                      </p:tavLst>
+                                    </p:anim>
+                                  </p:childTnLst>
+                                </p:cTn>
+                              </p:par>
+                            </p:childTnLst>
+                          </p:cTn>
+                        </p:par>
+                      </p:childTnLst>
+                    </p:cTn>
+                  </p:par>
+                  <p:par>
+                    <p:cTn id="27" fill="hold">
+                      <p:stCondLst>
+                        <p:cond delay="indefinite"/>
+                      </p:stCondLst>
+                      <p:childTnLst>
+                        <p:par>
+                          <p:cTn id="28" fill="hold">
+                            <p:stCondLst>
+                              <p:cond delay="0"/>
+                            </p:stCondLst>
+                            <p:childTnLst>
+                              <p:par>
+                                <p:cTn id="29" presetID="2" presetClass="entr" presetSubtype="4" fill="hold" grpId="0" nodeType="clickEffect">
+                                  <p:stCondLst>
+                                    <p:cond delay="0"/>
+                                  </p:stCondLst>
+                                  <p:childTnLst>
+                                    <p:set>
+                                      <p:cBhvr>
+                                        <p:cTn id="30" dur="1" fill="hold">
+                                          <p:stCondLst>
+                                            <p:cond delay="0"/>
+                                          </p:stCondLst>
+                                        </p:cTn>
+                                        <p:tgtEl>
+                                          <p:spTgt spid="3">
+                                            <p:txEl>
+                                              <p:pRg st="3" end="3"/>
+                                            </p:txEl>
+                                          </p:spTgt>
+                                        </p:tgtEl>
+                                        <p:attrNameLst>
+                                          <p:attrName>style.visibility</p:attrName>
+                                        </p:attrNameLst>
+                                      </p:cBhvr>
+                                      <p:to>
+                                        <p:strVal val="visible"/>
+                                      </p:to>
+                                    </p:set>
+                                    <p:anim calcmode="lin" valueType="num">
+                                      <p:cBhvr additive="base">
+                                        <p:cTn id="31" dur="500" fill="hold"/>
+                                        <p:tgtEl>
+                                          <p:spTgt spid="3">
+                                            <p:txEl>
+                                              <p:pRg st="3" end="3"/>
+                                            </p:txEl>
+                                          </p:spTgt>
+                                        </p:tgtEl>
+                                        <p:attrNameLst>
+                                          <p:attrName>ppt_x</p:attrName>
+                                        </p:attrNameLst>
+                                      </p:cBhvr>
+                                      <p:tavLst>
+                                        <p:tav tm="0">
+                                          <p:val>
+                                            <p:strVal val="#ppt_x"/>
+                                          </p:val>
+                                        </p:tav>
+                                        <p:tav tm="100000">
+                                          <p:val>
+                                            <p:strVal val="#ppt_x"/>
+                                          </p:val>
+                                        </p:tav>
+                                      </p:tavLst>
+                                    </p:anim>
+                                    <p:anim calcmode="lin" valueType="num">
+                                      <p:cBhvr additive="base">
+                                        <p:cTn id="32" dur="500" fill="hold"/>
+                                        <p:tgtEl>
+                                          <p:spTgt spid="3">
+                                            <p:txEl>
+                                              <p:pRg st="3" end="3"/>
+                                            </p:txEl>
+                                          </p:spTgt>
+                                        </p:tgtEl>
+                                        <p:attrNameLst>
+                                          <p:attrName>ppt_y</p:attrName>
+                                        </p:attrNameLst>
+                                      </p:cBhvr>
+                                      <p:tavLst>
+                                        <p:tav tm="0">
+                                          <p:val>
+                                            <p:strVal val="1+#ppt_h/2"/>
+                                          </p:val>
+                                        </p:tav>
+                                        <p:tav tm="100000">
+                                          <p:val>
+                                            <p:strVal val="#ppt_y"/>
+                                          </p:val>
+                                        </p:tav>
+                                      </p:tavLst>
+                                    </p:anim>
+                                  </p:childTnLst>
+                                </p:cTn>
+                              </p:par>
+                            </p:childTnLst>
+                          </p:cTn>
+                        </p:par>
+                      </p:childTnLst>
+                    </p:cTn>
+                  </p:par>
+                  <p:par>
+                    <p:cTn id="33" fill="hold">
+                      <p:stCondLst>
+                        <p:cond delay="indefinite"/>
+                      </p:stCondLst>
+                      <p:childTnLst>
+                        <p:par>
+                          <p:cTn id="34" fill="hold">
+                            <p:stCondLst>
+                              <p:cond delay="0"/>
+                            </p:stCondLst>
+                            <p:childTnLst>
+                              <p:par>
+                                <p:cTn id="35" presetID="2" presetClass="entr" presetSubtype="4" fill="hold" grpId="0" nodeType="clickEffect">
+                                  <p:stCondLst>
+                                    <p:cond delay="0"/>
+                                  </p:stCondLst>
+                                  <p:childTnLst>
+                                    <p:set>
+                                      <p:cBhvr>
+                                        <p:cTn id="36" dur="1" fill="hold">
+                                          <p:stCondLst>
+                                            <p:cond delay="0"/>
+                                          </p:stCondLst>
+                                        </p:cTn>
+                                        <p:tgtEl>
+                                          <p:spTgt spid="3">
+                                            <p:txEl>
+                                              <p:pRg st="4" end="4"/>
+                                            </p:txEl>
+                                          </p:spTgt>
+                                        </p:tgtEl>
+                                        <p:attrNameLst>
+                                          <p:attrName>style.visibility</p:attrName>
+                                        </p:attrNameLst>
+                                      </p:cBhvr>
+                                      <p:to>
+                                        <p:strVal val="visible"/>
+                                      </p:to>
+                                    </p:set>
+                                    <p:anim calcmode="lin" valueType="num">
+                                      <p:cBhvr additive="base">
+                                        <p:cTn id="37" dur="500" fill="hold"/>
+                                        <p:tgtEl>
+                                          <p:spTgt spid="3">
+                                            <p:txEl>
+                                              <p:pRg st="4" end="4"/>
+                                            </p:txEl>
+                                          </p:spTgt>
+                                        </p:tgtEl>
+                                        <p:attrNameLst>
+                                          <p:attrName>ppt_x</p:attrName>
+                                        </p:attrNameLst>
+                                      </p:cBhvr>
+                                      <p:tavLst>
+                                        <p:tav tm="0">
+                                          <p:val>
+                                            <p:strVal val="#ppt_x"/>
+                                          </p:val>
+                                        </p:tav>
+                                        <p:tav tm="100000">
+                                          <p:val>
+                                            <p:strVal val="#ppt_x"/>
+                                          </p:val>
+                                        </p:tav>
+                                      </p:tavLst>
+                                    </p:anim>
+                                    <p:anim calcmode="lin" valueType="num">
+                                      <p:cBhvr additive="base">
+                                        <p:cTn id="38" dur="500" fill="hold"/>
+                                        <p:tgtEl>
+                                          <p:spTgt spid="3">
+                                            <p:txEl>
+                                              <p:pRg st="4" end="4"/>
+                                            </p:txEl>
+                                          </p:spTgt>
+                                        </p:tgtEl>
+                                        <p:attrNameLst>
+                                          <p:attrName>ppt_y</p:attrName>
+                                        </p:attrNameLst>
+                                      </p:cBhvr>
+                                      <p:tavLst>
+                                        <p:tav tm="0">
+                                          <p:val>
+                                            <p:strVal val="1+#ppt_h/2"/>
+                                          </p:val>
+                                        </p:tav>
+                                        <p:tav tm="100000">
+                                          <p:val>
+                                            <p:strVal val="#ppt_y"/>
+                                          </p:val>
+                                        </p:tav>
+                                      </p:tavLst>
+                                    </p:anim>
+                                  </p:childTnLst>
+                                </p:cTn>
+                              </p:par>
+                            </p:childTnLst>
+                          </p:cTn>
+                        </p:par>
+                      </p:childTnLst>
+                    </p:cTn>
+                  </p:par>
+                  <p:par>
+                    <p:cTn id="39" fill="hold">
+                      <p:stCondLst>
+                        <p:cond delay="indefinite"/>
+                      </p:stCondLst>
+                      <p:childTnLst>
+                        <p:par>
+                          <p:cTn id="40" fill="hold">
+                            <p:stCondLst>
+                              <p:cond delay="0"/>
+                            </p:stCondLst>
+                            <p:childTnLst>
+                              <p:par>
+                                <p:cTn id="41" presetID="42" presetClass="entr" presetSubtype="0" fill="hold" nodeType="clickEffect">
+                                  <p:stCondLst>
+                                    <p:cond delay="0"/>
+                                  </p:stCondLst>
+                                  <p:childTnLst>
+                                    <p:set>
+                                      <p:cBhvr>
+                                        <p:cTn id="42" dur="1" fill="hold">
+                                          <p:stCondLst>
+                                            <p:cond delay="0"/>
+                                          </p:stCondLst>
+                                        </p:cTn>
+                                        <p:tgtEl>
+                                          <p:spTgt spid="2"/>
+                                        </p:tgtEl>
+                                        <p:attrNameLst>
+                                          <p:attrName>style.visibility</p:attrName>
+                                        </p:attrNameLst>
+                                      </p:cBhvr>
+                                      <p:to>
+                                        <p:strVal val="visible"/>
+                                      </p:to>
+                                    </p:set>
+                                    <p:animEffect transition="in" filter="fade">
+                                      <p:cBhvr>
+                                        <p:cTn id="43" dur="1000"/>
+                                        <p:tgtEl>
+                                          <p:spTgt spid="2"/>
+                                        </p:tgtEl>
+                                      </p:cBhvr>
+                                    </p:animEffect>
+                                    <p:anim calcmode="lin" valueType="num">
+                                      <p:cBhvr>
+                                        <p:cTn id="44" dur="1000" fill="hold"/>
+                                        <p:tgtEl>
+                                          <p:spTgt spid="2"/>
+                                        </p:tgtEl>
+                                        <p:attrNameLst>
+                                          <p:attrName>ppt_x</p:attrName>
+                                        </p:attrNameLst>
+                                      </p:cBhvr>
+                                      <p:tavLst>
+                                        <p:tav tm="0">
+                                          <p:val>
+                                            <p:strVal val="#ppt_x"/>
+                                          </p:val>
+                                        </p:tav>
+                                        <p:tav tm="100000">
+                                          <p:val>
+                                            <p:strVal val="#ppt_x"/>
+                                          </p:val>
+                                        </p:tav>
+                                      </p:tavLst>
+                                    </p:anim>
+                                    <p:anim calcmode="lin" valueType="num">
+                                      <p:cBhvr>
+                                        <p:cTn id="45" dur="1000" fill="hold"/>
+                                        <p:tgtEl>
+                                          <p:spTgt spid="2"/>
+                                        </p:tgtEl>
+                                        <p:attrNameLst>
+                                          <p:attrName>ppt_y</p:attrName>
+                                        </p:attrNameLst>
+                                      </p:cBhvr>
+                                      <p:tavLst>
+                                        <p:tav tm="0">
+                                          <p:val>
+                                            <p:strVal val="#ppt_y+.1"/>
+                                          </p:val>
+                                        </p:tav>
+                                        <p:tav tm="100000">
+                                          <p:val>
+                                            <p:strVal val="#ppt_y"/>
+                                          </p:val>
+                                        </p:tav>
+                                      </p:tavLst>
+                                    </p:anim>
+                                  </p:childTnLst>
+                                </p:cTn>
+                              </p:par>
+                            </p:childTnLst>
+                          </p:cTn>
+                        </p:par>
+                      </p:childTnLst>
+                    </p:cTn>
+                  </p:par>
+                </p:childTnLst>
+              </p:cTn>
+              <p:prevCondLst>
+                <p:cond evt="onPrev" delay="0">
+                  <p:tgtEl>
+                    <p:sldTgt/>
+                  </p:tgtEl>
+                </p:cond>
+              </p:prevCondLst>
+              <p:nextCondLst>
+                <p:cond evt="onNext" delay="0">
+                  <p:tgtEl>
+                    <p:sldTgt/>
+                  </p:tgtEl>
+                </p:cond>
+              </p:nextCondLst>
+            </p:seq>
+          </p:childTnLst>
+        </p:cTn>
+      </p:par>
+    </p:tnLst>
+    <p:bldLst>
+      <p:bldP spid="4" grpId="0"/>
+      <p:bldP spid="3" grpId="0" build="p"/>
+    </p:bldLst>
+  </p:timing>
+</p:sld>
+</file>
+
+<file path=ppt/slides/slide11.xml><?xml version="1.0" encoding="utf-8"?>
 <p:sld xmlns:a="http://schemas.openxmlformats.org/drawingml/2006/main" xmlns:r="http://schemas.openxmlformats.org/officeDocument/2006/relationships" xmlns:p="http://schemas.openxmlformats.org/presentationml/2006/main">
   <p:cSld>
     <p:spTree>
@@ -14708,7 +15641,7 @@
 </p:sld>
 </file>
 
-<file path=ppt/slides/slide11.xml><?xml version="1.0" encoding="utf-8"?>
+<file path=ppt/slides/slide12.xml><?xml version="1.0" encoding="utf-8"?>
 <p:sld xmlns:a="http://schemas.openxmlformats.org/drawingml/2006/main" xmlns:r="http://schemas.openxmlformats.org/officeDocument/2006/relationships" xmlns:p="http://schemas.openxmlformats.org/presentationml/2006/main">
   <p:cSld>
     <p:spTree>
@@ -15321,7 +16254,7 @@
 </p:sld>
 </file>
 
-<file path=ppt/slides/slide12.xml><?xml version="1.0" encoding="utf-8"?>
+<file path=ppt/slides/slide13.xml><?xml version="1.0" encoding="utf-8"?>
 <p:sld xmlns:a="http://schemas.openxmlformats.org/drawingml/2006/main" xmlns:r="http://schemas.openxmlformats.org/officeDocument/2006/relationships" xmlns:p="http://schemas.openxmlformats.org/presentationml/2006/main">
   <p:cSld>
     <p:spTree>
@@ -16242,7 +17175,7 @@
 </p:sld>
 </file>
 
-<file path=ppt/slides/slide13.xml><?xml version="1.0" encoding="utf-8"?>
+<file path=ppt/slides/slide14.xml><?xml version="1.0" encoding="utf-8"?>
 <p:sld xmlns:a="http://schemas.openxmlformats.org/drawingml/2006/main" xmlns:r="http://schemas.openxmlformats.org/officeDocument/2006/relationships" xmlns:p="http://schemas.openxmlformats.org/presentationml/2006/main">
   <p:cSld>
     <p:spTree>
@@ -17406,7 +18339,7 @@
 </p:sld>
 </file>
 
-<file path=ppt/slides/slide14.xml><?xml version="1.0" encoding="utf-8"?>
+<file path=ppt/slides/slide15.xml><?xml version="1.0" encoding="utf-8"?>
 <p:sld xmlns:a="http://schemas.openxmlformats.org/drawingml/2006/main" xmlns:r="http://schemas.openxmlformats.org/officeDocument/2006/relationships" xmlns:p="http://schemas.openxmlformats.org/presentationml/2006/main">
   <p:cSld>
     <p:spTree>
@@ -17498,6 +18431,16 @@
             </a:r>
           </a:p>
           <a:p>
+            <a:pPr lvl="1">
+              <a:buFont typeface="Wingdings" panose="05000000000000000000" pitchFamily="2" charset="2"/>
+              <a:buChar char="§"/>
+            </a:pPr>
+            <a:r>
+              <a:rPr lang="en-IN" dirty="0"/>
+              <a:t>https://www.cyberciti.biz/faq/understanding-etcpasswd-file-format/</a:t>
+            </a:r>
+          </a:p>
+          <a:p>
             <a:r>
               <a:rPr lang="en-IN" dirty="0"/>
               <a:t>Top 50 Linux commands</a:t>
@@ -17508,6 +18451,29 @@
               <a:rPr lang="en-IN" dirty="0"/>
               <a:t>Ubuntu package manager cheat sheet</a:t>
             </a:r>
+          </a:p>
+          <a:p>
+            <a:r>
+              <a:rPr lang="en-IN" dirty="0"/>
+              <a:t>Monolithic </a:t>
+            </a:r>
+            <a:r>
+              <a:rPr lang="en-IN"/>
+              <a:t>vs Microservice - </a:t>
+            </a:r>
+            <a:r>
+              <a:rPr lang="en-IN">
+                <a:hlinkClick r:id="rId2"/>
+              </a:rPr>
+              <a:t>https://www.openlegacy.com/blog/monolithic-application</a:t>
+            </a:r>
+            <a:endParaRPr lang="en-IN"/>
+          </a:p>
+          <a:p>
+            <a:pPr marL="0" indent="0">
+              <a:buNone/>
+            </a:pPr>
+            <a:endParaRPr lang="en-IN" dirty="0"/>
           </a:p>
           <a:p>
             <a:endParaRPr lang="en-IN" dirty="0"/>
@@ -18214,6 +19180,137 @@
 </file>
 
 <file path=ppt/slides/slide4.xml><?xml version="1.0" encoding="utf-8"?>
+<p:sld xmlns:a="http://schemas.openxmlformats.org/drawingml/2006/main" xmlns:r="http://schemas.openxmlformats.org/officeDocument/2006/relationships" xmlns:p="http://schemas.openxmlformats.org/presentationml/2006/main">
+  <p:cSld>
+    <p:spTree>
+      <p:nvGrpSpPr>
+        <p:cNvPr id="1" name=""/>
+        <p:cNvGrpSpPr/>
+        <p:nvPr/>
+      </p:nvGrpSpPr>
+      <p:grpSpPr>
+        <a:xfrm>
+          <a:off x="0" y="0"/>
+          <a:ext cx="0" cy="0"/>
+          <a:chOff x="0" y="0"/>
+          <a:chExt cx="0" cy="0"/>
+        </a:xfrm>
+      </p:grpSpPr>
+      <p:sp>
+        <p:nvSpPr>
+          <p:cNvPr id="2" name="Title 1">
+            <a:extLst>
+              <a:ext uri="{FF2B5EF4-FFF2-40B4-BE49-F238E27FC236}">
+                <a16:creationId xmlns:a16="http://schemas.microsoft.com/office/drawing/2014/main" id="{71EDC049-2F3D-556E-A287-758B7FBC5BF4}"/>
+              </a:ext>
+            </a:extLst>
+          </p:cNvPr>
+          <p:cNvSpPr>
+            <a:spLocks noGrp="1"/>
+          </p:cNvSpPr>
+          <p:nvPr>
+            <p:ph type="title"/>
+          </p:nvPr>
+        </p:nvSpPr>
+        <p:spPr/>
+        <p:txBody>
+          <a:bodyPr/>
+          <a:lstStyle/>
+          <a:p>
+            <a:r>
+              <a:rPr lang="en-US" dirty="0"/>
+              <a:t>APPLICATION ARCHITECTURE</a:t>
+            </a:r>
+            <a:endParaRPr lang="en-IN" dirty="0"/>
+          </a:p>
+        </p:txBody>
+      </p:sp>
+      <p:pic>
+        <p:nvPicPr>
+          <p:cNvPr id="5" name="Picture 4">
+            <a:extLst>
+              <a:ext uri="{FF2B5EF4-FFF2-40B4-BE49-F238E27FC236}">
+                <a16:creationId xmlns:a16="http://schemas.microsoft.com/office/drawing/2014/main" id="{A35DECC4-DA96-D816-2ABF-D7EE773A1EB4}"/>
+              </a:ext>
+            </a:extLst>
+          </p:cNvPr>
+          <p:cNvPicPr>
+            <a:picLocks noChangeAspect="1"/>
+          </p:cNvPicPr>
+          <p:nvPr/>
+        </p:nvPicPr>
+        <p:blipFill>
+          <a:blip r:embed="rId2">
+            <a:extLst>
+              <a:ext uri="{28A0092B-C50C-407E-A947-70E740481C1C}">
+                <a14:useLocalDpi xmlns:a14="http://schemas.microsoft.com/office/drawing/2010/main" val="0"/>
+              </a:ext>
+            </a:extLst>
+          </a:blip>
+          <a:stretch>
+            <a:fillRect/>
+          </a:stretch>
+        </p:blipFill>
+        <p:spPr>
+          <a:xfrm>
+            <a:off x="420365" y="2293034"/>
+            <a:ext cx="5502133" cy="4564966"/>
+          </a:xfrm>
+          <a:prstGeom prst="rect">
+            <a:avLst/>
+          </a:prstGeom>
+        </p:spPr>
+      </p:pic>
+      <p:pic>
+        <p:nvPicPr>
+          <p:cNvPr id="7" name="Picture 6">
+            <a:extLst>
+              <a:ext uri="{FF2B5EF4-FFF2-40B4-BE49-F238E27FC236}">
+                <a16:creationId xmlns:a16="http://schemas.microsoft.com/office/drawing/2014/main" id="{B7761B91-EC67-AD41-EC19-2C854D1C0C7C}"/>
+              </a:ext>
+            </a:extLst>
+          </p:cNvPr>
+          <p:cNvPicPr>
+            <a:picLocks noChangeAspect="1"/>
+          </p:cNvPicPr>
+          <p:nvPr/>
+        </p:nvPicPr>
+        <p:blipFill>
+          <a:blip r:embed="rId3">
+            <a:extLst>
+              <a:ext uri="{28A0092B-C50C-407E-A947-70E740481C1C}">
+                <a14:useLocalDpi xmlns:a14="http://schemas.microsoft.com/office/drawing/2010/main" val="0"/>
+              </a:ext>
+            </a:extLst>
+          </a:blip>
+          <a:stretch>
+            <a:fillRect/>
+          </a:stretch>
+        </p:blipFill>
+        <p:spPr>
+          <a:xfrm>
+            <a:off x="6096000" y="2349304"/>
+            <a:ext cx="5783751" cy="4389121"/>
+          </a:xfrm>
+          <a:prstGeom prst="rect">
+            <a:avLst/>
+          </a:prstGeom>
+        </p:spPr>
+      </p:pic>
+    </p:spTree>
+    <p:extLst>
+      <p:ext uri="{BB962C8B-B14F-4D97-AF65-F5344CB8AC3E}">
+        <p14:creationId xmlns:p14="http://schemas.microsoft.com/office/powerpoint/2010/main" val="1043434064"/>
+      </p:ext>
+    </p:extLst>
+  </p:cSld>
+  <p:clrMapOvr>
+    <a:masterClrMapping/>
+  </p:clrMapOvr>
+</p:sld>
+</file>
+
+<file path=ppt/slides/slide5.xml><?xml version="1.0" encoding="utf-8"?>
 <p:sld xmlns:a="http://schemas.openxmlformats.org/drawingml/2006/main" xmlns:r="http://schemas.openxmlformats.org/officeDocument/2006/relationships" xmlns:p="http://schemas.openxmlformats.org/presentationml/2006/main">
   <p:cSld>
     <p:spTree>
@@ -18873,7 +19970,7 @@
 </p:sld>
 </file>
 
-<file path=ppt/slides/slide5.xml><?xml version="1.0" encoding="utf-8"?>
+<file path=ppt/slides/slide6.xml><?xml version="1.0" encoding="utf-8"?>
 <p:sld xmlns:a="http://schemas.openxmlformats.org/drawingml/2006/main" xmlns:r="http://schemas.openxmlformats.org/officeDocument/2006/relationships" xmlns:p="http://schemas.openxmlformats.org/presentationml/2006/main">
   <p:cSld>
     <p:spTree>
@@ -19119,7 +20216,7 @@
 </p:sld>
 </file>
 
-<file path=ppt/slides/slide6.xml><?xml version="1.0" encoding="utf-8"?>
+<file path=ppt/slides/slide7.xml><?xml version="1.0" encoding="utf-8"?>
 <p:sld xmlns:a="http://schemas.openxmlformats.org/drawingml/2006/main" xmlns:r="http://schemas.openxmlformats.org/officeDocument/2006/relationships" xmlns:p="http://schemas.openxmlformats.org/presentationml/2006/main">
   <p:cSld>
     <p:spTree>
@@ -19481,7 +20578,7 @@
 </p:sld>
 </file>
 
-<file path=ppt/slides/slide7.xml><?xml version="1.0" encoding="utf-8"?>
+<file path=ppt/slides/slide8.xml><?xml version="1.0" encoding="utf-8"?>
 <p:sld xmlns:a="http://schemas.openxmlformats.org/drawingml/2006/main" xmlns:r="http://schemas.openxmlformats.org/officeDocument/2006/relationships" xmlns:p="http://schemas.openxmlformats.org/presentationml/2006/main">
   <p:cSld>
     <p:spTree>
@@ -20514,7 +21611,7 @@
 </p:sld>
 </file>
 
-<file path=ppt/slides/slide8.xml><?xml version="1.0" encoding="utf-8"?>
+<file path=ppt/slides/slide9.xml><?xml version="1.0" encoding="utf-8"?>
 <p:sld xmlns:a="http://schemas.openxmlformats.org/drawingml/2006/main" xmlns:r="http://schemas.openxmlformats.org/officeDocument/2006/relationships" xmlns:p="http://schemas.openxmlformats.org/presentationml/2006/main">
   <p:cSld>
     <p:spTree>
@@ -21430,938 +22527,6 @@
 </p:sld>
 </file>
 
-<file path=ppt/slides/slide9.xml><?xml version="1.0" encoding="utf-8"?>
-<p:sld xmlns:a="http://schemas.openxmlformats.org/drawingml/2006/main" xmlns:r="http://schemas.openxmlformats.org/officeDocument/2006/relationships" xmlns:p="http://schemas.openxmlformats.org/presentationml/2006/main">
-  <p:cSld>
-    <p:spTree>
-      <p:nvGrpSpPr>
-        <p:cNvPr id="1" name=""/>
-        <p:cNvGrpSpPr/>
-        <p:nvPr/>
-      </p:nvGrpSpPr>
-      <p:grpSpPr>
-        <a:xfrm>
-          <a:off x="0" y="0"/>
-          <a:ext cx="0" cy="0"/>
-          <a:chOff x="0" y="0"/>
-          <a:chExt cx="0" cy="0"/>
-        </a:xfrm>
-      </p:grpSpPr>
-      <p:sp>
-        <p:nvSpPr>
-          <p:cNvPr id="4" name="Title 1">
-            <a:extLst>
-              <a:ext uri="{FF2B5EF4-FFF2-40B4-BE49-F238E27FC236}">
-                <a16:creationId xmlns:a16="http://schemas.microsoft.com/office/drawing/2014/main" id="{84823479-A31A-9A25-B7F5-EFCABE23D8F6}"/>
-              </a:ext>
-            </a:extLst>
-          </p:cNvPr>
-          <p:cNvSpPr>
-            <a:spLocks noGrp="1"/>
-          </p:cNvSpPr>
-          <p:nvPr>
-            <p:ph type="title"/>
-          </p:nvPr>
-        </p:nvSpPr>
-        <p:spPr>
-          <a:xfrm>
-            <a:off x="832976" y="929923"/>
-            <a:ext cx="8761413" cy="706964"/>
-          </a:xfrm>
-        </p:spPr>
-        <p:txBody>
-          <a:bodyPr>
-            <a:normAutofit/>
-          </a:bodyPr>
-          <a:lstStyle/>
-          <a:p>
-            <a:r>
-              <a:rPr lang="en-US" dirty="0"/>
-              <a:t>DOCKER CONTAINER</a:t>
-            </a:r>
-            <a:endParaRPr lang="en-IN" dirty="0"/>
-          </a:p>
-        </p:txBody>
-      </p:sp>
-      <p:sp>
-        <p:nvSpPr>
-          <p:cNvPr id="3" name="Content Placeholder 2"/>
-          <p:cNvSpPr>
-            <a:spLocks noGrp="1"/>
-          </p:cNvSpPr>
-          <p:nvPr>
-            <p:ph idx="1"/>
-          </p:nvPr>
-        </p:nvSpPr>
-        <p:spPr>
-          <a:xfrm>
-            <a:off x="395118" y="2278499"/>
-            <a:ext cx="10017361" cy="3836697"/>
-          </a:xfrm>
-        </p:spPr>
-        <p:txBody>
-          <a:bodyPr anchor="t"/>
-          <a:lstStyle/>
-          <a:p>
-            <a:r>
-              <a:rPr lang="en-US" dirty="0">
-                <a:solidFill>
-                  <a:srgbClr val="31859C"/>
-                </a:solidFill>
-              </a:rPr>
-              <a:t>Isolated application platform</a:t>
-            </a:r>
-          </a:p>
-          <a:p>
-            <a:r>
-              <a:rPr lang="en-US" dirty="0">
-                <a:solidFill>
-                  <a:srgbClr val="31859C"/>
-                </a:solidFill>
-              </a:rPr>
-              <a:t>Containers everything needed to run you application</a:t>
-            </a:r>
-          </a:p>
-          <a:p>
-            <a:r>
-              <a:rPr lang="en-US" dirty="0">
-                <a:solidFill>
-                  <a:srgbClr val="31859C"/>
-                </a:solidFill>
-              </a:rPr>
-              <a:t>Based on one or more images</a:t>
-            </a:r>
-          </a:p>
-          <a:p>
-            <a:r>
-              <a:rPr lang="en-US" dirty="0">
-                <a:solidFill>
-                  <a:srgbClr val="31859C"/>
-                </a:solidFill>
-              </a:rPr>
-              <a:t>Docker containers launched from Docker image</a:t>
-            </a:r>
-          </a:p>
-          <a:p>
-            <a:r>
-              <a:rPr lang="en-US" dirty="0">
-                <a:solidFill>
-                  <a:srgbClr val="31859C"/>
-                </a:solidFill>
-              </a:rPr>
-              <a:t>When Docker container runs, it adds a read-write layer on top of the image</a:t>
-            </a:r>
-          </a:p>
-        </p:txBody>
-      </p:sp>
-      <p:pic>
-        <p:nvPicPr>
-          <p:cNvPr id="2" name="Picture 1"/>
-          <p:cNvPicPr>
-            <a:picLocks noChangeAspect="1"/>
-          </p:cNvPicPr>
-          <p:nvPr/>
-        </p:nvPicPr>
-        <p:blipFill>
-          <a:blip r:embed="rId2">
-            <a:alphaModFix/>
-            <a:extLst>
-              <a:ext uri="{28A0092B-C50C-407E-A947-70E740481C1C}">
-                <a14:useLocalDpi xmlns:a14="http://schemas.microsoft.com/office/drawing/2010/main" val="0"/>
-              </a:ext>
-            </a:extLst>
-          </a:blip>
-          <a:stretch>
-            <a:fillRect/>
-          </a:stretch>
-        </p:blipFill>
-        <p:spPr>
-          <a:xfrm>
-            <a:off x="4796590" y="4405395"/>
-            <a:ext cx="6976980" cy="2277353"/>
-          </a:xfrm>
-          <a:prstGeom prst="rect">
-            <a:avLst/>
-          </a:prstGeom>
-          <a:noFill/>
-          <a:ln>
-            <a:solidFill>
-              <a:schemeClr val="tx1"/>
-            </a:solidFill>
-          </a:ln>
-          <a:effectLst>
-            <a:outerShdw blurRad="63500" sx="102000" sy="102000" algn="ctr" rotWithShape="0">
-              <a:prstClr val="black">
-                <a:alpha val="40000"/>
-              </a:prstClr>
-            </a:outerShdw>
-          </a:effectLst>
-        </p:spPr>
-      </p:pic>
-    </p:spTree>
-    <p:extLst>
-      <p:ext uri="{BB962C8B-B14F-4D97-AF65-F5344CB8AC3E}">
-        <p14:creationId xmlns:p14="http://schemas.microsoft.com/office/powerpoint/2010/main" val="1136863945"/>
-      </p:ext>
-    </p:extLst>
-  </p:cSld>
-  <p:clrMapOvr>
-    <a:masterClrMapping/>
-  </p:clrMapOvr>
-  <mc:AlternateContent xmlns:mc="http://schemas.openxmlformats.org/markup-compatibility/2006" xmlns:p14="http://schemas.microsoft.com/office/powerpoint/2010/main">
-    <mc:Choice Requires="p14">
-      <p:transition spd="med" p14:dur="700">
-        <p:fade/>
-      </p:transition>
-    </mc:Choice>
-    <mc:Fallback xmlns="">
-      <p:transition spd="med">
-        <p:fade/>
-      </p:transition>
-    </mc:Fallback>
-  </mc:AlternateContent>
-  <p:timing>
-    <p:tnLst>
-      <p:par>
-        <p:cTn id="1" dur="indefinite" restart="never" nodeType="tmRoot">
-          <p:childTnLst>
-            <p:seq concurrent="1" nextAc="seek">
-              <p:cTn id="2" dur="indefinite" nodeType="mainSeq">
-                <p:childTnLst>
-                  <p:par>
-                    <p:cTn id="3" fill="hold">
-                      <p:stCondLst>
-                        <p:cond delay="indefinite"/>
-                      </p:stCondLst>
-                      <p:childTnLst>
-                        <p:par>
-                          <p:cTn id="4" fill="hold">
-                            <p:stCondLst>
-                              <p:cond delay="0"/>
-                            </p:stCondLst>
-                            <p:childTnLst>
-                              <p:par>
-                                <p:cTn id="5" presetID="2" presetClass="entr" presetSubtype="4" fill="hold" grpId="0" nodeType="clickEffect">
-                                  <p:stCondLst>
-                                    <p:cond delay="0"/>
-                                  </p:stCondLst>
-                                  <p:childTnLst>
-                                    <p:set>
-                                      <p:cBhvr>
-                                        <p:cTn id="6" dur="1" fill="hold">
-                                          <p:stCondLst>
-                                            <p:cond delay="0"/>
-                                          </p:stCondLst>
-                                        </p:cTn>
-                                        <p:tgtEl>
-                                          <p:spTgt spid="4"/>
-                                        </p:tgtEl>
-                                        <p:attrNameLst>
-                                          <p:attrName>style.visibility</p:attrName>
-                                        </p:attrNameLst>
-                                      </p:cBhvr>
-                                      <p:to>
-                                        <p:strVal val="visible"/>
-                                      </p:to>
-                                    </p:set>
-                                    <p:anim calcmode="lin" valueType="num">
-                                      <p:cBhvr additive="base">
-                                        <p:cTn id="7" dur="500" fill="hold"/>
-                                        <p:tgtEl>
-                                          <p:spTgt spid="4"/>
-                                        </p:tgtEl>
-                                        <p:attrNameLst>
-                                          <p:attrName>ppt_x</p:attrName>
-                                        </p:attrNameLst>
-                                      </p:cBhvr>
-                                      <p:tavLst>
-                                        <p:tav tm="0">
-                                          <p:val>
-                                            <p:strVal val="#ppt_x"/>
-                                          </p:val>
-                                        </p:tav>
-                                        <p:tav tm="100000">
-                                          <p:val>
-                                            <p:strVal val="#ppt_x"/>
-                                          </p:val>
-                                        </p:tav>
-                                      </p:tavLst>
-                                    </p:anim>
-                                    <p:anim calcmode="lin" valueType="num">
-                                      <p:cBhvr additive="base">
-                                        <p:cTn id="8" dur="500" fill="hold"/>
-                                        <p:tgtEl>
-                                          <p:spTgt spid="4"/>
-                                        </p:tgtEl>
-                                        <p:attrNameLst>
-                                          <p:attrName>ppt_y</p:attrName>
-                                        </p:attrNameLst>
-                                      </p:cBhvr>
-                                      <p:tavLst>
-                                        <p:tav tm="0">
-                                          <p:val>
-                                            <p:strVal val="1+#ppt_h/2"/>
-                                          </p:val>
-                                        </p:tav>
-                                        <p:tav tm="100000">
-                                          <p:val>
-                                            <p:strVal val="#ppt_y"/>
-                                          </p:val>
-                                        </p:tav>
-                                      </p:tavLst>
-                                    </p:anim>
-                                  </p:childTnLst>
-                                </p:cTn>
-                              </p:par>
-                            </p:childTnLst>
-                          </p:cTn>
-                        </p:par>
-                      </p:childTnLst>
-                    </p:cTn>
-                  </p:par>
-                  <p:par>
-                    <p:cTn id="9" fill="hold">
-                      <p:stCondLst>
-                        <p:cond delay="indefinite"/>
-                      </p:stCondLst>
-                      <p:childTnLst>
-                        <p:par>
-                          <p:cTn id="10" fill="hold">
-                            <p:stCondLst>
-                              <p:cond delay="0"/>
-                            </p:stCondLst>
-                            <p:childTnLst>
-                              <p:par>
-                                <p:cTn id="11" presetID="2" presetClass="entr" presetSubtype="4" fill="hold" grpId="0" nodeType="clickEffect">
-                                  <p:stCondLst>
-                                    <p:cond delay="0"/>
-                                  </p:stCondLst>
-                                  <p:childTnLst>
-                                    <p:set>
-                                      <p:cBhvr>
-                                        <p:cTn id="12" dur="1" fill="hold">
-                                          <p:stCondLst>
-                                            <p:cond delay="0"/>
-                                          </p:stCondLst>
-                                        </p:cTn>
-                                        <p:tgtEl>
-                                          <p:spTgt spid="3">
-                                            <p:txEl>
-                                              <p:pRg st="0" end="0"/>
-                                            </p:txEl>
-                                          </p:spTgt>
-                                        </p:tgtEl>
-                                        <p:attrNameLst>
-                                          <p:attrName>style.visibility</p:attrName>
-                                        </p:attrNameLst>
-                                      </p:cBhvr>
-                                      <p:to>
-                                        <p:strVal val="visible"/>
-                                      </p:to>
-                                    </p:set>
-                                    <p:anim calcmode="lin" valueType="num">
-                                      <p:cBhvr additive="base">
-                                        <p:cTn id="13" dur="500" fill="hold"/>
-                                        <p:tgtEl>
-                                          <p:spTgt spid="3">
-                                            <p:txEl>
-                                              <p:pRg st="0" end="0"/>
-                                            </p:txEl>
-                                          </p:spTgt>
-                                        </p:tgtEl>
-                                        <p:attrNameLst>
-                                          <p:attrName>ppt_x</p:attrName>
-                                        </p:attrNameLst>
-                                      </p:cBhvr>
-                                      <p:tavLst>
-                                        <p:tav tm="0">
-                                          <p:val>
-                                            <p:strVal val="#ppt_x"/>
-                                          </p:val>
-                                        </p:tav>
-                                        <p:tav tm="100000">
-                                          <p:val>
-                                            <p:strVal val="#ppt_x"/>
-                                          </p:val>
-                                        </p:tav>
-                                      </p:tavLst>
-                                    </p:anim>
-                                    <p:anim calcmode="lin" valueType="num">
-                                      <p:cBhvr additive="base">
-                                        <p:cTn id="14" dur="500" fill="hold"/>
-                                        <p:tgtEl>
-                                          <p:spTgt spid="3">
-                                            <p:txEl>
-                                              <p:pRg st="0" end="0"/>
-                                            </p:txEl>
-                                          </p:spTgt>
-                                        </p:tgtEl>
-                                        <p:attrNameLst>
-                                          <p:attrName>ppt_y</p:attrName>
-                                        </p:attrNameLst>
-                                      </p:cBhvr>
-                                      <p:tavLst>
-                                        <p:tav tm="0">
-                                          <p:val>
-                                            <p:strVal val="1+#ppt_h/2"/>
-                                          </p:val>
-                                        </p:tav>
-                                        <p:tav tm="100000">
-                                          <p:val>
-                                            <p:strVal val="#ppt_y"/>
-                                          </p:val>
-                                        </p:tav>
-                                      </p:tavLst>
-                                    </p:anim>
-                                  </p:childTnLst>
-                                </p:cTn>
-                              </p:par>
-                            </p:childTnLst>
-                          </p:cTn>
-                        </p:par>
-                      </p:childTnLst>
-                    </p:cTn>
-                  </p:par>
-                  <p:par>
-                    <p:cTn id="15" fill="hold">
-                      <p:stCondLst>
-                        <p:cond delay="indefinite"/>
-                      </p:stCondLst>
-                      <p:childTnLst>
-                        <p:par>
-                          <p:cTn id="16" fill="hold">
-                            <p:stCondLst>
-                              <p:cond delay="0"/>
-                            </p:stCondLst>
-                            <p:childTnLst>
-                              <p:par>
-                                <p:cTn id="17" presetID="2" presetClass="entr" presetSubtype="4" fill="hold" grpId="0" nodeType="clickEffect">
-                                  <p:stCondLst>
-                                    <p:cond delay="0"/>
-                                  </p:stCondLst>
-                                  <p:childTnLst>
-                                    <p:set>
-                                      <p:cBhvr>
-                                        <p:cTn id="18" dur="1" fill="hold">
-                                          <p:stCondLst>
-                                            <p:cond delay="0"/>
-                                          </p:stCondLst>
-                                        </p:cTn>
-                                        <p:tgtEl>
-                                          <p:spTgt spid="3">
-                                            <p:txEl>
-                                              <p:pRg st="1" end="1"/>
-                                            </p:txEl>
-                                          </p:spTgt>
-                                        </p:tgtEl>
-                                        <p:attrNameLst>
-                                          <p:attrName>style.visibility</p:attrName>
-                                        </p:attrNameLst>
-                                      </p:cBhvr>
-                                      <p:to>
-                                        <p:strVal val="visible"/>
-                                      </p:to>
-                                    </p:set>
-                                    <p:anim calcmode="lin" valueType="num">
-                                      <p:cBhvr additive="base">
-                                        <p:cTn id="19" dur="500" fill="hold"/>
-                                        <p:tgtEl>
-                                          <p:spTgt spid="3">
-                                            <p:txEl>
-                                              <p:pRg st="1" end="1"/>
-                                            </p:txEl>
-                                          </p:spTgt>
-                                        </p:tgtEl>
-                                        <p:attrNameLst>
-                                          <p:attrName>ppt_x</p:attrName>
-                                        </p:attrNameLst>
-                                      </p:cBhvr>
-                                      <p:tavLst>
-                                        <p:tav tm="0">
-                                          <p:val>
-                                            <p:strVal val="#ppt_x"/>
-                                          </p:val>
-                                        </p:tav>
-                                        <p:tav tm="100000">
-                                          <p:val>
-                                            <p:strVal val="#ppt_x"/>
-                                          </p:val>
-                                        </p:tav>
-                                      </p:tavLst>
-                                    </p:anim>
-                                    <p:anim calcmode="lin" valueType="num">
-                                      <p:cBhvr additive="base">
-                                        <p:cTn id="20" dur="500" fill="hold"/>
-                                        <p:tgtEl>
-                                          <p:spTgt spid="3">
-                                            <p:txEl>
-                                              <p:pRg st="1" end="1"/>
-                                            </p:txEl>
-                                          </p:spTgt>
-                                        </p:tgtEl>
-                                        <p:attrNameLst>
-                                          <p:attrName>ppt_y</p:attrName>
-                                        </p:attrNameLst>
-                                      </p:cBhvr>
-                                      <p:tavLst>
-                                        <p:tav tm="0">
-                                          <p:val>
-                                            <p:strVal val="1+#ppt_h/2"/>
-                                          </p:val>
-                                        </p:tav>
-                                        <p:tav tm="100000">
-                                          <p:val>
-                                            <p:strVal val="#ppt_y"/>
-                                          </p:val>
-                                        </p:tav>
-                                      </p:tavLst>
-                                    </p:anim>
-                                  </p:childTnLst>
-                                </p:cTn>
-                              </p:par>
-                            </p:childTnLst>
-                          </p:cTn>
-                        </p:par>
-                      </p:childTnLst>
-                    </p:cTn>
-                  </p:par>
-                  <p:par>
-                    <p:cTn id="21" fill="hold">
-                      <p:stCondLst>
-                        <p:cond delay="indefinite"/>
-                      </p:stCondLst>
-                      <p:childTnLst>
-                        <p:par>
-                          <p:cTn id="22" fill="hold">
-                            <p:stCondLst>
-                              <p:cond delay="0"/>
-                            </p:stCondLst>
-                            <p:childTnLst>
-                              <p:par>
-                                <p:cTn id="23" presetID="2" presetClass="entr" presetSubtype="4" fill="hold" grpId="0" nodeType="clickEffect">
-                                  <p:stCondLst>
-                                    <p:cond delay="0"/>
-                                  </p:stCondLst>
-                                  <p:childTnLst>
-                                    <p:set>
-                                      <p:cBhvr>
-                                        <p:cTn id="24" dur="1" fill="hold">
-                                          <p:stCondLst>
-                                            <p:cond delay="0"/>
-                                          </p:stCondLst>
-                                        </p:cTn>
-                                        <p:tgtEl>
-                                          <p:spTgt spid="3">
-                                            <p:txEl>
-                                              <p:pRg st="2" end="2"/>
-                                            </p:txEl>
-                                          </p:spTgt>
-                                        </p:tgtEl>
-                                        <p:attrNameLst>
-                                          <p:attrName>style.visibility</p:attrName>
-                                        </p:attrNameLst>
-                                      </p:cBhvr>
-                                      <p:to>
-                                        <p:strVal val="visible"/>
-                                      </p:to>
-                                    </p:set>
-                                    <p:anim calcmode="lin" valueType="num">
-                                      <p:cBhvr additive="base">
-                                        <p:cTn id="25" dur="500" fill="hold"/>
-                                        <p:tgtEl>
-                                          <p:spTgt spid="3">
-                                            <p:txEl>
-                                              <p:pRg st="2" end="2"/>
-                                            </p:txEl>
-                                          </p:spTgt>
-                                        </p:tgtEl>
-                                        <p:attrNameLst>
-                                          <p:attrName>ppt_x</p:attrName>
-                                        </p:attrNameLst>
-                                      </p:cBhvr>
-                                      <p:tavLst>
-                                        <p:tav tm="0">
-                                          <p:val>
-                                            <p:strVal val="#ppt_x"/>
-                                          </p:val>
-                                        </p:tav>
-                                        <p:tav tm="100000">
-                                          <p:val>
-                                            <p:strVal val="#ppt_x"/>
-                                          </p:val>
-                                        </p:tav>
-                                      </p:tavLst>
-                                    </p:anim>
-                                    <p:anim calcmode="lin" valueType="num">
-                                      <p:cBhvr additive="base">
-                                        <p:cTn id="26" dur="500" fill="hold"/>
-                                        <p:tgtEl>
-                                          <p:spTgt spid="3">
-                                            <p:txEl>
-                                              <p:pRg st="2" end="2"/>
-                                            </p:txEl>
-                                          </p:spTgt>
-                                        </p:tgtEl>
-                                        <p:attrNameLst>
-                                          <p:attrName>ppt_y</p:attrName>
-                                        </p:attrNameLst>
-                                      </p:cBhvr>
-                                      <p:tavLst>
-                                        <p:tav tm="0">
-                                          <p:val>
-                                            <p:strVal val="1+#ppt_h/2"/>
-                                          </p:val>
-                                        </p:tav>
-                                        <p:tav tm="100000">
-                                          <p:val>
-                                            <p:strVal val="#ppt_y"/>
-                                          </p:val>
-                                        </p:tav>
-                                      </p:tavLst>
-                                    </p:anim>
-                                  </p:childTnLst>
-                                </p:cTn>
-                              </p:par>
-                            </p:childTnLst>
-                          </p:cTn>
-                        </p:par>
-                      </p:childTnLst>
-                    </p:cTn>
-                  </p:par>
-                  <p:par>
-                    <p:cTn id="27" fill="hold">
-                      <p:stCondLst>
-                        <p:cond delay="indefinite"/>
-                      </p:stCondLst>
-                      <p:childTnLst>
-                        <p:par>
-                          <p:cTn id="28" fill="hold">
-                            <p:stCondLst>
-                              <p:cond delay="0"/>
-                            </p:stCondLst>
-                            <p:childTnLst>
-                              <p:par>
-                                <p:cTn id="29" presetID="2" presetClass="entr" presetSubtype="4" fill="hold" grpId="0" nodeType="clickEffect">
-                                  <p:stCondLst>
-                                    <p:cond delay="0"/>
-                                  </p:stCondLst>
-                                  <p:childTnLst>
-                                    <p:set>
-                                      <p:cBhvr>
-                                        <p:cTn id="30" dur="1" fill="hold">
-                                          <p:stCondLst>
-                                            <p:cond delay="0"/>
-                                          </p:stCondLst>
-                                        </p:cTn>
-                                        <p:tgtEl>
-                                          <p:spTgt spid="3">
-                                            <p:txEl>
-                                              <p:pRg st="3" end="3"/>
-                                            </p:txEl>
-                                          </p:spTgt>
-                                        </p:tgtEl>
-                                        <p:attrNameLst>
-                                          <p:attrName>style.visibility</p:attrName>
-                                        </p:attrNameLst>
-                                      </p:cBhvr>
-                                      <p:to>
-                                        <p:strVal val="visible"/>
-                                      </p:to>
-                                    </p:set>
-                                    <p:anim calcmode="lin" valueType="num">
-                                      <p:cBhvr additive="base">
-                                        <p:cTn id="31" dur="500" fill="hold"/>
-                                        <p:tgtEl>
-                                          <p:spTgt spid="3">
-                                            <p:txEl>
-                                              <p:pRg st="3" end="3"/>
-                                            </p:txEl>
-                                          </p:spTgt>
-                                        </p:tgtEl>
-                                        <p:attrNameLst>
-                                          <p:attrName>ppt_x</p:attrName>
-                                        </p:attrNameLst>
-                                      </p:cBhvr>
-                                      <p:tavLst>
-                                        <p:tav tm="0">
-                                          <p:val>
-                                            <p:strVal val="#ppt_x"/>
-                                          </p:val>
-                                        </p:tav>
-                                        <p:tav tm="100000">
-                                          <p:val>
-                                            <p:strVal val="#ppt_x"/>
-                                          </p:val>
-                                        </p:tav>
-                                      </p:tavLst>
-                                    </p:anim>
-                                    <p:anim calcmode="lin" valueType="num">
-                                      <p:cBhvr additive="base">
-                                        <p:cTn id="32" dur="500" fill="hold"/>
-                                        <p:tgtEl>
-                                          <p:spTgt spid="3">
-                                            <p:txEl>
-                                              <p:pRg st="3" end="3"/>
-                                            </p:txEl>
-                                          </p:spTgt>
-                                        </p:tgtEl>
-                                        <p:attrNameLst>
-                                          <p:attrName>ppt_y</p:attrName>
-                                        </p:attrNameLst>
-                                      </p:cBhvr>
-                                      <p:tavLst>
-                                        <p:tav tm="0">
-                                          <p:val>
-                                            <p:strVal val="1+#ppt_h/2"/>
-                                          </p:val>
-                                        </p:tav>
-                                        <p:tav tm="100000">
-                                          <p:val>
-                                            <p:strVal val="#ppt_y"/>
-                                          </p:val>
-                                        </p:tav>
-                                      </p:tavLst>
-                                    </p:anim>
-                                  </p:childTnLst>
-                                </p:cTn>
-                              </p:par>
-                            </p:childTnLst>
-                          </p:cTn>
-                        </p:par>
-                      </p:childTnLst>
-                    </p:cTn>
-                  </p:par>
-                  <p:par>
-                    <p:cTn id="33" fill="hold">
-                      <p:stCondLst>
-                        <p:cond delay="indefinite"/>
-                      </p:stCondLst>
-                      <p:childTnLst>
-                        <p:par>
-                          <p:cTn id="34" fill="hold">
-                            <p:stCondLst>
-                              <p:cond delay="0"/>
-                            </p:stCondLst>
-                            <p:childTnLst>
-                              <p:par>
-                                <p:cTn id="35" presetID="2" presetClass="entr" presetSubtype="4" fill="hold" grpId="0" nodeType="clickEffect">
-                                  <p:stCondLst>
-                                    <p:cond delay="0"/>
-                                  </p:stCondLst>
-                                  <p:childTnLst>
-                                    <p:set>
-                                      <p:cBhvr>
-                                        <p:cTn id="36" dur="1" fill="hold">
-                                          <p:stCondLst>
-                                            <p:cond delay="0"/>
-                                          </p:stCondLst>
-                                        </p:cTn>
-                                        <p:tgtEl>
-                                          <p:spTgt spid="3">
-                                            <p:txEl>
-                                              <p:pRg st="4" end="4"/>
-                                            </p:txEl>
-                                          </p:spTgt>
-                                        </p:tgtEl>
-                                        <p:attrNameLst>
-                                          <p:attrName>style.visibility</p:attrName>
-                                        </p:attrNameLst>
-                                      </p:cBhvr>
-                                      <p:to>
-                                        <p:strVal val="visible"/>
-                                      </p:to>
-                                    </p:set>
-                                    <p:anim calcmode="lin" valueType="num">
-                                      <p:cBhvr additive="base">
-                                        <p:cTn id="37" dur="500" fill="hold"/>
-                                        <p:tgtEl>
-                                          <p:spTgt spid="3">
-                                            <p:txEl>
-                                              <p:pRg st="4" end="4"/>
-                                            </p:txEl>
-                                          </p:spTgt>
-                                        </p:tgtEl>
-                                        <p:attrNameLst>
-                                          <p:attrName>ppt_x</p:attrName>
-                                        </p:attrNameLst>
-                                      </p:cBhvr>
-                                      <p:tavLst>
-                                        <p:tav tm="0">
-                                          <p:val>
-                                            <p:strVal val="#ppt_x"/>
-                                          </p:val>
-                                        </p:tav>
-                                        <p:tav tm="100000">
-                                          <p:val>
-                                            <p:strVal val="#ppt_x"/>
-                                          </p:val>
-                                        </p:tav>
-                                      </p:tavLst>
-                                    </p:anim>
-                                    <p:anim calcmode="lin" valueType="num">
-                                      <p:cBhvr additive="base">
-                                        <p:cTn id="38" dur="500" fill="hold"/>
-                                        <p:tgtEl>
-                                          <p:spTgt spid="3">
-                                            <p:txEl>
-                                              <p:pRg st="4" end="4"/>
-                                            </p:txEl>
-                                          </p:spTgt>
-                                        </p:tgtEl>
-                                        <p:attrNameLst>
-                                          <p:attrName>ppt_y</p:attrName>
-                                        </p:attrNameLst>
-                                      </p:cBhvr>
-                                      <p:tavLst>
-                                        <p:tav tm="0">
-                                          <p:val>
-                                            <p:strVal val="1+#ppt_h/2"/>
-                                          </p:val>
-                                        </p:tav>
-                                        <p:tav tm="100000">
-                                          <p:val>
-                                            <p:strVal val="#ppt_y"/>
-                                          </p:val>
-                                        </p:tav>
-                                      </p:tavLst>
-                                    </p:anim>
-                                  </p:childTnLst>
-                                </p:cTn>
-                              </p:par>
-                            </p:childTnLst>
-                          </p:cTn>
-                        </p:par>
-                      </p:childTnLst>
-                    </p:cTn>
-                  </p:par>
-                  <p:par>
-                    <p:cTn id="39" fill="hold">
-                      <p:stCondLst>
-                        <p:cond delay="indefinite"/>
-                      </p:stCondLst>
-                      <p:childTnLst>
-                        <p:par>
-                          <p:cTn id="40" fill="hold">
-                            <p:stCondLst>
-                              <p:cond delay="0"/>
-                            </p:stCondLst>
-                            <p:childTnLst>
-                              <p:par>
-                                <p:cTn id="41" presetID="42" presetClass="entr" presetSubtype="0" fill="hold" nodeType="clickEffect">
-                                  <p:stCondLst>
-                                    <p:cond delay="0"/>
-                                  </p:stCondLst>
-                                  <p:childTnLst>
-                                    <p:set>
-                                      <p:cBhvr>
-                                        <p:cTn id="42" dur="1" fill="hold">
-                                          <p:stCondLst>
-                                            <p:cond delay="0"/>
-                                          </p:stCondLst>
-                                        </p:cTn>
-                                        <p:tgtEl>
-                                          <p:spTgt spid="2"/>
-                                        </p:tgtEl>
-                                        <p:attrNameLst>
-                                          <p:attrName>style.visibility</p:attrName>
-                                        </p:attrNameLst>
-                                      </p:cBhvr>
-                                      <p:to>
-                                        <p:strVal val="visible"/>
-                                      </p:to>
-                                    </p:set>
-                                    <p:animEffect transition="in" filter="fade">
-                                      <p:cBhvr>
-                                        <p:cTn id="43" dur="1000"/>
-                                        <p:tgtEl>
-                                          <p:spTgt spid="2"/>
-                                        </p:tgtEl>
-                                      </p:cBhvr>
-                                    </p:animEffect>
-                                    <p:anim calcmode="lin" valueType="num">
-                                      <p:cBhvr>
-                                        <p:cTn id="44" dur="1000" fill="hold"/>
-                                        <p:tgtEl>
-                                          <p:spTgt spid="2"/>
-                                        </p:tgtEl>
-                                        <p:attrNameLst>
-                                          <p:attrName>ppt_x</p:attrName>
-                                        </p:attrNameLst>
-                                      </p:cBhvr>
-                                      <p:tavLst>
-                                        <p:tav tm="0">
-                                          <p:val>
-                                            <p:strVal val="#ppt_x"/>
-                                          </p:val>
-                                        </p:tav>
-                                        <p:tav tm="100000">
-                                          <p:val>
-                                            <p:strVal val="#ppt_x"/>
-                                          </p:val>
-                                        </p:tav>
-                                      </p:tavLst>
-                                    </p:anim>
-                                    <p:anim calcmode="lin" valueType="num">
-                                      <p:cBhvr>
-                                        <p:cTn id="45" dur="1000" fill="hold"/>
-                                        <p:tgtEl>
-                                          <p:spTgt spid="2"/>
-                                        </p:tgtEl>
-                                        <p:attrNameLst>
-                                          <p:attrName>ppt_y</p:attrName>
-                                        </p:attrNameLst>
-                                      </p:cBhvr>
-                                      <p:tavLst>
-                                        <p:tav tm="0">
-                                          <p:val>
-                                            <p:strVal val="#ppt_y+.1"/>
-                                          </p:val>
-                                        </p:tav>
-                                        <p:tav tm="100000">
-                                          <p:val>
-                                            <p:strVal val="#ppt_y"/>
-                                          </p:val>
-                                        </p:tav>
-                                      </p:tavLst>
-                                    </p:anim>
-                                  </p:childTnLst>
-                                </p:cTn>
-                              </p:par>
-                            </p:childTnLst>
-                          </p:cTn>
-                        </p:par>
-                      </p:childTnLst>
-                    </p:cTn>
-                  </p:par>
-                </p:childTnLst>
-              </p:cTn>
-              <p:prevCondLst>
-                <p:cond evt="onPrev" delay="0">
-                  <p:tgtEl>
-                    <p:sldTgt/>
-                  </p:tgtEl>
-                </p:cond>
-              </p:prevCondLst>
-              <p:nextCondLst>
-                <p:cond evt="onNext" delay="0">
-                  <p:tgtEl>
-                    <p:sldTgt/>
-                  </p:tgtEl>
-                </p:cond>
-              </p:nextCondLst>
-            </p:seq>
-          </p:childTnLst>
-        </p:cTn>
-      </p:par>
-    </p:tnLst>
-    <p:bldLst>
-      <p:bldP spid="4" grpId="0"/>
-      <p:bldP spid="3" grpId="0" build="p"/>
-    </p:bldLst>
-  </p:timing>
-</p:sld>
-</file>
-
 <file path=ppt/theme/theme1.xml><?xml version="1.0" encoding="utf-8"?>
 <a:theme xmlns:a="http://schemas.openxmlformats.org/drawingml/2006/main" name="Ion Boardroom">
   <a:themeElements>

--- a/Day3/DockerAndKubernetes_Training-day3.pptx
+++ b/Day3/DockerAndKubernetes_Training-day3.pptx
@@ -5,24 +5,12 @@
     <p:sldMasterId id="2147483880" r:id="rId1"/>
   </p:sldMasterIdLst>
   <p:notesMasterIdLst>
-    <p:notesMasterId r:id="rId17"/>
+    <p:notesMasterId r:id="rId5"/>
   </p:notesMasterIdLst>
   <p:sldIdLst>
     <p:sldId id="414" r:id="rId2"/>
     <p:sldId id="415" r:id="rId3"/>
-    <p:sldId id="262" r:id="rId4"/>
-    <p:sldId id="418" r:id="rId5"/>
-    <p:sldId id="263" r:id="rId6"/>
-    <p:sldId id="291" r:id="rId7"/>
-    <p:sldId id="292" r:id="rId8"/>
-    <p:sldId id="382" r:id="rId9"/>
-    <p:sldId id="383" r:id="rId10"/>
-    <p:sldId id="384" r:id="rId11"/>
-    <p:sldId id="385" r:id="rId12"/>
-    <p:sldId id="402" r:id="rId13"/>
-    <p:sldId id="399" r:id="rId14"/>
-    <p:sldId id="264" r:id="rId15"/>
-    <p:sldId id="417" r:id="rId16"/>
+    <p:sldId id="417" r:id="rId4"/>
   </p:sldIdLst>
   <p:sldSz cx="12192000" cy="6858000"/>
   <p:notesSz cx="6858000" cy="9144000"/>
@@ -211,7 +199,7 @@
           <a:p>
             <a:fld id="{B09F413D-6E72-4B8A-80ED-A580F7C91B71}" type="datetimeFigureOut">
               <a:rPr lang="en-IN" smtClean="0"/>
-              <a:t>06-04-2023</a:t>
+              <a:t>07-04-2023</a:t>
             </a:fld>
             <a:endParaRPr lang="en-IN"/>
           </a:p>
@@ -479,293 +467,6 @@
 </p:notesMaster>
 </file>
 
-<file path=ppt/notesSlides/notesSlide1.xml><?xml version="1.0" encoding="utf-8"?>
-<p:notes xmlns:a="http://schemas.openxmlformats.org/drawingml/2006/main" xmlns:r="http://schemas.openxmlformats.org/officeDocument/2006/relationships" xmlns:p="http://schemas.openxmlformats.org/presentationml/2006/main">
-  <p:cSld>
-    <p:spTree>
-      <p:nvGrpSpPr>
-        <p:cNvPr id="1" name=""/>
-        <p:cNvGrpSpPr/>
-        <p:nvPr/>
-      </p:nvGrpSpPr>
-      <p:grpSpPr>
-        <a:xfrm>
-          <a:off x="0" y="0"/>
-          <a:ext cx="0" cy="0"/>
-          <a:chOff x="0" y="0"/>
-          <a:chExt cx="0" cy="0"/>
-        </a:xfrm>
-      </p:grpSpPr>
-      <p:sp>
-        <p:nvSpPr>
-          <p:cNvPr id="2" name="Slide Image Placeholder 1"/>
-          <p:cNvSpPr>
-            <a:spLocks noGrp="1" noRot="1" noChangeAspect="1"/>
-          </p:cNvSpPr>
-          <p:nvPr>
-            <p:ph type="sldImg"/>
-          </p:nvPr>
-        </p:nvSpPr>
-        <p:spPr>
-          <a:xfrm>
-            <a:off x="685800" y="1143000"/>
-            <a:ext cx="5486400" cy="3086100"/>
-          </a:xfrm>
-        </p:spPr>
-      </p:sp>
-      <p:sp>
-        <p:nvSpPr>
-          <p:cNvPr id="3" name="Notes Placeholder 2"/>
-          <p:cNvSpPr>
-            <a:spLocks noGrp="1"/>
-          </p:cNvSpPr>
-          <p:nvPr>
-            <p:ph type="body" idx="1"/>
-          </p:nvPr>
-        </p:nvSpPr>
-        <p:spPr/>
-        <p:txBody>
-          <a:bodyPr/>
-          <a:lstStyle/>
-          <a:p>
-            <a:pPr marL="0" indent="0">
-              <a:buNone/>
-            </a:pPr>
-            <a:r>
-              <a:rPr lang="en-US" b="0" dirty="0"/>
-              <a:t>Let’s take a look at what build, ship run</a:t>
-            </a:r>
-            <a:r>
-              <a:rPr lang="en-US" b="0" baseline="0" dirty="0"/>
-              <a:t> means in a little more detail, but before that we need to level set some Docker vocabulary and commands:</a:t>
-            </a:r>
-          </a:p>
-          <a:p>
-            <a:pPr marL="0" indent="0">
-              <a:buNone/>
-            </a:pPr>
-            <a:endParaRPr lang="en-US" b="1" dirty="0"/>
-          </a:p>
-          <a:p>
-            <a:pPr marL="0" indent="0">
-              <a:buNone/>
-            </a:pPr>
-            <a:r>
-              <a:rPr lang="en-US" b="1" dirty="0"/>
-              <a:t>Image</a:t>
-            </a:r>
-          </a:p>
-          <a:p>
-            <a:pPr marL="0" indent="0">
-              <a:buNone/>
-            </a:pPr>
-            <a:r>
-              <a:rPr lang="en-US" b="0" dirty="0"/>
-              <a:t>The</a:t>
-            </a:r>
-            <a:r>
-              <a:rPr lang="en-US" b="0" baseline="0" dirty="0"/>
-              <a:t> static component that represents a on-running </a:t>
-            </a:r>
-            <a:r>
-              <a:rPr lang="en-US" b="0" baseline="0" dirty="0" err="1"/>
-              <a:t>applicatoin</a:t>
-            </a:r>
-            <a:endParaRPr lang="en-US" b="0" baseline="0" dirty="0"/>
-          </a:p>
-          <a:p>
-            <a:pPr marL="0" indent="0">
-              <a:buNone/>
-            </a:pPr>
-            <a:r>
-              <a:rPr lang="en-US" b="0" baseline="0" dirty="0"/>
-              <a:t>Containers are derived from images</a:t>
-            </a:r>
-          </a:p>
-          <a:p>
-            <a:pPr marL="0" indent="0">
-              <a:buNone/>
-            </a:pPr>
-            <a:r>
-              <a:rPr lang="en-US" b="0" baseline="0" dirty="0"/>
-              <a:t>images contain EVERYTHING an application needs to run</a:t>
-            </a:r>
-          </a:p>
-          <a:p>
-            <a:pPr marL="0" indent="0">
-              <a:buNone/>
-            </a:pPr>
-            <a:r>
-              <a:rPr lang="en-US" b="0" baseline="0" dirty="0"/>
-              <a:t>Should always be built via a Dockerfile (which we’ll talk about in a bit_</a:t>
-            </a:r>
-          </a:p>
-          <a:p>
-            <a:pPr marL="0" indent="0">
-              <a:buNone/>
-            </a:pPr>
-            <a:endParaRPr lang="en-US" b="0" dirty="0"/>
-          </a:p>
-          <a:p>
-            <a:pPr marL="0" indent="0">
-              <a:buNone/>
-            </a:pPr>
-            <a:endParaRPr lang="en-US" b="1" dirty="0"/>
-          </a:p>
-          <a:p>
-            <a:pPr marL="0" indent="0">
-              <a:buNone/>
-            </a:pPr>
-            <a:r>
-              <a:rPr lang="en-US" b="1" dirty="0"/>
-              <a:t>Container</a:t>
-            </a:r>
-          </a:p>
-          <a:p>
-            <a:r>
-              <a:rPr lang="en-US" dirty="0"/>
-              <a:t>The standard unit in which the application service resides</a:t>
-            </a:r>
-          </a:p>
-          <a:p>
-            <a:r>
-              <a:rPr lang="en-US" dirty="0"/>
-              <a:t>Package app and dependencies together</a:t>
-            </a:r>
-          </a:p>
-          <a:p>
-            <a:r>
-              <a:rPr lang="en-US" dirty="0"/>
-              <a:t>Isolated from other containers</a:t>
-            </a:r>
-          </a:p>
-          <a:p>
-            <a:r>
-              <a:rPr lang="en-US" dirty="0"/>
-              <a:t>One container per app / service</a:t>
-            </a:r>
-          </a:p>
-          <a:p>
-            <a:pPr marL="0" indent="0">
-              <a:buNone/>
-            </a:pPr>
-            <a:endParaRPr lang="en-US" b="1" dirty="0"/>
-          </a:p>
-          <a:p>
-            <a:pPr marL="0" indent="0">
-              <a:buNone/>
-            </a:pPr>
-            <a:r>
-              <a:rPr lang="en-US" b="1" dirty="0"/>
-              <a:t>Docker Engine</a:t>
-            </a:r>
-          </a:p>
-          <a:p>
-            <a:r>
-              <a:rPr lang="en-US" dirty="0"/>
-              <a:t>The program that creates, ships and runs containers</a:t>
-            </a:r>
-          </a:p>
-          <a:p>
-            <a:r>
-              <a:rPr lang="en-US" dirty="0"/>
-              <a:t>Deployable on any physical or </a:t>
-            </a:r>
-            <a:r>
-              <a:rPr lang="en-US" dirty="0" err="1"/>
-              <a:t>vm</a:t>
-            </a:r>
-            <a:r>
-              <a:rPr lang="en-US" dirty="0"/>
-              <a:t> host locally, in datacenters or cloud</a:t>
-            </a:r>
-          </a:p>
-          <a:p>
-            <a:r>
-              <a:rPr lang="en-US" dirty="0"/>
-              <a:t>Communicates with Docker Hub</a:t>
-            </a:r>
-          </a:p>
-          <a:p>
-            <a:pPr marL="0" indent="0">
-              <a:buNone/>
-            </a:pPr>
-            <a:endParaRPr lang="en-US" b="1" dirty="0"/>
-          </a:p>
-          <a:p>
-            <a:pPr marL="0" indent="0">
-              <a:buNone/>
-            </a:pPr>
-            <a:r>
-              <a:rPr lang="en-US" b="1" dirty="0"/>
-              <a:t>Registry</a:t>
-            </a:r>
-          </a:p>
-          <a:p>
-            <a:r>
-              <a:rPr lang="en-US" dirty="0"/>
-              <a:t>The service that store, distributes and manages container images</a:t>
-            </a:r>
-          </a:p>
-          <a:p>
-            <a:r>
-              <a:rPr lang="en-US" dirty="0"/>
-              <a:t>Receives commands from Docker Client via Engine</a:t>
-            </a:r>
-          </a:p>
-          <a:p>
-            <a:r>
-              <a:rPr lang="en-US" dirty="0"/>
-              <a:t>Access control with public, private repos</a:t>
-            </a:r>
-          </a:p>
-        </p:txBody>
-      </p:sp>
-      <p:sp>
-        <p:nvSpPr>
-          <p:cNvPr id="4" name="Slide Number Placeholder 3"/>
-          <p:cNvSpPr>
-            <a:spLocks noGrp="1"/>
-          </p:cNvSpPr>
-          <p:nvPr>
-            <p:ph type="sldNum" sz="quarter" idx="10"/>
-          </p:nvPr>
-        </p:nvSpPr>
-        <p:spPr/>
-        <p:txBody>
-          <a:bodyPr/>
-          <a:lstStyle/>
-          <a:p>
-            <a:fld id="{D9BA2D70-C088-423F-8518-452E86B65DCC}" type="slidenum">
-              <a:rPr lang="en-US" smtClean="0">
-                <a:solidFill>
-                  <a:prstClr val="black"/>
-                </a:solidFill>
-              </a:rPr>
-              <a:pPr/>
-              <a:t>8</a:t>
-            </a:fld>
-            <a:endParaRPr lang="en-US">
-              <a:solidFill>
-                <a:prstClr val="black"/>
-              </a:solidFill>
-            </a:endParaRPr>
-          </a:p>
-        </p:txBody>
-      </p:sp>
-    </p:spTree>
-    <p:extLst>
-      <p:ext uri="{BB962C8B-B14F-4D97-AF65-F5344CB8AC3E}">
-        <p14:creationId xmlns:p14="http://schemas.microsoft.com/office/powerpoint/2010/main" val="1225960248"/>
-      </p:ext>
-    </p:extLst>
-  </p:cSld>
-  <p:clrMapOvr>
-    <a:masterClrMapping/>
-  </p:clrMapOvr>
-</p:notes>
-</file>
-
 <file path=ppt/slideLayouts/slideLayout1.xml><?xml version="1.0" encoding="utf-8"?>
 <p:sldLayout xmlns:a="http://schemas.openxmlformats.org/drawingml/2006/main" xmlns:r="http://schemas.openxmlformats.org/officeDocument/2006/relationships" xmlns:p="http://schemas.openxmlformats.org/presentationml/2006/main" showMasterSp="0" type="title" preserve="1">
   <p:cSld name="Title Slide">
@@ -1101,7 +802,7 @@
           <a:p>
             <a:fld id="{12E8600E-B0EE-4521-BF40-4B72FBA06775}" type="datetimeFigureOut">
               <a:rPr lang="en-IN" smtClean="0"/>
-              <a:t>06-04-2023</a:t>
+              <a:t>07-04-2023</a:t>
             </a:fld>
             <a:endParaRPr lang="en-IN"/>
           </a:p>
@@ -2190,7 +1891,7 @@
             <a:fld id="{49F3E739-D457-46E5-B626-C9B182A007EE}" type="datetimeFigureOut">
               <a:rPr lang="en-US" smtClean="0"/>
               <a:pPr/>
-              <a:t>4/6/2023</a:t>
+              <a:t>4/7/2023</a:t>
             </a:fld>
             <a:endParaRPr lang="en-US"/>
           </a:p>
@@ -3172,7 +2873,7 @@
             <a:fld id="{49F3E739-D457-46E5-B626-C9B182A007EE}" type="datetimeFigureOut">
               <a:rPr lang="en-US" smtClean="0"/>
               <a:pPr/>
-              <a:t>4/6/2023</a:t>
+              <a:t>4/7/2023</a:t>
             </a:fld>
             <a:endParaRPr lang="en-US"/>
           </a:p>
@@ -4308,7 +4009,7 @@
             <a:fld id="{49F3E739-D457-46E5-B626-C9B182A007EE}" type="datetimeFigureOut">
               <a:rPr lang="en-US" smtClean="0"/>
               <a:pPr/>
-              <a:t>4/6/2023</a:t>
+              <a:t>4/7/2023</a:t>
             </a:fld>
             <a:endParaRPr lang="en-US"/>
           </a:p>
@@ -5343,7 +5044,7 @@
             <a:fld id="{49F3E739-D457-46E5-B626-C9B182A007EE}" type="datetimeFigureOut">
               <a:rPr lang="en-US" smtClean="0"/>
               <a:pPr/>
-              <a:t>4/6/2023</a:t>
+              <a:t>4/7/2023</a:t>
             </a:fld>
             <a:endParaRPr lang="en-US"/>
           </a:p>
@@ -6005,7 +5706,7 @@
             <a:fld id="{49F3E739-D457-46E5-B626-C9B182A007EE}" type="datetimeFigureOut">
               <a:rPr lang="en-US" smtClean="0"/>
               <a:pPr/>
-              <a:t>4/6/2023</a:t>
+              <a:t>4/7/2023</a:t>
             </a:fld>
             <a:endParaRPr lang="en-US"/>
           </a:p>
@@ -6868,7 +6569,7 @@
             <a:fld id="{49F3E739-D457-46E5-B626-C9B182A007EE}" type="datetimeFigureOut">
               <a:rPr lang="en-US" smtClean="0"/>
               <a:pPr/>
-              <a:t>4/6/2023</a:t>
+              <a:t>4/7/2023</a:t>
             </a:fld>
             <a:endParaRPr lang="en-US"/>
           </a:p>
@@ -7059,7 +6760,7 @@
           <a:p>
             <a:fld id="{12E8600E-B0EE-4521-BF40-4B72FBA06775}" type="datetimeFigureOut">
               <a:rPr lang="en-IN" smtClean="0"/>
-              <a:t>06-04-2023</a:t>
+              <a:t>07-04-2023</a:t>
             </a:fld>
             <a:endParaRPr lang="en-IN"/>
           </a:p>
@@ -8031,7 +7732,7 @@
           <a:p>
             <a:fld id="{12E8600E-B0EE-4521-BF40-4B72FBA06775}" type="datetimeFigureOut">
               <a:rPr lang="en-IN" smtClean="0"/>
-              <a:t>06-04-2023</a:t>
+              <a:t>07-04-2023</a:t>
             </a:fld>
             <a:endParaRPr lang="en-IN"/>
           </a:p>
@@ -8242,7 +7943,7 @@
           <a:p>
             <a:fld id="{12E8600E-B0EE-4521-BF40-4B72FBA06775}" type="datetimeFigureOut">
               <a:rPr lang="en-IN" smtClean="0"/>
-              <a:t>06-04-2023</a:t>
+              <a:t>07-04-2023</a:t>
             </a:fld>
             <a:endParaRPr lang="en-IN"/>
           </a:p>
@@ -9276,7 +8977,7 @@
           <a:p>
             <a:fld id="{12E8600E-B0EE-4521-BF40-4B72FBA06775}" type="datetimeFigureOut">
               <a:rPr lang="en-IN" smtClean="0"/>
-              <a:t>06-04-2023</a:t>
+              <a:t>07-04-2023</a:t>
             </a:fld>
             <a:endParaRPr lang="en-IN"/>
           </a:p>
@@ -9548,7 +9249,7 @@
           <a:p>
             <a:fld id="{12E8600E-B0EE-4521-BF40-4B72FBA06775}" type="datetimeFigureOut">
               <a:rPr lang="en-IN" smtClean="0"/>
-              <a:t>06-04-2023</a:t>
+              <a:t>07-04-2023</a:t>
             </a:fld>
             <a:endParaRPr lang="en-IN"/>
           </a:p>
@@ -9959,7 +9660,7 @@
             <a:fld id="{49F3E739-D457-46E5-B626-C9B182A007EE}" type="datetimeFigureOut">
               <a:rPr lang="en-US" smtClean="0"/>
               <a:pPr/>
-              <a:t>4/6/2023</a:t>
+              <a:t>4/7/2023</a:t>
             </a:fld>
             <a:endParaRPr lang="en-US"/>
           </a:p>
@@ -10087,7 +9788,7 @@
           <a:p>
             <a:fld id="{12E8600E-B0EE-4521-BF40-4B72FBA06775}" type="datetimeFigureOut">
               <a:rPr lang="en-IN" smtClean="0"/>
-              <a:t>06-04-2023</a:t>
+              <a:t>07-04-2023</a:t>
             </a:fld>
             <a:endParaRPr lang="en-IN"/>
           </a:p>
@@ -10182,7 +9883,7 @@
           <a:p>
             <a:fld id="{12E8600E-B0EE-4521-BF40-4B72FBA06775}" type="datetimeFigureOut">
               <a:rPr lang="en-IN" smtClean="0"/>
-              <a:t>06-04-2023</a:t>
+              <a:t>07-04-2023</a:t>
             </a:fld>
             <a:endParaRPr lang="en-IN"/>
           </a:p>
@@ -11263,7 +10964,7 @@
           <a:p>
             <a:fld id="{12E8600E-B0EE-4521-BF40-4B72FBA06775}" type="datetimeFigureOut">
               <a:rPr lang="en-IN" smtClean="0"/>
-              <a:t>06-04-2023</a:t>
+              <a:t>07-04-2023</a:t>
             </a:fld>
             <a:endParaRPr lang="en-IN"/>
           </a:p>
@@ -12372,7 +12073,7 @@
             <a:fld id="{49F3E739-D457-46E5-B626-C9B182A007EE}" type="datetimeFigureOut">
               <a:rPr lang="en-US" smtClean="0"/>
               <a:pPr/>
-              <a:t>4/6/2023</a:t>
+              <a:t>4/7/2023</a:t>
             </a:fld>
             <a:endParaRPr lang="en-US"/>
           </a:p>
@@ -13371,7 +13072,7 @@
             <a:fld id="{49F3E739-D457-46E5-B626-C9B182A007EE}" type="datetimeFigureOut">
               <a:rPr lang="en-US" smtClean="0"/>
               <a:pPr/>
-              <a:t>4/6/2023</a:t>
+              <a:t>4/7/2023</a:t>
             </a:fld>
             <a:endParaRPr lang="en-US"/>
           </a:p>
@@ -14020,4482 +13721,6 @@
 </p:sld>
 </file>
 
-<file path=ppt/slides/slide10.xml><?xml version="1.0" encoding="utf-8"?>
-<p:sld xmlns:a="http://schemas.openxmlformats.org/drawingml/2006/main" xmlns:r="http://schemas.openxmlformats.org/officeDocument/2006/relationships" xmlns:p="http://schemas.openxmlformats.org/presentationml/2006/main">
-  <p:cSld>
-    <p:spTree>
-      <p:nvGrpSpPr>
-        <p:cNvPr id="1" name=""/>
-        <p:cNvGrpSpPr/>
-        <p:nvPr/>
-      </p:nvGrpSpPr>
-      <p:grpSpPr>
-        <a:xfrm>
-          <a:off x="0" y="0"/>
-          <a:ext cx="0" cy="0"/>
-          <a:chOff x="0" y="0"/>
-          <a:chExt cx="0" cy="0"/>
-        </a:xfrm>
-      </p:grpSpPr>
-      <p:sp>
-        <p:nvSpPr>
-          <p:cNvPr id="4" name="Title 1">
-            <a:extLst>
-              <a:ext uri="{FF2B5EF4-FFF2-40B4-BE49-F238E27FC236}">
-                <a16:creationId xmlns:a16="http://schemas.microsoft.com/office/drawing/2014/main" id="{84823479-A31A-9A25-B7F5-EFCABE23D8F6}"/>
-              </a:ext>
-            </a:extLst>
-          </p:cNvPr>
-          <p:cNvSpPr>
-            <a:spLocks noGrp="1"/>
-          </p:cNvSpPr>
-          <p:nvPr>
-            <p:ph type="title"/>
-          </p:nvPr>
-        </p:nvSpPr>
-        <p:spPr>
-          <a:xfrm>
-            <a:off x="832976" y="929923"/>
-            <a:ext cx="8761413" cy="706964"/>
-          </a:xfrm>
-        </p:spPr>
-        <p:txBody>
-          <a:bodyPr>
-            <a:normAutofit/>
-          </a:bodyPr>
-          <a:lstStyle/>
-          <a:p>
-            <a:r>
-              <a:rPr lang="en-US" dirty="0"/>
-              <a:t>DOCKER CONTAINER</a:t>
-            </a:r>
-            <a:endParaRPr lang="en-IN" dirty="0"/>
-          </a:p>
-        </p:txBody>
-      </p:sp>
-      <p:sp>
-        <p:nvSpPr>
-          <p:cNvPr id="3" name="Content Placeholder 2"/>
-          <p:cNvSpPr>
-            <a:spLocks noGrp="1"/>
-          </p:cNvSpPr>
-          <p:nvPr>
-            <p:ph idx="1"/>
-          </p:nvPr>
-        </p:nvSpPr>
-        <p:spPr>
-          <a:xfrm>
-            <a:off x="395118" y="2278499"/>
-            <a:ext cx="10017361" cy="3836697"/>
-          </a:xfrm>
-        </p:spPr>
-        <p:txBody>
-          <a:bodyPr anchor="t"/>
-          <a:lstStyle/>
-          <a:p>
-            <a:r>
-              <a:rPr lang="en-US" dirty="0">
-                <a:solidFill>
-                  <a:srgbClr val="31859C"/>
-                </a:solidFill>
-              </a:rPr>
-              <a:t>Isolated application platform</a:t>
-            </a:r>
-          </a:p>
-          <a:p>
-            <a:r>
-              <a:rPr lang="en-US" dirty="0">
-                <a:solidFill>
-                  <a:srgbClr val="31859C"/>
-                </a:solidFill>
-              </a:rPr>
-              <a:t>Containers everything needed to run you application</a:t>
-            </a:r>
-          </a:p>
-          <a:p>
-            <a:r>
-              <a:rPr lang="en-US" dirty="0">
-                <a:solidFill>
-                  <a:srgbClr val="31859C"/>
-                </a:solidFill>
-              </a:rPr>
-              <a:t>Based on one or more images</a:t>
-            </a:r>
-          </a:p>
-          <a:p>
-            <a:r>
-              <a:rPr lang="en-US" dirty="0">
-                <a:solidFill>
-                  <a:srgbClr val="31859C"/>
-                </a:solidFill>
-              </a:rPr>
-              <a:t>Docker containers launched from Docker image</a:t>
-            </a:r>
-          </a:p>
-          <a:p>
-            <a:r>
-              <a:rPr lang="en-US" dirty="0">
-                <a:solidFill>
-                  <a:srgbClr val="31859C"/>
-                </a:solidFill>
-              </a:rPr>
-              <a:t>When Docker container runs, it adds a read-write layer on top of the image</a:t>
-            </a:r>
-          </a:p>
-        </p:txBody>
-      </p:sp>
-      <p:pic>
-        <p:nvPicPr>
-          <p:cNvPr id="2" name="Picture 1"/>
-          <p:cNvPicPr>
-            <a:picLocks noChangeAspect="1"/>
-          </p:cNvPicPr>
-          <p:nvPr/>
-        </p:nvPicPr>
-        <p:blipFill>
-          <a:blip r:embed="rId2">
-            <a:alphaModFix/>
-            <a:extLst>
-              <a:ext uri="{28A0092B-C50C-407E-A947-70E740481C1C}">
-                <a14:useLocalDpi xmlns:a14="http://schemas.microsoft.com/office/drawing/2010/main" val="0"/>
-              </a:ext>
-            </a:extLst>
-          </a:blip>
-          <a:stretch>
-            <a:fillRect/>
-          </a:stretch>
-        </p:blipFill>
-        <p:spPr>
-          <a:xfrm>
-            <a:off x="4796590" y="4405395"/>
-            <a:ext cx="6976980" cy="2277353"/>
-          </a:xfrm>
-          <a:prstGeom prst="rect">
-            <a:avLst/>
-          </a:prstGeom>
-          <a:noFill/>
-          <a:ln>
-            <a:solidFill>
-              <a:schemeClr val="tx1"/>
-            </a:solidFill>
-          </a:ln>
-          <a:effectLst>
-            <a:outerShdw blurRad="63500" sx="102000" sy="102000" algn="ctr" rotWithShape="0">
-              <a:prstClr val="black">
-                <a:alpha val="40000"/>
-              </a:prstClr>
-            </a:outerShdw>
-          </a:effectLst>
-        </p:spPr>
-      </p:pic>
-    </p:spTree>
-    <p:extLst>
-      <p:ext uri="{BB962C8B-B14F-4D97-AF65-F5344CB8AC3E}">
-        <p14:creationId xmlns:p14="http://schemas.microsoft.com/office/powerpoint/2010/main" val="1136863945"/>
-      </p:ext>
-    </p:extLst>
-  </p:cSld>
-  <p:clrMapOvr>
-    <a:masterClrMapping/>
-  </p:clrMapOvr>
-  <mc:AlternateContent xmlns:mc="http://schemas.openxmlformats.org/markup-compatibility/2006" xmlns:p14="http://schemas.microsoft.com/office/powerpoint/2010/main">
-    <mc:Choice Requires="p14">
-      <p:transition spd="med" p14:dur="700">
-        <p:fade/>
-      </p:transition>
-    </mc:Choice>
-    <mc:Fallback xmlns="">
-      <p:transition spd="med">
-        <p:fade/>
-      </p:transition>
-    </mc:Fallback>
-  </mc:AlternateContent>
-  <p:timing>
-    <p:tnLst>
-      <p:par>
-        <p:cTn id="1" dur="indefinite" restart="never" nodeType="tmRoot">
-          <p:childTnLst>
-            <p:seq concurrent="1" nextAc="seek">
-              <p:cTn id="2" dur="indefinite" nodeType="mainSeq">
-                <p:childTnLst>
-                  <p:par>
-                    <p:cTn id="3" fill="hold">
-                      <p:stCondLst>
-                        <p:cond delay="indefinite"/>
-                      </p:stCondLst>
-                      <p:childTnLst>
-                        <p:par>
-                          <p:cTn id="4" fill="hold">
-                            <p:stCondLst>
-                              <p:cond delay="0"/>
-                            </p:stCondLst>
-                            <p:childTnLst>
-                              <p:par>
-                                <p:cTn id="5" presetID="2" presetClass="entr" presetSubtype="4" fill="hold" grpId="0" nodeType="clickEffect">
-                                  <p:stCondLst>
-                                    <p:cond delay="0"/>
-                                  </p:stCondLst>
-                                  <p:childTnLst>
-                                    <p:set>
-                                      <p:cBhvr>
-                                        <p:cTn id="6" dur="1" fill="hold">
-                                          <p:stCondLst>
-                                            <p:cond delay="0"/>
-                                          </p:stCondLst>
-                                        </p:cTn>
-                                        <p:tgtEl>
-                                          <p:spTgt spid="4"/>
-                                        </p:tgtEl>
-                                        <p:attrNameLst>
-                                          <p:attrName>style.visibility</p:attrName>
-                                        </p:attrNameLst>
-                                      </p:cBhvr>
-                                      <p:to>
-                                        <p:strVal val="visible"/>
-                                      </p:to>
-                                    </p:set>
-                                    <p:anim calcmode="lin" valueType="num">
-                                      <p:cBhvr additive="base">
-                                        <p:cTn id="7" dur="500" fill="hold"/>
-                                        <p:tgtEl>
-                                          <p:spTgt spid="4"/>
-                                        </p:tgtEl>
-                                        <p:attrNameLst>
-                                          <p:attrName>ppt_x</p:attrName>
-                                        </p:attrNameLst>
-                                      </p:cBhvr>
-                                      <p:tavLst>
-                                        <p:tav tm="0">
-                                          <p:val>
-                                            <p:strVal val="#ppt_x"/>
-                                          </p:val>
-                                        </p:tav>
-                                        <p:tav tm="100000">
-                                          <p:val>
-                                            <p:strVal val="#ppt_x"/>
-                                          </p:val>
-                                        </p:tav>
-                                      </p:tavLst>
-                                    </p:anim>
-                                    <p:anim calcmode="lin" valueType="num">
-                                      <p:cBhvr additive="base">
-                                        <p:cTn id="8" dur="500" fill="hold"/>
-                                        <p:tgtEl>
-                                          <p:spTgt spid="4"/>
-                                        </p:tgtEl>
-                                        <p:attrNameLst>
-                                          <p:attrName>ppt_y</p:attrName>
-                                        </p:attrNameLst>
-                                      </p:cBhvr>
-                                      <p:tavLst>
-                                        <p:tav tm="0">
-                                          <p:val>
-                                            <p:strVal val="1+#ppt_h/2"/>
-                                          </p:val>
-                                        </p:tav>
-                                        <p:tav tm="100000">
-                                          <p:val>
-                                            <p:strVal val="#ppt_y"/>
-                                          </p:val>
-                                        </p:tav>
-                                      </p:tavLst>
-                                    </p:anim>
-                                  </p:childTnLst>
-                                </p:cTn>
-                              </p:par>
-                            </p:childTnLst>
-                          </p:cTn>
-                        </p:par>
-                      </p:childTnLst>
-                    </p:cTn>
-                  </p:par>
-                  <p:par>
-                    <p:cTn id="9" fill="hold">
-                      <p:stCondLst>
-                        <p:cond delay="indefinite"/>
-                      </p:stCondLst>
-                      <p:childTnLst>
-                        <p:par>
-                          <p:cTn id="10" fill="hold">
-                            <p:stCondLst>
-                              <p:cond delay="0"/>
-                            </p:stCondLst>
-                            <p:childTnLst>
-                              <p:par>
-                                <p:cTn id="11" presetID="2" presetClass="entr" presetSubtype="4" fill="hold" grpId="0" nodeType="clickEffect">
-                                  <p:stCondLst>
-                                    <p:cond delay="0"/>
-                                  </p:stCondLst>
-                                  <p:childTnLst>
-                                    <p:set>
-                                      <p:cBhvr>
-                                        <p:cTn id="12" dur="1" fill="hold">
-                                          <p:stCondLst>
-                                            <p:cond delay="0"/>
-                                          </p:stCondLst>
-                                        </p:cTn>
-                                        <p:tgtEl>
-                                          <p:spTgt spid="3">
-                                            <p:txEl>
-                                              <p:pRg st="0" end="0"/>
-                                            </p:txEl>
-                                          </p:spTgt>
-                                        </p:tgtEl>
-                                        <p:attrNameLst>
-                                          <p:attrName>style.visibility</p:attrName>
-                                        </p:attrNameLst>
-                                      </p:cBhvr>
-                                      <p:to>
-                                        <p:strVal val="visible"/>
-                                      </p:to>
-                                    </p:set>
-                                    <p:anim calcmode="lin" valueType="num">
-                                      <p:cBhvr additive="base">
-                                        <p:cTn id="13" dur="500" fill="hold"/>
-                                        <p:tgtEl>
-                                          <p:spTgt spid="3">
-                                            <p:txEl>
-                                              <p:pRg st="0" end="0"/>
-                                            </p:txEl>
-                                          </p:spTgt>
-                                        </p:tgtEl>
-                                        <p:attrNameLst>
-                                          <p:attrName>ppt_x</p:attrName>
-                                        </p:attrNameLst>
-                                      </p:cBhvr>
-                                      <p:tavLst>
-                                        <p:tav tm="0">
-                                          <p:val>
-                                            <p:strVal val="#ppt_x"/>
-                                          </p:val>
-                                        </p:tav>
-                                        <p:tav tm="100000">
-                                          <p:val>
-                                            <p:strVal val="#ppt_x"/>
-                                          </p:val>
-                                        </p:tav>
-                                      </p:tavLst>
-                                    </p:anim>
-                                    <p:anim calcmode="lin" valueType="num">
-                                      <p:cBhvr additive="base">
-                                        <p:cTn id="14" dur="500" fill="hold"/>
-                                        <p:tgtEl>
-                                          <p:spTgt spid="3">
-                                            <p:txEl>
-                                              <p:pRg st="0" end="0"/>
-                                            </p:txEl>
-                                          </p:spTgt>
-                                        </p:tgtEl>
-                                        <p:attrNameLst>
-                                          <p:attrName>ppt_y</p:attrName>
-                                        </p:attrNameLst>
-                                      </p:cBhvr>
-                                      <p:tavLst>
-                                        <p:tav tm="0">
-                                          <p:val>
-                                            <p:strVal val="1+#ppt_h/2"/>
-                                          </p:val>
-                                        </p:tav>
-                                        <p:tav tm="100000">
-                                          <p:val>
-                                            <p:strVal val="#ppt_y"/>
-                                          </p:val>
-                                        </p:tav>
-                                      </p:tavLst>
-                                    </p:anim>
-                                  </p:childTnLst>
-                                </p:cTn>
-                              </p:par>
-                            </p:childTnLst>
-                          </p:cTn>
-                        </p:par>
-                      </p:childTnLst>
-                    </p:cTn>
-                  </p:par>
-                  <p:par>
-                    <p:cTn id="15" fill="hold">
-                      <p:stCondLst>
-                        <p:cond delay="indefinite"/>
-                      </p:stCondLst>
-                      <p:childTnLst>
-                        <p:par>
-                          <p:cTn id="16" fill="hold">
-                            <p:stCondLst>
-                              <p:cond delay="0"/>
-                            </p:stCondLst>
-                            <p:childTnLst>
-                              <p:par>
-                                <p:cTn id="17" presetID="2" presetClass="entr" presetSubtype="4" fill="hold" grpId="0" nodeType="clickEffect">
-                                  <p:stCondLst>
-                                    <p:cond delay="0"/>
-                                  </p:stCondLst>
-                                  <p:childTnLst>
-                                    <p:set>
-                                      <p:cBhvr>
-                                        <p:cTn id="18" dur="1" fill="hold">
-                                          <p:stCondLst>
-                                            <p:cond delay="0"/>
-                                          </p:stCondLst>
-                                        </p:cTn>
-                                        <p:tgtEl>
-                                          <p:spTgt spid="3">
-                                            <p:txEl>
-                                              <p:pRg st="1" end="1"/>
-                                            </p:txEl>
-                                          </p:spTgt>
-                                        </p:tgtEl>
-                                        <p:attrNameLst>
-                                          <p:attrName>style.visibility</p:attrName>
-                                        </p:attrNameLst>
-                                      </p:cBhvr>
-                                      <p:to>
-                                        <p:strVal val="visible"/>
-                                      </p:to>
-                                    </p:set>
-                                    <p:anim calcmode="lin" valueType="num">
-                                      <p:cBhvr additive="base">
-                                        <p:cTn id="19" dur="500" fill="hold"/>
-                                        <p:tgtEl>
-                                          <p:spTgt spid="3">
-                                            <p:txEl>
-                                              <p:pRg st="1" end="1"/>
-                                            </p:txEl>
-                                          </p:spTgt>
-                                        </p:tgtEl>
-                                        <p:attrNameLst>
-                                          <p:attrName>ppt_x</p:attrName>
-                                        </p:attrNameLst>
-                                      </p:cBhvr>
-                                      <p:tavLst>
-                                        <p:tav tm="0">
-                                          <p:val>
-                                            <p:strVal val="#ppt_x"/>
-                                          </p:val>
-                                        </p:tav>
-                                        <p:tav tm="100000">
-                                          <p:val>
-                                            <p:strVal val="#ppt_x"/>
-                                          </p:val>
-                                        </p:tav>
-                                      </p:tavLst>
-                                    </p:anim>
-                                    <p:anim calcmode="lin" valueType="num">
-                                      <p:cBhvr additive="base">
-                                        <p:cTn id="20" dur="500" fill="hold"/>
-                                        <p:tgtEl>
-                                          <p:spTgt spid="3">
-                                            <p:txEl>
-                                              <p:pRg st="1" end="1"/>
-                                            </p:txEl>
-                                          </p:spTgt>
-                                        </p:tgtEl>
-                                        <p:attrNameLst>
-                                          <p:attrName>ppt_y</p:attrName>
-                                        </p:attrNameLst>
-                                      </p:cBhvr>
-                                      <p:tavLst>
-                                        <p:tav tm="0">
-                                          <p:val>
-                                            <p:strVal val="1+#ppt_h/2"/>
-                                          </p:val>
-                                        </p:tav>
-                                        <p:tav tm="100000">
-                                          <p:val>
-                                            <p:strVal val="#ppt_y"/>
-                                          </p:val>
-                                        </p:tav>
-                                      </p:tavLst>
-                                    </p:anim>
-                                  </p:childTnLst>
-                                </p:cTn>
-                              </p:par>
-                            </p:childTnLst>
-                          </p:cTn>
-                        </p:par>
-                      </p:childTnLst>
-                    </p:cTn>
-                  </p:par>
-                  <p:par>
-                    <p:cTn id="21" fill="hold">
-                      <p:stCondLst>
-                        <p:cond delay="indefinite"/>
-                      </p:stCondLst>
-                      <p:childTnLst>
-                        <p:par>
-                          <p:cTn id="22" fill="hold">
-                            <p:stCondLst>
-                              <p:cond delay="0"/>
-                            </p:stCondLst>
-                            <p:childTnLst>
-                              <p:par>
-                                <p:cTn id="23" presetID="2" presetClass="entr" presetSubtype="4" fill="hold" grpId="0" nodeType="clickEffect">
-                                  <p:stCondLst>
-                                    <p:cond delay="0"/>
-                                  </p:stCondLst>
-                                  <p:childTnLst>
-                                    <p:set>
-                                      <p:cBhvr>
-                                        <p:cTn id="24" dur="1" fill="hold">
-                                          <p:stCondLst>
-                                            <p:cond delay="0"/>
-                                          </p:stCondLst>
-                                        </p:cTn>
-                                        <p:tgtEl>
-                                          <p:spTgt spid="3">
-                                            <p:txEl>
-                                              <p:pRg st="2" end="2"/>
-                                            </p:txEl>
-                                          </p:spTgt>
-                                        </p:tgtEl>
-                                        <p:attrNameLst>
-                                          <p:attrName>style.visibility</p:attrName>
-                                        </p:attrNameLst>
-                                      </p:cBhvr>
-                                      <p:to>
-                                        <p:strVal val="visible"/>
-                                      </p:to>
-                                    </p:set>
-                                    <p:anim calcmode="lin" valueType="num">
-                                      <p:cBhvr additive="base">
-                                        <p:cTn id="25" dur="500" fill="hold"/>
-                                        <p:tgtEl>
-                                          <p:spTgt spid="3">
-                                            <p:txEl>
-                                              <p:pRg st="2" end="2"/>
-                                            </p:txEl>
-                                          </p:spTgt>
-                                        </p:tgtEl>
-                                        <p:attrNameLst>
-                                          <p:attrName>ppt_x</p:attrName>
-                                        </p:attrNameLst>
-                                      </p:cBhvr>
-                                      <p:tavLst>
-                                        <p:tav tm="0">
-                                          <p:val>
-                                            <p:strVal val="#ppt_x"/>
-                                          </p:val>
-                                        </p:tav>
-                                        <p:tav tm="100000">
-                                          <p:val>
-                                            <p:strVal val="#ppt_x"/>
-                                          </p:val>
-                                        </p:tav>
-                                      </p:tavLst>
-                                    </p:anim>
-                                    <p:anim calcmode="lin" valueType="num">
-                                      <p:cBhvr additive="base">
-                                        <p:cTn id="26" dur="500" fill="hold"/>
-                                        <p:tgtEl>
-                                          <p:spTgt spid="3">
-                                            <p:txEl>
-                                              <p:pRg st="2" end="2"/>
-                                            </p:txEl>
-                                          </p:spTgt>
-                                        </p:tgtEl>
-                                        <p:attrNameLst>
-                                          <p:attrName>ppt_y</p:attrName>
-                                        </p:attrNameLst>
-                                      </p:cBhvr>
-                                      <p:tavLst>
-                                        <p:tav tm="0">
-                                          <p:val>
-                                            <p:strVal val="1+#ppt_h/2"/>
-                                          </p:val>
-                                        </p:tav>
-                                        <p:tav tm="100000">
-                                          <p:val>
-                                            <p:strVal val="#ppt_y"/>
-                                          </p:val>
-                                        </p:tav>
-                                      </p:tavLst>
-                                    </p:anim>
-                                  </p:childTnLst>
-                                </p:cTn>
-                              </p:par>
-                            </p:childTnLst>
-                          </p:cTn>
-                        </p:par>
-                      </p:childTnLst>
-                    </p:cTn>
-                  </p:par>
-                  <p:par>
-                    <p:cTn id="27" fill="hold">
-                      <p:stCondLst>
-                        <p:cond delay="indefinite"/>
-                      </p:stCondLst>
-                      <p:childTnLst>
-                        <p:par>
-                          <p:cTn id="28" fill="hold">
-                            <p:stCondLst>
-                              <p:cond delay="0"/>
-                            </p:stCondLst>
-                            <p:childTnLst>
-                              <p:par>
-                                <p:cTn id="29" presetID="2" presetClass="entr" presetSubtype="4" fill="hold" grpId="0" nodeType="clickEffect">
-                                  <p:stCondLst>
-                                    <p:cond delay="0"/>
-                                  </p:stCondLst>
-                                  <p:childTnLst>
-                                    <p:set>
-                                      <p:cBhvr>
-                                        <p:cTn id="30" dur="1" fill="hold">
-                                          <p:stCondLst>
-                                            <p:cond delay="0"/>
-                                          </p:stCondLst>
-                                        </p:cTn>
-                                        <p:tgtEl>
-                                          <p:spTgt spid="3">
-                                            <p:txEl>
-                                              <p:pRg st="3" end="3"/>
-                                            </p:txEl>
-                                          </p:spTgt>
-                                        </p:tgtEl>
-                                        <p:attrNameLst>
-                                          <p:attrName>style.visibility</p:attrName>
-                                        </p:attrNameLst>
-                                      </p:cBhvr>
-                                      <p:to>
-                                        <p:strVal val="visible"/>
-                                      </p:to>
-                                    </p:set>
-                                    <p:anim calcmode="lin" valueType="num">
-                                      <p:cBhvr additive="base">
-                                        <p:cTn id="31" dur="500" fill="hold"/>
-                                        <p:tgtEl>
-                                          <p:spTgt spid="3">
-                                            <p:txEl>
-                                              <p:pRg st="3" end="3"/>
-                                            </p:txEl>
-                                          </p:spTgt>
-                                        </p:tgtEl>
-                                        <p:attrNameLst>
-                                          <p:attrName>ppt_x</p:attrName>
-                                        </p:attrNameLst>
-                                      </p:cBhvr>
-                                      <p:tavLst>
-                                        <p:tav tm="0">
-                                          <p:val>
-                                            <p:strVal val="#ppt_x"/>
-                                          </p:val>
-                                        </p:tav>
-                                        <p:tav tm="100000">
-                                          <p:val>
-                                            <p:strVal val="#ppt_x"/>
-                                          </p:val>
-                                        </p:tav>
-                                      </p:tavLst>
-                                    </p:anim>
-                                    <p:anim calcmode="lin" valueType="num">
-                                      <p:cBhvr additive="base">
-                                        <p:cTn id="32" dur="500" fill="hold"/>
-                                        <p:tgtEl>
-                                          <p:spTgt spid="3">
-                                            <p:txEl>
-                                              <p:pRg st="3" end="3"/>
-                                            </p:txEl>
-                                          </p:spTgt>
-                                        </p:tgtEl>
-                                        <p:attrNameLst>
-                                          <p:attrName>ppt_y</p:attrName>
-                                        </p:attrNameLst>
-                                      </p:cBhvr>
-                                      <p:tavLst>
-                                        <p:tav tm="0">
-                                          <p:val>
-                                            <p:strVal val="1+#ppt_h/2"/>
-                                          </p:val>
-                                        </p:tav>
-                                        <p:tav tm="100000">
-                                          <p:val>
-                                            <p:strVal val="#ppt_y"/>
-                                          </p:val>
-                                        </p:tav>
-                                      </p:tavLst>
-                                    </p:anim>
-                                  </p:childTnLst>
-                                </p:cTn>
-                              </p:par>
-                            </p:childTnLst>
-                          </p:cTn>
-                        </p:par>
-                      </p:childTnLst>
-                    </p:cTn>
-                  </p:par>
-                  <p:par>
-                    <p:cTn id="33" fill="hold">
-                      <p:stCondLst>
-                        <p:cond delay="indefinite"/>
-                      </p:stCondLst>
-                      <p:childTnLst>
-                        <p:par>
-                          <p:cTn id="34" fill="hold">
-                            <p:stCondLst>
-                              <p:cond delay="0"/>
-                            </p:stCondLst>
-                            <p:childTnLst>
-                              <p:par>
-                                <p:cTn id="35" presetID="2" presetClass="entr" presetSubtype="4" fill="hold" grpId="0" nodeType="clickEffect">
-                                  <p:stCondLst>
-                                    <p:cond delay="0"/>
-                                  </p:stCondLst>
-                                  <p:childTnLst>
-                                    <p:set>
-                                      <p:cBhvr>
-                                        <p:cTn id="36" dur="1" fill="hold">
-                                          <p:stCondLst>
-                                            <p:cond delay="0"/>
-                                          </p:stCondLst>
-                                        </p:cTn>
-                                        <p:tgtEl>
-                                          <p:spTgt spid="3">
-                                            <p:txEl>
-                                              <p:pRg st="4" end="4"/>
-                                            </p:txEl>
-                                          </p:spTgt>
-                                        </p:tgtEl>
-                                        <p:attrNameLst>
-                                          <p:attrName>style.visibility</p:attrName>
-                                        </p:attrNameLst>
-                                      </p:cBhvr>
-                                      <p:to>
-                                        <p:strVal val="visible"/>
-                                      </p:to>
-                                    </p:set>
-                                    <p:anim calcmode="lin" valueType="num">
-                                      <p:cBhvr additive="base">
-                                        <p:cTn id="37" dur="500" fill="hold"/>
-                                        <p:tgtEl>
-                                          <p:spTgt spid="3">
-                                            <p:txEl>
-                                              <p:pRg st="4" end="4"/>
-                                            </p:txEl>
-                                          </p:spTgt>
-                                        </p:tgtEl>
-                                        <p:attrNameLst>
-                                          <p:attrName>ppt_x</p:attrName>
-                                        </p:attrNameLst>
-                                      </p:cBhvr>
-                                      <p:tavLst>
-                                        <p:tav tm="0">
-                                          <p:val>
-                                            <p:strVal val="#ppt_x"/>
-                                          </p:val>
-                                        </p:tav>
-                                        <p:tav tm="100000">
-                                          <p:val>
-                                            <p:strVal val="#ppt_x"/>
-                                          </p:val>
-                                        </p:tav>
-                                      </p:tavLst>
-                                    </p:anim>
-                                    <p:anim calcmode="lin" valueType="num">
-                                      <p:cBhvr additive="base">
-                                        <p:cTn id="38" dur="500" fill="hold"/>
-                                        <p:tgtEl>
-                                          <p:spTgt spid="3">
-                                            <p:txEl>
-                                              <p:pRg st="4" end="4"/>
-                                            </p:txEl>
-                                          </p:spTgt>
-                                        </p:tgtEl>
-                                        <p:attrNameLst>
-                                          <p:attrName>ppt_y</p:attrName>
-                                        </p:attrNameLst>
-                                      </p:cBhvr>
-                                      <p:tavLst>
-                                        <p:tav tm="0">
-                                          <p:val>
-                                            <p:strVal val="1+#ppt_h/2"/>
-                                          </p:val>
-                                        </p:tav>
-                                        <p:tav tm="100000">
-                                          <p:val>
-                                            <p:strVal val="#ppt_y"/>
-                                          </p:val>
-                                        </p:tav>
-                                      </p:tavLst>
-                                    </p:anim>
-                                  </p:childTnLst>
-                                </p:cTn>
-                              </p:par>
-                            </p:childTnLst>
-                          </p:cTn>
-                        </p:par>
-                      </p:childTnLst>
-                    </p:cTn>
-                  </p:par>
-                  <p:par>
-                    <p:cTn id="39" fill="hold">
-                      <p:stCondLst>
-                        <p:cond delay="indefinite"/>
-                      </p:stCondLst>
-                      <p:childTnLst>
-                        <p:par>
-                          <p:cTn id="40" fill="hold">
-                            <p:stCondLst>
-                              <p:cond delay="0"/>
-                            </p:stCondLst>
-                            <p:childTnLst>
-                              <p:par>
-                                <p:cTn id="41" presetID="42" presetClass="entr" presetSubtype="0" fill="hold" nodeType="clickEffect">
-                                  <p:stCondLst>
-                                    <p:cond delay="0"/>
-                                  </p:stCondLst>
-                                  <p:childTnLst>
-                                    <p:set>
-                                      <p:cBhvr>
-                                        <p:cTn id="42" dur="1" fill="hold">
-                                          <p:stCondLst>
-                                            <p:cond delay="0"/>
-                                          </p:stCondLst>
-                                        </p:cTn>
-                                        <p:tgtEl>
-                                          <p:spTgt spid="2"/>
-                                        </p:tgtEl>
-                                        <p:attrNameLst>
-                                          <p:attrName>style.visibility</p:attrName>
-                                        </p:attrNameLst>
-                                      </p:cBhvr>
-                                      <p:to>
-                                        <p:strVal val="visible"/>
-                                      </p:to>
-                                    </p:set>
-                                    <p:animEffect transition="in" filter="fade">
-                                      <p:cBhvr>
-                                        <p:cTn id="43" dur="1000"/>
-                                        <p:tgtEl>
-                                          <p:spTgt spid="2"/>
-                                        </p:tgtEl>
-                                      </p:cBhvr>
-                                    </p:animEffect>
-                                    <p:anim calcmode="lin" valueType="num">
-                                      <p:cBhvr>
-                                        <p:cTn id="44" dur="1000" fill="hold"/>
-                                        <p:tgtEl>
-                                          <p:spTgt spid="2"/>
-                                        </p:tgtEl>
-                                        <p:attrNameLst>
-                                          <p:attrName>ppt_x</p:attrName>
-                                        </p:attrNameLst>
-                                      </p:cBhvr>
-                                      <p:tavLst>
-                                        <p:tav tm="0">
-                                          <p:val>
-                                            <p:strVal val="#ppt_x"/>
-                                          </p:val>
-                                        </p:tav>
-                                        <p:tav tm="100000">
-                                          <p:val>
-                                            <p:strVal val="#ppt_x"/>
-                                          </p:val>
-                                        </p:tav>
-                                      </p:tavLst>
-                                    </p:anim>
-                                    <p:anim calcmode="lin" valueType="num">
-                                      <p:cBhvr>
-                                        <p:cTn id="45" dur="1000" fill="hold"/>
-                                        <p:tgtEl>
-                                          <p:spTgt spid="2"/>
-                                        </p:tgtEl>
-                                        <p:attrNameLst>
-                                          <p:attrName>ppt_y</p:attrName>
-                                        </p:attrNameLst>
-                                      </p:cBhvr>
-                                      <p:tavLst>
-                                        <p:tav tm="0">
-                                          <p:val>
-                                            <p:strVal val="#ppt_y+.1"/>
-                                          </p:val>
-                                        </p:tav>
-                                        <p:tav tm="100000">
-                                          <p:val>
-                                            <p:strVal val="#ppt_y"/>
-                                          </p:val>
-                                        </p:tav>
-                                      </p:tavLst>
-                                    </p:anim>
-                                  </p:childTnLst>
-                                </p:cTn>
-                              </p:par>
-                            </p:childTnLst>
-                          </p:cTn>
-                        </p:par>
-                      </p:childTnLst>
-                    </p:cTn>
-                  </p:par>
-                </p:childTnLst>
-              </p:cTn>
-              <p:prevCondLst>
-                <p:cond evt="onPrev" delay="0">
-                  <p:tgtEl>
-                    <p:sldTgt/>
-                  </p:tgtEl>
-                </p:cond>
-              </p:prevCondLst>
-              <p:nextCondLst>
-                <p:cond evt="onNext" delay="0">
-                  <p:tgtEl>
-                    <p:sldTgt/>
-                  </p:tgtEl>
-                </p:cond>
-              </p:nextCondLst>
-            </p:seq>
-          </p:childTnLst>
-        </p:cTn>
-      </p:par>
-    </p:tnLst>
-    <p:bldLst>
-      <p:bldP spid="4" grpId="0"/>
-      <p:bldP spid="3" grpId="0" build="p"/>
-    </p:bldLst>
-  </p:timing>
-</p:sld>
-</file>
-
-<file path=ppt/slides/slide11.xml><?xml version="1.0" encoding="utf-8"?>
-<p:sld xmlns:a="http://schemas.openxmlformats.org/drawingml/2006/main" xmlns:r="http://schemas.openxmlformats.org/officeDocument/2006/relationships" xmlns:p="http://schemas.openxmlformats.org/presentationml/2006/main">
-  <p:cSld>
-    <p:spTree>
-      <p:nvGrpSpPr>
-        <p:cNvPr id="1" name=""/>
-        <p:cNvGrpSpPr/>
-        <p:nvPr/>
-      </p:nvGrpSpPr>
-      <p:grpSpPr>
-        <a:xfrm>
-          <a:off x="0" y="0"/>
-          <a:ext cx="0" cy="0"/>
-          <a:chOff x="0" y="0"/>
-          <a:chExt cx="0" cy="0"/>
-        </a:xfrm>
-      </p:grpSpPr>
-      <p:sp>
-        <p:nvSpPr>
-          <p:cNvPr id="2" name="Title 1">
-            <a:extLst>
-              <a:ext uri="{FF2B5EF4-FFF2-40B4-BE49-F238E27FC236}">
-                <a16:creationId xmlns:a16="http://schemas.microsoft.com/office/drawing/2014/main" id="{FE756B7C-46DB-14EC-64AA-7D3322CBE359}"/>
-              </a:ext>
-            </a:extLst>
-          </p:cNvPr>
-          <p:cNvSpPr>
-            <a:spLocks noGrp="1"/>
-          </p:cNvSpPr>
-          <p:nvPr>
-            <p:ph type="title"/>
-          </p:nvPr>
-        </p:nvSpPr>
-        <p:spPr>
-          <a:xfrm>
-            <a:off x="832976" y="929923"/>
-            <a:ext cx="8761413" cy="706964"/>
-          </a:xfrm>
-        </p:spPr>
-        <p:txBody>
-          <a:bodyPr>
-            <a:normAutofit/>
-          </a:bodyPr>
-          <a:lstStyle/>
-          <a:p>
-            <a:r>
-              <a:rPr lang="en-US" dirty="0"/>
-              <a:t>DOCKER IMAGE VS CONTAINER</a:t>
-            </a:r>
-            <a:endParaRPr lang="en-IN" dirty="0"/>
-          </a:p>
-        </p:txBody>
-      </p:sp>
-      <p:sp>
-        <p:nvSpPr>
-          <p:cNvPr id="3" name="Content Placeholder 2"/>
-          <p:cNvSpPr>
-            <a:spLocks noGrp="1"/>
-          </p:cNvSpPr>
-          <p:nvPr>
-            <p:ph idx="1"/>
-          </p:nvPr>
-        </p:nvSpPr>
-        <p:spPr/>
-        <p:txBody>
-          <a:bodyPr anchor="t"/>
-          <a:lstStyle/>
-          <a:p>
-            <a:r>
-              <a:rPr lang="en-US" dirty="0">
-                <a:solidFill>
-                  <a:srgbClr val="31859C"/>
-                </a:solidFill>
-              </a:rPr>
-              <a:t>Docker Image is a class</a:t>
-            </a:r>
-          </a:p>
-          <a:p>
-            <a:r>
-              <a:rPr lang="en-US" dirty="0">
-                <a:solidFill>
-                  <a:srgbClr val="31859C"/>
-                </a:solidFill>
-              </a:rPr>
-              <a:t>Docker Container is a instance of class</a:t>
-            </a:r>
-          </a:p>
-        </p:txBody>
-      </p:sp>
-      <p:pic>
-        <p:nvPicPr>
-          <p:cNvPr id="4" name="Picture 3"/>
-          <p:cNvPicPr>
-            <a:picLocks noChangeAspect="1"/>
-          </p:cNvPicPr>
-          <p:nvPr/>
-        </p:nvPicPr>
-        <p:blipFill>
-          <a:blip r:embed="rId2">
-            <a:alphaModFix/>
-            <a:extLst>
-              <a:ext uri="{28A0092B-C50C-407E-A947-70E740481C1C}">
-                <a14:useLocalDpi xmlns:a14="http://schemas.microsoft.com/office/drawing/2010/main" val="0"/>
-              </a:ext>
-            </a:extLst>
-          </a:blip>
-          <a:stretch>
-            <a:fillRect/>
-          </a:stretch>
-        </p:blipFill>
-        <p:spPr>
-          <a:xfrm>
-            <a:off x="612036" y="3835488"/>
-            <a:ext cx="5742800" cy="2276167"/>
-          </a:xfrm>
-          <a:prstGeom prst="rect">
-            <a:avLst/>
-          </a:prstGeom>
-          <a:noFill/>
-          <a:ln>
-            <a:solidFill>
-              <a:schemeClr val="tx1"/>
-            </a:solidFill>
-          </a:ln>
-          <a:effectLst>
-            <a:outerShdw blurRad="63500" sx="102000" sy="102000" algn="ctr" rotWithShape="0">
-              <a:prstClr val="black">
-                <a:alpha val="40000"/>
-              </a:prstClr>
-            </a:outerShdw>
-          </a:effectLst>
-        </p:spPr>
-      </p:pic>
-      <p:pic>
-        <p:nvPicPr>
-          <p:cNvPr id="6" name="Picture 5"/>
-          <p:cNvPicPr>
-            <a:picLocks noChangeAspect="1"/>
-          </p:cNvPicPr>
-          <p:nvPr/>
-        </p:nvPicPr>
-        <p:blipFill rotWithShape="1">
-          <a:blip r:embed="rId3">
-            <a:alphaModFix/>
-          </a:blip>
-          <a:srcRect l="14149" t="3197" r="12685" b="7171"/>
-          <a:stretch>
-            <a:fillRect/>
-          </a:stretch>
-        </p:blipFill>
-        <p:spPr>
-          <a:xfrm>
-            <a:off x="7732619" y="3140312"/>
-            <a:ext cx="3231990" cy="2971344"/>
-          </a:xfrm>
-          <a:prstGeom prst="rect">
-            <a:avLst/>
-          </a:prstGeom>
-          <a:noFill/>
-          <a:ln>
-            <a:solidFill>
-              <a:schemeClr val="tx1"/>
-            </a:solidFill>
-          </a:ln>
-          <a:effectLst>
-            <a:outerShdw blurRad="63500" sx="102000" sy="102000" algn="ctr" rotWithShape="0">
-              <a:prstClr val="black">
-                <a:alpha val="40000"/>
-              </a:prstClr>
-            </a:outerShdw>
-          </a:effectLst>
-        </p:spPr>
-      </p:pic>
-    </p:spTree>
-    <p:extLst>
-      <p:ext uri="{BB962C8B-B14F-4D97-AF65-F5344CB8AC3E}">
-        <p14:creationId xmlns:p14="http://schemas.microsoft.com/office/powerpoint/2010/main" val="1897668659"/>
-      </p:ext>
-    </p:extLst>
-  </p:cSld>
-  <p:clrMapOvr>
-    <a:masterClrMapping/>
-  </p:clrMapOvr>
-  <mc:AlternateContent xmlns:mc="http://schemas.openxmlformats.org/markup-compatibility/2006" xmlns:p14="http://schemas.microsoft.com/office/powerpoint/2010/main">
-    <mc:Choice Requires="p14">
-      <p:transition spd="med" p14:dur="700">
-        <p:fade/>
-      </p:transition>
-    </mc:Choice>
-    <mc:Fallback xmlns="">
-      <p:transition spd="med">
-        <p:fade/>
-      </p:transition>
-    </mc:Fallback>
-  </mc:AlternateContent>
-  <p:timing>
-    <p:tnLst>
-      <p:par>
-        <p:cTn id="1" dur="indefinite" restart="never" nodeType="tmRoot">
-          <p:childTnLst>
-            <p:seq concurrent="1" nextAc="seek">
-              <p:cTn id="2" dur="indefinite" nodeType="mainSeq">
-                <p:childTnLst>
-                  <p:par>
-                    <p:cTn id="3" fill="hold">
-                      <p:stCondLst>
-                        <p:cond delay="indefinite"/>
-                      </p:stCondLst>
-                      <p:childTnLst>
-                        <p:par>
-                          <p:cTn id="4" fill="hold">
-                            <p:stCondLst>
-                              <p:cond delay="0"/>
-                            </p:stCondLst>
-                            <p:childTnLst>
-                              <p:par>
-                                <p:cTn id="5" presetID="10" presetClass="entr" presetSubtype="0" fill="hold" grpId="0" nodeType="clickEffect">
-                                  <p:stCondLst>
-                                    <p:cond delay="0"/>
-                                  </p:stCondLst>
-                                  <p:childTnLst>
-                                    <p:set>
-                                      <p:cBhvr>
-                                        <p:cTn id="6" dur="1" fill="hold">
-                                          <p:stCondLst>
-                                            <p:cond delay="0"/>
-                                          </p:stCondLst>
-                                        </p:cTn>
-                                        <p:tgtEl>
-                                          <p:spTgt spid="2"/>
-                                        </p:tgtEl>
-                                        <p:attrNameLst>
-                                          <p:attrName>style.visibility</p:attrName>
-                                        </p:attrNameLst>
-                                      </p:cBhvr>
-                                      <p:to>
-                                        <p:strVal val="visible"/>
-                                      </p:to>
-                                    </p:set>
-                                    <p:animEffect transition="in" filter="fade">
-                                      <p:cBhvr>
-                                        <p:cTn id="7" dur="500"/>
-                                        <p:tgtEl>
-                                          <p:spTgt spid="2"/>
-                                        </p:tgtEl>
-                                      </p:cBhvr>
-                                    </p:animEffect>
-                                  </p:childTnLst>
-                                </p:cTn>
-                              </p:par>
-                            </p:childTnLst>
-                          </p:cTn>
-                        </p:par>
-                      </p:childTnLst>
-                    </p:cTn>
-                  </p:par>
-                  <p:par>
-                    <p:cTn id="8" fill="hold">
-                      <p:stCondLst>
-                        <p:cond delay="indefinite"/>
-                      </p:stCondLst>
-                      <p:childTnLst>
-                        <p:par>
-                          <p:cTn id="9" fill="hold">
-                            <p:stCondLst>
-                              <p:cond delay="0"/>
-                            </p:stCondLst>
-                            <p:childTnLst>
-                              <p:par>
-                                <p:cTn id="10" presetID="2" presetClass="entr" presetSubtype="4" fill="hold" grpId="0" nodeType="clickEffect">
-                                  <p:stCondLst>
-                                    <p:cond delay="0"/>
-                                  </p:stCondLst>
-                                  <p:childTnLst>
-                                    <p:set>
-                                      <p:cBhvr>
-                                        <p:cTn id="11" dur="1" fill="hold">
-                                          <p:stCondLst>
-                                            <p:cond delay="0"/>
-                                          </p:stCondLst>
-                                        </p:cTn>
-                                        <p:tgtEl>
-                                          <p:spTgt spid="3">
-                                            <p:txEl>
-                                              <p:pRg st="0" end="0"/>
-                                            </p:txEl>
-                                          </p:spTgt>
-                                        </p:tgtEl>
-                                        <p:attrNameLst>
-                                          <p:attrName>style.visibility</p:attrName>
-                                        </p:attrNameLst>
-                                      </p:cBhvr>
-                                      <p:to>
-                                        <p:strVal val="visible"/>
-                                      </p:to>
-                                    </p:set>
-                                    <p:anim calcmode="lin" valueType="num">
-                                      <p:cBhvr additive="base">
-                                        <p:cTn id="12" dur="500" fill="hold"/>
-                                        <p:tgtEl>
-                                          <p:spTgt spid="3">
-                                            <p:txEl>
-                                              <p:pRg st="0" end="0"/>
-                                            </p:txEl>
-                                          </p:spTgt>
-                                        </p:tgtEl>
-                                        <p:attrNameLst>
-                                          <p:attrName>ppt_x</p:attrName>
-                                        </p:attrNameLst>
-                                      </p:cBhvr>
-                                      <p:tavLst>
-                                        <p:tav tm="0">
-                                          <p:val>
-                                            <p:strVal val="#ppt_x"/>
-                                          </p:val>
-                                        </p:tav>
-                                        <p:tav tm="100000">
-                                          <p:val>
-                                            <p:strVal val="#ppt_x"/>
-                                          </p:val>
-                                        </p:tav>
-                                      </p:tavLst>
-                                    </p:anim>
-                                    <p:anim calcmode="lin" valueType="num">
-                                      <p:cBhvr additive="base">
-                                        <p:cTn id="13" dur="500" fill="hold"/>
-                                        <p:tgtEl>
-                                          <p:spTgt spid="3">
-                                            <p:txEl>
-                                              <p:pRg st="0" end="0"/>
-                                            </p:txEl>
-                                          </p:spTgt>
-                                        </p:tgtEl>
-                                        <p:attrNameLst>
-                                          <p:attrName>ppt_y</p:attrName>
-                                        </p:attrNameLst>
-                                      </p:cBhvr>
-                                      <p:tavLst>
-                                        <p:tav tm="0">
-                                          <p:val>
-                                            <p:strVal val="1+#ppt_h/2"/>
-                                          </p:val>
-                                        </p:tav>
-                                        <p:tav tm="100000">
-                                          <p:val>
-                                            <p:strVal val="#ppt_y"/>
-                                          </p:val>
-                                        </p:tav>
-                                      </p:tavLst>
-                                    </p:anim>
-                                  </p:childTnLst>
-                                </p:cTn>
-                              </p:par>
-                            </p:childTnLst>
-                          </p:cTn>
-                        </p:par>
-                      </p:childTnLst>
-                    </p:cTn>
-                  </p:par>
-                  <p:par>
-                    <p:cTn id="14" fill="hold">
-                      <p:stCondLst>
-                        <p:cond delay="indefinite"/>
-                      </p:stCondLst>
-                      <p:childTnLst>
-                        <p:par>
-                          <p:cTn id="15" fill="hold">
-                            <p:stCondLst>
-                              <p:cond delay="0"/>
-                            </p:stCondLst>
-                            <p:childTnLst>
-                              <p:par>
-                                <p:cTn id="16" presetID="2" presetClass="entr" presetSubtype="4" fill="hold" grpId="0" nodeType="clickEffect">
-                                  <p:stCondLst>
-                                    <p:cond delay="0"/>
-                                  </p:stCondLst>
-                                  <p:childTnLst>
-                                    <p:set>
-                                      <p:cBhvr>
-                                        <p:cTn id="17" dur="1" fill="hold">
-                                          <p:stCondLst>
-                                            <p:cond delay="0"/>
-                                          </p:stCondLst>
-                                        </p:cTn>
-                                        <p:tgtEl>
-                                          <p:spTgt spid="3">
-                                            <p:txEl>
-                                              <p:pRg st="1" end="1"/>
-                                            </p:txEl>
-                                          </p:spTgt>
-                                        </p:tgtEl>
-                                        <p:attrNameLst>
-                                          <p:attrName>style.visibility</p:attrName>
-                                        </p:attrNameLst>
-                                      </p:cBhvr>
-                                      <p:to>
-                                        <p:strVal val="visible"/>
-                                      </p:to>
-                                    </p:set>
-                                    <p:anim calcmode="lin" valueType="num">
-                                      <p:cBhvr additive="base">
-                                        <p:cTn id="18" dur="500" fill="hold"/>
-                                        <p:tgtEl>
-                                          <p:spTgt spid="3">
-                                            <p:txEl>
-                                              <p:pRg st="1" end="1"/>
-                                            </p:txEl>
-                                          </p:spTgt>
-                                        </p:tgtEl>
-                                        <p:attrNameLst>
-                                          <p:attrName>ppt_x</p:attrName>
-                                        </p:attrNameLst>
-                                      </p:cBhvr>
-                                      <p:tavLst>
-                                        <p:tav tm="0">
-                                          <p:val>
-                                            <p:strVal val="#ppt_x"/>
-                                          </p:val>
-                                        </p:tav>
-                                        <p:tav tm="100000">
-                                          <p:val>
-                                            <p:strVal val="#ppt_x"/>
-                                          </p:val>
-                                        </p:tav>
-                                      </p:tavLst>
-                                    </p:anim>
-                                    <p:anim calcmode="lin" valueType="num">
-                                      <p:cBhvr additive="base">
-                                        <p:cTn id="19" dur="500" fill="hold"/>
-                                        <p:tgtEl>
-                                          <p:spTgt spid="3">
-                                            <p:txEl>
-                                              <p:pRg st="1" end="1"/>
-                                            </p:txEl>
-                                          </p:spTgt>
-                                        </p:tgtEl>
-                                        <p:attrNameLst>
-                                          <p:attrName>ppt_y</p:attrName>
-                                        </p:attrNameLst>
-                                      </p:cBhvr>
-                                      <p:tavLst>
-                                        <p:tav tm="0">
-                                          <p:val>
-                                            <p:strVal val="1+#ppt_h/2"/>
-                                          </p:val>
-                                        </p:tav>
-                                        <p:tav tm="100000">
-                                          <p:val>
-                                            <p:strVal val="#ppt_y"/>
-                                          </p:val>
-                                        </p:tav>
-                                      </p:tavLst>
-                                    </p:anim>
-                                  </p:childTnLst>
-                                </p:cTn>
-                              </p:par>
-                            </p:childTnLst>
-                          </p:cTn>
-                        </p:par>
-                      </p:childTnLst>
-                    </p:cTn>
-                  </p:par>
-                  <p:par>
-                    <p:cTn id="20" fill="hold">
-                      <p:stCondLst>
-                        <p:cond delay="indefinite"/>
-                      </p:stCondLst>
-                      <p:childTnLst>
-                        <p:par>
-                          <p:cTn id="21" fill="hold">
-                            <p:stCondLst>
-                              <p:cond delay="0"/>
-                            </p:stCondLst>
-                            <p:childTnLst>
-                              <p:par>
-                                <p:cTn id="22" presetID="42" presetClass="entr" presetSubtype="0" fill="hold" nodeType="clickEffect">
-                                  <p:stCondLst>
-                                    <p:cond delay="0"/>
-                                  </p:stCondLst>
-                                  <p:childTnLst>
-                                    <p:set>
-                                      <p:cBhvr>
-                                        <p:cTn id="23" dur="1" fill="hold">
-                                          <p:stCondLst>
-                                            <p:cond delay="0"/>
-                                          </p:stCondLst>
-                                        </p:cTn>
-                                        <p:tgtEl>
-                                          <p:spTgt spid="4"/>
-                                        </p:tgtEl>
-                                        <p:attrNameLst>
-                                          <p:attrName>style.visibility</p:attrName>
-                                        </p:attrNameLst>
-                                      </p:cBhvr>
-                                      <p:to>
-                                        <p:strVal val="visible"/>
-                                      </p:to>
-                                    </p:set>
-                                    <p:animEffect transition="in" filter="fade">
-                                      <p:cBhvr>
-                                        <p:cTn id="24" dur="1000"/>
-                                        <p:tgtEl>
-                                          <p:spTgt spid="4"/>
-                                        </p:tgtEl>
-                                      </p:cBhvr>
-                                    </p:animEffect>
-                                    <p:anim calcmode="lin" valueType="num">
-                                      <p:cBhvr>
-                                        <p:cTn id="25" dur="1000" fill="hold"/>
-                                        <p:tgtEl>
-                                          <p:spTgt spid="4"/>
-                                        </p:tgtEl>
-                                        <p:attrNameLst>
-                                          <p:attrName>ppt_x</p:attrName>
-                                        </p:attrNameLst>
-                                      </p:cBhvr>
-                                      <p:tavLst>
-                                        <p:tav tm="0">
-                                          <p:val>
-                                            <p:strVal val="#ppt_x"/>
-                                          </p:val>
-                                        </p:tav>
-                                        <p:tav tm="100000">
-                                          <p:val>
-                                            <p:strVal val="#ppt_x"/>
-                                          </p:val>
-                                        </p:tav>
-                                      </p:tavLst>
-                                    </p:anim>
-                                    <p:anim calcmode="lin" valueType="num">
-                                      <p:cBhvr>
-                                        <p:cTn id="26" dur="1000" fill="hold"/>
-                                        <p:tgtEl>
-                                          <p:spTgt spid="4"/>
-                                        </p:tgtEl>
-                                        <p:attrNameLst>
-                                          <p:attrName>ppt_y</p:attrName>
-                                        </p:attrNameLst>
-                                      </p:cBhvr>
-                                      <p:tavLst>
-                                        <p:tav tm="0">
-                                          <p:val>
-                                            <p:strVal val="#ppt_y+.1"/>
-                                          </p:val>
-                                        </p:tav>
-                                        <p:tav tm="100000">
-                                          <p:val>
-                                            <p:strVal val="#ppt_y"/>
-                                          </p:val>
-                                        </p:tav>
-                                      </p:tavLst>
-                                    </p:anim>
-                                  </p:childTnLst>
-                                </p:cTn>
-                              </p:par>
-                            </p:childTnLst>
-                          </p:cTn>
-                        </p:par>
-                      </p:childTnLst>
-                    </p:cTn>
-                  </p:par>
-                  <p:par>
-                    <p:cTn id="27" fill="hold">
-                      <p:stCondLst>
-                        <p:cond delay="indefinite"/>
-                      </p:stCondLst>
-                      <p:childTnLst>
-                        <p:par>
-                          <p:cTn id="28" fill="hold">
-                            <p:stCondLst>
-                              <p:cond delay="0"/>
-                            </p:stCondLst>
-                            <p:childTnLst>
-                              <p:par>
-                                <p:cTn id="29" presetID="42" presetClass="entr" presetSubtype="0" fill="hold" nodeType="clickEffect">
-                                  <p:stCondLst>
-                                    <p:cond delay="0"/>
-                                  </p:stCondLst>
-                                  <p:childTnLst>
-                                    <p:set>
-                                      <p:cBhvr>
-                                        <p:cTn id="30" dur="1" fill="hold">
-                                          <p:stCondLst>
-                                            <p:cond delay="0"/>
-                                          </p:stCondLst>
-                                        </p:cTn>
-                                        <p:tgtEl>
-                                          <p:spTgt spid="6"/>
-                                        </p:tgtEl>
-                                        <p:attrNameLst>
-                                          <p:attrName>style.visibility</p:attrName>
-                                        </p:attrNameLst>
-                                      </p:cBhvr>
-                                      <p:to>
-                                        <p:strVal val="visible"/>
-                                      </p:to>
-                                    </p:set>
-                                    <p:animEffect transition="in" filter="fade">
-                                      <p:cBhvr>
-                                        <p:cTn id="31" dur="1000"/>
-                                        <p:tgtEl>
-                                          <p:spTgt spid="6"/>
-                                        </p:tgtEl>
-                                      </p:cBhvr>
-                                    </p:animEffect>
-                                    <p:anim calcmode="lin" valueType="num">
-                                      <p:cBhvr>
-                                        <p:cTn id="32" dur="1000" fill="hold"/>
-                                        <p:tgtEl>
-                                          <p:spTgt spid="6"/>
-                                        </p:tgtEl>
-                                        <p:attrNameLst>
-                                          <p:attrName>ppt_x</p:attrName>
-                                        </p:attrNameLst>
-                                      </p:cBhvr>
-                                      <p:tavLst>
-                                        <p:tav tm="0">
-                                          <p:val>
-                                            <p:strVal val="#ppt_x"/>
-                                          </p:val>
-                                        </p:tav>
-                                        <p:tav tm="100000">
-                                          <p:val>
-                                            <p:strVal val="#ppt_x"/>
-                                          </p:val>
-                                        </p:tav>
-                                      </p:tavLst>
-                                    </p:anim>
-                                    <p:anim calcmode="lin" valueType="num">
-                                      <p:cBhvr>
-                                        <p:cTn id="33" dur="1000" fill="hold"/>
-                                        <p:tgtEl>
-                                          <p:spTgt spid="6"/>
-                                        </p:tgtEl>
-                                        <p:attrNameLst>
-                                          <p:attrName>ppt_y</p:attrName>
-                                        </p:attrNameLst>
-                                      </p:cBhvr>
-                                      <p:tavLst>
-                                        <p:tav tm="0">
-                                          <p:val>
-                                            <p:strVal val="#ppt_y+.1"/>
-                                          </p:val>
-                                        </p:tav>
-                                        <p:tav tm="100000">
-                                          <p:val>
-                                            <p:strVal val="#ppt_y"/>
-                                          </p:val>
-                                        </p:tav>
-                                      </p:tavLst>
-                                    </p:anim>
-                                  </p:childTnLst>
-                                </p:cTn>
-                              </p:par>
-                            </p:childTnLst>
-                          </p:cTn>
-                        </p:par>
-                      </p:childTnLst>
-                    </p:cTn>
-                  </p:par>
-                </p:childTnLst>
-              </p:cTn>
-              <p:prevCondLst>
-                <p:cond evt="onPrev" delay="0">
-                  <p:tgtEl>
-                    <p:sldTgt/>
-                  </p:tgtEl>
-                </p:cond>
-              </p:prevCondLst>
-              <p:nextCondLst>
-                <p:cond evt="onNext" delay="0">
-                  <p:tgtEl>
-                    <p:sldTgt/>
-                  </p:tgtEl>
-                </p:cond>
-              </p:nextCondLst>
-            </p:seq>
-          </p:childTnLst>
-        </p:cTn>
-      </p:par>
-    </p:tnLst>
-    <p:bldLst>
-      <p:bldP spid="2" grpId="0"/>
-      <p:bldP spid="3" grpId="0" build="p"/>
-    </p:bldLst>
-  </p:timing>
-</p:sld>
-</file>
-
-<file path=ppt/slides/slide12.xml><?xml version="1.0" encoding="utf-8"?>
-<p:sld xmlns:a="http://schemas.openxmlformats.org/drawingml/2006/main" xmlns:r="http://schemas.openxmlformats.org/officeDocument/2006/relationships" xmlns:p="http://schemas.openxmlformats.org/presentationml/2006/main">
-  <p:cSld>
-    <p:spTree>
-      <p:nvGrpSpPr>
-        <p:cNvPr id="1" name=""/>
-        <p:cNvGrpSpPr/>
-        <p:nvPr/>
-      </p:nvGrpSpPr>
-      <p:grpSpPr>
-        <a:xfrm>
-          <a:off x="0" y="0"/>
-          <a:ext cx="0" cy="0"/>
-          <a:chOff x="0" y="0"/>
-          <a:chExt cx="0" cy="0"/>
-        </a:xfrm>
-      </p:grpSpPr>
-      <p:sp>
-        <p:nvSpPr>
-          <p:cNvPr id="2" name="Title 1">
-            <a:extLst>
-              <a:ext uri="{FF2B5EF4-FFF2-40B4-BE49-F238E27FC236}">
-                <a16:creationId xmlns:a16="http://schemas.microsoft.com/office/drawing/2014/main" id="{97BC34CC-2191-086A-75CD-07624340C7B3}"/>
-              </a:ext>
-            </a:extLst>
-          </p:cNvPr>
-          <p:cNvSpPr>
-            <a:spLocks noGrp="1"/>
-          </p:cNvSpPr>
-          <p:nvPr>
-            <p:ph type="title"/>
-          </p:nvPr>
-        </p:nvSpPr>
-        <p:spPr/>
-        <p:txBody>
-          <a:bodyPr/>
-          <a:lstStyle/>
-          <a:p>
-            <a:r>
-              <a:rPr lang="en-US" dirty="0"/>
-              <a:t>DOCKER IMAGES AND CONTAINERS </a:t>
-            </a:r>
-            <a:endParaRPr lang="en-IN" dirty="0"/>
-          </a:p>
-        </p:txBody>
-      </p:sp>
-      <p:sp>
-        <p:nvSpPr>
-          <p:cNvPr id="4" name="TextBox 3">
-            <a:extLst>
-              <a:ext uri="{FF2B5EF4-FFF2-40B4-BE49-F238E27FC236}">
-                <a16:creationId xmlns:a16="http://schemas.microsoft.com/office/drawing/2014/main" id="{A7286E1E-F424-08B8-19A6-FC3D45DE9D54}"/>
-              </a:ext>
-            </a:extLst>
-          </p:cNvPr>
-          <p:cNvSpPr txBox="1"/>
-          <p:nvPr/>
-        </p:nvSpPr>
-        <p:spPr>
-          <a:xfrm>
-            <a:off x="445434" y="2232360"/>
-            <a:ext cx="8158769" cy="1015663"/>
-          </a:xfrm>
-          <a:prstGeom prst="rect">
-            <a:avLst/>
-          </a:prstGeom>
-          <a:noFill/>
-        </p:spPr>
-        <p:txBody>
-          <a:bodyPr wrap="square" rtlCol="0">
-            <a:spAutoFit/>
-          </a:bodyPr>
-          <a:lstStyle/>
-          <a:p>
-            <a:pPr marL="342900" indent="-342900">
-              <a:buFont typeface="Wingdings" panose="05000000000000000000" pitchFamily="2" charset="2"/>
-              <a:buChar char="Ø"/>
-            </a:pPr>
-            <a:r>
-              <a:rPr lang="en-US" sz="2000" dirty="0">
-                <a:solidFill>
-                  <a:srgbClr val="31859C"/>
-                </a:solidFill>
-              </a:rPr>
-              <a:t>Docker will not only share the base image between containers, but it will also share the same layers between different images.</a:t>
-            </a:r>
-          </a:p>
-        </p:txBody>
-      </p:sp>
-      <p:pic>
-        <p:nvPicPr>
-          <p:cNvPr id="5" name="Picture 4">
-            <a:extLst>
-              <a:ext uri="{FF2B5EF4-FFF2-40B4-BE49-F238E27FC236}">
-                <a16:creationId xmlns:a16="http://schemas.microsoft.com/office/drawing/2014/main" id="{0AB747B9-78D5-62DE-94E8-26FE582DD1EB}"/>
-              </a:ext>
-            </a:extLst>
-          </p:cNvPr>
-          <p:cNvPicPr>
-            <a:picLocks noChangeAspect="1"/>
-          </p:cNvPicPr>
-          <p:nvPr/>
-        </p:nvPicPr>
-        <p:blipFill>
-          <a:blip r:embed="rId2">
-            <a:alphaModFix/>
-            <a:extLst>
-              <a:ext uri="{28A0092B-C50C-407E-A947-70E740481C1C}">
-                <a14:useLocalDpi xmlns:a14="http://schemas.microsoft.com/office/drawing/2010/main" val="0"/>
-              </a:ext>
-            </a:extLst>
-          </a:blip>
-          <a:stretch>
-            <a:fillRect/>
-          </a:stretch>
-        </p:blipFill>
-        <p:spPr>
-          <a:xfrm>
-            <a:off x="445434" y="3820734"/>
-            <a:ext cx="7515193" cy="2522769"/>
-          </a:xfrm>
-          <a:prstGeom prst="rect">
-            <a:avLst/>
-          </a:prstGeom>
-          <a:noFill/>
-          <a:ln>
-            <a:solidFill>
-              <a:schemeClr val="tx1"/>
-            </a:solidFill>
-          </a:ln>
-          <a:effectLst>
-            <a:outerShdw blurRad="63500" sx="102000" sy="102000" algn="ctr" rotWithShape="0">
-              <a:prstClr val="black">
-                <a:alpha val="40000"/>
-              </a:prstClr>
-            </a:outerShdw>
-          </a:effectLst>
-        </p:spPr>
-      </p:pic>
-      <p:pic>
-        <p:nvPicPr>
-          <p:cNvPr id="6" name="Picture 5">
-            <a:extLst>
-              <a:ext uri="{FF2B5EF4-FFF2-40B4-BE49-F238E27FC236}">
-                <a16:creationId xmlns:a16="http://schemas.microsoft.com/office/drawing/2014/main" id="{B027B6A5-DD43-FB63-3FF7-34337A6D32C7}"/>
-              </a:ext>
-            </a:extLst>
-          </p:cNvPr>
-          <p:cNvPicPr>
-            <a:picLocks noChangeAspect="1"/>
-          </p:cNvPicPr>
-          <p:nvPr/>
-        </p:nvPicPr>
-        <p:blipFill rotWithShape="1">
-          <a:blip r:embed="rId3">
-            <a:extLst>
-              <a:ext uri="{28A0092B-C50C-407E-A947-70E740481C1C}">
-                <a14:useLocalDpi xmlns:a14="http://schemas.microsoft.com/office/drawing/2010/main" val="0"/>
-              </a:ext>
-            </a:extLst>
-          </a:blip>
-          <a:srcRect l="56682" t="37068" r="806" b="23336"/>
-          <a:stretch/>
-        </p:blipFill>
-        <p:spPr>
-          <a:xfrm>
-            <a:off x="8154752" y="2390365"/>
-            <a:ext cx="4037248" cy="3953138"/>
-          </a:xfrm>
-          <a:prstGeom prst="rect">
-            <a:avLst/>
-          </a:prstGeom>
-        </p:spPr>
-      </p:pic>
-    </p:spTree>
-    <p:extLst>
-      <p:ext uri="{BB962C8B-B14F-4D97-AF65-F5344CB8AC3E}">
-        <p14:creationId xmlns:p14="http://schemas.microsoft.com/office/powerpoint/2010/main" val="1280371602"/>
-      </p:ext>
-    </p:extLst>
-  </p:cSld>
-  <p:clrMapOvr>
-    <a:masterClrMapping/>
-  </p:clrMapOvr>
-  <mc:AlternateContent xmlns:mc="http://schemas.openxmlformats.org/markup-compatibility/2006" xmlns:p14="http://schemas.microsoft.com/office/powerpoint/2010/main">
-    <mc:Choice Requires="p14">
-      <p:transition spd="med" p14:dur="700">
-        <p:fade/>
-      </p:transition>
-    </mc:Choice>
-    <mc:Fallback xmlns="">
-      <p:transition spd="med">
-        <p:fade/>
-      </p:transition>
-    </mc:Fallback>
-  </mc:AlternateContent>
-  <p:timing>
-    <p:tnLst>
-      <p:par>
-        <p:cTn id="1" dur="indefinite" restart="never" nodeType="tmRoot">
-          <p:childTnLst>
-            <p:seq concurrent="1" nextAc="seek">
-              <p:cTn id="2" dur="indefinite" nodeType="mainSeq">
-                <p:childTnLst>
-                  <p:par>
-                    <p:cTn id="3" fill="hold">
-                      <p:stCondLst>
-                        <p:cond delay="indefinite"/>
-                      </p:stCondLst>
-                      <p:childTnLst>
-                        <p:par>
-                          <p:cTn id="4" fill="hold">
-                            <p:stCondLst>
-                              <p:cond delay="0"/>
-                            </p:stCondLst>
-                            <p:childTnLst>
-                              <p:par>
-                                <p:cTn id="5" presetID="2" presetClass="entr" presetSubtype="4" fill="hold" grpId="0" nodeType="clickEffect">
-                                  <p:stCondLst>
-                                    <p:cond delay="0"/>
-                                  </p:stCondLst>
-                                  <p:childTnLst>
-                                    <p:set>
-                                      <p:cBhvr>
-                                        <p:cTn id="6" dur="1" fill="hold">
-                                          <p:stCondLst>
-                                            <p:cond delay="0"/>
-                                          </p:stCondLst>
-                                        </p:cTn>
-                                        <p:tgtEl>
-                                          <p:spTgt spid="2"/>
-                                        </p:tgtEl>
-                                        <p:attrNameLst>
-                                          <p:attrName>style.visibility</p:attrName>
-                                        </p:attrNameLst>
-                                      </p:cBhvr>
-                                      <p:to>
-                                        <p:strVal val="visible"/>
-                                      </p:to>
-                                    </p:set>
-                                    <p:anim calcmode="lin" valueType="num">
-                                      <p:cBhvr additive="base">
-                                        <p:cTn id="7" dur="500" fill="hold"/>
-                                        <p:tgtEl>
-                                          <p:spTgt spid="2"/>
-                                        </p:tgtEl>
-                                        <p:attrNameLst>
-                                          <p:attrName>ppt_x</p:attrName>
-                                        </p:attrNameLst>
-                                      </p:cBhvr>
-                                      <p:tavLst>
-                                        <p:tav tm="0">
-                                          <p:val>
-                                            <p:strVal val="#ppt_x"/>
-                                          </p:val>
-                                        </p:tav>
-                                        <p:tav tm="100000">
-                                          <p:val>
-                                            <p:strVal val="#ppt_x"/>
-                                          </p:val>
-                                        </p:tav>
-                                      </p:tavLst>
-                                    </p:anim>
-                                    <p:anim calcmode="lin" valueType="num">
-                                      <p:cBhvr additive="base">
-                                        <p:cTn id="8" dur="500" fill="hold"/>
-                                        <p:tgtEl>
-                                          <p:spTgt spid="2"/>
-                                        </p:tgtEl>
-                                        <p:attrNameLst>
-                                          <p:attrName>ppt_y</p:attrName>
-                                        </p:attrNameLst>
-                                      </p:cBhvr>
-                                      <p:tavLst>
-                                        <p:tav tm="0">
-                                          <p:val>
-                                            <p:strVal val="1+#ppt_h/2"/>
-                                          </p:val>
-                                        </p:tav>
-                                        <p:tav tm="100000">
-                                          <p:val>
-                                            <p:strVal val="#ppt_y"/>
-                                          </p:val>
-                                        </p:tav>
-                                      </p:tavLst>
-                                    </p:anim>
-                                  </p:childTnLst>
-                                </p:cTn>
-                              </p:par>
-                            </p:childTnLst>
-                          </p:cTn>
-                        </p:par>
-                      </p:childTnLst>
-                    </p:cTn>
-                  </p:par>
-                  <p:par>
-                    <p:cTn id="9" fill="hold">
-                      <p:stCondLst>
-                        <p:cond delay="indefinite"/>
-                      </p:stCondLst>
-                      <p:childTnLst>
-                        <p:par>
-                          <p:cTn id="10" fill="hold">
-                            <p:stCondLst>
-                              <p:cond delay="0"/>
-                            </p:stCondLst>
-                            <p:childTnLst>
-                              <p:par>
-                                <p:cTn id="11" presetID="2" presetClass="entr" presetSubtype="4" fill="hold" grpId="0" nodeType="clickEffect">
-                                  <p:stCondLst>
-                                    <p:cond delay="0"/>
-                                  </p:stCondLst>
-                                  <p:childTnLst>
-                                    <p:set>
-                                      <p:cBhvr>
-                                        <p:cTn id="12" dur="1" fill="hold">
-                                          <p:stCondLst>
-                                            <p:cond delay="0"/>
-                                          </p:stCondLst>
-                                        </p:cTn>
-                                        <p:tgtEl>
-                                          <p:spTgt spid="4"/>
-                                        </p:tgtEl>
-                                        <p:attrNameLst>
-                                          <p:attrName>style.visibility</p:attrName>
-                                        </p:attrNameLst>
-                                      </p:cBhvr>
-                                      <p:to>
-                                        <p:strVal val="visible"/>
-                                      </p:to>
-                                    </p:set>
-                                    <p:anim calcmode="lin" valueType="num">
-                                      <p:cBhvr additive="base">
-                                        <p:cTn id="13" dur="500" fill="hold"/>
-                                        <p:tgtEl>
-                                          <p:spTgt spid="4"/>
-                                        </p:tgtEl>
-                                        <p:attrNameLst>
-                                          <p:attrName>ppt_x</p:attrName>
-                                        </p:attrNameLst>
-                                      </p:cBhvr>
-                                      <p:tavLst>
-                                        <p:tav tm="0">
-                                          <p:val>
-                                            <p:strVal val="#ppt_x"/>
-                                          </p:val>
-                                        </p:tav>
-                                        <p:tav tm="100000">
-                                          <p:val>
-                                            <p:strVal val="#ppt_x"/>
-                                          </p:val>
-                                        </p:tav>
-                                      </p:tavLst>
-                                    </p:anim>
-                                    <p:anim calcmode="lin" valueType="num">
-                                      <p:cBhvr additive="base">
-                                        <p:cTn id="14" dur="500" fill="hold"/>
-                                        <p:tgtEl>
-                                          <p:spTgt spid="4"/>
-                                        </p:tgtEl>
-                                        <p:attrNameLst>
-                                          <p:attrName>ppt_y</p:attrName>
-                                        </p:attrNameLst>
-                                      </p:cBhvr>
-                                      <p:tavLst>
-                                        <p:tav tm="0">
-                                          <p:val>
-                                            <p:strVal val="1+#ppt_h/2"/>
-                                          </p:val>
-                                        </p:tav>
-                                        <p:tav tm="100000">
-                                          <p:val>
-                                            <p:strVal val="#ppt_y"/>
-                                          </p:val>
-                                        </p:tav>
-                                      </p:tavLst>
-                                    </p:anim>
-                                  </p:childTnLst>
-                                </p:cTn>
-                              </p:par>
-                            </p:childTnLst>
-                          </p:cTn>
-                        </p:par>
-                      </p:childTnLst>
-                    </p:cTn>
-                  </p:par>
-                  <p:par>
-                    <p:cTn id="15" fill="hold">
-                      <p:stCondLst>
-                        <p:cond delay="indefinite"/>
-                      </p:stCondLst>
-                      <p:childTnLst>
-                        <p:par>
-                          <p:cTn id="16" fill="hold">
-                            <p:stCondLst>
-                              <p:cond delay="0"/>
-                            </p:stCondLst>
-                            <p:childTnLst>
-                              <p:par>
-                                <p:cTn id="17" presetID="42" presetClass="entr" presetSubtype="0" fill="hold" nodeType="clickEffect">
-                                  <p:stCondLst>
-                                    <p:cond delay="0"/>
-                                  </p:stCondLst>
-                                  <p:childTnLst>
-                                    <p:set>
-                                      <p:cBhvr>
-                                        <p:cTn id="18" dur="1" fill="hold">
-                                          <p:stCondLst>
-                                            <p:cond delay="0"/>
-                                          </p:stCondLst>
-                                        </p:cTn>
-                                        <p:tgtEl>
-                                          <p:spTgt spid="5"/>
-                                        </p:tgtEl>
-                                        <p:attrNameLst>
-                                          <p:attrName>style.visibility</p:attrName>
-                                        </p:attrNameLst>
-                                      </p:cBhvr>
-                                      <p:to>
-                                        <p:strVal val="visible"/>
-                                      </p:to>
-                                    </p:set>
-                                    <p:animEffect transition="in" filter="fade">
-                                      <p:cBhvr>
-                                        <p:cTn id="19" dur="1000"/>
-                                        <p:tgtEl>
-                                          <p:spTgt spid="5"/>
-                                        </p:tgtEl>
-                                      </p:cBhvr>
-                                    </p:animEffect>
-                                    <p:anim calcmode="lin" valueType="num">
-                                      <p:cBhvr>
-                                        <p:cTn id="20" dur="1000" fill="hold"/>
-                                        <p:tgtEl>
-                                          <p:spTgt spid="5"/>
-                                        </p:tgtEl>
-                                        <p:attrNameLst>
-                                          <p:attrName>ppt_x</p:attrName>
-                                        </p:attrNameLst>
-                                      </p:cBhvr>
-                                      <p:tavLst>
-                                        <p:tav tm="0">
-                                          <p:val>
-                                            <p:strVal val="#ppt_x"/>
-                                          </p:val>
-                                        </p:tav>
-                                        <p:tav tm="100000">
-                                          <p:val>
-                                            <p:strVal val="#ppt_x"/>
-                                          </p:val>
-                                        </p:tav>
-                                      </p:tavLst>
-                                    </p:anim>
-                                    <p:anim calcmode="lin" valueType="num">
-                                      <p:cBhvr>
-                                        <p:cTn id="21" dur="1000" fill="hold"/>
-                                        <p:tgtEl>
-                                          <p:spTgt spid="5"/>
-                                        </p:tgtEl>
-                                        <p:attrNameLst>
-                                          <p:attrName>ppt_y</p:attrName>
-                                        </p:attrNameLst>
-                                      </p:cBhvr>
-                                      <p:tavLst>
-                                        <p:tav tm="0">
-                                          <p:val>
-                                            <p:strVal val="#ppt_y+.1"/>
-                                          </p:val>
-                                        </p:tav>
-                                        <p:tav tm="100000">
-                                          <p:val>
-                                            <p:strVal val="#ppt_y"/>
-                                          </p:val>
-                                        </p:tav>
-                                      </p:tavLst>
-                                    </p:anim>
-                                  </p:childTnLst>
-                                </p:cTn>
-                              </p:par>
-                            </p:childTnLst>
-                          </p:cTn>
-                        </p:par>
-                      </p:childTnLst>
-                    </p:cTn>
-                  </p:par>
-                  <p:par>
-                    <p:cTn id="22" fill="hold">
-                      <p:stCondLst>
-                        <p:cond delay="indefinite"/>
-                      </p:stCondLst>
-                      <p:childTnLst>
-                        <p:par>
-                          <p:cTn id="23" fill="hold">
-                            <p:stCondLst>
-                              <p:cond delay="0"/>
-                            </p:stCondLst>
-                            <p:childTnLst>
-                              <p:par>
-                                <p:cTn id="24" presetID="42" presetClass="entr" presetSubtype="0" fill="hold" nodeType="clickEffect">
-                                  <p:stCondLst>
-                                    <p:cond delay="0"/>
-                                  </p:stCondLst>
-                                  <p:childTnLst>
-                                    <p:set>
-                                      <p:cBhvr>
-                                        <p:cTn id="25" dur="1" fill="hold">
-                                          <p:stCondLst>
-                                            <p:cond delay="0"/>
-                                          </p:stCondLst>
-                                        </p:cTn>
-                                        <p:tgtEl>
-                                          <p:spTgt spid="6"/>
-                                        </p:tgtEl>
-                                        <p:attrNameLst>
-                                          <p:attrName>style.visibility</p:attrName>
-                                        </p:attrNameLst>
-                                      </p:cBhvr>
-                                      <p:to>
-                                        <p:strVal val="visible"/>
-                                      </p:to>
-                                    </p:set>
-                                    <p:animEffect transition="in" filter="fade">
-                                      <p:cBhvr>
-                                        <p:cTn id="26" dur="1000"/>
-                                        <p:tgtEl>
-                                          <p:spTgt spid="6"/>
-                                        </p:tgtEl>
-                                      </p:cBhvr>
-                                    </p:animEffect>
-                                    <p:anim calcmode="lin" valueType="num">
-                                      <p:cBhvr>
-                                        <p:cTn id="27" dur="1000" fill="hold"/>
-                                        <p:tgtEl>
-                                          <p:spTgt spid="6"/>
-                                        </p:tgtEl>
-                                        <p:attrNameLst>
-                                          <p:attrName>ppt_x</p:attrName>
-                                        </p:attrNameLst>
-                                      </p:cBhvr>
-                                      <p:tavLst>
-                                        <p:tav tm="0">
-                                          <p:val>
-                                            <p:strVal val="#ppt_x"/>
-                                          </p:val>
-                                        </p:tav>
-                                        <p:tav tm="100000">
-                                          <p:val>
-                                            <p:strVal val="#ppt_x"/>
-                                          </p:val>
-                                        </p:tav>
-                                      </p:tavLst>
-                                    </p:anim>
-                                    <p:anim calcmode="lin" valueType="num">
-                                      <p:cBhvr>
-                                        <p:cTn id="28" dur="1000" fill="hold"/>
-                                        <p:tgtEl>
-                                          <p:spTgt spid="6"/>
-                                        </p:tgtEl>
-                                        <p:attrNameLst>
-                                          <p:attrName>ppt_y</p:attrName>
-                                        </p:attrNameLst>
-                                      </p:cBhvr>
-                                      <p:tavLst>
-                                        <p:tav tm="0">
-                                          <p:val>
-                                            <p:strVal val="#ppt_y+.1"/>
-                                          </p:val>
-                                        </p:tav>
-                                        <p:tav tm="100000">
-                                          <p:val>
-                                            <p:strVal val="#ppt_y"/>
-                                          </p:val>
-                                        </p:tav>
-                                      </p:tavLst>
-                                    </p:anim>
-                                  </p:childTnLst>
-                                </p:cTn>
-                              </p:par>
-                            </p:childTnLst>
-                          </p:cTn>
-                        </p:par>
-                      </p:childTnLst>
-                    </p:cTn>
-                  </p:par>
-                </p:childTnLst>
-              </p:cTn>
-              <p:prevCondLst>
-                <p:cond evt="onPrev" delay="0">
-                  <p:tgtEl>
-                    <p:sldTgt/>
-                  </p:tgtEl>
-                </p:cond>
-              </p:prevCondLst>
-              <p:nextCondLst>
-                <p:cond evt="onNext" delay="0">
-                  <p:tgtEl>
-                    <p:sldTgt/>
-                  </p:tgtEl>
-                </p:cond>
-              </p:nextCondLst>
-            </p:seq>
-          </p:childTnLst>
-        </p:cTn>
-      </p:par>
-    </p:tnLst>
-    <p:bldLst>
-      <p:bldP spid="2" grpId="0"/>
-      <p:bldP spid="4" grpId="0"/>
-    </p:bldLst>
-  </p:timing>
-</p:sld>
-</file>
-
-<file path=ppt/slides/slide13.xml><?xml version="1.0" encoding="utf-8"?>
-<p:sld xmlns:a="http://schemas.openxmlformats.org/drawingml/2006/main" xmlns:r="http://schemas.openxmlformats.org/officeDocument/2006/relationships" xmlns:p="http://schemas.openxmlformats.org/presentationml/2006/main">
-  <p:cSld>
-    <p:spTree>
-      <p:nvGrpSpPr>
-        <p:cNvPr id="1" name=""/>
-        <p:cNvGrpSpPr/>
-        <p:nvPr/>
-      </p:nvGrpSpPr>
-      <p:grpSpPr>
-        <a:xfrm>
-          <a:off x="0" y="0"/>
-          <a:ext cx="0" cy="0"/>
-          <a:chOff x="0" y="0"/>
-          <a:chExt cx="0" cy="0"/>
-        </a:xfrm>
-      </p:grpSpPr>
-      <p:sp>
-        <p:nvSpPr>
-          <p:cNvPr id="2" name="Title 1">
-            <a:extLst>
-              <a:ext uri="{FF2B5EF4-FFF2-40B4-BE49-F238E27FC236}">
-                <a16:creationId xmlns:a16="http://schemas.microsoft.com/office/drawing/2014/main" id="{89120586-BE2F-60F2-D94E-B6D2F563FDE8}"/>
-              </a:ext>
-            </a:extLst>
-          </p:cNvPr>
-          <p:cNvSpPr>
-            <a:spLocks noGrp="1"/>
-          </p:cNvSpPr>
-          <p:nvPr>
-            <p:ph type="title"/>
-          </p:nvPr>
-        </p:nvSpPr>
-        <p:spPr>
-          <a:xfrm>
-            <a:off x="832976" y="929923"/>
-            <a:ext cx="8761413" cy="706964"/>
-          </a:xfrm>
-        </p:spPr>
-        <p:txBody>
-          <a:bodyPr>
-            <a:normAutofit/>
-          </a:bodyPr>
-          <a:lstStyle/>
-          <a:p>
-            <a:r>
-              <a:rPr lang="en-US" dirty="0"/>
-              <a:t>DOCKERFILE</a:t>
-            </a:r>
-            <a:endParaRPr lang="en-IN" dirty="0"/>
-          </a:p>
-        </p:txBody>
-      </p:sp>
-      <p:sp>
-        <p:nvSpPr>
-          <p:cNvPr id="3" name="Content Placeholder 2"/>
-          <p:cNvSpPr>
-            <a:spLocks noGrp="1"/>
-          </p:cNvSpPr>
-          <p:nvPr>
-            <p:ph idx="1"/>
-          </p:nvPr>
-        </p:nvSpPr>
-        <p:spPr>
-          <a:xfrm>
-            <a:off x="529313" y="2358391"/>
-            <a:ext cx="8761412" cy="3416300"/>
-          </a:xfrm>
-        </p:spPr>
-        <p:txBody>
-          <a:bodyPr>
-            <a:normAutofit/>
-          </a:bodyPr>
-          <a:lstStyle/>
-          <a:p>
-            <a:r>
-              <a:rPr lang="en-US" dirty="0">
-                <a:solidFill>
-                  <a:srgbClr val="31859C"/>
-                </a:solidFill>
-              </a:rPr>
-              <a:t> Dockerfile is instructions to build Docker image</a:t>
-            </a:r>
-          </a:p>
-          <a:p>
-            <a:pPr lvl="1">
-              <a:buFont typeface="Wingdings" panose="05000000000000000000" pitchFamily="2" charset="2"/>
-              <a:buChar char="Ø"/>
-            </a:pPr>
-            <a:r>
-              <a:rPr lang="en-US" sz="1800" dirty="0">
-                <a:solidFill>
-                  <a:srgbClr val="31859C"/>
-                </a:solidFill>
-              </a:rPr>
-              <a:t>How to run commands</a:t>
-            </a:r>
-          </a:p>
-          <a:p>
-            <a:pPr lvl="1">
-              <a:buFont typeface="Wingdings" panose="05000000000000000000" pitchFamily="2" charset="2"/>
-              <a:buChar char="Ø"/>
-            </a:pPr>
-            <a:r>
-              <a:rPr lang="en-US" sz="1800" dirty="0">
-                <a:solidFill>
-                  <a:srgbClr val="31859C"/>
-                </a:solidFill>
-              </a:rPr>
-              <a:t>Add files or directories</a:t>
-            </a:r>
-          </a:p>
-          <a:p>
-            <a:pPr lvl="1">
-              <a:buFont typeface="Wingdings" panose="05000000000000000000" pitchFamily="2" charset="2"/>
-              <a:buChar char="Ø"/>
-            </a:pPr>
-            <a:r>
-              <a:rPr lang="en-US" sz="1800" dirty="0">
-                <a:solidFill>
-                  <a:srgbClr val="31859C"/>
-                </a:solidFill>
-              </a:rPr>
-              <a:t>Create environment variables</a:t>
-            </a:r>
-          </a:p>
-          <a:p>
-            <a:pPr lvl="1">
-              <a:buFont typeface="Wingdings" panose="05000000000000000000" pitchFamily="2" charset="2"/>
-              <a:buChar char="Ø"/>
-            </a:pPr>
-            <a:r>
-              <a:rPr lang="en-US" sz="1800" dirty="0">
-                <a:solidFill>
-                  <a:srgbClr val="31859C"/>
-                </a:solidFill>
-              </a:rPr>
-              <a:t>What process to run when launching container</a:t>
-            </a:r>
-          </a:p>
-          <a:p>
-            <a:r>
-              <a:rPr lang="en-US" dirty="0">
-                <a:solidFill>
-                  <a:srgbClr val="31859C"/>
-                </a:solidFill>
-              </a:rPr>
-              <a:t>Result from building Dockerfile is Docker image</a:t>
-            </a:r>
-          </a:p>
-        </p:txBody>
-      </p:sp>
-      <p:pic>
-        <p:nvPicPr>
-          <p:cNvPr id="7" name="Picture 6"/>
-          <p:cNvPicPr>
-            <a:picLocks noChangeAspect="1"/>
-          </p:cNvPicPr>
-          <p:nvPr/>
-        </p:nvPicPr>
-        <p:blipFill>
-          <a:blip r:embed="rId2">
-            <a:extLst>
-              <a:ext uri="{28A0092B-C50C-407E-A947-70E740481C1C}">
-                <a14:useLocalDpi xmlns:a14="http://schemas.microsoft.com/office/drawing/2010/main" val="0"/>
-              </a:ext>
-            </a:extLst>
-          </a:blip>
-          <a:stretch>
-            <a:fillRect/>
-          </a:stretch>
-        </p:blipFill>
-        <p:spPr>
-          <a:xfrm rot="5400000">
-            <a:off x="5603127" y="-2200937"/>
-            <a:ext cx="778596" cy="6000265"/>
-          </a:xfrm>
-          <a:prstGeom prst="rect">
-            <a:avLst/>
-          </a:prstGeom>
-        </p:spPr>
-      </p:pic>
-      <p:pic>
-        <p:nvPicPr>
-          <p:cNvPr id="4" name="Picture 3">
-            <a:extLst>
-              <a:ext uri="{FF2B5EF4-FFF2-40B4-BE49-F238E27FC236}">
-                <a16:creationId xmlns:a16="http://schemas.microsoft.com/office/drawing/2014/main" id="{92C6BB36-DCF7-42A9-0545-78D4999C783D}"/>
-              </a:ext>
-            </a:extLst>
-          </p:cNvPr>
-          <p:cNvPicPr>
-            <a:picLocks noChangeAspect="1"/>
-          </p:cNvPicPr>
-          <p:nvPr/>
-        </p:nvPicPr>
-        <p:blipFill>
-          <a:blip r:embed="rId3">
-            <a:extLst>
-              <a:ext uri="{28A0092B-C50C-407E-A947-70E740481C1C}">
-                <a14:useLocalDpi xmlns:a14="http://schemas.microsoft.com/office/drawing/2010/main" val="0"/>
-              </a:ext>
-            </a:extLst>
-          </a:blip>
-          <a:stretch>
-            <a:fillRect/>
-          </a:stretch>
-        </p:blipFill>
-        <p:spPr>
-          <a:xfrm>
-            <a:off x="6641432" y="2358391"/>
-            <a:ext cx="5422231" cy="4089712"/>
-          </a:xfrm>
-          <a:prstGeom prst="rect">
-            <a:avLst/>
-          </a:prstGeom>
-        </p:spPr>
-      </p:pic>
-    </p:spTree>
-    <p:extLst>
-      <p:ext uri="{BB962C8B-B14F-4D97-AF65-F5344CB8AC3E}">
-        <p14:creationId xmlns:p14="http://schemas.microsoft.com/office/powerpoint/2010/main" val="3061812617"/>
-      </p:ext>
-    </p:extLst>
-  </p:cSld>
-  <p:clrMapOvr>
-    <a:masterClrMapping/>
-  </p:clrMapOvr>
-  <mc:AlternateContent xmlns:mc="http://schemas.openxmlformats.org/markup-compatibility/2006" xmlns:p14="http://schemas.microsoft.com/office/powerpoint/2010/main">
-    <mc:Choice Requires="p14">
-      <p:transition spd="med" p14:dur="700">
-        <p:fade/>
-      </p:transition>
-    </mc:Choice>
-    <mc:Fallback xmlns="">
-      <p:transition spd="med">
-        <p:fade/>
-      </p:transition>
-    </mc:Fallback>
-  </mc:AlternateContent>
-  <p:timing>
-    <p:tnLst>
-      <p:par>
-        <p:cTn id="1" dur="indefinite" restart="never" nodeType="tmRoot">
-          <p:childTnLst>
-            <p:seq concurrent="1" nextAc="seek">
-              <p:cTn id="2" dur="indefinite" nodeType="mainSeq">
-                <p:childTnLst>
-                  <p:par>
-                    <p:cTn id="3" fill="hold">
-                      <p:stCondLst>
-                        <p:cond delay="indefinite"/>
-                      </p:stCondLst>
-                      <p:childTnLst>
-                        <p:par>
-                          <p:cTn id="4" fill="hold">
-                            <p:stCondLst>
-                              <p:cond delay="0"/>
-                            </p:stCondLst>
-                            <p:childTnLst>
-                              <p:par>
-                                <p:cTn id="5" presetID="2" presetClass="entr" presetSubtype="4" fill="hold" grpId="0" nodeType="clickEffect">
-                                  <p:stCondLst>
-                                    <p:cond delay="0"/>
-                                  </p:stCondLst>
-                                  <p:childTnLst>
-                                    <p:set>
-                                      <p:cBhvr>
-                                        <p:cTn id="6" dur="1" fill="hold">
-                                          <p:stCondLst>
-                                            <p:cond delay="0"/>
-                                          </p:stCondLst>
-                                        </p:cTn>
-                                        <p:tgtEl>
-                                          <p:spTgt spid="3">
-                                            <p:txEl>
-                                              <p:pRg st="0" end="0"/>
-                                            </p:txEl>
-                                          </p:spTgt>
-                                        </p:tgtEl>
-                                        <p:attrNameLst>
-                                          <p:attrName>style.visibility</p:attrName>
-                                        </p:attrNameLst>
-                                      </p:cBhvr>
-                                      <p:to>
-                                        <p:strVal val="visible"/>
-                                      </p:to>
-                                    </p:set>
-                                    <p:anim calcmode="lin" valueType="num">
-                                      <p:cBhvr additive="base">
-                                        <p:cTn id="7" dur="500" fill="hold"/>
-                                        <p:tgtEl>
-                                          <p:spTgt spid="3">
-                                            <p:txEl>
-                                              <p:pRg st="0" end="0"/>
-                                            </p:txEl>
-                                          </p:spTgt>
-                                        </p:tgtEl>
-                                        <p:attrNameLst>
-                                          <p:attrName>ppt_x</p:attrName>
-                                        </p:attrNameLst>
-                                      </p:cBhvr>
-                                      <p:tavLst>
-                                        <p:tav tm="0">
-                                          <p:val>
-                                            <p:strVal val="#ppt_x"/>
-                                          </p:val>
-                                        </p:tav>
-                                        <p:tav tm="100000">
-                                          <p:val>
-                                            <p:strVal val="#ppt_x"/>
-                                          </p:val>
-                                        </p:tav>
-                                      </p:tavLst>
-                                    </p:anim>
-                                    <p:anim calcmode="lin" valueType="num">
-                                      <p:cBhvr additive="base">
-                                        <p:cTn id="8" dur="500" fill="hold"/>
-                                        <p:tgtEl>
-                                          <p:spTgt spid="3">
-                                            <p:txEl>
-                                              <p:pRg st="0" end="0"/>
-                                            </p:txEl>
-                                          </p:spTgt>
-                                        </p:tgtEl>
-                                        <p:attrNameLst>
-                                          <p:attrName>ppt_y</p:attrName>
-                                        </p:attrNameLst>
-                                      </p:cBhvr>
-                                      <p:tavLst>
-                                        <p:tav tm="0">
-                                          <p:val>
-                                            <p:strVal val="1+#ppt_h/2"/>
-                                          </p:val>
-                                        </p:tav>
-                                        <p:tav tm="100000">
-                                          <p:val>
-                                            <p:strVal val="#ppt_y"/>
-                                          </p:val>
-                                        </p:tav>
-                                      </p:tavLst>
-                                    </p:anim>
-                                  </p:childTnLst>
-                                </p:cTn>
-                              </p:par>
-                              <p:par>
-                                <p:cTn id="9" presetID="2" presetClass="entr" presetSubtype="4" fill="hold" grpId="0" nodeType="withEffect">
-                                  <p:stCondLst>
-                                    <p:cond delay="0"/>
-                                  </p:stCondLst>
-                                  <p:childTnLst>
-                                    <p:set>
-                                      <p:cBhvr>
-                                        <p:cTn id="10" dur="1" fill="hold">
-                                          <p:stCondLst>
-                                            <p:cond delay="0"/>
-                                          </p:stCondLst>
-                                        </p:cTn>
-                                        <p:tgtEl>
-                                          <p:spTgt spid="3">
-                                            <p:txEl>
-                                              <p:pRg st="1" end="1"/>
-                                            </p:txEl>
-                                          </p:spTgt>
-                                        </p:tgtEl>
-                                        <p:attrNameLst>
-                                          <p:attrName>style.visibility</p:attrName>
-                                        </p:attrNameLst>
-                                      </p:cBhvr>
-                                      <p:to>
-                                        <p:strVal val="visible"/>
-                                      </p:to>
-                                    </p:set>
-                                    <p:anim calcmode="lin" valueType="num">
-                                      <p:cBhvr additive="base">
-                                        <p:cTn id="11" dur="500" fill="hold"/>
-                                        <p:tgtEl>
-                                          <p:spTgt spid="3">
-                                            <p:txEl>
-                                              <p:pRg st="1" end="1"/>
-                                            </p:txEl>
-                                          </p:spTgt>
-                                        </p:tgtEl>
-                                        <p:attrNameLst>
-                                          <p:attrName>ppt_x</p:attrName>
-                                        </p:attrNameLst>
-                                      </p:cBhvr>
-                                      <p:tavLst>
-                                        <p:tav tm="0">
-                                          <p:val>
-                                            <p:strVal val="#ppt_x"/>
-                                          </p:val>
-                                        </p:tav>
-                                        <p:tav tm="100000">
-                                          <p:val>
-                                            <p:strVal val="#ppt_x"/>
-                                          </p:val>
-                                        </p:tav>
-                                      </p:tavLst>
-                                    </p:anim>
-                                    <p:anim calcmode="lin" valueType="num">
-                                      <p:cBhvr additive="base">
-                                        <p:cTn id="12" dur="500" fill="hold"/>
-                                        <p:tgtEl>
-                                          <p:spTgt spid="3">
-                                            <p:txEl>
-                                              <p:pRg st="1" end="1"/>
-                                            </p:txEl>
-                                          </p:spTgt>
-                                        </p:tgtEl>
-                                        <p:attrNameLst>
-                                          <p:attrName>ppt_y</p:attrName>
-                                        </p:attrNameLst>
-                                      </p:cBhvr>
-                                      <p:tavLst>
-                                        <p:tav tm="0">
-                                          <p:val>
-                                            <p:strVal val="1+#ppt_h/2"/>
-                                          </p:val>
-                                        </p:tav>
-                                        <p:tav tm="100000">
-                                          <p:val>
-                                            <p:strVal val="#ppt_y"/>
-                                          </p:val>
-                                        </p:tav>
-                                      </p:tavLst>
-                                    </p:anim>
-                                  </p:childTnLst>
-                                </p:cTn>
-                              </p:par>
-                              <p:par>
-                                <p:cTn id="13" presetID="2" presetClass="entr" presetSubtype="4" fill="hold" grpId="0" nodeType="withEffect">
-                                  <p:stCondLst>
-                                    <p:cond delay="0"/>
-                                  </p:stCondLst>
-                                  <p:childTnLst>
-                                    <p:set>
-                                      <p:cBhvr>
-                                        <p:cTn id="14" dur="1" fill="hold">
-                                          <p:stCondLst>
-                                            <p:cond delay="0"/>
-                                          </p:stCondLst>
-                                        </p:cTn>
-                                        <p:tgtEl>
-                                          <p:spTgt spid="3">
-                                            <p:txEl>
-                                              <p:pRg st="2" end="2"/>
-                                            </p:txEl>
-                                          </p:spTgt>
-                                        </p:tgtEl>
-                                        <p:attrNameLst>
-                                          <p:attrName>style.visibility</p:attrName>
-                                        </p:attrNameLst>
-                                      </p:cBhvr>
-                                      <p:to>
-                                        <p:strVal val="visible"/>
-                                      </p:to>
-                                    </p:set>
-                                    <p:anim calcmode="lin" valueType="num">
-                                      <p:cBhvr additive="base">
-                                        <p:cTn id="15" dur="500" fill="hold"/>
-                                        <p:tgtEl>
-                                          <p:spTgt spid="3">
-                                            <p:txEl>
-                                              <p:pRg st="2" end="2"/>
-                                            </p:txEl>
-                                          </p:spTgt>
-                                        </p:tgtEl>
-                                        <p:attrNameLst>
-                                          <p:attrName>ppt_x</p:attrName>
-                                        </p:attrNameLst>
-                                      </p:cBhvr>
-                                      <p:tavLst>
-                                        <p:tav tm="0">
-                                          <p:val>
-                                            <p:strVal val="#ppt_x"/>
-                                          </p:val>
-                                        </p:tav>
-                                        <p:tav tm="100000">
-                                          <p:val>
-                                            <p:strVal val="#ppt_x"/>
-                                          </p:val>
-                                        </p:tav>
-                                      </p:tavLst>
-                                    </p:anim>
-                                    <p:anim calcmode="lin" valueType="num">
-                                      <p:cBhvr additive="base">
-                                        <p:cTn id="16" dur="500" fill="hold"/>
-                                        <p:tgtEl>
-                                          <p:spTgt spid="3">
-                                            <p:txEl>
-                                              <p:pRg st="2" end="2"/>
-                                            </p:txEl>
-                                          </p:spTgt>
-                                        </p:tgtEl>
-                                        <p:attrNameLst>
-                                          <p:attrName>ppt_y</p:attrName>
-                                        </p:attrNameLst>
-                                      </p:cBhvr>
-                                      <p:tavLst>
-                                        <p:tav tm="0">
-                                          <p:val>
-                                            <p:strVal val="1+#ppt_h/2"/>
-                                          </p:val>
-                                        </p:tav>
-                                        <p:tav tm="100000">
-                                          <p:val>
-                                            <p:strVal val="#ppt_y"/>
-                                          </p:val>
-                                        </p:tav>
-                                      </p:tavLst>
-                                    </p:anim>
-                                  </p:childTnLst>
-                                </p:cTn>
-                              </p:par>
-                              <p:par>
-                                <p:cTn id="17" presetID="2" presetClass="entr" presetSubtype="4" fill="hold" grpId="0" nodeType="withEffect">
-                                  <p:stCondLst>
-                                    <p:cond delay="0"/>
-                                  </p:stCondLst>
-                                  <p:childTnLst>
-                                    <p:set>
-                                      <p:cBhvr>
-                                        <p:cTn id="18" dur="1" fill="hold">
-                                          <p:stCondLst>
-                                            <p:cond delay="0"/>
-                                          </p:stCondLst>
-                                        </p:cTn>
-                                        <p:tgtEl>
-                                          <p:spTgt spid="3">
-                                            <p:txEl>
-                                              <p:pRg st="3" end="3"/>
-                                            </p:txEl>
-                                          </p:spTgt>
-                                        </p:tgtEl>
-                                        <p:attrNameLst>
-                                          <p:attrName>style.visibility</p:attrName>
-                                        </p:attrNameLst>
-                                      </p:cBhvr>
-                                      <p:to>
-                                        <p:strVal val="visible"/>
-                                      </p:to>
-                                    </p:set>
-                                    <p:anim calcmode="lin" valueType="num">
-                                      <p:cBhvr additive="base">
-                                        <p:cTn id="19" dur="500" fill="hold"/>
-                                        <p:tgtEl>
-                                          <p:spTgt spid="3">
-                                            <p:txEl>
-                                              <p:pRg st="3" end="3"/>
-                                            </p:txEl>
-                                          </p:spTgt>
-                                        </p:tgtEl>
-                                        <p:attrNameLst>
-                                          <p:attrName>ppt_x</p:attrName>
-                                        </p:attrNameLst>
-                                      </p:cBhvr>
-                                      <p:tavLst>
-                                        <p:tav tm="0">
-                                          <p:val>
-                                            <p:strVal val="#ppt_x"/>
-                                          </p:val>
-                                        </p:tav>
-                                        <p:tav tm="100000">
-                                          <p:val>
-                                            <p:strVal val="#ppt_x"/>
-                                          </p:val>
-                                        </p:tav>
-                                      </p:tavLst>
-                                    </p:anim>
-                                    <p:anim calcmode="lin" valueType="num">
-                                      <p:cBhvr additive="base">
-                                        <p:cTn id="20" dur="500" fill="hold"/>
-                                        <p:tgtEl>
-                                          <p:spTgt spid="3">
-                                            <p:txEl>
-                                              <p:pRg st="3" end="3"/>
-                                            </p:txEl>
-                                          </p:spTgt>
-                                        </p:tgtEl>
-                                        <p:attrNameLst>
-                                          <p:attrName>ppt_y</p:attrName>
-                                        </p:attrNameLst>
-                                      </p:cBhvr>
-                                      <p:tavLst>
-                                        <p:tav tm="0">
-                                          <p:val>
-                                            <p:strVal val="1+#ppt_h/2"/>
-                                          </p:val>
-                                        </p:tav>
-                                        <p:tav tm="100000">
-                                          <p:val>
-                                            <p:strVal val="#ppt_y"/>
-                                          </p:val>
-                                        </p:tav>
-                                      </p:tavLst>
-                                    </p:anim>
-                                  </p:childTnLst>
-                                </p:cTn>
-                              </p:par>
-                              <p:par>
-                                <p:cTn id="21" presetID="2" presetClass="entr" presetSubtype="4" fill="hold" grpId="0" nodeType="withEffect">
-                                  <p:stCondLst>
-                                    <p:cond delay="0"/>
-                                  </p:stCondLst>
-                                  <p:childTnLst>
-                                    <p:set>
-                                      <p:cBhvr>
-                                        <p:cTn id="22" dur="1" fill="hold">
-                                          <p:stCondLst>
-                                            <p:cond delay="0"/>
-                                          </p:stCondLst>
-                                        </p:cTn>
-                                        <p:tgtEl>
-                                          <p:spTgt spid="3">
-                                            <p:txEl>
-                                              <p:pRg st="4" end="4"/>
-                                            </p:txEl>
-                                          </p:spTgt>
-                                        </p:tgtEl>
-                                        <p:attrNameLst>
-                                          <p:attrName>style.visibility</p:attrName>
-                                        </p:attrNameLst>
-                                      </p:cBhvr>
-                                      <p:to>
-                                        <p:strVal val="visible"/>
-                                      </p:to>
-                                    </p:set>
-                                    <p:anim calcmode="lin" valueType="num">
-                                      <p:cBhvr additive="base">
-                                        <p:cTn id="23" dur="500" fill="hold"/>
-                                        <p:tgtEl>
-                                          <p:spTgt spid="3">
-                                            <p:txEl>
-                                              <p:pRg st="4" end="4"/>
-                                            </p:txEl>
-                                          </p:spTgt>
-                                        </p:tgtEl>
-                                        <p:attrNameLst>
-                                          <p:attrName>ppt_x</p:attrName>
-                                        </p:attrNameLst>
-                                      </p:cBhvr>
-                                      <p:tavLst>
-                                        <p:tav tm="0">
-                                          <p:val>
-                                            <p:strVal val="#ppt_x"/>
-                                          </p:val>
-                                        </p:tav>
-                                        <p:tav tm="100000">
-                                          <p:val>
-                                            <p:strVal val="#ppt_x"/>
-                                          </p:val>
-                                        </p:tav>
-                                      </p:tavLst>
-                                    </p:anim>
-                                    <p:anim calcmode="lin" valueType="num">
-                                      <p:cBhvr additive="base">
-                                        <p:cTn id="24" dur="500" fill="hold"/>
-                                        <p:tgtEl>
-                                          <p:spTgt spid="3">
-                                            <p:txEl>
-                                              <p:pRg st="4" end="4"/>
-                                            </p:txEl>
-                                          </p:spTgt>
-                                        </p:tgtEl>
-                                        <p:attrNameLst>
-                                          <p:attrName>ppt_y</p:attrName>
-                                        </p:attrNameLst>
-                                      </p:cBhvr>
-                                      <p:tavLst>
-                                        <p:tav tm="0">
-                                          <p:val>
-                                            <p:strVal val="1+#ppt_h/2"/>
-                                          </p:val>
-                                        </p:tav>
-                                        <p:tav tm="100000">
-                                          <p:val>
-                                            <p:strVal val="#ppt_y"/>
-                                          </p:val>
-                                        </p:tav>
-                                      </p:tavLst>
-                                    </p:anim>
-                                  </p:childTnLst>
-                                </p:cTn>
-                              </p:par>
-                            </p:childTnLst>
-                          </p:cTn>
-                        </p:par>
-                      </p:childTnLst>
-                    </p:cTn>
-                  </p:par>
-                  <p:par>
-                    <p:cTn id="25" fill="hold">
-                      <p:stCondLst>
-                        <p:cond delay="indefinite"/>
-                      </p:stCondLst>
-                      <p:childTnLst>
-                        <p:par>
-                          <p:cTn id="26" fill="hold">
-                            <p:stCondLst>
-                              <p:cond delay="0"/>
-                            </p:stCondLst>
-                            <p:childTnLst>
-                              <p:par>
-                                <p:cTn id="27" presetID="2" presetClass="entr" presetSubtype="4" fill="hold" grpId="0" nodeType="clickEffect">
-                                  <p:stCondLst>
-                                    <p:cond delay="0"/>
-                                  </p:stCondLst>
-                                  <p:childTnLst>
-                                    <p:set>
-                                      <p:cBhvr>
-                                        <p:cTn id="28" dur="1" fill="hold">
-                                          <p:stCondLst>
-                                            <p:cond delay="0"/>
-                                          </p:stCondLst>
-                                        </p:cTn>
-                                        <p:tgtEl>
-                                          <p:spTgt spid="3">
-                                            <p:txEl>
-                                              <p:pRg st="5" end="5"/>
-                                            </p:txEl>
-                                          </p:spTgt>
-                                        </p:tgtEl>
-                                        <p:attrNameLst>
-                                          <p:attrName>style.visibility</p:attrName>
-                                        </p:attrNameLst>
-                                      </p:cBhvr>
-                                      <p:to>
-                                        <p:strVal val="visible"/>
-                                      </p:to>
-                                    </p:set>
-                                    <p:anim calcmode="lin" valueType="num">
-                                      <p:cBhvr additive="base">
-                                        <p:cTn id="29" dur="500" fill="hold"/>
-                                        <p:tgtEl>
-                                          <p:spTgt spid="3">
-                                            <p:txEl>
-                                              <p:pRg st="5" end="5"/>
-                                            </p:txEl>
-                                          </p:spTgt>
-                                        </p:tgtEl>
-                                        <p:attrNameLst>
-                                          <p:attrName>ppt_x</p:attrName>
-                                        </p:attrNameLst>
-                                      </p:cBhvr>
-                                      <p:tavLst>
-                                        <p:tav tm="0">
-                                          <p:val>
-                                            <p:strVal val="#ppt_x"/>
-                                          </p:val>
-                                        </p:tav>
-                                        <p:tav tm="100000">
-                                          <p:val>
-                                            <p:strVal val="#ppt_x"/>
-                                          </p:val>
-                                        </p:tav>
-                                      </p:tavLst>
-                                    </p:anim>
-                                    <p:anim calcmode="lin" valueType="num">
-                                      <p:cBhvr additive="base">
-                                        <p:cTn id="30" dur="500" fill="hold"/>
-                                        <p:tgtEl>
-                                          <p:spTgt spid="3">
-                                            <p:txEl>
-                                              <p:pRg st="5" end="5"/>
-                                            </p:txEl>
-                                          </p:spTgt>
-                                        </p:tgtEl>
-                                        <p:attrNameLst>
-                                          <p:attrName>ppt_y</p:attrName>
-                                        </p:attrNameLst>
-                                      </p:cBhvr>
-                                      <p:tavLst>
-                                        <p:tav tm="0">
-                                          <p:val>
-                                            <p:strVal val="1+#ppt_h/2"/>
-                                          </p:val>
-                                        </p:tav>
-                                        <p:tav tm="100000">
-                                          <p:val>
-                                            <p:strVal val="#ppt_y"/>
-                                          </p:val>
-                                        </p:tav>
-                                      </p:tavLst>
-                                    </p:anim>
-                                  </p:childTnLst>
-                                </p:cTn>
-                              </p:par>
-                            </p:childTnLst>
-                          </p:cTn>
-                        </p:par>
-                      </p:childTnLst>
-                    </p:cTn>
-                  </p:par>
-                  <p:par>
-                    <p:cTn id="31" fill="hold">
-                      <p:stCondLst>
-                        <p:cond delay="indefinite"/>
-                      </p:stCondLst>
-                      <p:childTnLst>
-                        <p:par>
-                          <p:cTn id="32" fill="hold">
-                            <p:stCondLst>
-                              <p:cond delay="0"/>
-                            </p:stCondLst>
-                            <p:childTnLst>
-                              <p:par>
-                                <p:cTn id="33" presetID="42" presetClass="entr" presetSubtype="0" fill="hold" nodeType="clickEffect">
-                                  <p:stCondLst>
-                                    <p:cond delay="0"/>
-                                  </p:stCondLst>
-                                  <p:childTnLst>
-                                    <p:set>
-                                      <p:cBhvr>
-                                        <p:cTn id="34" dur="1" fill="hold">
-                                          <p:stCondLst>
-                                            <p:cond delay="0"/>
-                                          </p:stCondLst>
-                                        </p:cTn>
-                                        <p:tgtEl>
-                                          <p:spTgt spid="4"/>
-                                        </p:tgtEl>
-                                        <p:attrNameLst>
-                                          <p:attrName>style.visibility</p:attrName>
-                                        </p:attrNameLst>
-                                      </p:cBhvr>
-                                      <p:to>
-                                        <p:strVal val="visible"/>
-                                      </p:to>
-                                    </p:set>
-                                    <p:animEffect transition="in" filter="fade">
-                                      <p:cBhvr>
-                                        <p:cTn id="35" dur="1000"/>
-                                        <p:tgtEl>
-                                          <p:spTgt spid="4"/>
-                                        </p:tgtEl>
-                                      </p:cBhvr>
-                                    </p:animEffect>
-                                    <p:anim calcmode="lin" valueType="num">
-                                      <p:cBhvr>
-                                        <p:cTn id="36" dur="1000" fill="hold"/>
-                                        <p:tgtEl>
-                                          <p:spTgt spid="4"/>
-                                        </p:tgtEl>
-                                        <p:attrNameLst>
-                                          <p:attrName>ppt_x</p:attrName>
-                                        </p:attrNameLst>
-                                      </p:cBhvr>
-                                      <p:tavLst>
-                                        <p:tav tm="0">
-                                          <p:val>
-                                            <p:strVal val="#ppt_x"/>
-                                          </p:val>
-                                        </p:tav>
-                                        <p:tav tm="100000">
-                                          <p:val>
-                                            <p:strVal val="#ppt_x"/>
-                                          </p:val>
-                                        </p:tav>
-                                      </p:tavLst>
-                                    </p:anim>
-                                    <p:anim calcmode="lin" valueType="num">
-                                      <p:cBhvr>
-                                        <p:cTn id="37" dur="1000" fill="hold"/>
-                                        <p:tgtEl>
-                                          <p:spTgt spid="4"/>
-                                        </p:tgtEl>
-                                        <p:attrNameLst>
-                                          <p:attrName>ppt_y</p:attrName>
-                                        </p:attrNameLst>
-                                      </p:cBhvr>
-                                      <p:tavLst>
-                                        <p:tav tm="0">
-                                          <p:val>
-                                            <p:strVal val="#ppt_y+.1"/>
-                                          </p:val>
-                                        </p:tav>
-                                        <p:tav tm="100000">
-                                          <p:val>
-                                            <p:strVal val="#ppt_y"/>
-                                          </p:val>
-                                        </p:tav>
-                                      </p:tavLst>
-                                    </p:anim>
-                                  </p:childTnLst>
-                                </p:cTn>
-                              </p:par>
-                            </p:childTnLst>
-                          </p:cTn>
-                        </p:par>
-                      </p:childTnLst>
-                    </p:cTn>
-                  </p:par>
-                </p:childTnLst>
-              </p:cTn>
-              <p:prevCondLst>
-                <p:cond evt="onPrev" delay="0">
-                  <p:tgtEl>
-                    <p:sldTgt/>
-                  </p:tgtEl>
-                </p:cond>
-              </p:prevCondLst>
-              <p:nextCondLst>
-                <p:cond evt="onNext" delay="0">
-                  <p:tgtEl>
-                    <p:sldTgt/>
-                  </p:tgtEl>
-                </p:cond>
-              </p:nextCondLst>
-            </p:seq>
-          </p:childTnLst>
-        </p:cTn>
-      </p:par>
-    </p:tnLst>
-    <p:bldLst>
-      <p:bldP spid="3" grpId="0" build="p"/>
-    </p:bldLst>
-  </p:timing>
-</p:sld>
-</file>
-
-<file path=ppt/slides/slide14.xml><?xml version="1.0" encoding="utf-8"?>
-<p:sld xmlns:a="http://schemas.openxmlformats.org/drawingml/2006/main" xmlns:r="http://schemas.openxmlformats.org/officeDocument/2006/relationships" xmlns:p="http://schemas.openxmlformats.org/presentationml/2006/main">
-  <p:cSld>
-    <p:spTree>
-      <p:nvGrpSpPr>
-        <p:cNvPr id="1" name=""/>
-        <p:cNvGrpSpPr/>
-        <p:nvPr/>
-      </p:nvGrpSpPr>
-      <p:grpSpPr>
-        <a:xfrm>
-          <a:off x="0" y="0"/>
-          <a:ext cx="0" cy="0"/>
-          <a:chOff x="0" y="0"/>
-          <a:chExt cx="0" cy="0"/>
-        </a:xfrm>
-      </p:grpSpPr>
-      <p:sp>
-        <p:nvSpPr>
-          <p:cNvPr id="2" name="Title 1">
-            <a:extLst>
-              <a:ext uri="{FF2B5EF4-FFF2-40B4-BE49-F238E27FC236}">
-                <a16:creationId xmlns:a16="http://schemas.microsoft.com/office/drawing/2014/main" id="{97BC34CC-2191-086A-75CD-07624340C7B3}"/>
-              </a:ext>
-            </a:extLst>
-          </p:cNvPr>
-          <p:cNvSpPr>
-            <a:spLocks noGrp="1"/>
-          </p:cNvSpPr>
-          <p:nvPr>
-            <p:ph type="title"/>
-          </p:nvPr>
-        </p:nvSpPr>
-        <p:spPr/>
-        <p:txBody>
-          <a:bodyPr/>
-          <a:lstStyle/>
-          <a:p>
-            <a:r>
-              <a:rPr lang="en-US" dirty="0"/>
-              <a:t>DOCKER NETWORKS</a:t>
-            </a:r>
-            <a:endParaRPr lang="en-IN" dirty="0"/>
-          </a:p>
-        </p:txBody>
-      </p:sp>
-      <p:sp>
-        <p:nvSpPr>
-          <p:cNvPr id="16" name="Content Placeholder 2">
-            <a:extLst>
-              <a:ext uri="{FF2B5EF4-FFF2-40B4-BE49-F238E27FC236}">
-                <a16:creationId xmlns:a16="http://schemas.microsoft.com/office/drawing/2014/main" id="{485BE739-1319-EBF7-C754-170063DE1730}"/>
-              </a:ext>
-            </a:extLst>
-          </p:cNvPr>
-          <p:cNvSpPr>
-            <a:spLocks noGrp="1"/>
-          </p:cNvSpPr>
-          <p:nvPr>
-            <p:ph idx="1"/>
-          </p:nvPr>
-        </p:nvSpPr>
-        <p:spPr>
-          <a:xfrm>
-            <a:off x="6785111" y="2343819"/>
-            <a:ext cx="5499654" cy="2294442"/>
-          </a:xfrm>
-        </p:spPr>
-        <p:txBody>
-          <a:bodyPr>
-            <a:noAutofit/>
-          </a:bodyPr>
-          <a:lstStyle/>
-          <a:p>
-            <a:r>
-              <a:rPr lang="en-US" sz="1400" b="1" i="1" dirty="0"/>
-              <a:t>Docker Network Drivers</a:t>
-            </a:r>
-          </a:p>
-          <a:p>
-            <a:pPr lvl="1">
-              <a:buFont typeface="Wingdings" panose="05000000000000000000" pitchFamily="2" charset="2"/>
-              <a:buChar char="Ø"/>
-            </a:pPr>
-            <a:r>
-              <a:rPr lang="en-US" sz="1200" b="1" dirty="0"/>
-              <a:t>Bridge N/W</a:t>
-            </a:r>
-            <a:r>
-              <a:rPr lang="en-US" sz="1200" dirty="0"/>
-              <a:t>: Private default n/w, container linked to internal IP addresses</a:t>
-            </a:r>
-          </a:p>
-          <a:p>
-            <a:pPr lvl="1">
-              <a:buFont typeface="Wingdings" panose="05000000000000000000" pitchFamily="2" charset="2"/>
-              <a:buChar char="Ø"/>
-            </a:pPr>
-            <a:r>
-              <a:rPr lang="en-US" sz="1200" b="1" dirty="0"/>
-              <a:t>Host N/W</a:t>
-            </a:r>
-            <a:r>
-              <a:rPr lang="en-US" sz="1200" dirty="0"/>
-              <a:t>: Public n/w, utilize host IP addresses</a:t>
-            </a:r>
-          </a:p>
-          <a:p>
-            <a:pPr lvl="1">
-              <a:buFont typeface="Wingdings" panose="05000000000000000000" pitchFamily="2" charset="2"/>
-              <a:buChar char="Ø"/>
-            </a:pPr>
-            <a:r>
-              <a:rPr lang="en-US" sz="1200" b="1" dirty="0"/>
-              <a:t>None</a:t>
-            </a:r>
-            <a:r>
-              <a:rPr lang="en-US" sz="1200" dirty="0"/>
-              <a:t>: No external interface, for disabling container n/w</a:t>
-            </a:r>
-          </a:p>
-          <a:p>
-            <a:pPr lvl="1">
-              <a:buFont typeface="Wingdings" panose="05000000000000000000" pitchFamily="2" charset="2"/>
-              <a:buChar char="Ø"/>
-            </a:pPr>
-            <a:r>
-              <a:rPr lang="en-US" sz="1200" b="1" dirty="0"/>
-              <a:t>Overlay</a:t>
-            </a:r>
-            <a:r>
-              <a:rPr lang="en-US" sz="1200" dirty="0"/>
-              <a:t>: For Docker Swarm cluster, internal private n/w to the Docker nodes</a:t>
-            </a:r>
-          </a:p>
-          <a:p>
-            <a:pPr lvl="1">
-              <a:buFont typeface="Wingdings" panose="05000000000000000000" pitchFamily="2" charset="2"/>
-              <a:buChar char="Ø"/>
-            </a:pPr>
-            <a:r>
-              <a:rPr lang="en-US" sz="1200" b="1" dirty="0" err="1"/>
-              <a:t>Macvlan</a:t>
-            </a:r>
-            <a:r>
-              <a:rPr lang="en-US" sz="1200" dirty="0"/>
-              <a:t>: For simplified communication b/w containers using MAC address</a:t>
-            </a:r>
-            <a:endParaRPr lang="en-IN" sz="1200" dirty="0"/>
-          </a:p>
-        </p:txBody>
-      </p:sp>
-      <p:pic>
-        <p:nvPicPr>
-          <p:cNvPr id="8" name="Picture 7">
-            <a:extLst>
-              <a:ext uri="{FF2B5EF4-FFF2-40B4-BE49-F238E27FC236}">
-                <a16:creationId xmlns:a16="http://schemas.microsoft.com/office/drawing/2014/main" id="{215853EE-E050-2E08-7AE1-80297B2876DB}"/>
-              </a:ext>
-            </a:extLst>
-          </p:cNvPr>
-          <p:cNvPicPr>
-            <a:picLocks noChangeAspect="1"/>
-          </p:cNvPicPr>
-          <p:nvPr/>
-        </p:nvPicPr>
-        <p:blipFill>
-          <a:blip r:embed="rId2">
-            <a:extLst>
-              <a:ext uri="{28A0092B-C50C-407E-A947-70E740481C1C}">
-                <a14:useLocalDpi xmlns:a14="http://schemas.microsoft.com/office/drawing/2010/main" val="0"/>
-              </a:ext>
-            </a:extLst>
-          </a:blip>
-          <a:stretch>
-            <a:fillRect/>
-          </a:stretch>
-        </p:blipFill>
-        <p:spPr>
-          <a:xfrm>
-            <a:off x="0" y="2343819"/>
-            <a:ext cx="6904590" cy="4401537"/>
-          </a:xfrm>
-          <a:prstGeom prst="rect">
-            <a:avLst/>
-          </a:prstGeom>
-        </p:spPr>
-      </p:pic>
-      <p:pic>
-        <p:nvPicPr>
-          <p:cNvPr id="12" name="Picture 11">
-            <a:extLst>
-              <a:ext uri="{FF2B5EF4-FFF2-40B4-BE49-F238E27FC236}">
-                <a16:creationId xmlns:a16="http://schemas.microsoft.com/office/drawing/2014/main" id="{FE5B390B-8058-E584-11C9-B16AAEF122FD}"/>
-              </a:ext>
-            </a:extLst>
-          </p:cNvPr>
-          <p:cNvPicPr>
-            <a:picLocks noChangeAspect="1"/>
-          </p:cNvPicPr>
-          <p:nvPr/>
-        </p:nvPicPr>
-        <p:blipFill>
-          <a:blip r:embed="rId3">
-            <a:extLst>
-              <a:ext uri="{28A0092B-C50C-407E-A947-70E740481C1C}">
-                <a14:useLocalDpi xmlns:a14="http://schemas.microsoft.com/office/drawing/2010/main" val="0"/>
-              </a:ext>
-            </a:extLst>
-          </a:blip>
-          <a:stretch>
-            <a:fillRect/>
-          </a:stretch>
-        </p:blipFill>
-        <p:spPr>
-          <a:xfrm>
-            <a:off x="6904589" y="4784035"/>
-            <a:ext cx="5194645" cy="1961321"/>
-          </a:xfrm>
-          <a:prstGeom prst="rect">
-            <a:avLst/>
-          </a:prstGeom>
-        </p:spPr>
-      </p:pic>
-    </p:spTree>
-    <p:extLst>
-      <p:ext uri="{BB962C8B-B14F-4D97-AF65-F5344CB8AC3E}">
-        <p14:creationId xmlns:p14="http://schemas.microsoft.com/office/powerpoint/2010/main" val="368692874"/>
-      </p:ext>
-    </p:extLst>
-  </p:cSld>
-  <p:clrMapOvr>
-    <a:masterClrMapping/>
-  </p:clrMapOvr>
-  <mc:AlternateContent xmlns:mc="http://schemas.openxmlformats.org/markup-compatibility/2006" xmlns:p14="http://schemas.microsoft.com/office/powerpoint/2010/main">
-    <mc:Choice Requires="p14">
-      <p:transition spd="med" p14:dur="700">
-        <p:fade/>
-      </p:transition>
-    </mc:Choice>
-    <mc:Fallback xmlns="">
-      <p:transition spd="med">
-        <p:fade/>
-      </p:transition>
-    </mc:Fallback>
-  </mc:AlternateContent>
-  <p:timing>
-    <p:tnLst>
-      <p:par>
-        <p:cTn id="1" dur="indefinite" restart="never" nodeType="tmRoot">
-          <p:childTnLst>
-            <p:seq concurrent="1" nextAc="seek">
-              <p:cTn id="2" dur="indefinite" nodeType="mainSeq">
-                <p:childTnLst>
-                  <p:par>
-                    <p:cTn id="3" fill="hold">
-                      <p:stCondLst>
-                        <p:cond delay="indefinite"/>
-                      </p:stCondLst>
-                      <p:childTnLst>
-                        <p:par>
-                          <p:cTn id="4" fill="hold">
-                            <p:stCondLst>
-                              <p:cond delay="0"/>
-                            </p:stCondLst>
-                            <p:childTnLst>
-                              <p:par>
-                                <p:cTn id="5" presetID="2" presetClass="entr" presetSubtype="4" fill="hold" grpId="0" nodeType="clickEffect">
-                                  <p:stCondLst>
-                                    <p:cond delay="0"/>
-                                  </p:stCondLst>
-                                  <p:childTnLst>
-                                    <p:set>
-                                      <p:cBhvr>
-                                        <p:cTn id="6" dur="1" fill="hold">
-                                          <p:stCondLst>
-                                            <p:cond delay="0"/>
-                                          </p:stCondLst>
-                                        </p:cTn>
-                                        <p:tgtEl>
-                                          <p:spTgt spid="2"/>
-                                        </p:tgtEl>
-                                        <p:attrNameLst>
-                                          <p:attrName>style.visibility</p:attrName>
-                                        </p:attrNameLst>
-                                      </p:cBhvr>
-                                      <p:to>
-                                        <p:strVal val="visible"/>
-                                      </p:to>
-                                    </p:set>
-                                    <p:anim calcmode="lin" valueType="num">
-                                      <p:cBhvr additive="base">
-                                        <p:cTn id="7" dur="500" fill="hold"/>
-                                        <p:tgtEl>
-                                          <p:spTgt spid="2"/>
-                                        </p:tgtEl>
-                                        <p:attrNameLst>
-                                          <p:attrName>ppt_x</p:attrName>
-                                        </p:attrNameLst>
-                                      </p:cBhvr>
-                                      <p:tavLst>
-                                        <p:tav tm="0">
-                                          <p:val>
-                                            <p:strVal val="#ppt_x"/>
-                                          </p:val>
-                                        </p:tav>
-                                        <p:tav tm="100000">
-                                          <p:val>
-                                            <p:strVal val="#ppt_x"/>
-                                          </p:val>
-                                        </p:tav>
-                                      </p:tavLst>
-                                    </p:anim>
-                                    <p:anim calcmode="lin" valueType="num">
-                                      <p:cBhvr additive="base">
-                                        <p:cTn id="8" dur="500" fill="hold"/>
-                                        <p:tgtEl>
-                                          <p:spTgt spid="2"/>
-                                        </p:tgtEl>
-                                        <p:attrNameLst>
-                                          <p:attrName>ppt_y</p:attrName>
-                                        </p:attrNameLst>
-                                      </p:cBhvr>
-                                      <p:tavLst>
-                                        <p:tav tm="0">
-                                          <p:val>
-                                            <p:strVal val="1+#ppt_h/2"/>
-                                          </p:val>
-                                        </p:tav>
-                                        <p:tav tm="100000">
-                                          <p:val>
-                                            <p:strVal val="#ppt_y"/>
-                                          </p:val>
-                                        </p:tav>
-                                      </p:tavLst>
-                                    </p:anim>
-                                  </p:childTnLst>
-                                </p:cTn>
-                              </p:par>
-                            </p:childTnLst>
-                          </p:cTn>
-                        </p:par>
-                      </p:childTnLst>
-                    </p:cTn>
-                  </p:par>
-                  <p:par>
-                    <p:cTn id="9" fill="hold">
-                      <p:stCondLst>
-                        <p:cond delay="indefinite"/>
-                      </p:stCondLst>
-                      <p:childTnLst>
-                        <p:par>
-                          <p:cTn id="10" fill="hold">
-                            <p:stCondLst>
-                              <p:cond delay="0"/>
-                            </p:stCondLst>
-                            <p:childTnLst>
-                              <p:par>
-                                <p:cTn id="11" presetID="2" presetClass="entr" presetSubtype="4" fill="hold" nodeType="clickEffect">
-                                  <p:stCondLst>
-                                    <p:cond delay="0"/>
-                                  </p:stCondLst>
-                                  <p:childTnLst>
-                                    <p:set>
-                                      <p:cBhvr>
-                                        <p:cTn id="12" dur="1" fill="hold">
-                                          <p:stCondLst>
-                                            <p:cond delay="0"/>
-                                          </p:stCondLst>
-                                        </p:cTn>
-                                        <p:tgtEl>
-                                          <p:spTgt spid="8"/>
-                                        </p:tgtEl>
-                                        <p:attrNameLst>
-                                          <p:attrName>style.visibility</p:attrName>
-                                        </p:attrNameLst>
-                                      </p:cBhvr>
-                                      <p:to>
-                                        <p:strVal val="visible"/>
-                                      </p:to>
-                                    </p:set>
-                                    <p:anim calcmode="lin" valueType="num">
-                                      <p:cBhvr additive="base">
-                                        <p:cTn id="13" dur="500" fill="hold"/>
-                                        <p:tgtEl>
-                                          <p:spTgt spid="8"/>
-                                        </p:tgtEl>
-                                        <p:attrNameLst>
-                                          <p:attrName>ppt_x</p:attrName>
-                                        </p:attrNameLst>
-                                      </p:cBhvr>
-                                      <p:tavLst>
-                                        <p:tav tm="0">
-                                          <p:val>
-                                            <p:strVal val="#ppt_x"/>
-                                          </p:val>
-                                        </p:tav>
-                                        <p:tav tm="100000">
-                                          <p:val>
-                                            <p:strVal val="#ppt_x"/>
-                                          </p:val>
-                                        </p:tav>
-                                      </p:tavLst>
-                                    </p:anim>
-                                    <p:anim calcmode="lin" valueType="num">
-                                      <p:cBhvr additive="base">
-                                        <p:cTn id="14" dur="500" fill="hold"/>
-                                        <p:tgtEl>
-                                          <p:spTgt spid="8"/>
-                                        </p:tgtEl>
-                                        <p:attrNameLst>
-                                          <p:attrName>ppt_y</p:attrName>
-                                        </p:attrNameLst>
-                                      </p:cBhvr>
-                                      <p:tavLst>
-                                        <p:tav tm="0">
-                                          <p:val>
-                                            <p:strVal val="1+#ppt_h/2"/>
-                                          </p:val>
-                                        </p:tav>
-                                        <p:tav tm="100000">
-                                          <p:val>
-                                            <p:strVal val="#ppt_y"/>
-                                          </p:val>
-                                        </p:tav>
-                                      </p:tavLst>
-                                    </p:anim>
-                                  </p:childTnLst>
-                                </p:cTn>
-                              </p:par>
-                            </p:childTnLst>
-                          </p:cTn>
-                        </p:par>
-                      </p:childTnLst>
-                    </p:cTn>
-                  </p:par>
-                  <p:par>
-                    <p:cTn id="15" fill="hold">
-                      <p:stCondLst>
-                        <p:cond delay="indefinite"/>
-                      </p:stCondLst>
-                      <p:childTnLst>
-                        <p:par>
-                          <p:cTn id="16" fill="hold">
-                            <p:stCondLst>
-                              <p:cond delay="0"/>
-                            </p:stCondLst>
-                            <p:childTnLst>
-                              <p:par>
-                                <p:cTn id="17" presetID="42" presetClass="entr" presetSubtype="0" fill="hold" grpId="0" nodeType="clickEffect">
-                                  <p:stCondLst>
-                                    <p:cond delay="0"/>
-                                  </p:stCondLst>
-                                  <p:childTnLst>
-                                    <p:set>
-                                      <p:cBhvr>
-                                        <p:cTn id="18" dur="1" fill="hold">
-                                          <p:stCondLst>
-                                            <p:cond delay="0"/>
-                                          </p:stCondLst>
-                                        </p:cTn>
-                                        <p:tgtEl>
-                                          <p:spTgt spid="16">
-                                            <p:txEl>
-                                              <p:pRg st="0" end="0"/>
-                                            </p:txEl>
-                                          </p:spTgt>
-                                        </p:tgtEl>
-                                        <p:attrNameLst>
-                                          <p:attrName>style.visibility</p:attrName>
-                                        </p:attrNameLst>
-                                      </p:cBhvr>
-                                      <p:to>
-                                        <p:strVal val="visible"/>
-                                      </p:to>
-                                    </p:set>
-                                    <p:animEffect transition="in" filter="fade">
-                                      <p:cBhvr>
-                                        <p:cTn id="19" dur="1000"/>
-                                        <p:tgtEl>
-                                          <p:spTgt spid="16">
-                                            <p:txEl>
-                                              <p:pRg st="0" end="0"/>
-                                            </p:txEl>
-                                          </p:spTgt>
-                                        </p:tgtEl>
-                                      </p:cBhvr>
-                                    </p:animEffect>
-                                    <p:anim calcmode="lin" valueType="num">
-                                      <p:cBhvr>
-                                        <p:cTn id="20" dur="1000" fill="hold"/>
-                                        <p:tgtEl>
-                                          <p:spTgt spid="16">
-                                            <p:txEl>
-                                              <p:pRg st="0" end="0"/>
-                                            </p:txEl>
-                                          </p:spTgt>
-                                        </p:tgtEl>
-                                        <p:attrNameLst>
-                                          <p:attrName>ppt_x</p:attrName>
-                                        </p:attrNameLst>
-                                      </p:cBhvr>
-                                      <p:tavLst>
-                                        <p:tav tm="0">
-                                          <p:val>
-                                            <p:strVal val="#ppt_x"/>
-                                          </p:val>
-                                        </p:tav>
-                                        <p:tav tm="100000">
-                                          <p:val>
-                                            <p:strVal val="#ppt_x"/>
-                                          </p:val>
-                                        </p:tav>
-                                      </p:tavLst>
-                                    </p:anim>
-                                    <p:anim calcmode="lin" valueType="num">
-                                      <p:cBhvr>
-                                        <p:cTn id="21" dur="1000" fill="hold"/>
-                                        <p:tgtEl>
-                                          <p:spTgt spid="16">
-                                            <p:txEl>
-                                              <p:pRg st="0" end="0"/>
-                                            </p:txEl>
-                                          </p:spTgt>
-                                        </p:tgtEl>
-                                        <p:attrNameLst>
-                                          <p:attrName>ppt_y</p:attrName>
-                                        </p:attrNameLst>
-                                      </p:cBhvr>
-                                      <p:tavLst>
-                                        <p:tav tm="0">
-                                          <p:val>
-                                            <p:strVal val="#ppt_y+.1"/>
-                                          </p:val>
-                                        </p:tav>
-                                        <p:tav tm="100000">
-                                          <p:val>
-                                            <p:strVal val="#ppt_y"/>
-                                          </p:val>
-                                        </p:tav>
-                                      </p:tavLst>
-                                    </p:anim>
-                                  </p:childTnLst>
-                                </p:cTn>
-                              </p:par>
-                              <p:par>
-                                <p:cTn id="22" presetID="42" presetClass="entr" presetSubtype="0" fill="hold" grpId="0" nodeType="withEffect">
-                                  <p:stCondLst>
-                                    <p:cond delay="0"/>
-                                  </p:stCondLst>
-                                  <p:childTnLst>
-                                    <p:set>
-                                      <p:cBhvr>
-                                        <p:cTn id="23" dur="1" fill="hold">
-                                          <p:stCondLst>
-                                            <p:cond delay="0"/>
-                                          </p:stCondLst>
-                                        </p:cTn>
-                                        <p:tgtEl>
-                                          <p:spTgt spid="16">
-                                            <p:txEl>
-                                              <p:pRg st="1" end="1"/>
-                                            </p:txEl>
-                                          </p:spTgt>
-                                        </p:tgtEl>
-                                        <p:attrNameLst>
-                                          <p:attrName>style.visibility</p:attrName>
-                                        </p:attrNameLst>
-                                      </p:cBhvr>
-                                      <p:to>
-                                        <p:strVal val="visible"/>
-                                      </p:to>
-                                    </p:set>
-                                    <p:animEffect transition="in" filter="fade">
-                                      <p:cBhvr>
-                                        <p:cTn id="24" dur="1000"/>
-                                        <p:tgtEl>
-                                          <p:spTgt spid="16">
-                                            <p:txEl>
-                                              <p:pRg st="1" end="1"/>
-                                            </p:txEl>
-                                          </p:spTgt>
-                                        </p:tgtEl>
-                                      </p:cBhvr>
-                                    </p:animEffect>
-                                    <p:anim calcmode="lin" valueType="num">
-                                      <p:cBhvr>
-                                        <p:cTn id="25" dur="1000" fill="hold"/>
-                                        <p:tgtEl>
-                                          <p:spTgt spid="16">
-                                            <p:txEl>
-                                              <p:pRg st="1" end="1"/>
-                                            </p:txEl>
-                                          </p:spTgt>
-                                        </p:tgtEl>
-                                        <p:attrNameLst>
-                                          <p:attrName>ppt_x</p:attrName>
-                                        </p:attrNameLst>
-                                      </p:cBhvr>
-                                      <p:tavLst>
-                                        <p:tav tm="0">
-                                          <p:val>
-                                            <p:strVal val="#ppt_x"/>
-                                          </p:val>
-                                        </p:tav>
-                                        <p:tav tm="100000">
-                                          <p:val>
-                                            <p:strVal val="#ppt_x"/>
-                                          </p:val>
-                                        </p:tav>
-                                      </p:tavLst>
-                                    </p:anim>
-                                    <p:anim calcmode="lin" valueType="num">
-                                      <p:cBhvr>
-                                        <p:cTn id="26" dur="1000" fill="hold"/>
-                                        <p:tgtEl>
-                                          <p:spTgt spid="16">
-                                            <p:txEl>
-                                              <p:pRg st="1" end="1"/>
-                                            </p:txEl>
-                                          </p:spTgt>
-                                        </p:tgtEl>
-                                        <p:attrNameLst>
-                                          <p:attrName>ppt_y</p:attrName>
-                                        </p:attrNameLst>
-                                      </p:cBhvr>
-                                      <p:tavLst>
-                                        <p:tav tm="0">
-                                          <p:val>
-                                            <p:strVal val="#ppt_y+.1"/>
-                                          </p:val>
-                                        </p:tav>
-                                        <p:tav tm="100000">
-                                          <p:val>
-                                            <p:strVal val="#ppt_y"/>
-                                          </p:val>
-                                        </p:tav>
-                                      </p:tavLst>
-                                    </p:anim>
-                                  </p:childTnLst>
-                                </p:cTn>
-                              </p:par>
-                              <p:par>
-                                <p:cTn id="27" presetID="42" presetClass="entr" presetSubtype="0" fill="hold" grpId="0" nodeType="withEffect">
-                                  <p:stCondLst>
-                                    <p:cond delay="0"/>
-                                  </p:stCondLst>
-                                  <p:childTnLst>
-                                    <p:set>
-                                      <p:cBhvr>
-                                        <p:cTn id="28" dur="1" fill="hold">
-                                          <p:stCondLst>
-                                            <p:cond delay="0"/>
-                                          </p:stCondLst>
-                                        </p:cTn>
-                                        <p:tgtEl>
-                                          <p:spTgt spid="16">
-                                            <p:txEl>
-                                              <p:pRg st="2" end="2"/>
-                                            </p:txEl>
-                                          </p:spTgt>
-                                        </p:tgtEl>
-                                        <p:attrNameLst>
-                                          <p:attrName>style.visibility</p:attrName>
-                                        </p:attrNameLst>
-                                      </p:cBhvr>
-                                      <p:to>
-                                        <p:strVal val="visible"/>
-                                      </p:to>
-                                    </p:set>
-                                    <p:animEffect transition="in" filter="fade">
-                                      <p:cBhvr>
-                                        <p:cTn id="29" dur="1000"/>
-                                        <p:tgtEl>
-                                          <p:spTgt spid="16">
-                                            <p:txEl>
-                                              <p:pRg st="2" end="2"/>
-                                            </p:txEl>
-                                          </p:spTgt>
-                                        </p:tgtEl>
-                                      </p:cBhvr>
-                                    </p:animEffect>
-                                    <p:anim calcmode="lin" valueType="num">
-                                      <p:cBhvr>
-                                        <p:cTn id="30" dur="1000" fill="hold"/>
-                                        <p:tgtEl>
-                                          <p:spTgt spid="16">
-                                            <p:txEl>
-                                              <p:pRg st="2" end="2"/>
-                                            </p:txEl>
-                                          </p:spTgt>
-                                        </p:tgtEl>
-                                        <p:attrNameLst>
-                                          <p:attrName>ppt_x</p:attrName>
-                                        </p:attrNameLst>
-                                      </p:cBhvr>
-                                      <p:tavLst>
-                                        <p:tav tm="0">
-                                          <p:val>
-                                            <p:strVal val="#ppt_x"/>
-                                          </p:val>
-                                        </p:tav>
-                                        <p:tav tm="100000">
-                                          <p:val>
-                                            <p:strVal val="#ppt_x"/>
-                                          </p:val>
-                                        </p:tav>
-                                      </p:tavLst>
-                                    </p:anim>
-                                    <p:anim calcmode="lin" valueType="num">
-                                      <p:cBhvr>
-                                        <p:cTn id="31" dur="1000" fill="hold"/>
-                                        <p:tgtEl>
-                                          <p:spTgt spid="16">
-                                            <p:txEl>
-                                              <p:pRg st="2" end="2"/>
-                                            </p:txEl>
-                                          </p:spTgt>
-                                        </p:tgtEl>
-                                        <p:attrNameLst>
-                                          <p:attrName>ppt_y</p:attrName>
-                                        </p:attrNameLst>
-                                      </p:cBhvr>
-                                      <p:tavLst>
-                                        <p:tav tm="0">
-                                          <p:val>
-                                            <p:strVal val="#ppt_y+.1"/>
-                                          </p:val>
-                                        </p:tav>
-                                        <p:tav tm="100000">
-                                          <p:val>
-                                            <p:strVal val="#ppt_y"/>
-                                          </p:val>
-                                        </p:tav>
-                                      </p:tavLst>
-                                    </p:anim>
-                                  </p:childTnLst>
-                                </p:cTn>
-                              </p:par>
-                              <p:par>
-                                <p:cTn id="32" presetID="42" presetClass="entr" presetSubtype="0" fill="hold" grpId="0" nodeType="withEffect">
-                                  <p:stCondLst>
-                                    <p:cond delay="0"/>
-                                  </p:stCondLst>
-                                  <p:childTnLst>
-                                    <p:set>
-                                      <p:cBhvr>
-                                        <p:cTn id="33" dur="1" fill="hold">
-                                          <p:stCondLst>
-                                            <p:cond delay="0"/>
-                                          </p:stCondLst>
-                                        </p:cTn>
-                                        <p:tgtEl>
-                                          <p:spTgt spid="16">
-                                            <p:txEl>
-                                              <p:pRg st="3" end="3"/>
-                                            </p:txEl>
-                                          </p:spTgt>
-                                        </p:tgtEl>
-                                        <p:attrNameLst>
-                                          <p:attrName>style.visibility</p:attrName>
-                                        </p:attrNameLst>
-                                      </p:cBhvr>
-                                      <p:to>
-                                        <p:strVal val="visible"/>
-                                      </p:to>
-                                    </p:set>
-                                    <p:animEffect transition="in" filter="fade">
-                                      <p:cBhvr>
-                                        <p:cTn id="34" dur="1000"/>
-                                        <p:tgtEl>
-                                          <p:spTgt spid="16">
-                                            <p:txEl>
-                                              <p:pRg st="3" end="3"/>
-                                            </p:txEl>
-                                          </p:spTgt>
-                                        </p:tgtEl>
-                                      </p:cBhvr>
-                                    </p:animEffect>
-                                    <p:anim calcmode="lin" valueType="num">
-                                      <p:cBhvr>
-                                        <p:cTn id="35" dur="1000" fill="hold"/>
-                                        <p:tgtEl>
-                                          <p:spTgt spid="16">
-                                            <p:txEl>
-                                              <p:pRg st="3" end="3"/>
-                                            </p:txEl>
-                                          </p:spTgt>
-                                        </p:tgtEl>
-                                        <p:attrNameLst>
-                                          <p:attrName>ppt_x</p:attrName>
-                                        </p:attrNameLst>
-                                      </p:cBhvr>
-                                      <p:tavLst>
-                                        <p:tav tm="0">
-                                          <p:val>
-                                            <p:strVal val="#ppt_x"/>
-                                          </p:val>
-                                        </p:tav>
-                                        <p:tav tm="100000">
-                                          <p:val>
-                                            <p:strVal val="#ppt_x"/>
-                                          </p:val>
-                                        </p:tav>
-                                      </p:tavLst>
-                                    </p:anim>
-                                    <p:anim calcmode="lin" valueType="num">
-                                      <p:cBhvr>
-                                        <p:cTn id="36" dur="1000" fill="hold"/>
-                                        <p:tgtEl>
-                                          <p:spTgt spid="16">
-                                            <p:txEl>
-                                              <p:pRg st="3" end="3"/>
-                                            </p:txEl>
-                                          </p:spTgt>
-                                        </p:tgtEl>
-                                        <p:attrNameLst>
-                                          <p:attrName>ppt_y</p:attrName>
-                                        </p:attrNameLst>
-                                      </p:cBhvr>
-                                      <p:tavLst>
-                                        <p:tav tm="0">
-                                          <p:val>
-                                            <p:strVal val="#ppt_y+.1"/>
-                                          </p:val>
-                                        </p:tav>
-                                        <p:tav tm="100000">
-                                          <p:val>
-                                            <p:strVal val="#ppt_y"/>
-                                          </p:val>
-                                        </p:tav>
-                                      </p:tavLst>
-                                    </p:anim>
-                                  </p:childTnLst>
-                                </p:cTn>
-                              </p:par>
-                              <p:par>
-                                <p:cTn id="37" presetID="42" presetClass="entr" presetSubtype="0" fill="hold" grpId="0" nodeType="withEffect">
-                                  <p:stCondLst>
-                                    <p:cond delay="0"/>
-                                  </p:stCondLst>
-                                  <p:childTnLst>
-                                    <p:set>
-                                      <p:cBhvr>
-                                        <p:cTn id="38" dur="1" fill="hold">
-                                          <p:stCondLst>
-                                            <p:cond delay="0"/>
-                                          </p:stCondLst>
-                                        </p:cTn>
-                                        <p:tgtEl>
-                                          <p:spTgt spid="16">
-                                            <p:txEl>
-                                              <p:pRg st="4" end="4"/>
-                                            </p:txEl>
-                                          </p:spTgt>
-                                        </p:tgtEl>
-                                        <p:attrNameLst>
-                                          <p:attrName>style.visibility</p:attrName>
-                                        </p:attrNameLst>
-                                      </p:cBhvr>
-                                      <p:to>
-                                        <p:strVal val="visible"/>
-                                      </p:to>
-                                    </p:set>
-                                    <p:animEffect transition="in" filter="fade">
-                                      <p:cBhvr>
-                                        <p:cTn id="39" dur="1000"/>
-                                        <p:tgtEl>
-                                          <p:spTgt spid="16">
-                                            <p:txEl>
-                                              <p:pRg st="4" end="4"/>
-                                            </p:txEl>
-                                          </p:spTgt>
-                                        </p:tgtEl>
-                                      </p:cBhvr>
-                                    </p:animEffect>
-                                    <p:anim calcmode="lin" valueType="num">
-                                      <p:cBhvr>
-                                        <p:cTn id="40" dur="1000" fill="hold"/>
-                                        <p:tgtEl>
-                                          <p:spTgt spid="16">
-                                            <p:txEl>
-                                              <p:pRg st="4" end="4"/>
-                                            </p:txEl>
-                                          </p:spTgt>
-                                        </p:tgtEl>
-                                        <p:attrNameLst>
-                                          <p:attrName>ppt_x</p:attrName>
-                                        </p:attrNameLst>
-                                      </p:cBhvr>
-                                      <p:tavLst>
-                                        <p:tav tm="0">
-                                          <p:val>
-                                            <p:strVal val="#ppt_x"/>
-                                          </p:val>
-                                        </p:tav>
-                                        <p:tav tm="100000">
-                                          <p:val>
-                                            <p:strVal val="#ppt_x"/>
-                                          </p:val>
-                                        </p:tav>
-                                      </p:tavLst>
-                                    </p:anim>
-                                    <p:anim calcmode="lin" valueType="num">
-                                      <p:cBhvr>
-                                        <p:cTn id="41" dur="1000" fill="hold"/>
-                                        <p:tgtEl>
-                                          <p:spTgt spid="16">
-                                            <p:txEl>
-                                              <p:pRg st="4" end="4"/>
-                                            </p:txEl>
-                                          </p:spTgt>
-                                        </p:tgtEl>
-                                        <p:attrNameLst>
-                                          <p:attrName>ppt_y</p:attrName>
-                                        </p:attrNameLst>
-                                      </p:cBhvr>
-                                      <p:tavLst>
-                                        <p:tav tm="0">
-                                          <p:val>
-                                            <p:strVal val="#ppt_y+.1"/>
-                                          </p:val>
-                                        </p:tav>
-                                        <p:tav tm="100000">
-                                          <p:val>
-                                            <p:strVal val="#ppt_y"/>
-                                          </p:val>
-                                        </p:tav>
-                                      </p:tavLst>
-                                    </p:anim>
-                                  </p:childTnLst>
-                                </p:cTn>
-                              </p:par>
-                              <p:par>
-                                <p:cTn id="42" presetID="42" presetClass="entr" presetSubtype="0" fill="hold" grpId="0" nodeType="withEffect">
-                                  <p:stCondLst>
-                                    <p:cond delay="0"/>
-                                  </p:stCondLst>
-                                  <p:childTnLst>
-                                    <p:set>
-                                      <p:cBhvr>
-                                        <p:cTn id="43" dur="1" fill="hold">
-                                          <p:stCondLst>
-                                            <p:cond delay="0"/>
-                                          </p:stCondLst>
-                                        </p:cTn>
-                                        <p:tgtEl>
-                                          <p:spTgt spid="16">
-                                            <p:txEl>
-                                              <p:pRg st="5" end="5"/>
-                                            </p:txEl>
-                                          </p:spTgt>
-                                        </p:tgtEl>
-                                        <p:attrNameLst>
-                                          <p:attrName>style.visibility</p:attrName>
-                                        </p:attrNameLst>
-                                      </p:cBhvr>
-                                      <p:to>
-                                        <p:strVal val="visible"/>
-                                      </p:to>
-                                    </p:set>
-                                    <p:animEffect transition="in" filter="fade">
-                                      <p:cBhvr>
-                                        <p:cTn id="44" dur="1000"/>
-                                        <p:tgtEl>
-                                          <p:spTgt spid="16">
-                                            <p:txEl>
-                                              <p:pRg st="5" end="5"/>
-                                            </p:txEl>
-                                          </p:spTgt>
-                                        </p:tgtEl>
-                                      </p:cBhvr>
-                                    </p:animEffect>
-                                    <p:anim calcmode="lin" valueType="num">
-                                      <p:cBhvr>
-                                        <p:cTn id="45" dur="1000" fill="hold"/>
-                                        <p:tgtEl>
-                                          <p:spTgt spid="16">
-                                            <p:txEl>
-                                              <p:pRg st="5" end="5"/>
-                                            </p:txEl>
-                                          </p:spTgt>
-                                        </p:tgtEl>
-                                        <p:attrNameLst>
-                                          <p:attrName>ppt_x</p:attrName>
-                                        </p:attrNameLst>
-                                      </p:cBhvr>
-                                      <p:tavLst>
-                                        <p:tav tm="0">
-                                          <p:val>
-                                            <p:strVal val="#ppt_x"/>
-                                          </p:val>
-                                        </p:tav>
-                                        <p:tav tm="100000">
-                                          <p:val>
-                                            <p:strVal val="#ppt_x"/>
-                                          </p:val>
-                                        </p:tav>
-                                      </p:tavLst>
-                                    </p:anim>
-                                    <p:anim calcmode="lin" valueType="num">
-                                      <p:cBhvr>
-                                        <p:cTn id="46" dur="1000" fill="hold"/>
-                                        <p:tgtEl>
-                                          <p:spTgt spid="16">
-                                            <p:txEl>
-                                              <p:pRg st="5" end="5"/>
-                                            </p:txEl>
-                                          </p:spTgt>
-                                        </p:tgtEl>
-                                        <p:attrNameLst>
-                                          <p:attrName>ppt_y</p:attrName>
-                                        </p:attrNameLst>
-                                      </p:cBhvr>
-                                      <p:tavLst>
-                                        <p:tav tm="0">
-                                          <p:val>
-                                            <p:strVal val="#ppt_y+.1"/>
-                                          </p:val>
-                                        </p:tav>
-                                        <p:tav tm="100000">
-                                          <p:val>
-                                            <p:strVal val="#ppt_y"/>
-                                          </p:val>
-                                        </p:tav>
-                                      </p:tavLst>
-                                    </p:anim>
-                                  </p:childTnLst>
-                                </p:cTn>
-                              </p:par>
-                            </p:childTnLst>
-                          </p:cTn>
-                        </p:par>
-                      </p:childTnLst>
-                    </p:cTn>
-                  </p:par>
-                  <p:par>
-                    <p:cTn id="47" fill="hold">
-                      <p:stCondLst>
-                        <p:cond delay="indefinite"/>
-                      </p:stCondLst>
-                      <p:childTnLst>
-                        <p:par>
-                          <p:cTn id="48" fill="hold">
-                            <p:stCondLst>
-                              <p:cond delay="0"/>
-                            </p:stCondLst>
-                            <p:childTnLst>
-                              <p:par>
-                                <p:cTn id="49" presetID="42" presetClass="entr" presetSubtype="0" fill="hold" nodeType="clickEffect">
-                                  <p:stCondLst>
-                                    <p:cond delay="0"/>
-                                  </p:stCondLst>
-                                  <p:childTnLst>
-                                    <p:set>
-                                      <p:cBhvr>
-                                        <p:cTn id="50" dur="1" fill="hold">
-                                          <p:stCondLst>
-                                            <p:cond delay="0"/>
-                                          </p:stCondLst>
-                                        </p:cTn>
-                                        <p:tgtEl>
-                                          <p:spTgt spid="12"/>
-                                        </p:tgtEl>
-                                        <p:attrNameLst>
-                                          <p:attrName>style.visibility</p:attrName>
-                                        </p:attrNameLst>
-                                      </p:cBhvr>
-                                      <p:to>
-                                        <p:strVal val="visible"/>
-                                      </p:to>
-                                    </p:set>
-                                    <p:animEffect transition="in" filter="fade">
-                                      <p:cBhvr>
-                                        <p:cTn id="51" dur="1000"/>
-                                        <p:tgtEl>
-                                          <p:spTgt spid="12"/>
-                                        </p:tgtEl>
-                                      </p:cBhvr>
-                                    </p:animEffect>
-                                    <p:anim calcmode="lin" valueType="num">
-                                      <p:cBhvr>
-                                        <p:cTn id="52" dur="1000" fill="hold"/>
-                                        <p:tgtEl>
-                                          <p:spTgt spid="12"/>
-                                        </p:tgtEl>
-                                        <p:attrNameLst>
-                                          <p:attrName>ppt_x</p:attrName>
-                                        </p:attrNameLst>
-                                      </p:cBhvr>
-                                      <p:tavLst>
-                                        <p:tav tm="0">
-                                          <p:val>
-                                            <p:strVal val="#ppt_x"/>
-                                          </p:val>
-                                        </p:tav>
-                                        <p:tav tm="100000">
-                                          <p:val>
-                                            <p:strVal val="#ppt_x"/>
-                                          </p:val>
-                                        </p:tav>
-                                      </p:tavLst>
-                                    </p:anim>
-                                    <p:anim calcmode="lin" valueType="num">
-                                      <p:cBhvr>
-                                        <p:cTn id="53" dur="1000" fill="hold"/>
-                                        <p:tgtEl>
-                                          <p:spTgt spid="12"/>
-                                        </p:tgtEl>
-                                        <p:attrNameLst>
-                                          <p:attrName>ppt_y</p:attrName>
-                                        </p:attrNameLst>
-                                      </p:cBhvr>
-                                      <p:tavLst>
-                                        <p:tav tm="0">
-                                          <p:val>
-                                            <p:strVal val="#ppt_y+.1"/>
-                                          </p:val>
-                                        </p:tav>
-                                        <p:tav tm="100000">
-                                          <p:val>
-                                            <p:strVal val="#ppt_y"/>
-                                          </p:val>
-                                        </p:tav>
-                                      </p:tavLst>
-                                    </p:anim>
-                                  </p:childTnLst>
-                                </p:cTn>
-                              </p:par>
-                            </p:childTnLst>
-                          </p:cTn>
-                        </p:par>
-                      </p:childTnLst>
-                    </p:cTn>
-                  </p:par>
-                </p:childTnLst>
-              </p:cTn>
-              <p:prevCondLst>
-                <p:cond evt="onPrev" delay="0">
-                  <p:tgtEl>
-                    <p:sldTgt/>
-                  </p:tgtEl>
-                </p:cond>
-              </p:prevCondLst>
-              <p:nextCondLst>
-                <p:cond evt="onNext" delay="0">
-                  <p:tgtEl>
-                    <p:sldTgt/>
-                  </p:tgtEl>
-                </p:cond>
-              </p:nextCondLst>
-            </p:seq>
-          </p:childTnLst>
-        </p:cTn>
-      </p:par>
-    </p:tnLst>
-    <p:bldLst>
-      <p:bldP spid="2" grpId="0"/>
-      <p:bldP spid="16" grpId="0" build="p"/>
-    </p:bldLst>
-  </p:timing>
-</p:sld>
-</file>
-
-<file path=ppt/slides/slide15.xml><?xml version="1.0" encoding="utf-8"?>
-<p:sld xmlns:a="http://schemas.openxmlformats.org/drawingml/2006/main" xmlns:r="http://schemas.openxmlformats.org/officeDocument/2006/relationships" xmlns:p="http://schemas.openxmlformats.org/presentationml/2006/main">
-  <p:cSld>
-    <p:spTree>
-      <p:nvGrpSpPr>
-        <p:cNvPr id="1" name=""/>
-        <p:cNvGrpSpPr/>
-        <p:nvPr/>
-      </p:nvGrpSpPr>
-      <p:grpSpPr>
-        <a:xfrm>
-          <a:off x="0" y="0"/>
-          <a:ext cx="0" cy="0"/>
-          <a:chOff x="0" y="0"/>
-          <a:chExt cx="0" cy="0"/>
-        </a:xfrm>
-      </p:grpSpPr>
-      <p:sp>
-        <p:nvSpPr>
-          <p:cNvPr id="2" name="Title 1">
-            <a:extLst>
-              <a:ext uri="{FF2B5EF4-FFF2-40B4-BE49-F238E27FC236}">
-                <a16:creationId xmlns:a16="http://schemas.microsoft.com/office/drawing/2014/main" id="{13182FD3-6C7D-6C4E-252E-520951EBDC12}"/>
-              </a:ext>
-            </a:extLst>
-          </p:cNvPr>
-          <p:cNvSpPr>
-            <a:spLocks noGrp="1"/>
-          </p:cNvSpPr>
-          <p:nvPr>
-            <p:ph type="title"/>
-          </p:nvPr>
-        </p:nvSpPr>
-        <p:spPr/>
-        <p:txBody>
-          <a:bodyPr/>
-          <a:lstStyle/>
-          <a:p>
-            <a:r>
-              <a:rPr lang="en-US" dirty="0"/>
-              <a:t>Artifacts</a:t>
-            </a:r>
-            <a:endParaRPr lang="en-IN" dirty="0"/>
-          </a:p>
-        </p:txBody>
-      </p:sp>
-      <p:sp>
-        <p:nvSpPr>
-          <p:cNvPr id="3" name="Content Placeholder 2">
-            <a:extLst>
-              <a:ext uri="{FF2B5EF4-FFF2-40B4-BE49-F238E27FC236}">
-                <a16:creationId xmlns:a16="http://schemas.microsoft.com/office/drawing/2014/main" id="{4620B172-CE2B-F43F-757D-B19FF8CC1013}"/>
-              </a:ext>
-            </a:extLst>
-          </p:cNvPr>
-          <p:cNvSpPr>
-            <a:spLocks noGrp="1"/>
-          </p:cNvSpPr>
-          <p:nvPr>
-            <p:ph idx="1"/>
-          </p:nvPr>
-        </p:nvSpPr>
-        <p:spPr>
-          <a:xfrm>
-            <a:off x="1154954" y="2603500"/>
-            <a:ext cx="9845981" cy="3416300"/>
-          </a:xfrm>
-        </p:spPr>
-        <p:txBody>
-          <a:bodyPr>
-            <a:normAutofit/>
-          </a:bodyPr>
-          <a:lstStyle/>
-          <a:p>
-            <a:r>
-              <a:rPr lang="en-IN" dirty="0"/>
-              <a:t>Linux useful commands</a:t>
-            </a:r>
-          </a:p>
-          <a:p>
-            <a:r>
-              <a:rPr lang="en-IN" dirty="0"/>
-              <a:t>Linux command handbook</a:t>
-            </a:r>
-          </a:p>
-          <a:p>
-            <a:r>
-              <a:rPr lang="en-IN" dirty="0"/>
-              <a:t>/etc/password file details</a:t>
-            </a:r>
-          </a:p>
-          <a:p>
-            <a:pPr lvl="1">
-              <a:buFont typeface="Wingdings" panose="05000000000000000000" pitchFamily="2" charset="2"/>
-              <a:buChar char="§"/>
-            </a:pPr>
-            <a:r>
-              <a:rPr lang="en-IN" dirty="0"/>
-              <a:t>https://www.cyberciti.biz/faq/understanding-etcpasswd-file-format/</a:t>
-            </a:r>
-          </a:p>
-          <a:p>
-            <a:r>
-              <a:rPr lang="en-IN" dirty="0"/>
-              <a:t>Top 50 Linux commands</a:t>
-            </a:r>
-          </a:p>
-          <a:p>
-            <a:r>
-              <a:rPr lang="en-IN" dirty="0"/>
-              <a:t>Ubuntu package manager cheat sheet</a:t>
-            </a:r>
-          </a:p>
-          <a:p>
-            <a:r>
-              <a:rPr lang="en-IN" dirty="0"/>
-              <a:t>Monolithic </a:t>
-            </a:r>
-            <a:r>
-              <a:rPr lang="en-IN"/>
-              <a:t>vs Microservice - </a:t>
-            </a:r>
-            <a:r>
-              <a:rPr lang="en-IN">
-                <a:hlinkClick r:id="rId2"/>
-              </a:rPr>
-              <a:t>https://www.openlegacy.com/blog/monolithic-application</a:t>
-            </a:r>
-            <a:endParaRPr lang="en-IN"/>
-          </a:p>
-          <a:p>
-            <a:pPr marL="0" indent="0">
-              <a:buNone/>
-            </a:pPr>
-            <a:endParaRPr lang="en-IN" dirty="0"/>
-          </a:p>
-          <a:p>
-            <a:endParaRPr lang="en-IN" dirty="0"/>
-          </a:p>
-          <a:p>
-            <a:endParaRPr lang="en-IN" dirty="0"/>
-          </a:p>
-        </p:txBody>
-      </p:sp>
-    </p:spTree>
-    <p:extLst>
-      <p:ext uri="{BB962C8B-B14F-4D97-AF65-F5344CB8AC3E}">
-        <p14:creationId xmlns:p14="http://schemas.microsoft.com/office/powerpoint/2010/main" val="1605325416"/>
-      </p:ext>
-    </p:extLst>
-  </p:cSld>
-  <p:clrMapOvr>
-    <a:masterClrMapping/>
-  </p:clrMapOvr>
-</p:sld>
-</file>
-
 <file path=ppt/slides/slide2.xml><?xml version="1.0" encoding="utf-8"?>
 <p:sld xmlns:a="http://schemas.openxmlformats.org/drawingml/2006/main" xmlns:r="http://schemas.openxmlformats.org/officeDocument/2006/relationships" xmlns:p="http://schemas.openxmlformats.org/presentationml/2006/main">
   <p:cSld>
@@ -18633,311 +13858,6 @@
           </a:p>
         </p:txBody>
       </p:sp>
-      <p:sp>
-        <p:nvSpPr>
-          <p:cNvPr id="3" name="Content Placeholder 2">
-            <a:extLst>
-              <a:ext uri="{FF2B5EF4-FFF2-40B4-BE49-F238E27FC236}">
-                <a16:creationId xmlns:a16="http://schemas.microsoft.com/office/drawing/2014/main" id="{7B137940-CBB4-B117-F716-B9C1515405BD}"/>
-              </a:ext>
-            </a:extLst>
-          </p:cNvPr>
-          <p:cNvSpPr txBox="1">
-            <a:spLocks/>
-          </p:cNvSpPr>
-          <p:nvPr/>
-        </p:nvSpPr>
-        <p:spPr>
-          <a:xfrm>
-            <a:off x="6434087" y="2475914"/>
-            <a:ext cx="5005292" cy="3727937"/>
-          </a:xfrm>
-          <a:prstGeom prst="rect">
-            <a:avLst/>
-          </a:prstGeom>
-        </p:spPr>
-        <p:txBody>
-          <a:bodyPr vert="horz" lIns="91440" tIns="45720" rIns="91440" bIns="45720" rtlCol="0">
-            <a:normAutofit/>
-          </a:bodyPr>
-          <a:lstStyle>
-            <a:lvl1pPr marL="342900" indent="-342900" algn="l" defTabSz="457200" rtl="0" eaLnBrk="1" latinLnBrk="0" hangingPunct="1">
-              <a:spcBef>
-                <a:spcPts val="1000"/>
-              </a:spcBef>
-              <a:spcAft>
-                <a:spcPts val="0"/>
-              </a:spcAft>
-              <a:buClr>
-                <a:schemeClr val="accent1"/>
-              </a:buClr>
-              <a:buSzPct val="80000"/>
-              <a:buFont typeface="Wingdings 3" charset="2"/>
-              <a:buChar char=""/>
-              <a:defRPr sz="1800" b="0" i="0" kern="1200">
-                <a:solidFill>
-                  <a:schemeClr val="tx1">
-                    <a:lumMod val="75000"/>
-                    <a:lumOff val="25000"/>
-                  </a:schemeClr>
-                </a:solidFill>
-                <a:latin typeface="+mn-lt"/>
-                <a:ea typeface="+mn-ea"/>
-                <a:cs typeface="+mn-cs"/>
-              </a:defRPr>
-            </a:lvl1pPr>
-            <a:lvl2pPr marL="742950" indent="-285750" algn="l" defTabSz="457200" rtl="0" eaLnBrk="1" latinLnBrk="0" hangingPunct="1">
-              <a:spcBef>
-                <a:spcPts val="1000"/>
-              </a:spcBef>
-              <a:spcAft>
-                <a:spcPts val="0"/>
-              </a:spcAft>
-              <a:buClr>
-                <a:schemeClr val="accent1"/>
-              </a:buClr>
-              <a:buSzPct val="80000"/>
-              <a:buFont typeface="Wingdings 3" charset="2"/>
-              <a:buChar char=""/>
-              <a:defRPr sz="1600" b="0" i="0" kern="1200">
-                <a:solidFill>
-                  <a:schemeClr val="tx1">
-                    <a:lumMod val="75000"/>
-                    <a:lumOff val="25000"/>
-                  </a:schemeClr>
-                </a:solidFill>
-                <a:latin typeface="+mn-lt"/>
-                <a:ea typeface="+mn-ea"/>
-                <a:cs typeface="+mn-cs"/>
-              </a:defRPr>
-            </a:lvl2pPr>
-            <a:lvl3pPr marL="1143000" indent="-228600" algn="l" defTabSz="457200" rtl="0" eaLnBrk="1" latinLnBrk="0" hangingPunct="1">
-              <a:spcBef>
-                <a:spcPts val="1000"/>
-              </a:spcBef>
-              <a:spcAft>
-                <a:spcPts val="0"/>
-              </a:spcAft>
-              <a:buClr>
-                <a:schemeClr val="accent1"/>
-              </a:buClr>
-              <a:buSzPct val="80000"/>
-              <a:buFont typeface="Wingdings 3" charset="2"/>
-              <a:buChar char=""/>
-              <a:defRPr sz="1400" b="0" i="0" kern="1200">
-                <a:solidFill>
-                  <a:schemeClr val="tx1">
-                    <a:lumMod val="75000"/>
-                    <a:lumOff val="25000"/>
-                  </a:schemeClr>
-                </a:solidFill>
-                <a:latin typeface="+mn-lt"/>
-                <a:ea typeface="+mn-ea"/>
-                <a:cs typeface="+mn-cs"/>
-              </a:defRPr>
-            </a:lvl3pPr>
-            <a:lvl4pPr marL="1600200" indent="-228600" algn="l" defTabSz="457200" rtl="0" eaLnBrk="1" latinLnBrk="0" hangingPunct="1">
-              <a:spcBef>
-                <a:spcPts val="1000"/>
-              </a:spcBef>
-              <a:spcAft>
-                <a:spcPts val="0"/>
-              </a:spcAft>
-              <a:buClr>
-                <a:schemeClr val="accent1"/>
-              </a:buClr>
-              <a:buSzPct val="80000"/>
-              <a:buFont typeface="Wingdings 3" charset="2"/>
-              <a:buChar char=""/>
-              <a:defRPr sz="1200" b="0" i="0" kern="1200">
-                <a:solidFill>
-                  <a:schemeClr val="tx1">
-                    <a:lumMod val="75000"/>
-                    <a:lumOff val="25000"/>
-                  </a:schemeClr>
-                </a:solidFill>
-                <a:latin typeface="+mn-lt"/>
-                <a:ea typeface="+mn-ea"/>
-                <a:cs typeface="+mn-cs"/>
-              </a:defRPr>
-            </a:lvl4pPr>
-            <a:lvl5pPr marL="2057400" indent="-228600" algn="l" defTabSz="457200" rtl="0" eaLnBrk="1" latinLnBrk="0" hangingPunct="1">
-              <a:spcBef>
-                <a:spcPts val="1000"/>
-              </a:spcBef>
-              <a:spcAft>
-                <a:spcPts val="0"/>
-              </a:spcAft>
-              <a:buClr>
-                <a:schemeClr val="accent1"/>
-              </a:buClr>
-              <a:buSzPct val="80000"/>
-              <a:buFont typeface="Wingdings 3" charset="2"/>
-              <a:buChar char=""/>
-              <a:defRPr sz="1200" b="0" i="0" kern="1200">
-                <a:solidFill>
-                  <a:schemeClr val="tx1">
-                    <a:lumMod val="75000"/>
-                    <a:lumOff val="25000"/>
-                  </a:schemeClr>
-                </a:solidFill>
-                <a:latin typeface="+mn-lt"/>
-                <a:ea typeface="+mn-ea"/>
-                <a:cs typeface="+mn-cs"/>
-              </a:defRPr>
-            </a:lvl5pPr>
-            <a:lvl6pPr marL="2514600" indent="-228600" algn="l" defTabSz="457200" rtl="0" eaLnBrk="1" latinLnBrk="0" hangingPunct="1">
-              <a:spcBef>
-                <a:spcPts val="1000"/>
-              </a:spcBef>
-              <a:spcAft>
-                <a:spcPts val="0"/>
-              </a:spcAft>
-              <a:buClr>
-                <a:schemeClr val="accent1"/>
-              </a:buClr>
-              <a:buSzPct val="80000"/>
-              <a:buFont typeface="Wingdings 3" charset="2"/>
-              <a:buChar char=""/>
-              <a:defRPr sz="1200" b="0" i="0" kern="1200">
-                <a:solidFill>
-                  <a:schemeClr val="tx1">
-                    <a:lumMod val="75000"/>
-                    <a:lumOff val="25000"/>
-                  </a:schemeClr>
-                </a:solidFill>
-                <a:latin typeface="+mn-lt"/>
-                <a:ea typeface="+mn-ea"/>
-                <a:cs typeface="+mn-cs"/>
-              </a:defRPr>
-            </a:lvl6pPr>
-            <a:lvl7pPr marL="2971800" indent="-228600" algn="l" defTabSz="457200" rtl="0" eaLnBrk="1" latinLnBrk="0" hangingPunct="1">
-              <a:spcBef>
-                <a:spcPts val="1000"/>
-              </a:spcBef>
-              <a:spcAft>
-                <a:spcPts val="0"/>
-              </a:spcAft>
-              <a:buClr>
-                <a:schemeClr val="accent1"/>
-              </a:buClr>
-              <a:buSzPct val="80000"/>
-              <a:buFont typeface="Wingdings 3" charset="2"/>
-              <a:buChar char=""/>
-              <a:defRPr sz="1200" b="0" i="0" kern="1200">
-                <a:solidFill>
-                  <a:schemeClr val="tx1">
-                    <a:lumMod val="75000"/>
-                    <a:lumOff val="25000"/>
-                  </a:schemeClr>
-                </a:solidFill>
-                <a:latin typeface="+mn-lt"/>
-                <a:ea typeface="+mn-ea"/>
-                <a:cs typeface="+mn-cs"/>
-              </a:defRPr>
-            </a:lvl7pPr>
-            <a:lvl8pPr marL="3429000" indent="-228600" algn="l" defTabSz="457200" rtl="0" eaLnBrk="1" latinLnBrk="0" hangingPunct="1">
-              <a:spcBef>
-                <a:spcPts val="1000"/>
-              </a:spcBef>
-              <a:spcAft>
-                <a:spcPts val="0"/>
-              </a:spcAft>
-              <a:buClr>
-                <a:schemeClr val="accent1"/>
-              </a:buClr>
-              <a:buSzPct val="80000"/>
-              <a:buFont typeface="Wingdings 3" charset="2"/>
-              <a:buChar char=""/>
-              <a:defRPr sz="1200" b="0" i="0" kern="1200">
-                <a:solidFill>
-                  <a:schemeClr val="tx1">
-                    <a:lumMod val="75000"/>
-                    <a:lumOff val="25000"/>
-                  </a:schemeClr>
-                </a:solidFill>
-                <a:latin typeface="+mn-lt"/>
-                <a:ea typeface="+mn-ea"/>
-                <a:cs typeface="+mn-cs"/>
-              </a:defRPr>
-            </a:lvl8pPr>
-            <a:lvl9pPr marL="3886200" indent="-228600" algn="l" defTabSz="457200" rtl="0" eaLnBrk="1" latinLnBrk="0" hangingPunct="1">
-              <a:spcBef>
-                <a:spcPts val="1000"/>
-              </a:spcBef>
-              <a:spcAft>
-                <a:spcPts val="0"/>
-              </a:spcAft>
-              <a:buClr>
-                <a:schemeClr val="accent1"/>
-              </a:buClr>
-              <a:buSzPct val="80000"/>
-              <a:buFont typeface="Wingdings 3" charset="2"/>
-              <a:buChar char=""/>
-              <a:defRPr sz="1200" b="0" i="0" kern="1200">
-                <a:solidFill>
-                  <a:schemeClr val="tx1">
-                    <a:lumMod val="75000"/>
-                    <a:lumOff val="25000"/>
-                  </a:schemeClr>
-                </a:solidFill>
-                <a:latin typeface="+mn-lt"/>
-                <a:ea typeface="+mn-ea"/>
-                <a:cs typeface="+mn-cs"/>
-              </a:defRPr>
-            </a:lvl9pPr>
-          </a:lstStyle>
-          <a:p>
-            <a:r>
-              <a:rPr lang="en-US" dirty="0"/>
-              <a:t>Application pattern – Use Cases</a:t>
-            </a:r>
-          </a:p>
-          <a:p>
-            <a:pPr lvl="1"/>
-            <a:r>
-              <a:rPr lang="en-US" dirty="0"/>
-              <a:t>Architecture walkthrough</a:t>
-            </a:r>
-          </a:p>
-          <a:p>
-            <a:r>
-              <a:rPr lang="en-US" dirty="0"/>
-              <a:t>Docker introduction</a:t>
-            </a:r>
-          </a:p>
-          <a:p>
-            <a:r>
-              <a:rPr lang="en-US" dirty="0"/>
-              <a:t>Docker Architecture</a:t>
-            </a:r>
-            <a:endParaRPr lang="en-IN" dirty="0"/>
-          </a:p>
-          <a:p>
-            <a:r>
-              <a:rPr lang="en-IN" dirty="0"/>
-              <a:t>Docker core components</a:t>
-            </a:r>
-          </a:p>
-          <a:p>
-            <a:r>
-              <a:rPr lang="en-IN" dirty="0"/>
-              <a:t>Docker Networking</a:t>
-            </a:r>
-          </a:p>
-          <a:p>
-            <a:endParaRPr lang="en-IN" dirty="0"/>
-          </a:p>
-          <a:p>
-            <a:pPr lvl="1"/>
-            <a:endParaRPr lang="en-IN" dirty="0"/>
-          </a:p>
-          <a:p>
-            <a:pPr lvl="1"/>
-            <a:endParaRPr lang="en-IN" dirty="0"/>
-          </a:p>
-        </p:txBody>
-      </p:sp>
     </p:spTree>
     <p:extLst>
       <p:ext uri="{BB962C8B-B14F-4D97-AF65-F5344CB8AC3E}">
@@ -18973,7 +13893,7 @@
           <p:cNvPr id="2" name="Title 1">
             <a:extLst>
               <a:ext uri="{FF2B5EF4-FFF2-40B4-BE49-F238E27FC236}">
-                <a16:creationId xmlns:a16="http://schemas.microsoft.com/office/drawing/2014/main" id="{97BC34CC-2191-086A-75CD-07624340C7B3}"/>
+                <a16:creationId xmlns:a16="http://schemas.microsoft.com/office/drawing/2014/main" id="{13182FD3-6C7D-6C4E-252E-520951EBDC12}"/>
               </a:ext>
             </a:extLst>
           </p:cNvPr>
@@ -18991,366 +13911,7 @@
           <a:p>
             <a:r>
               <a:rPr lang="en-US" dirty="0"/>
-              <a:t>APPLICATION PATTERNS – USE CASES</a:t>
-            </a:r>
-            <a:endParaRPr lang="en-IN" dirty="0"/>
-          </a:p>
-        </p:txBody>
-      </p:sp>
-      <p:pic>
-        <p:nvPicPr>
-          <p:cNvPr id="5" name="Picture 4">
-            <a:extLst>
-              <a:ext uri="{FF2B5EF4-FFF2-40B4-BE49-F238E27FC236}">
-                <a16:creationId xmlns:a16="http://schemas.microsoft.com/office/drawing/2014/main" id="{A116C5C1-D301-F8F2-AB4D-477BEC1EC2B9}"/>
-              </a:ext>
-            </a:extLst>
-          </p:cNvPr>
-          <p:cNvPicPr>
-            <a:picLocks noChangeAspect="1"/>
-          </p:cNvPicPr>
-          <p:nvPr/>
-        </p:nvPicPr>
-        <p:blipFill>
-          <a:blip r:embed="rId2">
-            <a:extLst>
-              <a:ext uri="{28A0092B-C50C-407E-A947-70E740481C1C}">
-                <a14:useLocalDpi xmlns:a14="http://schemas.microsoft.com/office/drawing/2010/main" val="0"/>
-              </a:ext>
-            </a:extLst>
-          </a:blip>
-          <a:stretch>
-            <a:fillRect/>
-          </a:stretch>
-        </p:blipFill>
-        <p:spPr>
-          <a:xfrm>
-            <a:off x="728870" y="2372139"/>
-            <a:ext cx="10813773" cy="4333461"/>
-          </a:xfrm>
-          <a:prstGeom prst="rect">
-            <a:avLst/>
-          </a:prstGeom>
-        </p:spPr>
-      </p:pic>
-    </p:spTree>
-    <p:extLst>
-      <p:ext uri="{BB962C8B-B14F-4D97-AF65-F5344CB8AC3E}">
-        <p14:creationId xmlns:p14="http://schemas.microsoft.com/office/powerpoint/2010/main" val="3189226724"/>
-      </p:ext>
-    </p:extLst>
-  </p:cSld>
-  <p:clrMapOvr>
-    <a:masterClrMapping/>
-  </p:clrMapOvr>
-  <mc:AlternateContent xmlns:mc="http://schemas.openxmlformats.org/markup-compatibility/2006" xmlns:p14="http://schemas.microsoft.com/office/powerpoint/2010/main">
-    <mc:Choice Requires="p14">
-      <p:transition spd="med" p14:dur="700">
-        <p:fade/>
-      </p:transition>
-    </mc:Choice>
-    <mc:Fallback xmlns="">
-      <p:transition spd="med">
-        <p:fade/>
-      </p:transition>
-    </mc:Fallback>
-  </mc:AlternateContent>
-  <p:timing>
-    <p:tnLst>
-      <p:par>
-        <p:cTn id="1" dur="indefinite" restart="never" nodeType="tmRoot">
-          <p:childTnLst>
-            <p:seq concurrent="1" nextAc="seek">
-              <p:cTn id="2" dur="indefinite" nodeType="mainSeq">
-                <p:childTnLst>
-                  <p:par>
-                    <p:cTn id="3" fill="hold">
-                      <p:stCondLst>
-                        <p:cond delay="indefinite"/>
-                      </p:stCondLst>
-                      <p:childTnLst>
-                        <p:par>
-                          <p:cTn id="4" fill="hold">
-                            <p:stCondLst>
-                              <p:cond delay="0"/>
-                            </p:stCondLst>
-                            <p:childTnLst>
-                              <p:par>
-                                <p:cTn id="5" presetID="2" presetClass="entr" presetSubtype="4" fill="hold" nodeType="clickEffect">
-                                  <p:stCondLst>
-                                    <p:cond delay="0"/>
-                                  </p:stCondLst>
-                                  <p:childTnLst>
-                                    <p:set>
-                                      <p:cBhvr>
-                                        <p:cTn id="6" dur="1" fill="hold">
-                                          <p:stCondLst>
-                                            <p:cond delay="0"/>
-                                          </p:stCondLst>
-                                        </p:cTn>
-                                        <p:tgtEl>
-                                          <p:spTgt spid="5"/>
-                                        </p:tgtEl>
-                                        <p:attrNameLst>
-                                          <p:attrName>style.visibility</p:attrName>
-                                        </p:attrNameLst>
-                                      </p:cBhvr>
-                                      <p:to>
-                                        <p:strVal val="visible"/>
-                                      </p:to>
-                                    </p:set>
-                                    <p:anim calcmode="lin" valueType="num">
-                                      <p:cBhvr additive="base">
-                                        <p:cTn id="7" dur="500" fill="hold"/>
-                                        <p:tgtEl>
-                                          <p:spTgt spid="5"/>
-                                        </p:tgtEl>
-                                        <p:attrNameLst>
-                                          <p:attrName>ppt_x</p:attrName>
-                                        </p:attrNameLst>
-                                      </p:cBhvr>
-                                      <p:tavLst>
-                                        <p:tav tm="0">
-                                          <p:val>
-                                            <p:strVal val="#ppt_x"/>
-                                          </p:val>
-                                        </p:tav>
-                                        <p:tav tm="100000">
-                                          <p:val>
-                                            <p:strVal val="#ppt_x"/>
-                                          </p:val>
-                                        </p:tav>
-                                      </p:tavLst>
-                                    </p:anim>
-                                    <p:anim calcmode="lin" valueType="num">
-                                      <p:cBhvr additive="base">
-                                        <p:cTn id="8" dur="500" fill="hold"/>
-                                        <p:tgtEl>
-                                          <p:spTgt spid="5"/>
-                                        </p:tgtEl>
-                                        <p:attrNameLst>
-                                          <p:attrName>ppt_y</p:attrName>
-                                        </p:attrNameLst>
-                                      </p:cBhvr>
-                                      <p:tavLst>
-                                        <p:tav tm="0">
-                                          <p:val>
-                                            <p:strVal val="1+#ppt_h/2"/>
-                                          </p:val>
-                                        </p:tav>
-                                        <p:tav tm="100000">
-                                          <p:val>
-                                            <p:strVal val="#ppt_y"/>
-                                          </p:val>
-                                        </p:tav>
-                                      </p:tavLst>
-                                    </p:anim>
-                                  </p:childTnLst>
-                                </p:cTn>
-                              </p:par>
-                            </p:childTnLst>
-                          </p:cTn>
-                        </p:par>
-                      </p:childTnLst>
-                    </p:cTn>
-                  </p:par>
-                </p:childTnLst>
-              </p:cTn>
-              <p:prevCondLst>
-                <p:cond evt="onPrev" delay="0">
-                  <p:tgtEl>
-                    <p:sldTgt/>
-                  </p:tgtEl>
-                </p:cond>
-              </p:prevCondLst>
-              <p:nextCondLst>
-                <p:cond evt="onNext" delay="0">
-                  <p:tgtEl>
-                    <p:sldTgt/>
-                  </p:tgtEl>
-                </p:cond>
-              </p:nextCondLst>
-            </p:seq>
-          </p:childTnLst>
-        </p:cTn>
-      </p:par>
-    </p:tnLst>
-  </p:timing>
-</p:sld>
-</file>
-
-<file path=ppt/slides/slide4.xml><?xml version="1.0" encoding="utf-8"?>
-<p:sld xmlns:a="http://schemas.openxmlformats.org/drawingml/2006/main" xmlns:r="http://schemas.openxmlformats.org/officeDocument/2006/relationships" xmlns:p="http://schemas.openxmlformats.org/presentationml/2006/main">
-  <p:cSld>
-    <p:spTree>
-      <p:nvGrpSpPr>
-        <p:cNvPr id="1" name=""/>
-        <p:cNvGrpSpPr/>
-        <p:nvPr/>
-      </p:nvGrpSpPr>
-      <p:grpSpPr>
-        <a:xfrm>
-          <a:off x="0" y="0"/>
-          <a:ext cx="0" cy="0"/>
-          <a:chOff x="0" y="0"/>
-          <a:chExt cx="0" cy="0"/>
-        </a:xfrm>
-      </p:grpSpPr>
-      <p:sp>
-        <p:nvSpPr>
-          <p:cNvPr id="2" name="Title 1">
-            <a:extLst>
-              <a:ext uri="{FF2B5EF4-FFF2-40B4-BE49-F238E27FC236}">
-                <a16:creationId xmlns:a16="http://schemas.microsoft.com/office/drawing/2014/main" id="{71EDC049-2F3D-556E-A287-758B7FBC5BF4}"/>
-              </a:ext>
-            </a:extLst>
-          </p:cNvPr>
-          <p:cNvSpPr>
-            <a:spLocks noGrp="1"/>
-          </p:cNvSpPr>
-          <p:nvPr>
-            <p:ph type="title"/>
-          </p:nvPr>
-        </p:nvSpPr>
-        <p:spPr/>
-        <p:txBody>
-          <a:bodyPr/>
-          <a:lstStyle/>
-          <a:p>
-            <a:r>
-              <a:rPr lang="en-US" dirty="0"/>
-              <a:t>APPLICATION ARCHITECTURE</a:t>
-            </a:r>
-            <a:endParaRPr lang="en-IN" dirty="0"/>
-          </a:p>
-        </p:txBody>
-      </p:sp>
-      <p:pic>
-        <p:nvPicPr>
-          <p:cNvPr id="5" name="Picture 4">
-            <a:extLst>
-              <a:ext uri="{FF2B5EF4-FFF2-40B4-BE49-F238E27FC236}">
-                <a16:creationId xmlns:a16="http://schemas.microsoft.com/office/drawing/2014/main" id="{A35DECC4-DA96-D816-2ABF-D7EE773A1EB4}"/>
-              </a:ext>
-            </a:extLst>
-          </p:cNvPr>
-          <p:cNvPicPr>
-            <a:picLocks noChangeAspect="1"/>
-          </p:cNvPicPr>
-          <p:nvPr/>
-        </p:nvPicPr>
-        <p:blipFill>
-          <a:blip r:embed="rId2">
-            <a:extLst>
-              <a:ext uri="{28A0092B-C50C-407E-A947-70E740481C1C}">
-                <a14:useLocalDpi xmlns:a14="http://schemas.microsoft.com/office/drawing/2010/main" val="0"/>
-              </a:ext>
-            </a:extLst>
-          </a:blip>
-          <a:stretch>
-            <a:fillRect/>
-          </a:stretch>
-        </p:blipFill>
-        <p:spPr>
-          <a:xfrm>
-            <a:off x="420365" y="2293034"/>
-            <a:ext cx="5502133" cy="4564966"/>
-          </a:xfrm>
-          <a:prstGeom prst="rect">
-            <a:avLst/>
-          </a:prstGeom>
-        </p:spPr>
-      </p:pic>
-      <p:pic>
-        <p:nvPicPr>
-          <p:cNvPr id="7" name="Picture 6">
-            <a:extLst>
-              <a:ext uri="{FF2B5EF4-FFF2-40B4-BE49-F238E27FC236}">
-                <a16:creationId xmlns:a16="http://schemas.microsoft.com/office/drawing/2014/main" id="{B7761B91-EC67-AD41-EC19-2C854D1C0C7C}"/>
-              </a:ext>
-            </a:extLst>
-          </p:cNvPr>
-          <p:cNvPicPr>
-            <a:picLocks noChangeAspect="1"/>
-          </p:cNvPicPr>
-          <p:nvPr/>
-        </p:nvPicPr>
-        <p:blipFill>
-          <a:blip r:embed="rId3">
-            <a:extLst>
-              <a:ext uri="{28A0092B-C50C-407E-A947-70E740481C1C}">
-                <a14:useLocalDpi xmlns:a14="http://schemas.microsoft.com/office/drawing/2010/main" val="0"/>
-              </a:ext>
-            </a:extLst>
-          </a:blip>
-          <a:stretch>
-            <a:fillRect/>
-          </a:stretch>
-        </p:blipFill>
-        <p:spPr>
-          <a:xfrm>
-            <a:off x="6096000" y="2349304"/>
-            <a:ext cx="5783751" cy="4389121"/>
-          </a:xfrm>
-          <a:prstGeom prst="rect">
-            <a:avLst/>
-          </a:prstGeom>
-        </p:spPr>
-      </p:pic>
-    </p:spTree>
-    <p:extLst>
-      <p:ext uri="{BB962C8B-B14F-4D97-AF65-F5344CB8AC3E}">
-        <p14:creationId xmlns:p14="http://schemas.microsoft.com/office/powerpoint/2010/main" val="1043434064"/>
-      </p:ext>
-    </p:extLst>
-  </p:cSld>
-  <p:clrMapOvr>
-    <a:masterClrMapping/>
-  </p:clrMapOvr>
-</p:sld>
-</file>
-
-<file path=ppt/slides/slide5.xml><?xml version="1.0" encoding="utf-8"?>
-<p:sld xmlns:a="http://schemas.openxmlformats.org/drawingml/2006/main" xmlns:r="http://schemas.openxmlformats.org/officeDocument/2006/relationships" xmlns:p="http://schemas.openxmlformats.org/presentationml/2006/main">
-  <p:cSld>
-    <p:spTree>
-      <p:nvGrpSpPr>
-        <p:cNvPr id="1" name=""/>
-        <p:cNvGrpSpPr/>
-        <p:nvPr/>
-      </p:nvGrpSpPr>
-      <p:grpSpPr>
-        <a:xfrm>
-          <a:off x="0" y="0"/>
-          <a:ext cx="0" cy="0"/>
-          <a:chOff x="0" y="0"/>
-          <a:chExt cx="0" cy="0"/>
-        </a:xfrm>
-      </p:grpSpPr>
-      <p:sp>
-        <p:nvSpPr>
-          <p:cNvPr id="2" name="Title 1">
-            <a:extLst>
-              <a:ext uri="{FF2B5EF4-FFF2-40B4-BE49-F238E27FC236}">
-                <a16:creationId xmlns:a16="http://schemas.microsoft.com/office/drawing/2014/main" id="{97BC34CC-2191-086A-75CD-07624340C7B3}"/>
-              </a:ext>
-            </a:extLst>
-          </p:cNvPr>
-          <p:cNvSpPr>
-            <a:spLocks noGrp="1"/>
-          </p:cNvSpPr>
-          <p:nvPr>
-            <p:ph type="title"/>
-          </p:nvPr>
-        </p:nvSpPr>
-        <p:spPr/>
-        <p:txBody>
-          <a:bodyPr/>
-          <a:lstStyle/>
-          <a:p>
-            <a:r>
-              <a:rPr lang="en-US" dirty="0"/>
-              <a:t>INTRODUCTION TO DOCKER</a:t>
+              <a:t>Artifacts</a:t>
             </a:r>
             <a:endParaRPr lang="en-IN" dirty="0"/>
           </a:p>
@@ -19361,7 +13922,7 @@
           <p:cNvPr id="3" name="Content Placeholder 2">
             <a:extLst>
               <a:ext uri="{FF2B5EF4-FFF2-40B4-BE49-F238E27FC236}">
-                <a16:creationId xmlns:a16="http://schemas.microsoft.com/office/drawing/2014/main" id="{5188517A-DD37-A765-9F25-8A87477F3848}"/>
+                <a16:creationId xmlns:a16="http://schemas.microsoft.com/office/drawing/2014/main" id="{4620B172-CE2B-F43F-757D-B19FF8CC1013}"/>
               </a:ext>
             </a:extLst>
           </p:cNvPr>
@@ -19372,2282 +13933,10 @@
             <p:ph idx="1"/>
           </p:nvPr>
         </p:nvSpPr>
-        <p:spPr/>
-        <p:txBody>
-          <a:bodyPr>
-            <a:normAutofit/>
-          </a:bodyPr>
-          <a:lstStyle/>
-          <a:p>
-            <a:pPr marL="512060" indent="-512060">
-              <a:tabLst>
-                <a:tab pos="940759" algn="l"/>
-              </a:tabLst>
-            </a:pPr>
-            <a:r>
-              <a:rPr lang="en-US" sz="2200" dirty="0">
-                <a:solidFill>
-                  <a:srgbClr val="31859C"/>
-                </a:solidFill>
-              </a:rPr>
-              <a:t>Docker is “</a:t>
-            </a:r>
-            <a:r>
-              <a:rPr lang="en-US" sz="2200" i="1" dirty="0">
-                <a:solidFill>
-                  <a:srgbClr val="31859C"/>
-                </a:solidFill>
-              </a:rPr>
-              <a:t>a platform for developers and sysadmins to develop, ship, and run applications</a:t>
-            </a:r>
-            <a:r>
-              <a:rPr lang="en-US" sz="2200" dirty="0">
-                <a:solidFill>
-                  <a:srgbClr val="31859C"/>
-                </a:solidFill>
-              </a:rPr>
-              <a:t>”, based on containers.</a:t>
-            </a:r>
-            <a:br>
-              <a:rPr lang="en-US" sz="2200" dirty="0">
-                <a:solidFill>
-                  <a:srgbClr val="31859C"/>
-                </a:solidFill>
-              </a:rPr>
-            </a:br>
-            <a:endParaRPr lang="en-US" sz="2200" dirty="0">
-              <a:solidFill>
-                <a:srgbClr val="31859C"/>
-              </a:solidFill>
-            </a:endParaRPr>
-          </a:p>
-          <a:p>
-            <a:pPr marL="512060" indent="-512060">
-              <a:tabLst>
-                <a:tab pos="940759" algn="l"/>
-              </a:tabLst>
-            </a:pPr>
-            <a:r>
-              <a:rPr lang="en-US" sz="2200" dirty="0">
-                <a:solidFill>
-                  <a:srgbClr val="31859C"/>
-                </a:solidFill>
-              </a:rPr>
-              <a:t>Docker is an open-source, mainly created in Go and originally on top of libvirt and LXC.</a:t>
-            </a:r>
-            <a:br>
-              <a:rPr lang="en-US" sz="2200" dirty="0">
-                <a:solidFill>
-                  <a:srgbClr val="31859C"/>
-                </a:solidFill>
-              </a:rPr>
-            </a:br>
-            <a:endParaRPr lang="en-US" sz="2200" dirty="0">
-              <a:solidFill>
-                <a:srgbClr val="31859C"/>
-              </a:solidFill>
-            </a:endParaRPr>
-          </a:p>
-          <a:p>
-            <a:pPr marL="512060" indent="-512060">
-              <a:tabLst>
-                <a:tab pos="940759" algn="l"/>
-              </a:tabLst>
-            </a:pPr>
-            <a:r>
-              <a:rPr lang="en-US" sz="2200" dirty="0">
-                <a:solidFill>
-                  <a:srgbClr val="31859C"/>
-                </a:solidFill>
-              </a:rPr>
-              <a:t>Docker simplifies and standardizes the creation and management of containers.</a:t>
-            </a:r>
-            <a:endParaRPr lang="en-GB" sz="2200" dirty="0">
-              <a:solidFill>
-                <a:srgbClr val="31859C"/>
-              </a:solidFill>
-            </a:endParaRPr>
-          </a:p>
-          <a:p>
-            <a:pPr marL="0" indent="0">
-              <a:buNone/>
-            </a:pPr>
-            <a:endParaRPr lang="en-IN" sz="2200" dirty="0"/>
-          </a:p>
-        </p:txBody>
-      </p:sp>
-      <p:pic>
-        <p:nvPicPr>
-          <p:cNvPr id="4" name="Picture 3">
-            <a:extLst>
-              <a:ext uri="{FF2B5EF4-FFF2-40B4-BE49-F238E27FC236}">
-                <a16:creationId xmlns:a16="http://schemas.microsoft.com/office/drawing/2014/main" id="{3393D00F-B59B-2B44-8C5D-2D5A7EBA167F}"/>
-              </a:ext>
-            </a:extLst>
-          </p:cNvPr>
-          <p:cNvPicPr>
-            <a:picLocks noChangeAspect="1"/>
-          </p:cNvPicPr>
-          <p:nvPr/>
-        </p:nvPicPr>
-        <p:blipFill>
-          <a:blip r:embed="rId2" cstate="print">
-            <a:extLst>
-              <a:ext uri="{28A0092B-C50C-407E-A947-70E740481C1C}">
-                <a14:useLocalDpi xmlns:a14="http://schemas.microsoft.com/office/drawing/2010/main" val="0"/>
-              </a:ext>
-            </a:extLst>
-          </a:blip>
-          <a:stretch>
-            <a:fillRect/>
-          </a:stretch>
-        </p:blipFill>
         <p:spPr>
           <a:xfrm>
-            <a:off x="9031572" y="2214813"/>
-            <a:ext cx="3634911" cy="2813385"/>
-          </a:xfrm>
-          <a:prstGeom prst="rect">
-            <a:avLst/>
-          </a:prstGeom>
-        </p:spPr>
-      </p:pic>
-    </p:spTree>
-    <p:extLst>
-      <p:ext uri="{BB962C8B-B14F-4D97-AF65-F5344CB8AC3E}">
-        <p14:creationId xmlns:p14="http://schemas.microsoft.com/office/powerpoint/2010/main" val="3178362418"/>
-      </p:ext>
-    </p:extLst>
-  </p:cSld>
-  <p:clrMapOvr>
-    <a:masterClrMapping/>
-  </p:clrMapOvr>
-  <mc:AlternateContent xmlns:mc="http://schemas.openxmlformats.org/markup-compatibility/2006" xmlns:p14="http://schemas.microsoft.com/office/powerpoint/2010/main">
-    <mc:Choice Requires="p14">
-      <p:transition spd="med" p14:dur="700">
-        <p:fade/>
-      </p:transition>
-    </mc:Choice>
-    <mc:Fallback xmlns="">
-      <p:transition spd="med">
-        <p:fade/>
-      </p:transition>
-    </mc:Fallback>
-  </mc:AlternateContent>
-  <p:timing>
-    <p:tnLst>
-      <p:par>
-        <p:cTn id="1" dur="indefinite" restart="never" nodeType="tmRoot">
-          <p:childTnLst>
-            <p:seq concurrent="1" nextAc="seek">
-              <p:cTn id="2" dur="indefinite" nodeType="mainSeq">
-                <p:childTnLst>
-                  <p:par>
-                    <p:cTn id="3" fill="hold">
-                      <p:stCondLst>
-                        <p:cond delay="indefinite"/>
-                      </p:stCondLst>
-                      <p:childTnLst>
-                        <p:par>
-                          <p:cTn id="4" fill="hold">
-                            <p:stCondLst>
-                              <p:cond delay="0"/>
-                            </p:stCondLst>
-                            <p:childTnLst>
-                              <p:par>
-                                <p:cTn id="5" presetID="2" presetClass="entr" presetSubtype="4" fill="hold" grpId="0" nodeType="clickEffect">
-                                  <p:stCondLst>
-                                    <p:cond delay="0"/>
-                                  </p:stCondLst>
-                                  <p:childTnLst>
-                                    <p:set>
-                                      <p:cBhvr>
-                                        <p:cTn id="6" dur="1" fill="hold">
-                                          <p:stCondLst>
-                                            <p:cond delay="0"/>
-                                          </p:stCondLst>
-                                        </p:cTn>
-                                        <p:tgtEl>
-                                          <p:spTgt spid="3">
-                                            <p:txEl>
-                                              <p:pRg st="0" end="0"/>
-                                            </p:txEl>
-                                          </p:spTgt>
-                                        </p:tgtEl>
-                                        <p:attrNameLst>
-                                          <p:attrName>style.visibility</p:attrName>
-                                        </p:attrNameLst>
-                                      </p:cBhvr>
-                                      <p:to>
-                                        <p:strVal val="visible"/>
-                                      </p:to>
-                                    </p:set>
-                                    <p:anim calcmode="lin" valueType="num">
-                                      <p:cBhvr additive="base">
-                                        <p:cTn id="7" dur="500" fill="hold"/>
-                                        <p:tgtEl>
-                                          <p:spTgt spid="3">
-                                            <p:txEl>
-                                              <p:pRg st="0" end="0"/>
-                                            </p:txEl>
-                                          </p:spTgt>
-                                        </p:tgtEl>
-                                        <p:attrNameLst>
-                                          <p:attrName>ppt_x</p:attrName>
-                                        </p:attrNameLst>
-                                      </p:cBhvr>
-                                      <p:tavLst>
-                                        <p:tav tm="0">
-                                          <p:val>
-                                            <p:strVal val="#ppt_x"/>
-                                          </p:val>
-                                        </p:tav>
-                                        <p:tav tm="100000">
-                                          <p:val>
-                                            <p:strVal val="#ppt_x"/>
-                                          </p:val>
-                                        </p:tav>
-                                      </p:tavLst>
-                                    </p:anim>
-                                    <p:anim calcmode="lin" valueType="num">
-                                      <p:cBhvr additive="base">
-                                        <p:cTn id="8" dur="500" fill="hold"/>
-                                        <p:tgtEl>
-                                          <p:spTgt spid="3">
-                                            <p:txEl>
-                                              <p:pRg st="0" end="0"/>
-                                            </p:txEl>
-                                          </p:spTgt>
-                                        </p:tgtEl>
-                                        <p:attrNameLst>
-                                          <p:attrName>ppt_y</p:attrName>
-                                        </p:attrNameLst>
-                                      </p:cBhvr>
-                                      <p:tavLst>
-                                        <p:tav tm="0">
-                                          <p:val>
-                                            <p:strVal val="1+#ppt_h/2"/>
-                                          </p:val>
-                                        </p:tav>
-                                        <p:tav tm="100000">
-                                          <p:val>
-                                            <p:strVal val="#ppt_y"/>
-                                          </p:val>
-                                        </p:tav>
-                                      </p:tavLst>
-                                    </p:anim>
-                                  </p:childTnLst>
-                                </p:cTn>
-                              </p:par>
-                            </p:childTnLst>
-                          </p:cTn>
-                        </p:par>
-                      </p:childTnLst>
-                    </p:cTn>
-                  </p:par>
-                  <p:par>
-                    <p:cTn id="9" fill="hold">
-                      <p:stCondLst>
-                        <p:cond delay="indefinite"/>
-                      </p:stCondLst>
-                      <p:childTnLst>
-                        <p:par>
-                          <p:cTn id="10" fill="hold">
-                            <p:stCondLst>
-                              <p:cond delay="0"/>
-                            </p:stCondLst>
-                            <p:childTnLst>
-                              <p:par>
-                                <p:cTn id="11" presetID="2" presetClass="entr" presetSubtype="4" fill="hold" grpId="0" nodeType="clickEffect">
-                                  <p:stCondLst>
-                                    <p:cond delay="0"/>
-                                  </p:stCondLst>
-                                  <p:childTnLst>
-                                    <p:set>
-                                      <p:cBhvr>
-                                        <p:cTn id="12" dur="1" fill="hold">
-                                          <p:stCondLst>
-                                            <p:cond delay="0"/>
-                                          </p:stCondLst>
-                                        </p:cTn>
-                                        <p:tgtEl>
-                                          <p:spTgt spid="3">
-                                            <p:txEl>
-                                              <p:pRg st="1" end="1"/>
-                                            </p:txEl>
-                                          </p:spTgt>
-                                        </p:tgtEl>
-                                        <p:attrNameLst>
-                                          <p:attrName>style.visibility</p:attrName>
-                                        </p:attrNameLst>
-                                      </p:cBhvr>
-                                      <p:to>
-                                        <p:strVal val="visible"/>
-                                      </p:to>
-                                    </p:set>
-                                    <p:anim calcmode="lin" valueType="num">
-                                      <p:cBhvr additive="base">
-                                        <p:cTn id="13" dur="500" fill="hold"/>
-                                        <p:tgtEl>
-                                          <p:spTgt spid="3">
-                                            <p:txEl>
-                                              <p:pRg st="1" end="1"/>
-                                            </p:txEl>
-                                          </p:spTgt>
-                                        </p:tgtEl>
-                                        <p:attrNameLst>
-                                          <p:attrName>ppt_x</p:attrName>
-                                        </p:attrNameLst>
-                                      </p:cBhvr>
-                                      <p:tavLst>
-                                        <p:tav tm="0">
-                                          <p:val>
-                                            <p:strVal val="#ppt_x"/>
-                                          </p:val>
-                                        </p:tav>
-                                        <p:tav tm="100000">
-                                          <p:val>
-                                            <p:strVal val="#ppt_x"/>
-                                          </p:val>
-                                        </p:tav>
-                                      </p:tavLst>
-                                    </p:anim>
-                                    <p:anim calcmode="lin" valueType="num">
-                                      <p:cBhvr additive="base">
-                                        <p:cTn id="14" dur="500" fill="hold"/>
-                                        <p:tgtEl>
-                                          <p:spTgt spid="3">
-                                            <p:txEl>
-                                              <p:pRg st="1" end="1"/>
-                                            </p:txEl>
-                                          </p:spTgt>
-                                        </p:tgtEl>
-                                        <p:attrNameLst>
-                                          <p:attrName>ppt_y</p:attrName>
-                                        </p:attrNameLst>
-                                      </p:cBhvr>
-                                      <p:tavLst>
-                                        <p:tav tm="0">
-                                          <p:val>
-                                            <p:strVal val="1+#ppt_h/2"/>
-                                          </p:val>
-                                        </p:tav>
-                                        <p:tav tm="100000">
-                                          <p:val>
-                                            <p:strVal val="#ppt_y"/>
-                                          </p:val>
-                                        </p:tav>
-                                      </p:tavLst>
-                                    </p:anim>
-                                  </p:childTnLst>
-                                </p:cTn>
-                              </p:par>
-                            </p:childTnLst>
-                          </p:cTn>
-                        </p:par>
-                      </p:childTnLst>
-                    </p:cTn>
-                  </p:par>
-                  <p:par>
-                    <p:cTn id="15" fill="hold">
-                      <p:stCondLst>
-                        <p:cond delay="indefinite"/>
-                      </p:stCondLst>
-                      <p:childTnLst>
-                        <p:par>
-                          <p:cTn id="16" fill="hold">
-                            <p:stCondLst>
-                              <p:cond delay="0"/>
-                            </p:stCondLst>
-                            <p:childTnLst>
-                              <p:par>
-                                <p:cTn id="17" presetID="2" presetClass="entr" presetSubtype="4" fill="hold" grpId="0" nodeType="clickEffect">
-                                  <p:stCondLst>
-                                    <p:cond delay="0"/>
-                                  </p:stCondLst>
-                                  <p:childTnLst>
-                                    <p:set>
-                                      <p:cBhvr>
-                                        <p:cTn id="18" dur="1" fill="hold">
-                                          <p:stCondLst>
-                                            <p:cond delay="0"/>
-                                          </p:stCondLst>
-                                        </p:cTn>
-                                        <p:tgtEl>
-                                          <p:spTgt spid="3">
-                                            <p:txEl>
-                                              <p:pRg st="2" end="2"/>
-                                            </p:txEl>
-                                          </p:spTgt>
-                                        </p:tgtEl>
-                                        <p:attrNameLst>
-                                          <p:attrName>style.visibility</p:attrName>
-                                        </p:attrNameLst>
-                                      </p:cBhvr>
-                                      <p:to>
-                                        <p:strVal val="visible"/>
-                                      </p:to>
-                                    </p:set>
-                                    <p:anim calcmode="lin" valueType="num">
-                                      <p:cBhvr additive="base">
-                                        <p:cTn id="19" dur="500" fill="hold"/>
-                                        <p:tgtEl>
-                                          <p:spTgt spid="3">
-                                            <p:txEl>
-                                              <p:pRg st="2" end="2"/>
-                                            </p:txEl>
-                                          </p:spTgt>
-                                        </p:tgtEl>
-                                        <p:attrNameLst>
-                                          <p:attrName>ppt_x</p:attrName>
-                                        </p:attrNameLst>
-                                      </p:cBhvr>
-                                      <p:tavLst>
-                                        <p:tav tm="0">
-                                          <p:val>
-                                            <p:strVal val="#ppt_x"/>
-                                          </p:val>
-                                        </p:tav>
-                                        <p:tav tm="100000">
-                                          <p:val>
-                                            <p:strVal val="#ppt_x"/>
-                                          </p:val>
-                                        </p:tav>
-                                      </p:tavLst>
-                                    </p:anim>
-                                    <p:anim calcmode="lin" valueType="num">
-                                      <p:cBhvr additive="base">
-                                        <p:cTn id="20" dur="500" fill="hold"/>
-                                        <p:tgtEl>
-                                          <p:spTgt spid="3">
-                                            <p:txEl>
-                                              <p:pRg st="2" end="2"/>
-                                            </p:txEl>
-                                          </p:spTgt>
-                                        </p:tgtEl>
-                                        <p:attrNameLst>
-                                          <p:attrName>ppt_y</p:attrName>
-                                        </p:attrNameLst>
-                                      </p:cBhvr>
-                                      <p:tavLst>
-                                        <p:tav tm="0">
-                                          <p:val>
-                                            <p:strVal val="1+#ppt_h/2"/>
-                                          </p:val>
-                                        </p:tav>
-                                        <p:tav tm="100000">
-                                          <p:val>
-                                            <p:strVal val="#ppt_y"/>
-                                          </p:val>
-                                        </p:tav>
-                                      </p:tavLst>
-                                    </p:anim>
-                                  </p:childTnLst>
-                                </p:cTn>
-                              </p:par>
-                            </p:childTnLst>
-                          </p:cTn>
-                        </p:par>
-                      </p:childTnLst>
-                    </p:cTn>
-                  </p:par>
-                  <p:par>
-                    <p:cTn id="21" fill="hold">
-                      <p:stCondLst>
-                        <p:cond delay="indefinite"/>
-                      </p:stCondLst>
-                      <p:childTnLst>
-                        <p:par>
-                          <p:cTn id="22" fill="hold">
-                            <p:stCondLst>
-                              <p:cond delay="0"/>
-                            </p:stCondLst>
-                            <p:childTnLst>
-                              <p:par>
-                                <p:cTn id="23" presetID="2" presetClass="entr" presetSubtype="4" fill="hold" nodeType="clickEffect">
-                                  <p:stCondLst>
-                                    <p:cond delay="0"/>
-                                  </p:stCondLst>
-                                  <p:childTnLst>
-                                    <p:set>
-                                      <p:cBhvr>
-                                        <p:cTn id="24" dur="1" fill="hold">
-                                          <p:stCondLst>
-                                            <p:cond delay="0"/>
-                                          </p:stCondLst>
-                                        </p:cTn>
-                                        <p:tgtEl>
-                                          <p:spTgt spid="4"/>
-                                        </p:tgtEl>
-                                        <p:attrNameLst>
-                                          <p:attrName>style.visibility</p:attrName>
-                                        </p:attrNameLst>
-                                      </p:cBhvr>
-                                      <p:to>
-                                        <p:strVal val="visible"/>
-                                      </p:to>
-                                    </p:set>
-                                    <p:anim calcmode="lin" valueType="num">
-                                      <p:cBhvr additive="base">
-                                        <p:cTn id="25" dur="500" fill="hold"/>
-                                        <p:tgtEl>
-                                          <p:spTgt spid="4"/>
-                                        </p:tgtEl>
-                                        <p:attrNameLst>
-                                          <p:attrName>ppt_x</p:attrName>
-                                        </p:attrNameLst>
-                                      </p:cBhvr>
-                                      <p:tavLst>
-                                        <p:tav tm="0">
-                                          <p:val>
-                                            <p:strVal val="#ppt_x"/>
-                                          </p:val>
-                                        </p:tav>
-                                        <p:tav tm="100000">
-                                          <p:val>
-                                            <p:strVal val="#ppt_x"/>
-                                          </p:val>
-                                        </p:tav>
-                                      </p:tavLst>
-                                    </p:anim>
-                                    <p:anim calcmode="lin" valueType="num">
-                                      <p:cBhvr additive="base">
-                                        <p:cTn id="26" dur="500" fill="hold"/>
-                                        <p:tgtEl>
-                                          <p:spTgt spid="4"/>
-                                        </p:tgtEl>
-                                        <p:attrNameLst>
-                                          <p:attrName>ppt_y</p:attrName>
-                                        </p:attrNameLst>
-                                      </p:cBhvr>
-                                      <p:tavLst>
-                                        <p:tav tm="0">
-                                          <p:val>
-                                            <p:strVal val="1+#ppt_h/2"/>
-                                          </p:val>
-                                        </p:tav>
-                                        <p:tav tm="100000">
-                                          <p:val>
-                                            <p:strVal val="#ppt_y"/>
-                                          </p:val>
-                                        </p:tav>
-                                      </p:tavLst>
-                                    </p:anim>
-                                  </p:childTnLst>
-                                </p:cTn>
-                              </p:par>
-                            </p:childTnLst>
-                          </p:cTn>
-                        </p:par>
-                      </p:childTnLst>
-                    </p:cTn>
-                  </p:par>
-                </p:childTnLst>
-              </p:cTn>
-              <p:prevCondLst>
-                <p:cond evt="onPrev" delay="0">
-                  <p:tgtEl>
-                    <p:sldTgt/>
-                  </p:tgtEl>
-                </p:cond>
-              </p:prevCondLst>
-              <p:nextCondLst>
-                <p:cond evt="onNext" delay="0">
-                  <p:tgtEl>
-                    <p:sldTgt/>
-                  </p:tgtEl>
-                </p:cond>
-              </p:nextCondLst>
-            </p:seq>
-          </p:childTnLst>
-        </p:cTn>
-      </p:par>
-    </p:tnLst>
-    <p:bldLst>
-      <p:bldP spid="3" grpId="0" build="p"/>
-    </p:bldLst>
-  </p:timing>
-</p:sld>
-</file>
-
-<file path=ppt/slides/slide6.xml><?xml version="1.0" encoding="utf-8"?>
-<p:sld xmlns:a="http://schemas.openxmlformats.org/drawingml/2006/main" xmlns:r="http://schemas.openxmlformats.org/officeDocument/2006/relationships" xmlns:p="http://schemas.openxmlformats.org/presentationml/2006/main">
-  <p:cSld>
-    <p:spTree>
-      <p:nvGrpSpPr>
-        <p:cNvPr id="1" name=""/>
-        <p:cNvGrpSpPr/>
-        <p:nvPr/>
-      </p:nvGrpSpPr>
-      <p:grpSpPr>
-        <a:xfrm>
-          <a:off x="0" y="0"/>
-          <a:ext cx="0" cy="0"/>
-          <a:chOff x="0" y="0"/>
-          <a:chExt cx="0" cy="0"/>
-        </a:xfrm>
-      </p:grpSpPr>
-      <p:sp>
-        <p:nvSpPr>
-          <p:cNvPr id="2" name="Title 1">
-            <a:extLst>
-              <a:ext uri="{FF2B5EF4-FFF2-40B4-BE49-F238E27FC236}">
-                <a16:creationId xmlns:a16="http://schemas.microsoft.com/office/drawing/2014/main" id="{91F2335E-34BB-349A-1D31-B5890EAB2A52}"/>
-              </a:ext>
-            </a:extLst>
-          </p:cNvPr>
-          <p:cNvSpPr>
-            <a:spLocks noGrp="1"/>
-          </p:cNvSpPr>
-          <p:nvPr>
-            <p:ph type="title"/>
-          </p:nvPr>
-        </p:nvSpPr>
-        <p:spPr/>
-        <p:txBody>
-          <a:bodyPr/>
-          <a:lstStyle/>
-          <a:p>
-            <a:endParaRPr lang="en-IN"/>
-          </a:p>
-        </p:txBody>
-      </p:sp>
-      <p:sp>
-        <p:nvSpPr>
-          <p:cNvPr id="3" name="Content Placeholder 2">
-            <a:extLst>
-              <a:ext uri="{FF2B5EF4-FFF2-40B4-BE49-F238E27FC236}">
-                <a16:creationId xmlns:a16="http://schemas.microsoft.com/office/drawing/2014/main" id="{E2BB9C62-EE7B-0A5D-57AF-F22CD2A46325}"/>
-              </a:ext>
-            </a:extLst>
-          </p:cNvPr>
-          <p:cNvSpPr>
-            <a:spLocks noGrp="1"/>
-          </p:cNvSpPr>
-          <p:nvPr>
-            <p:ph idx="1"/>
-          </p:nvPr>
-        </p:nvSpPr>
-        <p:spPr/>
-        <p:txBody>
-          <a:bodyPr/>
-          <a:lstStyle/>
-          <a:p>
-            <a:endParaRPr lang="en-IN"/>
-          </a:p>
-        </p:txBody>
-      </p:sp>
-      <p:pic>
-        <p:nvPicPr>
-          <p:cNvPr id="4" name="Shape 378">
-            <a:extLst>
-              <a:ext uri="{FF2B5EF4-FFF2-40B4-BE49-F238E27FC236}">
-                <a16:creationId xmlns:a16="http://schemas.microsoft.com/office/drawing/2014/main" id="{D2D9C60D-B414-4060-37F7-9058F2FEA388}"/>
-              </a:ext>
-            </a:extLst>
-          </p:cNvPr>
-          <p:cNvPicPr preferRelativeResize="0"/>
-          <p:nvPr/>
-        </p:nvPicPr>
-        <p:blipFill rotWithShape="1">
-          <a:blip r:embed="rId2">
-            <a:alphaModFix/>
-          </a:blip>
-          <a:srcRect/>
-          <a:stretch/>
-        </p:blipFill>
-        <p:spPr>
-          <a:xfrm>
-            <a:off x="0" y="696"/>
-            <a:ext cx="12192001" cy="6857304"/>
-          </a:xfrm>
-          <a:prstGeom prst="rect">
-            <a:avLst/>
-          </a:prstGeom>
-          <a:noFill/>
-          <a:ln>
-            <a:noFill/>
-          </a:ln>
-        </p:spPr>
-      </p:pic>
-    </p:spTree>
-    <p:extLst>
-      <p:ext uri="{BB962C8B-B14F-4D97-AF65-F5344CB8AC3E}">
-        <p14:creationId xmlns:p14="http://schemas.microsoft.com/office/powerpoint/2010/main" val="816297723"/>
-      </p:ext>
-    </p:extLst>
-  </p:cSld>
-  <p:clrMapOvr>
-    <a:masterClrMapping/>
-  </p:clrMapOvr>
-  <mc:AlternateContent xmlns:mc="http://schemas.openxmlformats.org/markup-compatibility/2006" xmlns:p14="http://schemas.microsoft.com/office/powerpoint/2010/main">
-    <mc:Choice Requires="p14">
-      <p:transition spd="med" p14:dur="700">
-        <p:fade/>
-      </p:transition>
-    </mc:Choice>
-    <mc:Fallback xmlns="">
-      <p:transition spd="med">
-        <p:fade/>
-      </p:transition>
-    </mc:Fallback>
-  </mc:AlternateContent>
-  <p:timing>
-    <p:tnLst>
-      <p:par>
-        <p:cTn id="1" dur="indefinite" restart="never" nodeType="tmRoot">
-          <p:childTnLst>
-            <p:seq concurrent="1" nextAc="seek">
-              <p:cTn id="2" dur="indefinite" nodeType="mainSeq">
-                <p:childTnLst>
-                  <p:par>
-                    <p:cTn id="3" fill="hold">
-                      <p:stCondLst>
-                        <p:cond delay="indefinite"/>
-                      </p:stCondLst>
-                      <p:childTnLst>
-                        <p:par>
-                          <p:cTn id="4" fill="hold">
-                            <p:stCondLst>
-                              <p:cond delay="0"/>
-                            </p:stCondLst>
-                            <p:childTnLst>
-                              <p:par>
-                                <p:cTn id="5" presetID="2" presetClass="entr" presetSubtype="4" fill="hold" nodeType="clickEffect">
-                                  <p:stCondLst>
-                                    <p:cond delay="0"/>
-                                  </p:stCondLst>
-                                  <p:childTnLst>
-                                    <p:set>
-                                      <p:cBhvr>
-                                        <p:cTn id="6" dur="1" fill="hold">
-                                          <p:stCondLst>
-                                            <p:cond delay="0"/>
-                                          </p:stCondLst>
-                                        </p:cTn>
-                                        <p:tgtEl>
-                                          <p:spTgt spid="4"/>
-                                        </p:tgtEl>
-                                        <p:attrNameLst>
-                                          <p:attrName>style.visibility</p:attrName>
-                                        </p:attrNameLst>
-                                      </p:cBhvr>
-                                      <p:to>
-                                        <p:strVal val="visible"/>
-                                      </p:to>
-                                    </p:set>
-                                    <p:anim calcmode="lin" valueType="num">
-                                      <p:cBhvr additive="base">
-                                        <p:cTn id="7" dur="500" fill="hold"/>
-                                        <p:tgtEl>
-                                          <p:spTgt spid="4"/>
-                                        </p:tgtEl>
-                                        <p:attrNameLst>
-                                          <p:attrName>ppt_x</p:attrName>
-                                        </p:attrNameLst>
-                                      </p:cBhvr>
-                                      <p:tavLst>
-                                        <p:tav tm="0">
-                                          <p:val>
-                                            <p:strVal val="#ppt_x"/>
-                                          </p:val>
-                                        </p:tav>
-                                        <p:tav tm="100000">
-                                          <p:val>
-                                            <p:strVal val="#ppt_x"/>
-                                          </p:val>
-                                        </p:tav>
-                                      </p:tavLst>
-                                    </p:anim>
-                                    <p:anim calcmode="lin" valueType="num">
-                                      <p:cBhvr additive="base">
-                                        <p:cTn id="8" dur="500" fill="hold"/>
-                                        <p:tgtEl>
-                                          <p:spTgt spid="4"/>
-                                        </p:tgtEl>
-                                        <p:attrNameLst>
-                                          <p:attrName>ppt_y</p:attrName>
-                                        </p:attrNameLst>
-                                      </p:cBhvr>
-                                      <p:tavLst>
-                                        <p:tav tm="0">
-                                          <p:val>
-                                            <p:strVal val="1+#ppt_h/2"/>
-                                          </p:val>
-                                        </p:tav>
-                                        <p:tav tm="100000">
-                                          <p:val>
-                                            <p:strVal val="#ppt_y"/>
-                                          </p:val>
-                                        </p:tav>
-                                      </p:tavLst>
-                                    </p:anim>
-                                  </p:childTnLst>
-                                </p:cTn>
-                              </p:par>
-                            </p:childTnLst>
-                          </p:cTn>
-                        </p:par>
-                      </p:childTnLst>
-                    </p:cTn>
-                  </p:par>
-                </p:childTnLst>
-              </p:cTn>
-              <p:prevCondLst>
-                <p:cond evt="onPrev" delay="0">
-                  <p:tgtEl>
-                    <p:sldTgt/>
-                  </p:tgtEl>
-                </p:cond>
-              </p:prevCondLst>
-              <p:nextCondLst>
-                <p:cond evt="onNext" delay="0">
-                  <p:tgtEl>
-                    <p:sldTgt/>
-                  </p:tgtEl>
-                </p:cond>
-              </p:nextCondLst>
-            </p:seq>
-          </p:childTnLst>
-        </p:cTn>
-      </p:par>
-    </p:tnLst>
-  </p:timing>
-</p:sld>
-</file>
-
-<file path=ppt/slides/slide7.xml><?xml version="1.0" encoding="utf-8"?>
-<p:sld xmlns:a="http://schemas.openxmlformats.org/drawingml/2006/main" xmlns:r="http://schemas.openxmlformats.org/officeDocument/2006/relationships" xmlns:p="http://schemas.openxmlformats.org/presentationml/2006/main">
-  <p:cSld>
-    <p:spTree>
-      <p:nvGrpSpPr>
-        <p:cNvPr id="1" name=""/>
-        <p:cNvGrpSpPr/>
-        <p:nvPr/>
-      </p:nvGrpSpPr>
-      <p:grpSpPr>
-        <a:xfrm>
-          <a:off x="0" y="0"/>
-          <a:ext cx="0" cy="0"/>
-          <a:chOff x="0" y="0"/>
-          <a:chExt cx="0" cy="0"/>
-        </a:xfrm>
-      </p:grpSpPr>
-      <p:sp>
-        <p:nvSpPr>
-          <p:cNvPr id="2" name="Title 1">
-            <a:extLst>
-              <a:ext uri="{FF2B5EF4-FFF2-40B4-BE49-F238E27FC236}">
-                <a16:creationId xmlns:a16="http://schemas.microsoft.com/office/drawing/2014/main" id="{97BC34CC-2191-086A-75CD-07624340C7B3}"/>
-              </a:ext>
-            </a:extLst>
-          </p:cNvPr>
-          <p:cNvSpPr>
-            <a:spLocks noGrp="1"/>
-          </p:cNvSpPr>
-          <p:nvPr>
-            <p:ph type="title"/>
-          </p:nvPr>
-        </p:nvSpPr>
-        <p:spPr/>
-        <p:txBody>
-          <a:bodyPr/>
-          <a:lstStyle/>
-          <a:p>
-            <a:r>
-              <a:rPr lang="en-US" dirty="0"/>
-              <a:t>DOCKER - ARCHITECTURE</a:t>
-            </a:r>
-            <a:endParaRPr lang="en-IN" dirty="0"/>
-          </a:p>
-        </p:txBody>
-      </p:sp>
-      <p:pic>
-        <p:nvPicPr>
-          <p:cNvPr id="5" name="Content Placeholder 4">
-            <a:extLst>
-              <a:ext uri="{FF2B5EF4-FFF2-40B4-BE49-F238E27FC236}">
-                <a16:creationId xmlns:a16="http://schemas.microsoft.com/office/drawing/2014/main" id="{F37EA387-B5C4-3684-53DB-A95FECE1B69A}"/>
-              </a:ext>
-            </a:extLst>
-          </p:cNvPr>
-          <p:cNvPicPr>
-            <a:picLocks noGrp="1" noChangeAspect="1"/>
-          </p:cNvPicPr>
-          <p:nvPr>
-            <p:ph idx="1"/>
-          </p:nvPr>
-        </p:nvPicPr>
-        <p:blipFill>
-          <a:blip r:embed="rId2">
-            <a:extLst>
-              <a:ext uri="{28A0092B-C50C-407E-A947-70E740481C1C}">
-                <a14:useLocalDpi xmlns:a14="http://schemas.microsoft.com/office/drawing/2010/main" val="0"/>
-              </a:ext>
-            </a:extLst>
-          </a:blip>
-          <a:stretch>
-            <a:fillRect/>
-          </a:stretch>
-        </p:blipFill>
-        <p:spPr>
-          <a:xfrm>
-            <a:off x="256674" y="2422358"/>
-            <a:ext cx="5839327" cy="3673641"/>
-          </a:xfrm>
-        </p:spPr>
-      </p:pic>
-      <p:pic>
-        <p:nvPicPr>
-          <p:cNvPr id="9" name="Picture 8">
-            <a:extLst>
-              <a:ext uri="{FF2B5EF4-FFF2-40B4-BE49-F238E27FC236}">
-                <a16:creationId xmlns:a16="http://schemas.microsoft.com/office/drawing/2014/main" id="{F0F094C9-DBC9-3023-E2FB-2057B1959294}"/>
-              </a:ext>
-            </a:extLst>
-          </p:cNvPr>
-          <p:cNvPicPr>
-            <a:picLocks noChangeAspect="1"/>
-          </p:cNvPicPr>
-          <p:nvPr/>
-        </p:nvPicPr>
-        <p:blipFill>
-          <a:blip r:embed="rId3">
-            <a:extLst>
-              <a:ext uri="{28A0092B-C50C-407E-A947-70E740481C1C}">
-                <a14:useLocalDpi xmlns:a14="http://schemas.microsoft.com/office/drawing/2010/main" val="0"/>
-              </a:ext>
-            </a:extLst>
-          </a:blip>
-          <a:stretch>
-            <a:fillRect/>
-          </a:stretch>
-        </p:blipFill>
-        <p:spPr>
-          <a:xfrm>
-            <a:off x="6352673" y="2422358"/>
-            <a:ext cx="5839327" cy="4015706"/>
-          </a:xfrm>
-          <a:prstGeom prst="rect">
-            <a:avLst/>
-          </a:prstGeom>
-        </p:spPr>
-      </p:pic>
-    </p:spTree>
-    <p:extLst>
-      <p:ext uri="{BB962C8B-B14F-4D97-AF65-F5344CB8AC3E}">
-        <p14:creationId xmlns:p14="http://schemas.microsoft.com/office/powerpoint/2010/main" val="1933145456"/>
-      </p:ext>
-    </p:extLst>
-  </p:cSld>
-  <p:clrMapOvr>
-    <a:masterClrMapping/>
-  </p:clrMapOvr>
-  <mc:AlternateContent xmlns:mc="http://schemas.openxmlformats.org/markup-compatibility/2006" xmlns:p14="http://schemas.microsoft.com/office/powerpoint/2010/main">
-    <mc:Choice Requires="p14">
-      <p:transition spd="med" p14:dur="700">
-        <p:fade/>
-      </p:transition>
-    </mc:Choice>
-    <mc:Fallback xmlns="">
-      <p:transition spd="med">
-        <p:fade/>
-      </p:transition>
-    </mc:Fallback>
-  </mc:AlternateContent>
-  <p:timing>
-    <p:tnLst>
-      <p:par>
-        <p:cTn id="1" dur="indefinite" restart="never" nodeType="tmRoot">
-          <p:childTnLst>
-            <p:seq concurrent="1" nextAc="seek">
-              <p:cTn id="2" dur="indefinite" nodeType="mainSeq">
-                <p:childTnLst>
-                  <p:par>
-                    <p:cTn id="3" fill="hold">
-                      <p:stCondLst>
-                        <p:cond delay="indefinite"/>
-                      </p:stCondLst>
-                      <p:childTnLst>
-                        <p:par>
-                          <p:cTn id="4" fill="hold">
-                            <p:stCondLst>
-                              <p:cond delay="0"/>
-                            </p:stCondLst>
-                            <p:childTnLst>
-                              <p:par>
-                                <p:cTn id="5" presetID="2" presetClass="entr" presetSubtype="4" fill="hold" nodeType="clickEffect">
-                                  <p:stCondLst>
-                                    <p:cond delay="0"/>
-                                  </p:stCondLst>
-                                  <p:childTnLst>
-                                    <p:set>
-                                      <p:cBhvr>
-                                        <p:cTn id="6" dur="1" fill="hold">
-                                          <p:stCondLst>
-                                            <p:cond delay="0"/>
-                                          </p:stCondLst>
-                                        </p:cTn>
-                                        <p:tgtEl>
-                                          <p:spTgt spid="5"/>
-                                        </p:tgtEl>
-                                        <p:attrNameLst>
-                                          <p:attrName>style.visibility</p:attrName>
-                                        </p:attrNameLst>
-                                      </p:cBhvr>
-                                      <p:to>
-                                        <p:strVal val="visible"/>
-                                      </p:to>
-                                    </p:set>
-                                    <p:anim calcmode="lin" valueType="num">
-                                      <p:cBhvr additive="base">
-                                        <p:cTn id="7" dur="500" fill="hold"/>
-                                        <p:tgtEl>
-                                          <p:spTgt spid="5"/>
-                                        </p:tgtEl>
-                                        <p:attrNameLst>
-                                          <p:attrName>ppt_x</p:attrName>
-                                        </p:attrNameLst>
-                                      </p:cBhvr>
-                                      <p:tavLst>
-                                        <p:tav tm="0">
-                                          <p:val>
-                                            <p:strVal val="#ppt_x"/>
-                                          </p:val>
-                                        </p:tav>
-                                        <p:tav tm="100000">
-                                          <p:val>
-                                            <p:strVal val="#ppt_x"/>
-                                          </p:val>
-                                        </p:tav>
-                                      </p:tavLst>
-                                    </p:anim>
-                                    <p:anim calcmode="lin" valueType="num">
-                                      <p:cBhvr additive="base">
-                                        <p:cTn id="8" dur="500" fill="hold"/>
-                                        <p:tgtEl>
-                                          <p:spTgt spid="5"/>
-                                        </p:tgtEl>
-                                        <p:attrNameLst>
-                                          <p:attrName>ppt_y</p:attrName>
-                                        </p:attrNameLst>
-                                      </p:cBhvr>
-                                      <p:tavLst>
-                                        <p:tav tm="0">
-                                          <p:val>
-                                            <p:strVal val="1+#ppt_h/2"/>
-                                          </p:val>
-                                        </p:tav>
-                                        <p:tav tm="100000">
-                                          <p:val>
-                                            <p:strVal val="#ppt_y"/>
-                                          </p:val>
-                                        </p:tav>
-                                      </p:tavLst>
-                                    </p:anim>
-                                  </p:childTnLst>
-                                </p:cTn>
-                              </p:par>
-                            </p:childTnLst>
-                          </p:cTn>
-                        </p:par>
-                      </p:childTnLst>
-                    </p:cTn>
-                  </p:par>
-                  <p:par>
-                    <p:cTn id="9" fill="hold">
-                      <p:stCondLst>
-                        <p:cond delay="indefinite"/>
-                      </p:stCondLst>
-                      <p:childTnLst>
-                        <p:par>
-                          <p:cTn id="10" fill="hold">
-                            <p:stCondLst>
-                              <p:cond delay="0"/>
-                            </p:stCondLst>
-                            <p:childTnLst>
-                              <p:par>
-                                <p:cTn id="11" presetID="42" presetClass="entr" presetSubtype="0" fill="hold" nodeType="clickEffect">
-                                  <p:stCondLst>
-                                    <p:cond delay="0"/>
-                                  </p:stCondLst>
-                                  <p:childTnLst>
-                                    <p:set>
-                                      <p:cBhvr>
-                                        <p:cTn id="12" dur="1" fill="hold">
-                                          <p:stCondLst>
-                                            <p:cond delay="0"/>
-                                          </p:stCondLst>
-                                        </p:cTn>
-                                        <p:tgtEl>
-                                          <p:spTgt spid="9"/>
-                                        </p:tgtEl>
-                                        <p:attrNameLst>
-                                          <p:attrName>style.visibility</p:attrName>
-                                        </p:attrNameLst>
-                                      </p:cBhvr>
-                                      <p:to>
-                                        <p:strVal val="visible"/>
-                                      </p:to>
-                                    </p:set>
-                                    <p:animEffect transition="in" filter="fade">
-                                      <p:cBhvr>
-                                        <p:cTn id="13" dur="1000"/>
-                                        <p:tgtEl>
-                                          <p:spTgt spid="9"/>
-                                        </p:tgtEl>
-                                      </p:cBhvr>
-                                    </p:animEffect>
-                                    <p:anim calcmode="lin" valueType="num">
-                                      <p:cBhvr>
-                                        <p:cTn id="14" dur="1000" fill="hold"/>
-                                        <p:tgtEl>
-                                          <p:spTgt spid="9"/>
-                                        </p:tgtEl>
-                                        <p:attrNameLst>
-                                          <p:attrName>ppt_x</p:attrName>
-                                        </p:attrNameLst>
-                                      </p:cBhvr>
-                                      <p:tavLst>
-                                        <p:tav tm="0">
-                                          <p:val>
-                                            <p:strVal val="#ppt_x"/>
-                                          </p:val>
-                                        </p:tav>
-                                        <p:tav tm="100000">
-                                          <p:val>
-                                            <p:strVal val="#ppt_x"/>
-                                          </p:val>
-                                        </p:tav>
-                                      </p:tavLst>
-                                    </p:anim>
-                                    <p:anim calcmode="lin" valueType="num">
-                                      <p:cBhvr>
-                                        <p:cTn id="15" dur="1000" fill="hold"/>
-                                        <p:tgtEl>
-                                          <p:spTgt spid="9"/>
-                                        </p:tgtEl>
-                                        <p:attrNameLst>
-                                          <p:attrName>ppt_y</p:attrName>
-                                        </p:attrNameLst>
-                                      </p:cBhvr>
-                                      <p:tavLst>
-                                        <p:tav tm="0">
-                                          <p:val>
-                                            <p:strVal val="#ppt_y+.1"/>
-                                          </p:val>
-                                        </p:tav>
-                                        <p:tav tm="100000">
-                                          <p:val>
-                                            <p:strVal val="#ppt_y"/>
-                                          </p:val>
-                                        </p:tav>
-                                      </p:tavLst>
-                                    </p:anim>
-                                  </p:childTnLst>
-                                </p:cTn>
-                              </p:par>
-                            </p:childTnLst>
-                          </p:cTn>
-                        </p:par>
-                      </p:childTnLst>
-                    </p:cTn>
-                  </p:par>
-                </p:childTnLst>
-              </p:cTn>
-              <p:prevCondLst>
-                <p:cond evt="onPrev" delay="0">
-                  <p:tgtEl>
-                    <p:sldTgt/>
-                  </p:tgtEl>
-                </p:cond>
-              </p:prevCondLst>
-              <p:nextCondLst>
-                <p:cond evt="onNext" delay="0">
-                  <p:tgtEl>
-                    <p:sldTgt/>
-                  </p:tgtEl>
-                </p:cond>
-              </p:nextCondLst>
-            </p:seq>
-          </p:childTnLst>
-        </p:cTn>
-      </p:par>
-    </p:tnLst>
-  </p:timing>
-</p:sld>
-</file>
-
-<file path=ppt/slides/slide8.xml><?xml version="1.0" encoding="utf-8"?>
-<p:sld xmlns:a="http://schemas.openxmlformats.org/drawingml/2006/main" xmlns:r="http://schemas.openxmlformats.org/officeDocument/2006/relationships" xmlns:p="http://schemas.openxmlformats.org/presentationml/2006/main">
-  <p:cSld>
-    <p:spTree>
-      <p:nvGrpSpPr>
-        <p:cNvPr id="1" name=""/>
-        <p:cNvGrpSpPr/>
-        <p:nvPr/>
-      </p:nvGrpSpPr>
-      <p:grpSpPr>
-        <a:xfrm>
-          <a:off x="0" y="0"/>
-          <a:ext cx="0" cy="0"/>
-          <a:chOff x="0" y="0"/>
-          <a:chExt cx="0" cy="0"/>
-        </a:xfrm>
-      </p:grpSpPr>
-      <p:sp>
-        <p:nvSpPr>
-          <p:cNvPr id="17" name="Content Placeholder 4"/>
-          <p:cNvSpPr txBox="1">
-            <a:spLocks/>
-          </p:cNvSpPr>
-          <p:nvPr/>
-        </p:nvSpPr>
-        <p:spPr>
-          <a:xfrm>
-            <a:off x="2014254" y="2277307"/>
-            <a:ext cx="9888977" cy="4252057"/>
-          </a:xfrm>
-          <a:prstGeom prst="rect">
-            <a:avLst/>
-          </a:prstGeom>
-        </p:spPr>
-        <p:txBody>
-          <a:bodyPr vert="horz" lIns="91428" tIns="45714" rIns="91428" bIns="45714" rtlCol="0">
-            <a:noAutofit/>
-          </a:bodyPr>
-          <a:lstStyle>
-            <a:lvl1pPr marL="228600" indent="-228600" algn="l" defTabSz="914400" rtl="0" eaLnBrk="1" latinLnBrk="0" hangingPunct="1">
-              <a:lnSpc>
-                <a:spcPct val="90000"/>
-              </a:lnSpc>
-              <a:spcBef>
-                <a:spcPts val="1000"/>
-              </a:spcBef>
-              <a:buFont typeface="Arial" panose="020B0604020202020204" pitchFamily="34" charset="0"/>
-              <a:buChar char="•"/>
-              <a:defRPr sz="2800" kern="1200">
-                <a:solidFill>
-                  <a:schemeClr val="tx1"/>
-                </a:solidFill>
-                <a:latin typeface="Cabin" panose="020B0803050202020004" pitchFamily="34" charset="0"/>
-                <a:ea typeface="+mn-ea"/>
-                <a:cs typeface="+mn-cs"/>
-              </a:defRPr>
-            </a:lvl1pPr>
-            <a:lvl2pPr marL="685800" indent="-228600" algn="l" defTabSz="914400" rtl="0" eaLnBrk="1" latinLnBrk="0" hangingPunct="1">
-              <a:lnSpc>
-                <a:spcPct val="90000"/>
-              </a:lnSpc>
-              <a:spcBef>
-                <a:spcPts val="500"/>
-              </a:spcBef>
-              <a:buFont typeface="Arial" panose="020B0604020202020204" pitchFamily="34" charset="0"/>
-              <a:buChar char="•"/>
-              <a:defRPr sz="2400" kern="1200">
-                <a:solidFill>
-                  <a:schemeClr val="tx2"/>
-                </a:solidFill>
-                <a:latin typeface="Cabin" panose="020B0803050202020004" pitchFamily="34" charset="0"/>
-                <a:ea typeface="+mn-ea"/>
-                <a:cs typeface="+mn-cs"/>
-              </a:defRPr>
-            </a:lvl2pPr>
-            <a:lvl3pPr marL="1143000" indent="-228600" algn="l" defTabSz="914400" rtl="0" eaLnBrk="1" latinLnBrk="0" hangingPunct="1">
-              <a:lnSpc>
-                <a:spcPct val="90000"/>
-              </a:lnSpc>
-              <a:spcBef>
-                <a:spcPts val="500"/>
-              </a:spcBef>
-              <a:buFont typeface="Arial" panose="020B0604020202020204" pitchFamily="34" charset="0"/>
-              <a:buChar char="•"/>
-              <a:defRPr sz="2000" kern="1200">
-                <a:solidFill>
-                  <a:schemeClr val="tx2"/>
-                </a:solidFill>
-                <a:latin typeface="Cabin" panose="020B0803050202020004" pitchFamily="34" charset="0"/>
-                <a:ea typeface="+mn-ea"/>
-                <a:cs typeface="+mn-cs"/>
-              </a:defRPr>
-            </a:lvl3pPr>
-            <a:lvl4pPr marL="1600200" indent="-228600" algn="l" defTabSz="914400" rtl="0" eaLnBrk="1" latinLnBrk="0" hangingPunct="1">
-              <a:lnSpc>
-                <a:spcPct val="90000"/>
-              </a:lnSpc>
-              <a:spcBef>
-                <a:spcPts val="500"/>
-              </a:spcBef>
-              <a:buFont typeface="Arial" panose="020B0604020202020204" pitchFamily="34" charset="0"/>
-              <a:buChar char="•"/>
-              <a:defRPr sz="1800" kern="1200">
-                <a:solidFill>
-                  <a:schemeClr val="tx2"/>
-                </a:solidFill>
-                <a:latin typeface="Cabin" panose="020B0803050202020004" pitchFamily="34" charset="0"/>
-                <a:ea typeface="+mn-ea"/>
-                <a:cs typeface="+mn-cs"/>
-              </a:defRPr>
-            </a:lvl4pPr>
-            <a:lvl5pPr marL="2057400" indent="-228600" algn="l" defTabSz="914400" rtl="0" eaLnBrk="1" latinLnBrk="0" hangingPunct="1">
-              <a:lnSpc>
-                <a:spcPct val="90000"/>
-              </a:lnSpc>
-              <a:spcBef>
-                <a:spcPts val="500"/>
-              </a:spcBef>
-              <a:buFont typeface="Arial" panose="020B0604020202020204" pitchFamily="34" charset="0"/>
-              <a:buChar char="•"/>
-              <a:defRPr sz="1800" kern="1200">
-                <a:solidFill>
-                  <a:schemeClr val="tx2"/>
-                </a:solidFill>
-                <a:latin typeface="Cabin" panose="020B0803050202020004" pitchFamily="34" charset="0"/>
-                <a:ea typeface="+mn-ea"/>
-                <a:cs typeface="+mn-cs"/>
-              </a:defRPr>
-            </a:lvl5pPr>
-            <a:lvl6pPr marL="2514600" indent="-228600" algn="l" defTabSz="914400" rtl="0" eaLnBrk="1" latinLnBrk="0" hangingPunct="1">
-              <a:lnSpc>
-                <a:spcPct val="90000"/>
-              </a:lnSpc>
-              <a:spcBef>
-                <a:spcPts val="500"/>
-              </a:spcBef>
-              <a:buFont typeface="Arial" panose="020B0604020202020204" pitchFamily="34" charset="0"/>
-              <a:buChar char="•"/>
-              <a:defRPr sz="1800" kern="1200">
-                <a:solidFill>
-                  <a:schemeClr val="tx1"/>
-                </a:solidFill>
-                <a:latin typeface="+mn-lt"/>
-                <a:ea typeface="+mn-ea"/>
-                <a:cs typeface="+mn-cs"/>
-              </a:defRPr>
-            </a:lvl6pPr>
-            <a:lvl7pPr marL="2971800" indent="-228600" algn="l" defTabSz="914400" rtl="0" eaLnBrk="1" latinLnBrk="0" hangingPunct="1">
-              <a:lnSpc>
-                <a:spcPct val="90000"/>
-              </a:lnSpc>
-              <a:spcBef>
-                <a:spcPts val="500"/>
-              </a:spcBef>
-              <a:buFont typeface="Arial" panose="020B0604020202020204" pitchFamily="34" charset="0"/>
-              <a:buChar char="•"/>
-              <a:defRPr sz="1800" kern="1200">
-                <a:solidFill>
-                  <a:schemeClr val="tx1"/>
-                </a:solidFill>
-                <a:latin typeface="+mn-lt"/>
-                <a:ea typeface="+mn-ea"/>
-                <a:cs typeface="+mn-cs"/>
-              </a:defRPr>
-            </a:lvl7pPr>
-            <a:lvl8pPr marL="3429000" indent="-228600" algn="l" defTabSz="914400" rtl="0" eaLnBrk="1" latinLnBrk="0" hangingPunct="1">
-              <a:lnSpc>
-                <a:spcPct val="90000"/>
-              </a:lnSpc>
-              <a:spcBef>
-                <a:spcPts val="500"/>
-              </a:spcBef>
-              <a:buFont typeface="Arial" panose="020B0604020202020204" pitchFamily="34" charset="0"/>
-              <a:buChar char="•"/>
-              <a:defRPr sz="1800" kern="1200">
-                <a:solidFill>
-                  <a:schemeClr val="tx1"/>
-                </a:solidFill>
-                <a:latin typeface="+mn-lt"/>
-                <a:ea typeface="+mn-ea"/>
-                <a:cs typeface="+mn-cs"/>
-              </a:defRPr>
-            </a:lvl8pPr>
-            <a:lvl9pPr marL="3886200" indent="-228600" algn="l" defTabSz="914400" rtl="0" eaLnBrk="1" latinLnBrk="0" hangingPunct="1">
-              <a:lnSpc>
-                <a:spcPct val="90000"/>
-              </a:lnSpc>
-              <a:spcBef>
-                <a:spcPts val="500"/>
-              </a:spcBef>
-              <a:buFont typeface="Arial" panose="020B0604020202020204" pitchFamily="34" charset="0"/>
-              <a:buChar char="•"/>
-              <a:defRPr sz="1800" kern="1200">
-                <a:solidFill>
-                  <a:schemeClr val="tx1"/>
-                </a:solidFill>
-                <a:latin typeface="+mn-lt"/>
-                <a:ea typeface="+mn-ea"/>
-                <a:cs typeface="+mn-cs"/>
-              </a:defRPr>
-            </a:lvl9pPr>
-          </a:lstStyle>
-          <a:p>
-            <a:pPr marL="0" indent="0">
-              <a:buNone/>
-            </a:pPr>
-            <a:r>
-              <a:rPr lang="en-US" sz="1600" dirty="0">
-                <a:solidFill>
-                  <a:srgbClr val="31859C"/>
-                </a:solidFill>
-                <a:latin typeface="+mj-lt"/>
-              </a:rPr>
-              <a:t>Docker Image</a:t>
-            </a:r>
-          </a:p>
-          <a:p>
-            <a:pPr marL="0" indent="0">
-              <a:buNone/>
-            </a:pPr>
-            <a:r>
-              <a:rPr lang="en-US" sz="1600" dirty="0">
-                <a:solidFill>
-                  <a:schemeClr val="tx1">
-                    <a:lumMod val="50000"/>
-                    <a:lumOff val="50000"/>
-                  </a:schemeClr>
-                </a:solidFill>
-                <a:latin typeface="+mj-lt"/>
-              </a:rPr>
-              <a:t>The basis of a Docker container. Represents a full application</a:t>
-            </a:r>
-          </a:p>
-          <a:p>
-            <a:pPr marL="0" indent="0">
-              <a:buNone/>
-            </a:pPr>
-            <a:endParaRPr lang="en-US" sz="1600" dirty="0">
-              <a:solidFill>
-                <a:srgbClr val="000000"/>
-              </a:solidFill>
-              <a:latin typeface="+mj-lt"/>
-            </a:endParaRPr>
-          </a:p>
-          <a:p>
-            <a:pPr marL="0" indent="0">
-              <a:buNone/>
-            </a:pPr>
-            <a:r>
-              <a:rPr lang="en-US" sz="1600" dirty="0">
-                <a:solidFill>
-                  <a:srgbClr val="31859C"/>
-                </a:solidFill>
-                <a:latin typeface="+mj-lt"/>
-              </a:rPr>
-              <a:t>Docker Container</a:t>
-            </a:r>
-          </a:p>
-          <a:p>
-            <a:pPr marL="0" indent="0">
-              <a:buNone/>
-            </a:pPr>
-            <a:r>
-              <a:rPr lang="en-US" sz="1600" dirty="0">
-                <a:solidFill>
-                  <a:schemeClr val="tx1">
-                    <a:lumMod val="50000"/>
-                    <a:lumOff val="50000"/>
-                  </a:schemeClr>
-                </a:solidFill>
-                <a:latin typeface="+mj-lt"/>
-              </a:rPr>
-              <a:t>The standard unit in which the application service resides and executes</a:t>
-            </a:r>
-          </a:p>
-          <a:p>
-            <a:pPr marL="0" indent="0">
-              <a:buNone/>
-            </a:pPr>
-            <a:endParaRPr lang="en-US" sz="1600" dirty="0">
-              <a:solidFill>
-                <a:schemeClr val="tx1">
-                  <a:lumMod val="50000"/>
-                  <a:lumOff val="50000"/>
-                </a:schemeClr>
-              </a:solidFill>
-              <a:latin typeface="+mj-lt"/>
-            </a:endParaRPr>
-          </a:p>
-          <a:p>
-            <a:pPr marL="0" indent="0">
-              <a:buNone/>
-            </a:pPr>
-            <a:r>
-              <a:rPr lang="en-US" sz="1600" dirty="0">
-                <a:solidFill>
-                  <a:srgbClr val="31859C"/>
-                </a:solidFill>
-                <a:latin typeface="+mj-lt"/>
-              </a:rPr>
-              <a:t>Docker Engine </a:t>
-            </a:r>
-          </a:p>
-          <a:p>
-            <a:pPr marL="0" indent="0">
-              <a:buNone/>
-            </a:pPr>
-            <a:r>
-              <a:rPr lang="en-US" sz="1600" dirty="0">
-                <a:solidFill>
-                  <a:schemeClr val="tx1">
-                    <a:lumMod val="50000"/>
-                    <a:lumOff val="50000"/>
-                  </a:schemeClr>
-                </a:solidFill>
-                <a:latin typeface="+mj-lt"/>
-              </a:rPr>
-              <a:t>Creates, ships and runs Docker containers deployable on a physical or virtual, host locally, in a datacenter or cloud service provider</a:t>
-            </a:r>
-            <a:br>
-              <a:rPr lang="en-US" sz="1600" dirty="0">
-                <a:solidFill>
-                  <a:srgbClr val="31859C"/>
-                </a:solidFill>
-                <a:latin typeface="+mj-lt"/>
-                <a:cs typeface="Arial" panose="020B0604020202020204" pitchFamily="34" charset="0"/>
-              </a:rPr>
-            </a:br>
-            <a:endParaRPr lang="en-US" sz="1600" b="1" dirty="0">
-              <a:solidFill>
-                <a:srgbClr val="31859C"/>
-              </a:solidFill>
-              <a:latin typeface="+mj-lt"/>
-              <a:cs typeface="Arial" panose="020B0604020202020204" pitchFamily="34" charset="0"/>
-            </a:endParaRPr>
-          </a:p>
-          <a:p>
-            <a:pPr marL="0" indent="0">
-              <a:buNone/>
-            </a:pPr>
-            <a:r>
-              <a:rPr lang="en-US" sz="1600" dirty="0">
-                <a:solidFill>
-                  <a:srgbClr val="31859C"/>
-                </a:solidFill>
-                <a:latin typeface="+mj-lt"/>
-              </a:rPr>
-              <a:t>Registry Service (Docker Hub or Docker Trusted Registry)</a:t>
-            </a:r>
-          </a:p>
-          <a:p>
-            <a:pPr marL="0" indent="0">
-              <a:buNone/>
-            </a:pPr>
-            <a:r>
-              <a:rPr lang="en-US" sz="1600" dirty="0">
-                <a:solidFill>
-                  <a:schemeClr val="tx1">
-                    <a:lumMod val="50000"/>
-                    <a:lumOff val="50000"/>
-                  </a:schemeClr>
-                </a:solidFill>
-                <a:latin typeface="+mj-lt"/>
-              </a:rPr>
-              <a:t>Cloud or server based storage and distribution service for your images</a:t>
-            </a:r>
-          </a:p>
-        </p:txBody>
-      </p:sp>
-      <p:pic>
-        <p:nvPicPr>
-          <p:cNvPr id="18" name="Picture 17" descr="Container.png"/>
-          <p:cNvPicPr>
-            <a:picLocks noChangeAspect="1"/>
-          </p:cNvPicPr>
-          <p:nvPr/>
-        </p:nvPicPr>
-        <p:blipFill>
-          <a:blip r:embed="rId3">
-            <a:extLst>
-              <a:ext uri="{28A0092B-C50C-407E-A947-70E740481C1C}">
-                <a14:useLocalDpi xmlns:a14="http://schemas.microsoft.com/office/drawing/2010/main" val="0"/>
-              </a:ext>
-            </a:extLst>
-          </a:blip>
-          <a:stretch>
-            <a:fillRect/>
-          </a:stretch>
-        </p:blipFill>
-        <p:spPr>
-          <a:xfrm>
-            <a:off x="935704" y="3181101"/>
-            <a:ext cx="886282" cy="886282"/>
-          </a:xfrm>
-          <a:prstGeom prst="rect">
-            <a:avLst/>
-          </a:prstGeom>
-        </p:spPr>
-      </p:pic>
-      <p:pic>
-        <p:nvPicPr>
-          <p:cNvPr id="19" name="Picture 18" descr="Image.png"/>
-          <p:cNvPicPr>
-            <a:picLocks noChangeAspect="1"/>
-          </p:cNvPicPr>
-          <p:nvPr/>
-        </p:nvPicPr>
-        <p:blipFill>
-          <a:blip r:embed="rId4">
-            <a:extLst>
-              <a:ext uri="{28A0092B-C50C-407E-A947-70E740481C1C}">
-                <a14:useLocalDpi xmlns:a14="http://schemas.microsoft.com/office/drawing/2010/main" val="0"/>
-              </a:ext>
-            </a:extLst>
-          </a:blip>
-          <a:stretch>
-            <a:fillRect/>
-          </a:stretch>
-        </p:blipFill>
-        <p:spPr>
-          <a:xfrm>
-            <a:off x="935704" y="2083098"/>
-            <a:ext cx="886283" cy="886283"/>
-          </a:xfrm>
-          <a:prstGeom prst="rect">
-            <a:avLst/>
-          </a:prstGeom>
-        </p:spPr>
-      </p:pic>
-      <p:pic>
-        <p:nvPicPr>
-          <p:cNvPr id="20" name="Picture 19" descr="Engine.png"/>
-          <p:cNvPicPr>
-            <a:picLocks noChangeAspect="1"/>
-          </p:cNvPicPr>
-          <p:nvPr/>
-        </p:nvPicPr>
-        <p:blipFill>
-          <a:blip r:embed="rId5">
-            <a:extLst>
-              <a:ext uri="{28A0092B-C50C-407E-A947-70E740481C1C}">
-                <a14:useLocalDpi xmlns:a14="http://schemas.microsoft.com/office/drawing/2010/main" val="0"/>
-              </a:ext>
-            </a:extLst>
-          </a:blip>
-          <a:stretch>
-            <a:fillRect/>
-          </a:stretch>
-        </p:blipFill>
-        <p:spPr>
-          <a:xfrm>
-            <a:off x="935704" y="4347685"/>
-            <a:ext cx="886282" cy="886282"/>
-          </a:xfrm>
-          <a:prstGeom prst="rect">
-            <a:avLst/>
-          </a:prstGeom>
-        </p:spPr>
-      </p:pic>
-      <p:pic>
-        <p:nvPicPr>
-          <p:cNvPr id="21" name="Picture 20" descr="Registry.png"/>
-          <p:cNvPicPr>
-            <a:picLocks noChangeAspect="1"/>
-          </p:cNvPicPr>
-          <p:nvPr/>
-        </p:nvPicPr>
-        <p:blipFill>
-          <a:blip r:embed="rId6">
-            <a:extLst>
-              <a:ext uri="{28A0092B-C50C-407E-A947-70E740481C1C}">
-                <a14:useLocalDpi xmlns:a14="http://schemas.microsoft.com/office/drawing/2010/main" val="0"/>
-              </a:ext>
-            </a:extLst>
-          </a:blip>
-          <a:stretch>
-            <a:fillRect/>
-          </a:stretch>
-        </p:blipFill>
-        <p:spPr>
-          <a:xfrm>
-            <a:off x="935704" y="5514269"/>
-            <a:ext cx="886282" cy="886282"/>
-          </a:xfrm>
-          <a:prstGeom prst="rect">
-            <a:avLst/>
-          </a:prstGeom>
-        </p:spPr>
-      </p:pic>
-      <p:sp>
-        <p:nvSpPr>
-          <p:cNvPr id="2" name="Title 1">
-            <a:extLst>
-              <a:ext uri="{FF2B5EF4-FFF2-40B4-BE49-F238E27FC236}">
-                <a16:creationId xmlns:a16="http://schemas.microsoft.com/office/drawing/2014/main" id="{C31EDDD9-6408-FB1F-46F0-4860151E3633}"/>
-              </a:ext>
-            </a:extLst>
-          </p:cNvPr>
-          <p:cNvSpPr>
-            <a:spLocks noGrp="1"/>
-          </p:cNvSpPr>
-          <p:nvPr>
-            <p:ph type="title"/>
-          </p:nvPr>
-        </p:nvSpPr>
-        <p:spPr/>
-        <p:txBody>
-          <a:bodyPr/>
-          <a:lstStyle/>
-          <a:p>
-            <a:r>
-              <a:rPr lang="en-US" dirty="0"/>
-              <a:t>DOCKER - COMPONENTS</a:t>
-            </a:r>
-            <a:endParaRPr lang="en-IN" dirty="0"/>
-          </a:p>
-        </p:txBody>
-      </p:sp>
-    </p:spTree>
-    <p:extLst>
-      <p:ext uri="{BB962C8B-B14F-4D97-AF65-F5344CB8AC3E}">
-        <p14:creationId xmlns:p14="http://schemas.microsoft.com/office/powerpoint/2010/main" val="708057832"/>
-      </p:ext>
-    </p:extLst>
-  </p:cSld>
-  <p:clrMapOvr>
-    <a:masterClrMapping/>
-  </p:clrMapOvr>
-  <mc:AlternateContent xmlns:mc="http://schemas.openxmlformats.org/markup-compatibility/2006" xmlns:p14="http://schemas.microsoft.com/office/powerpoint/2010/main">
-    <mc:Choice Requires="p14">
-      <p:transition spd="med" p14:dur="700">
-        <p:fade/>
-      </p:transition>
-    </mc:Choice>
-    <mc:Fallback xmlns="">
-      <p:transition spd="med">
-        <p:fade/>
-      </p:transition>
-    </mc:Fallback>
-  </mc:AlternateContent>
-  <p:timing>
-    <p:tnLst>
-      <p:par>
-        <p:cTn id="1" dur="indefinite" restart="never" nodeType="tmRoot">
-          <p:childTnLst>
-            <p:seq concurrent="1" nextAc="seek">
-              <p:cTn id="2" dur="indefinite" nodeType="mainSeq">
-                <p:childTnLst>
-                  <p:par>
-                    <p:cTn id="3" fill="hold">
-                      <p:stCondLst>
-                        <p:cond delay="indefinite"/>
-                      </p:stCondLst>
-                      <p:childTnLst>
-                        <p:par>
-                          <p:cTn id="4" fill="hold">
-                            <p:stCondLst>
-                              <p:cond delay="0"/>
-                            </p:stCondLst>
-                            <p:childTnLst>
-                              <p:par>
-                                <p:cTn id="5" presetID="2" presetClass="entr" presetSubtype="4" fill="hold" grpId="0" nodeType="clickEffect">
-                                  <p:stCondLst>
-                                    <p:cond delay="0"/>
-                                  </p:stCondLst>
-                                  <p:childTnLst>
-                                    <p:set>
-                                      <p:cBhvr>
-                                        <p:cTn id="6" dur="1" fill="hold">
-                                          <p:stCondLst>
-                                            <p:cond delay="0"/>
-                                          </p:stCondLst>
-                                        </p:cTn>
-                                        <p:tgtEl>
-                                          <p:spTgt spid="17"/>
-                                        </p:tgtEl>
-                                        <p:attrNameLst>
-                                          <p:attrName>style.visibility</p:attrName>
-                                        </p:attrNameLst>
-                                      </p:cBhvr>
-                                      <p:to>
-                                        <p:strVal val="visible"/>
-                                      </p:to>
-                                    </p:set>
-                                    <p:anim calcmode="lin" valueType="num">
-                                      <p:cBhvr additive="base">
-                                        <p:cTn id="7" dur="500" fill="hold"/>
-                                        <p:tgtEl>
-                                          <p:spTgt spid="17"/>
-                                        </p:tgtEl>
-                                        <p:attrNameLst>
-                                          <p:attrName>ppt_x</p:attrName>
-                                        </p:attrNameLst>
-                                      </p:cBhvr>
-                                      <p:tavLst>
-                                        <p:tav tm="0">
-                                          <p:val>
-                                            <p:strVal val="#ppt_x"/>
-                                          </p:val>
-                                        </p:tav>
-                                        <p:tav tm="100000">
-                                          <p:val>
-                                            <p:strVal val="#ppt_x"/>
-                                          </p:val>
-                                        </p:tav>
-                                      </p:tavLst>
-                                    </p:anim>
-                                    <p:anim calcmode="lin" valueType="num">
-                                      <p:cBhvr additive="base">
-                                        <p:cTn id="8" dur="500" fill="hold"/>
-                                        <p:tgtEl>
-                                          <p:spTgt spid="17"/>
-                                        </p:tgtEl>
-                                        <p:attrNameLst>
-                                          <p:attrName>ppt_y</p:attrName>
-                                        </p:attrNameLst>
-                                      </p:cBhvr>
-                                      <p:tavLst>
-                                        <p:tav tm="0">
-                                          <p:val>
-                                            <p:strVal val="1+#ppt_h/2"/>
-                                          </p:val>
-                                        </p:tav>
-                                        <p:tav tm="100000">
-                                          <p:val>
-                                            <p:strVal val="#ppt_y"/>
-                                          </p:val>
-                                        </p:tav>
-                                      </p:tavLst>
-                                    </p:anim>
-                                  </p:childTnLst>
-                                </p:cTn>
-                              </p:par>
-                              <p:par>
-                                <p:cTn id="9" presetID="2" presetClass="entr" presetSubtype="4" fill="hold" nodeType="withEffect">
-                                  <p:stCondLst>
-                                    <p:cond delay="0"/>
-                                  </p:stCondLst>
-                                  <p:childTnLst>
-                                    <p:set>
-                                      <p:cBhvr>
-                                        <p:cTn id="10" dur="1" fill="hold">
-                                          <p:stCondLst>
-                                            <p:cond delay="0"/>
-                                          </p:stCondLst>
-                                        </p:cTn>
-                                        <p:tgtEl>
-                                          <p:spTgt spid="18"/>
-                                        </p:tgtEl>
-                                        <p:attrNameLst>
-                                          <p:attrName>style.visibility</p:attrName>
-                                        </p:attrNameLst>
-                                      </p:cBhvr>
-                                      <p:to>
-                                        <p:strVal val="visible"/>
-                                      </p:to>
-                                    </p:set>
-                                    <p:anim calcmode="lin" valueType="num">
-                                      <p:cBhvr additive="base">
-                                        <p:cTn id="11" dur="500" fill="hold"/>
-                                        <p:tgtEl>
-                                          <p:spTgt spid="18"/>
-                                        </p:tgtEl>
-                                        <p:attrNameLst>
-                                          <p:attrName>ppt_x</p:attrName>
-                                        </p:attrNameLst>
-                                      </p:cBhvr>
-                                      <p:tavLst>
-                                        <p:tav tm="0">
-                                          <p:val>
-                                            <p:strVal val="#ppt_x"/>
-                                          </p:val>
-                                        </p:tav>
-                                        <p:tav tm="100000">
-                                          <p:val>
-                                            <p:strVal val="#ppt_x"/>
-                                          </p:val>
-                                        </p:tav>
-                                      </p:tavLst>
-                                    </p:anim>
-                                    <p:anim calcmode="lin" valueType="num">
-                                      <p:cBhvr additive="base">
-                                        <p:cTn id="12" dur="500" fill="hold"/>
-                                        <p:tgtEl>
-                                          <p:spTgt spid="18"/>
-                                        </p:tgtEl>
-                                        <p:attrNameLst>
-                                          <p:attrName>ppt_y</p:attrName>
-                                        </p:attrNameLst>
-                                      </p:cBhvr>
-                                      <p:tavLst>
-                                        <p:tav tm="0">
-                                          <p:val>
-                                            <p:strVal val="1+#ppt_h/2"/>
-                                          </p:val>
-                                        </p:tav>
-                                        <p:tav tm="100000">
-                                          <p:val>
-                                            <p:strVal val="#ppt_y"/>
-                                          </p:val>
-                                        </p:tav>
-                                      </p:tavLst>
-                                    </p:anim>
-                                  </p:childTnLst>
-                                </p:cTn>
-                              </p:par>
-                              <p:par>
-                                <p:cTn id="13" presetID="2" presetClass="entr" presetSubtype="4" fill="hold" nodeType="withEffect">
-                                  <p:stCondLst>
-                                    <p:cond delay="0"/>
-                                  </p:stCondLst>
-                                  <p:childTnLst>
-                                    <p:set>
-                                      <p:cBhvr>
-                                        <p:cTn id="14" dur="1" fill="hold">
-                                          <p:stCondLst>
-                                            <p:cond delay="0"/>
-                                          </p:stCondLst>
-                                        </p:cTn>
-                                        <p:tgtEl>
-                                          <p:spTgt spid="19"/>
-                                        </p:tgtEl>
-                                        <p:attrNameLst>
-                                          <p:attrName>style.visibility</p:attrName>
-                                        </p:attrNameLst>
-                                      </p:cBhvr>
-                                      <p:to>
-                                        <p:strVal val="visible"/>
-                                      </p:to>
-                                    </p:set>
-                                    <p:anim calcmode="lin" valueType="num">
-                                      <p:cBhvr additive="base">
-                                        <p:cTn id="15" dur="500" fill="hold"/>
-                                        <p:tgtEl>
-                                          <p:spTgt spid="19"/>
-                                        </p:tgtEl>
-                                        <p:attrNameLst>
-                                          <p:attrName>ppt_x</p:attrName>
-                                        </p:attrNameLst>
-                                      </p:cBhvr>
-                                      <p:tavLst>
-                                        <p:tav tm="0">
-                                          <p:val>
-                                            <p:strVal val="#ppt_x"/>
-                                          </p:val>
-                                        </p:tav>
-                                        <p:tav tm="100000">
-                                          <p:val>
-                                            <p:strVal val="#ppt_x"/>
-                                          </p:val>
-                                        </p:tav>
-                                      </p:tavLst>
-                                    </p:anim>
-                                    <p:anim calcmode="lin" valueType="num">
-                                      <p:cBhvr additive="base">
-                                        <p:cTn id="16" dur="500" fill="hold"/>
-                                        <p:tgtEl>
-                                          <p:spTgt spid="19"/>
-                                        </p:tgtEl>
-                                        <p:attrNameLst>
-                                          <p:attrName>ppt_y</p:attrName>
-                                        </p:attrNameLst>
-                                      </p:cBhvr>
-                                      <p:tavLst>
-                                        <p:tav tm="0">
-                                          <p:val>
-                                            <p:strVal val="1+#ppt_h/2"/>
-                                          </p:val>
-                                        </p:tav>
-                                        <p:tav tm="100000">
-                                          <p:val>
-                                            <p:strVal val="#ppt_y"/>
-                                          </p:val>
-                                        </p:tav>
-                                      </p:tavLst>
-                                    </p:anim>
-                                  </p:childTnLst>
-                                </p:cTn>
-                              </p:par>
-                              <p:par>
-                                <p:cTn id="17" presetID="2" presetClass="entr" presetSubtype="4" fill="hold" nodeType="withEffect">
-                                  <p:stCondLst>
-                                    <p:cond delay="0"/>
-                                  </p:stCondLst>
-                                  <p:childTnLst>
-                                    <p:set>
-                                      <p:cBhvr>
-                                        <p:cTn id="18" dur="1" fill="hold">
-                                          <p:stCondLst>
-                                            <p:cond delay="0"/>
-                                          </p:stCondLst>
-                                        </p:cTn>
-                                        <p:tgtEl>
-                                          <p:spTgt spid="20"/>
-                                        </p:tgtEl>
-                                        <p:attrNameLst>
-                                          <p:attrName>style.visibility</p:attrName>
-                                        </p:attrNameLst>
-                                      </p:cBhvr>
-                                      <p:to>
-                                        <p:strVal val="visible"/>
-                                      </p:to>
-                                    </p:set>
-                                    <p:anim calcmode="lin" valueType="num">
-                                      <p:cBhvr additive="base">
-                                        <p:cTn id="19" dur="500" fill="hold"/>
-                                        <p:tgtEl>
-                                          <p:spTgt spid="20"/>
-                                        </p:tgtEl>
-                                        <p:attrNameLst>
-                                          <p:attrName>ppt_x</p:attrName>
-                                        </p:attrNameLst>
-                                      </p:cBhvr>
-                                      <p:tavLst>
-                                        <p:tav tm="0">
-                                          <p:val>
-                                            <p:strVal val="#ppt_x"/>
-                                          </p:val>
-                                        </p:tav>
-                                        <p:tav tm="100000">
-                                          <p:val>
-                                            <p:strVal val="#ppt_x"/>
-                                          </p:val>
-                                        </p:tav>
-                                      </p:tavLst>
-                                    </p:anim>
-                                    <p:anim calcmode="lin" valueType="num">
-                                      <p:cBhvr additive="base">
-                                        <p:cTn id="20" dur="500" fill="hold"/>
-                                        <p:tgtEl>
-                                          <p:spTgt spid="20"/>
-                                        </p:tgtEl>
-                                        <p:attrNameLst>
-                                          <p:attrName>ppt_y</p:attrName>
-                                        </p:attrNameLst>
-                                      </p:cBhvr>
-                                      <p:tavLst>
-                                        <p:tav tm="0">
-                                          <p:val>
-                                            <p:strVal val="1+#ppt_h/2"/>
-                                          </p:val>
-                                        </p:tav>
-                                        <p:tav tm="100000">
-                                          <p:val>
-                                            <p:strVal val="#ppt_y"/>
-                                          </p:val>
-                                        </p:tav>
-                                      </p:tavLst>
-                                    </p:anim>
-                                  </p:childTnLst>
-                                </p:cTn>
-                              </p:par>
-                              <p:par>
-                                <p:cTn id="21" presetID="2" presetClass="entr" presetSubtype="4" fill="hold" nodeType="withEffect">
-                                  <p:stCondLst>
-                                    <p:cond delay="0"/>
-                                  </p:stCondLst>
-                                  <p:childTnLst>
-                                    <p:set>
-                                      <p:cBhvr>
-                                        <p:cTn id="22" dur="1" fill="hold">
-                                          <p:stCondLst>
-                                            <p:cond delay="0"/>
-                                          </p:stCondLst>
-                                        </p:cTn>
-                                        <p:tgtEl>
-                                          <p:spTgt spid="21"/>
-                                        </p:tgtEl>
-                                        <p:attrNameLst>
-                                          <p:attrName>style.visibility</p:attrName>
-                                        </p:attrNameLst>
-                                      </p:cBhvr>
-                                      <p:to>
-                                        <p:strVal val="visible"/>
-                                      </p:to>
-                                    </p:set>
-                                    <p:anim calcmode="lin" valueType="num">
-                                      <p:cBhvr additive="base">
-                                        <p:cTn id="23" dur="500" fill="hold"/>
-                                        <p:tgtEl>
-                                          <p:spTgt spid="21"/>
-                                        </p:tgtEl>
-                                        <p:attrNameLst>
-                                          <p:attrName>ppt_x</p:attrName>
-                                        </p:attrNameLst>
-                                      </p:cBhvr>
-                                      <p:tavLst>
-                                        <p:tav tm="0">
-                                          <p:val>
-                                            <p:strVal val="#ppt_x"/>
-                                          </p:val>
-                                        </p:tav>
-                                        <p:tav tm="100000">
-                                          <p:val>
-                                            <p:strVal val="#ppt_x"/>
-                                          </p:val>
-                                        </p:tav>
-                                      </p:tavLst>
-                                    </p:anim>
-                                    <p:anim calcmode="lin" valueType="num">
-                                      <p:cBhvr additive="base">
-                                        <p:cTn id="24" dur="500" fill="hold"/>
-                                        <p:tgtEl>
-                                          <p:spTgt spid="21"/>
-                                        </p:tgtEl>
-                                        <p:attrNameLst>
-                                          <p:attrName>ppt_y</p:attrName>
-                                        </p:attrNameLst>
-                                      </p:cBhvr>
-                                      <p:tavLst>
-                                        <p:tav tm="0">
-                                          <p:val>
-                                            <p:strVal val="1+#ppt_h/2"/>
-                                          </p:val>
-                                        </p:tav>
-                                        <p:tav tm="100000">
-                                          <p:val>
-                                            <p:strVal val="#ppt_y"/>
-                                          </p:val>
-                                        </p:tav>
-                                      </p:tavLst>
-                                    </p:anim>
-                                  </p:childTnLst>
-                                </p:cTn>
-                              </p:par>
-                              <p:par>
-                                <p:cTn id="25" presetID="2" presetClass="entr" presetSubtype="4" fill="hold" grpId="0" nodeType="withEffect">
-                                  <p:stCondLst>
-                                    <p:cond delay="0"/>
-                                  </p:stCondLst>
-                                  <p:childTnLst>
-                                    <p:set>
-                                      <p:cBhvr>
-                                        <p:cTn id="26" dur="1" fill="hold">
-                                          <p:stCondLst>
-                                            <p:cond delay="0"/>
-                                          </p:stCondLst>
-                                        </p:cTn>
-                                        <p:tgtEl>
-                                          <p:spTgt spid="2"/>
-                                        </p:tgtEl>
-                                        <p:attrNameLst>
-                                          <p:attrName>style.visibility</p:attrName>
-                                        </p:attrNameLst>
-                                      </p:cBhvr>
-                                      <p:to>
-                                        <p:strVal val="visible"/>
-                                      </p:to>
-                                    </p:set>
-                                    <p:anim calcmode="lin" valueType="num">
-                                      <p:cBhvr additive="base">
-                                        <p:cTn id="27" dur="500" fill="hold"/>
-                                        <p:tgtEl>
-                                          <p:spTgt spid="2"/>
-                                        </p:tgtEl>
-                                        <p:attrNameLst>
-                                          <p:attrName>ppt_x</p:attrName>
-                                        </p:attrNameLst>
-                                      </p:cBhvr>
-                                      <p:tavLst>
-                                        <p:tav tm="0">
-                                          <p:val>
-                                            <p:strVal val="#ppt_x"/>
-                                          </p:val>
-                                        </p:tav>
-                                        <p:tav tm="100000">
-                                          <p:val>
-                                            <p:strVal val="#ppt_x"/>
-                                          </p:val>
-                                        </p:tav>
-                                      </p:tavLst>
-                                    </p:anim>
-                                    <p:anim calcmode="lin" valueType="num">
-                                      <p:cBhvr additive="base">
-                                        <p:cTn id="28" dur="500" fill="hold"/>
-                                        <p:tgtEl>
-                                          <p:spTgt spid="2"/>
-                                        </p:tgtEl>
-                                        <p:attrNameLst>
-                                          <p:attrName>ppt_y</p:attrName>
-                                        </p:attrNameLst>
-                                      </p:cBhvr>
-                                      <p:tavLst>
-                                        <p:tav tm="0">
-                                          <p:val>
-                                            <p:strVal val="1+#ppt_h/2"/>
-                                          </p:val>
-                                        </p:tav>
-                                        <p:tav tm="100000">
-                                          <p:val>
-                                            <p:strVal val="#ppt_y"/>
-                                          </p:val>
-                                        </p:tav>
-                                      </p:tavLst>
-                                    </p:anim>
-                                  </p:childTnLst>
-                                </p:cTn>
-                              </p:par>
-                            </p:childTnLst>
-                          </p:cTn>
-                        </p:par>
-                      </p:childTnLst>
-                    </p:cTn>
-                  </p:par>
-                </p:childTnLst>
-              </p:cTn>
-              <p:prevCondLst>
-                <p:cond evt="onPrev" delay="0">
-                  <p:tgtEl>
-                    <p:sldTgt/>
-                  </p:tgtEl>
-                </p:cond>
-              </p:prevCondLst>
-              <p:nextCondLst>
-                <p:cond evt="onNext" delay="0">
-                  <p:tgtEl>
-                    <p:sldTgt/>
-                  </p:tgtEl>
-                </p:cond>
-              </p:nextCondLst>
-            </p:seq>
-          </p:childTnLst>
-        </p:cTn>
-      </p:par>
-    </p:tnLst>
-    <p:bldLst>
-      <p:bldP spid="17" grpId="0"/>
-      <p:bldP spid="2" grpId="0"/>
-    </p:bldLst>
-  </p:timing>
-</p:sld>
-</file>
-
-<file path=ppt/slides/slide9.xml><?xml version="1.0" encoding="utf-8"?>
-<p:sld xmlns:a="http://schemas.openxmlformats.org/drawingml/2006/main" xmlns:r="http://schemas.openxmlformats.org/officeDocument/2006/relationships" xmlns:p="http://schemas.openxmlformats.org/presentationml/2006/main">
-  <p:cSld>
-    <p:spTree>
-      <p:nvGrpSpPr>
-        <p:cNvPr id="1" name=""/>
-        <p:cNvGrpSpPr/>
-        <p:nvPr/>
-      </p:nvGrpSpPr>
-      <p:grpSpPr>
-        <a:xfrm>
-          <a:off x="0" y="0"/>
-          <a:ext cx="0" cy="0"/>
-          <a:chOff x="0" y="0"/>
-          <a:chExt cx="0" cy="0"/>
-        </a:xfrm>
-      </p:grpSpPr>
-      <p:sp>
-        <p:nvSpPr>
-          <p:cNvPr id="4" name="Title 1">
-            <a:extLst>
-              <a:ext uri="{FF2B5EF4-FFF2-40B4-BE49-F238E27FC236}">
-                <a16:creationId xmlns:a16="http://schemas.microsoft.com/office/drawing/2014/main" id="{3D4D6A54-ED20-A9E4-58E7-E67C9CAF7079}"/>
-              </a:ext>
-            </a:extLst>
-          </p:cNvPr>
-          <p:cNvSpPr>
-            <a:spLocks noGrp="1"/>
-          </p:cNvSpPr>
-          <p:nvPr>
-            <p:ph type="title"/>
-          </p:nvPr>
-        </p:nvSpPr>
-        <p:spPr>
-          <a:xfrm>
-            <a:off x="832976" y="929923"/>
-            <a:ext cx="8761413" cy="706964"/>
+            <a:off x="1154954" y="2603500"/>
+            <a:ext cx="9845981" cy="3416300"/>
           </a:xfrm>
         </p:spPr>
         <p:txBody>
@@ -21657,873 +13946,70 @@
           <a:lstStyle/>
           <a:p>
             <a:r>
-              <a:rPr lang="en-US" dirty="0"/>
-              <a:t>DOCKER IMAGES</a:t>
+              <a:rPr lang="en-IN" dirty="0"/>
+              <a:t>Linux useful commands</a:t>
+            </a:r>
+          </a:p>
+          <a:p>
+            <a:r>
+              <a:rPr lang="en-IN" dirty="0"/>
+              <a:t>Linux command handbook</a:t>
+            </a:r>
+          </a:p>
+          <a:p>
+            <a:r>
+              <a:rPr lang="en-IN" dirty="0"/>
+              <a:t>/etc/password file details</a:t>
+            </a:r>
+          </a:p>
+          <a:p>
+            <a:pPr lvl="1">
+              <a:buFont typeface="Wingdings" panose="05000000000000000000" pitchFamily="2" charset="2"/>
+              <a:buChar char="§"/>
+            </a:pPr>
+            <a:r>
+              <a:rPr lang="en-IN" dirty="0">
+                <a:hlinkClick r:id="rId2"/>
+              </a:rPr>
+              <a:t>https://www.cyberciti.biz/faq/understanding-etcpasswd-file-format/</a:t>
             </a:r>
             <a:endParaRPr lang="en-IN" dirty="0"/>
           </a:p>
+          <a:p>
+            <a:r>
+              <a:rPr lang="en-IN" dirty="0"/>
+              <a:t>Top 50 Linux commands</a:t>
+            </a:r>
+          </a:p>
+          <a:p>
+            <a:r>
+              <a:rPr lang="en-IN" dirty="0"/>
+              <a:t>Ubuntu package manager </a:t>
+            </a:r>
+            <a:r>
+              <a:rPr lang="en-IN"/>
+              <a:t>cheat sheet</a:t>
+            </a:r>
+            <a:endParaRPr lang="en-IN" dirty="0"/>
+          </a:p>
+          <a:p>
+            <a:endParaRPr lang="en-IN" dirty="0"/>
+          </a:p>
+          <a:p>
+            <a:endParaRPr lang="en-IN" dirty="0"/>
+          </a:p>
         </p:txBody>
       </p:sp>
-      <p:sp>
-        <p:nvSpPr>
-          <p:cNvPr id="3" name="Content Placeholder 2"/>
-          <p:cNvSpPr>
-            <a:spLocks noGrp="1"/>
-          </p:cNvSpPr>
-          <p:nvPr>
-            <p:ph idx="1"/>
-          </p:nvPr>
-        </p:nvSpPr>
-        <p:spPr>
-          <a:xfrm>
-            <a:off x="425241" y="2331847"/>
-            <a:ext cx="10971530" cy="4526153"/>
-          </a:xfrm>
-        </p:spPr>
-        <p:txBody>
-          <a:bodyPr anchor="t">
-            <a:normAutofit/>
-          </a:bodyPr>
-          <a:lstStyle/>
-          <a:p>
-            <a:r>
-              <a:rPr lang="en-US" dirty="0">
-                <a:solidFill>
-                  <a:srgbClr val="31859C"/>
-                </a:solidFill>
-              </a:rPr>
-              <a:t>Read only template used to create containers</a:t>
-            </a:r>
-          </a:p>
-          <a:p>
-            <a:r>
-              <a:rPr lang="en-US" dirty="0">
-                <a:solidFill>
-                  <a:srgbClr val="31859C"/>
-                </a:solidFill>
-              </a:rPr>
-              <a:t>Build by you  or other docker users</a:t>
-            </a:r>
-          </a:p>
-          <a:p>
-            <a:r>
-              <a:rPr lang="en-US" dirty="0">
-                <a:solidFill>
-                  <a:srgbClr val="31859C"/>
-                </a:solidFill>
-              </a:rPr>
-              <a:t>Stored in the docker hub or you local registry</a:t>
-            </a:r>
-          </a:p>
-          <a:p>
-            <a:r>
-              <a:rPr lang="en-US" dirty="0">
-                <a:solidFill>
-                  <a:srgbClr val="31859C"/>
-                </a:solidFill>
-              </a:rPr>
-              <a:t>Every image starts from base image</a:t>
-            </a:r>
-          </a:p>
-          <a:p>
-            <a:r>
-              <a:rPr lang="en-US" dirty="0">
-                <a:solidFill>
-                  <a:srgbClr val="31859C"/>
-                </a:solidFill>
-              </a:rPr>
-              <a:t>Include: </a:t>
-            </a:r>
-          </a:p>
-          <a:p>
-            <a:pPr lvl="1">
-              <a:buFont typeface="Wingdings" panose="05000000000000000000" pitchFamily="2" charset="2"/>
-              <a:buChar char="Ø"/>
-            </a:pPr>
-            <a:r>
-              <a:rPr lang="en-US" sz="1800" b="1" i="1" dirty="0">
-                <a:solidFill>
-                  <a:srgbClr val="31859C"/>
-                </a:solidFill>
-              </a:rPr>
-              <a:t>Application</a:t>
-            </a:r>
-          </a:p>
-          <a:p>
-            <a:pPr lvl="1">
-              <a:buFont typeface="Wingdings" panose="05000000000000000000" pitchFamily="2" charset="2"/>
-              <a:buChar char="Ø"/>
-            </a:pPr>
-            <a:r>
-              <a:rPr lang="en-US" sz="1800" b="1" i="1" dirty="0">
-                <a:solidFill>
-                  <a:srgbClr val="31859C"/>
-                </a:solidFill>
-              </a:rPr>
-              <a:t>Dependencies</a:t>
-            </a:r>
-          </a:p>
-          <a:p>
-            <a:pPr lvl="1">
-              <a:buFont typeface="Wingdings" panose="05000000000000000000" pitchFamily="2" charset="2"/>
-              <a:buChar char="Ø"/>
-            </a:pPr>
-            <a:r>
-              <a:rPr lang="en-US" sz="1800" b="1" i="1" dirty="0">
-                <a:solidFill>
-                  <a:srgbClr val="31859C"/>
-                </a:solidFill>
-              </a:rPr>
-              <a:t>Libraries</a:t>
-            </a:r>
-          </a:p>
-          <a:p>
-            <a:pPr lvl="1">
-              <a:buFont typeface="Wingdings" panose="05000000000000000000" pitchFamily="2" charset="2"/>
-              <a:buChar char="Ø"/>
-            </a:pPr>
-            <a:r>
-              <a:rPr lang="en-US" sz="1800" b="1" i="1" dirty="0">
-                <a:solidFill>
-                  <a:srgbClr val="31859C"/>
-                </a:solidFill>
-              </a:rPr>
-              <a:t>Binaries</a:t>
-            </a:r>
-          </a:p>
-          <a:p>
-            <a:pPr lvl="1">
-              <a:buFont typeface="Wingdings" panose="05000000000000000000" pitchFamily="2" charset="2"/>
-              <a:buChar char="Ø"/>
-            </a:pPr>
-            <a:r>
-              <a:rPr lang="en-US" sz="1800" b="1" i="1" dirty="0">
-                <a:solidFill>
-                  <a:srgbClr val="31859C"/>
-                </a:solidFill>
-              </a:rPr>
-              <a:t>Configuration files</a:t>
-            </a:r>
-          </a:p>
-          <a:p>
-            <a:endParaRPr lang="en-US" dirty="0">
-              <a:solidFill>
-                <a:srgbClr val="31859C"/>
-              </a:solidFill>
-            </a:endParaRPr>
-          </a:p>
-        </p:txBody>
-      </p:sp>
-      <p:pic>
-        <p:nvPicPr>
-          <p:cNvPr id="2" name="Picture 1"/>
-          <p:cNvPicPr>
-            <a:picLocks noChangeAspect="1"/>
-          </p:cNvPicPr>
-          <p:nvPr/>
-        </p:nvPicPr>
-        <p:blipFill>
-          <a:blip r:embed="rId2">
-            <a:alphaModFix/>
-            <a:extLst>
-              <a:ext uri="{28A0092B-C50C-407E-A947-70E740481C1C}">
-                <a14:useLocalDpi xmlns:a14="http://schemas.microsoft.com/office/drawing/2010/main" val="0"/>
-              </a:ext>
-            </a:extLst>
-          </a:blip>
-          <a:stretch>
-            <a:fillRect/>
-          </a:stretch>
-        </p:blipFill>
-        <p:spPr>
-          <a:xfrm>
-            <a:off x="5406189" y="3721768"/>
-            <a:ext cx="6360570" cy="2404092"/>
-          </a:xfrm>
-          <a:prstGeom prst="rect">
-            <a:avLst/>
-          </a:prstGeom>
-          <a:noFill/>
-          <a:ln>
-            <a:solidFill>
-              <a:schemeClr val="tx1"/>
-            </a:solidFill>
-          </a:ln>
-          <a:effectLst>
-            <a:outerShdw blurRad="63500" sx="102000" sy="102000" algn="ctr" rotWithShape="0">
-              <a:prstClr val="black">
-                <a:alpha val="40000"/>
-              </a:prstClr>
-            </a:outerShdw>
-          </a:effectLst>
-        </p:spPr>
-      </p:pic>
     </p:spTree>
     <p:extLst>
       <p:ext uri="{BB962C8B-B14F-4D97-AF65-F5344CB8AC3E}">
-        <p14:creationId xmlns:p14="http://schemas.microsoft.com/office/powerpoint/2010/main" val="3008807021"/>
+        <p14:creationId xmlns:p14="http://schemas.microsoft.com/office/powerpoint/2010/main" val="1605325416"/>
       </p:ext>
     </p:extLst>
   </p:cSld>
   <p:clrMapOvr>
     <a:masterClrMapping/>
   </p:clrMapOvr>
-  <mc:AlternateContent xmlns:mc="http://schemas.openxmlformats.org/markup-compatibility/2006" xmlns:p14="http://schemas.microsoft.com/office/powerpoint/2010/main">
-    <mc:Choice Requires="p14">
-      <p:transition spd="med" p14:dur="700">
-        <p:fade/>
-      </p:transition>
-    </mc:Choice>
-    <mc:Fallback xmlns="">
-      <p:transition spd="med">
-        <p:fade/>
-      </p:transition>
-    </mc:Fallback>
-  </mc:AlternateContent>
-  <p:timing>
-    <p:tnLst>
-      <p:par>
-        <p:cTn id="1" dur="indefinite" restart="never" nodeType="tmRoot">
-          <p:childTnLst>
-            <p:seq concurrent="1" nextAc="seek">
-              <p:cTn id="2" dur="indefinite" nodeType="mainSeq">
-                <p:childTnLst>
-                  <p:par>
-                    <p:cTn id="3" fill="hold">
-                      <p:stCondLst>
-                        <p:cond delay="indefinite"/>
-                      </p:stCondLst>
-                      <p:childTnLst>
-                        <p:par>
-                          <p:cTn id="4" fill="hold">
-                            <p:stCondLst>
-                              <p:cond delay="0"/>
-                            </p:stCondLst>
-                            <p:childTnLst>
-                              <p:par>
-                                <p:cTn id="5" presetID="10" presetClass="entr" presetSubtype="0" fill="hold" grpId="0" nodeType="clickEffect">
-                                  <p:stCondLst>
-                                    <p:cond delay="0"/>
-                                  </p:stCondLst>
-                                  <p:childTnLst>
-                                    <p:set>
-                                      <p:cBhvr>
-                                        <p:cTn id="6" dur="1" fill="hold">
-                                          <p:stCondLst>
-                                            <p:cond delay="0"/>
-                                          </p:stCondLst>
-                                        </p:cTn>
-                                        <p:tgtEl>
-                                          <p:spTgt spid="3">
-                                            <p:txEl>
-                                              <p:pRg st="0" end="0"/>
-                                            </p:txEl>
-                                          </p:spTgt>
-                                        </p:tgtEl>
-                                        <p:attrNameLst>
-                                          <p:attrName>style.visibility</p:attrName>
-                                        </p:attrNameLst>
-                                      </p:cBhvr>
-                                      <p:to>
-                                        <p:strVal val="visible"/>
-                                      </p:to>
-                                    </p:set>
-                                    <p:animEffect transition="in" filter="fade">
-                                      <p:cBhvr>
-                                        <p:cTn id="7" dur="500"/>
-                                        <p:tgtEl>
-                                          <p:spTgt spid="3">
-                                            <p:txEl>
-                                              <p:pRg st="0" end="0"/>
-                                            </p:txEl>
-                                          </p:spTgt>
-                                        </p:tgtEl>
-                                      </p:cBhvr>
-                                    </p:animEffect>
-                                  </p:childTnLst>
-                                </p:cTn>
-                              </p:par>
-                            </p:childTnLst>
-                          </p:cTn>
-                        </p:par>
-                      </p:childTnLst>
-                    </p:cTn>
-                  </p:par>
-                  <p:par>
-                    <p:cTn id="8" fill="hold">
-                      <p:stCondLst>
-                        <p:cond delay="indefinite"/>
-                      </p:stCondLst>
-                      <p:childTnLst>
-                        <p:par>
-                          <p:cTn id="9" fill="hold">
-                            <p:stCondLst>
-                              <p:cond delay="0"/>
-                            </p:stCondLst>
-                            <p:childTnLst>
-                              <p:par>
-                                <p:cTn id="10" presetID="10" presetClass="entr" presetSubtype="0" fill="hold" grpId="0" nodeType="clickEffect">
-                                  <p:stCondLst>
-                                    <p:cond delay="0"/>
-                                  </p:stCondLst>
-                                  <p:childTnLst>
-                                    <p:set>
-                                      <p:cBhvr>
-                                        <p:cTn id="11" dur="1" fill="hold">
-                                          <p:stCondLst>
-                                            <p:cond delay="0"/>
-                                          </p:stCondLst>
-                                        </p:cTn>
-                                        <p:tgtEl>
-                                          <p:spTgt spid="3">
-                                            <p:txEl>
-                                              <p:pRg st="1" end="1"/>
-                                            </p:txEl>
-                                          </p:spTgt>
-                                        </p:tgtEl>
-                                        <p:attrNameLst>
-                                          <p:attrName>style.visibility</p:attrName>
-                                        </p:attrNameLst>
-                                      </p:cBhvr>
-                                      <p:to>
-                                        <p:strVal val="visible"/>
-                                      </p:to>
-                                    </p:set>
-                                    <p:animEffect transition="in" filter="fade">
-                                      <p:cBhvr>
-                                        <p:cTn id="12" dur="500"/>
-                                        <p:tgtEl>
-                                          <p:spTgt spid="3">
-                                            <p:txEl>
-                                              <p:pRg st="1" end="1"/>
-                                            </p:txEl>
-                                          </p:spTgt>
-                                        </p:tgtEl>
-                                      </p:cBhvr>
-                                    </p:animEffect>
-                                  </p:childTnLst>
-                                </p:cTn>
-                              </p:par>
-                            </p:childTnLst>
-                          </p:cTn>
-                        </p:par>
-                      </p:childTnLst>
-                    </p:cTn>
-                  </p:par>
-                  <p:par>
-                    <p:cTn id="13" fill="hold">
-                      <p:stCondLst>
-                        <p:cond delay="indefinite"/>
-                      </p:stCondLst>
-                      <p:childTnLst>
-                        <p:par>
-                          <p:cTn id="14" fill="hold">
-                            <p:stCondLst>
-                              <p:cond delay="0"/>
-                            </p:stCondLst>
-                            <p:childTnLst>
-                              <p:par>
-                                <p:cTn id="15" presetID="10" presetClass="entr" presetSubtype="0" fill="hold" grpId="0" nodeType="clickEffect">
-                                  <p:stCondLst>
-                                    <p:cond delay="0"/>
-                                  </p:stCondLst>
-                                  <p:childTnLst>
-                                    <p:set>
-                                      <p:cBhvr>
-                                        <p:cTn id="16" dur="1" fill="hold">
-                                          <p:stCondLst>
-                                            <p:cond delay="0"/>
-                                          </p:stCondLst>
-                                        </p:cTn>
-                                        <p:tgtEl>
-                                          <p:spTgt spid="3">
-                                            <p:txEl>
-                                              <p:pRg st="2" end="2"/>
-                                            </p:txEl>
-                                          </p:spTgt>
-                                        </p:tgtEl>
-                                        <p:attrNameLst>
-                                          <p:attrName>style.visibility</p:attrName>
-                                        </p:attrNameLst>
-                                      </p:cBhvr>
-                                      <p:to>
-                                        <p:strVal val="visible"/>
-                                      </p:to>
-                                    </p:set>
-                                    <p:animEffect transition="in" filter="fade">
-                                      <p:cBhvr>
-                                        <p:cTn id="17" dur="500"/>
-                                        <p:tgtEl>
-                                          <p:spTgt spid="3">
-                                            <p:txEl>
-                                              <p:pRg st="2" end="2"/>
-                                            </p:txEl>
-                                          </p:spTgt>
-                                        </p:tgtEl>
-                                      </p:cBhvr>
-                                    </p:animEffect>
-                                  </p:childTnLst>
-                                </p:cTn>
-                              </p:par>
-                            </p:childTnLst>
-                          </p:cTn>
-                        </p:par>
-                      </p:childTnLst>
-                    </p:cTn>
-                  </p:par>
-                  <p:par>
-                    <p:cTn id="18" fill="hold">
-                      <p:stCondLst>
-                        <p:cond delay="indefinite"/>
-                      </p:stCondLst>
-                      <p:childTnLst>
-                        <p:par>
-                          <p:cTn id="19" fill="hold">
-                            <p:stCondLst>
-                              <p:cond delay="0"/>
-                            </p:stCondLst>
-                            <p:childTnLst>
-                              <p:par>
-                                <p:cTn id="20" presetID="10" presetClass="entr" presetSubtype="0" fill="hold" grpId="0" nodeType="clickEffect">
-                                  <p:stCondLst>
-                                    <p:cond delay="0"/>
-                                  </p:stCondLst>
-                                  <p:childTnLst>
-                                    <p:set>
-                                      <p:cBhvr>
-                                        <p:cTn id="21" dur="1" fill="hold">
-                                          <p:stCondLst>
-                                            <p:cond delay="0"/>
-                                          </p:stCondLst>
-                                        </p:cTn>
-                                        <p:tgtEl>
-                                          <p:spTgt spid="3">
-                                            <p:txEl>
-                                              <p:pRg st="3" end="3"/>
-                                            </p:txEl>
-                                          </p:spTgt>
-                                        </p:tgtEl>
-                                        <p:attrNameLst>
-                                          <p:attrName>style.visibility</p:attrName>
-                                        </p:attrNameLst>
-                                      </p:cBhvr>
-                                      <p:to>
-                                        <p:strVal val="visible"/>
-                                      </p:to>
-                                    </p:set>
-                                    <p:animEffect transition="in" filter="fade">
-                                      <p:cBhvr>
-                                        <p:cTn id="22" dur="500"/>
-                                        <p:tgtEl>
-                                          <p:spTgt spid="3">
-                                            <p:txEl>
-                                              <p:pRg st="3" end="3"/>
-                                            </p:txEl>
-                                          </p:spTgt>
-                                        </p:tgtEl>
-                                      </p:cBhvr>
-                                    </p:animEffect>
-                                  </p:childTnLst>
-                                </p:cTn>
-                              </p:par>
-                            </p:childTnLst>
-                          </p:cTn>
-                        </p:par>
-                      </p:childTnLst>
-                    </p:cTn>
-                  </p:par>
-                  <p:par>
-                    <p:cTn id="23" fill="hold">
-                      <p:stCondLst>
-                        <p:cond delay="indefinite"/>
-                      </p:stCondLst>
-                      <p:childTnLst>
-                        <p:par>
-                          <p:cTn id="24" fill="hold">
-                            <p:stCondLst>
-                              <p:cond delay="0"/>
-                            </p:stCondLst>
-                            <p:childTnLst>
-                              <p:par>
-                                <p:cTn id="25" presetID="10" presetClass="entr" presetSubtype="0" fill="hold" grpId="0" nodeType="clickEffect">
-                                  <p:stCondLst>
-                                    <p:cond delay="0"/>
-                                  </p:stCondLst>
-                                  <p:childTnLst>
-                                    <p:set>
-                                      <p:cBhvr>
-                                        <p:cTn id="26" dur="1" fill="hold">
-                                          <p:stCondLst>
-                                            <p:cond delay="0"/>
-                                          </p:stCondLst>
-                                        </p:cTn>
-                                        <p:tgtEl>
-                                          <p:spTgt spid="3">
-                                            <p:txEl>
-                                              <p:pRg st="4" end="4"/>
-                                            </p:txEl>
-                                          </p:spTgt>
-                                        </p:tgtEl>
-                                        <p:attrNameLst>
-                                          <p:attrName>style.visibility</p:attrName>
-                                        </p:attrNameLst>
-                                      </p:cBhvr>
-                                      <p:to>
-                                        <p:strVal val="visible"/>
-                                      </p:to>
-                                    </p:set>
-                                    <p:animEffect transition="in" filter="fade">
-                                      <p:cBhvr>
-                                        <p:cTn id="27" dur="500"/>
-                                        <p:tgtEl>
-                                          <p:spTgt spid="3">
-                                            <p:txEl>
-                                              <p:pRg st="4" end="4"/>
-                                            </p:txEl>
-                                          </p:spTgt>
-                                        </p:tgtEl>
-                                      </p:cBhvr>
-                                    </p:animEffect>
-                                  </p:childTnLst>
-                                </p:cTn>
-                              </p:par>
-                              <p:par>
-                                <p:cTn id="28" presetID="10" presetClass="entr" presetSubtype="0" fill="hold" grpId="0" nodeType="withEffect">
-                                  <p:stCondLst>
-                                    <p:cond delay="0"/>
-                                  </p:stCondLst>
-                                  <p:childTnLst>
-                                    <p:set>
-                                      <p:cBhvr>
-                                        <p:cTn id="29" dur="1" fill="hold">
-                                          <p:stCondLst>
-                                            <p:cond delay="0"/>
-                                          </p:stCondLst>
-                                        </p:cTn>
-                                        <p:tgtEl>
-                                          <p:spTgt spid="3">
-                                            <p:txEl>
-                                              <p:pRg st="5" end="5"/>
-                                            </p:txEl>
-                                          </p:spTgt>
-                                        </p:tgtEl>
-                                        <p:attrNameLst>
-                                          <p:attrName>style.visibility</p:attrName>
-                                        </p:attrNameLst>
-                                      </p:cBhvr>
-                                      <p:to>
-                                        <p:strVal val="visible"/>
-                                      </p:to>
-                                    </p:set>
-                                    <p:animEffect transition="in" filter="fade">
-                                      <p:cBhvr>
-                                        <p:cTn id="30" dur="500"/>
-                                        <p:tgtEl>
-                                          <p:spTgt spid="3">
-                                            <p:txEl>
-                                              <p:pRg st="5" end="5"/>
-                                            </p:txEl>
-                                          </p:spTgt>
-                                        </p:tgtEl>
-                                      </p:cBhvr>
-                                    </p:animEffect>
-                                  </p:childTnLst>
-                                </p:cTn>
-                              </p:par>
-                              <p:par>
-                                <p:cTn id="31" presetID="10" presetClass="entr" presetSubtype="0" fill="hold" grpId="0" nodeType="withEffect">
-                                  <p:stCondLst>
-                                    <p:cond delay="0"/>
-                                  </p:stCondLst>
-                                  <p:childTnLst>
-                                    <p:set>
-                                      <p:cBhvr>
-                                        <p:cTn id="32" dur="1" fill="hold">
-                                          <p:stCondLst>
-                                            <p:cond delay="0"/>
-                                          </p:stCondLst>
-                                        </p:cTn>
-                                        <p:tgtEl>
-                                          <p:spTgt spid="3">
-                                            <p:txEl>
-                                              <p:pRg st="6" end="6"/>
-                                            </p:txEl>
-                                          </p:spTgt>
-                                        </p:tgtEl>
-                                        <p:attrNameLst>
-                                          <p:attrName>style.visibility</p:attrName>
-                                        </p:attrNameLst>
-                                      </p:cBhvr>
-                                      <p:to>
-                                        <p:strVal val="visible"/>
-                                      </p:to>
-                                    </p:set>
-                                    <p:animEffect transition="in" filter="fade">
-                                      <p:cBhvr>
-                                        <p:cTn id="33" dur="500"/>
-                                        <p:tgtEl>
-                                          <p:spTgt spid="3">
-                                            <p:txEl>
-                                              <p:pRg st="6" end="6"/>
-                                            </p:txEl>
-                                          </p:spTgt>
-                                        </p:tgtEl>
-                                      </p:cBhvr>
-                                    </p:animEffect>
-                                  </p:childTnLst>
-                                </p:cTn>
-                              </p:par>
-                              <p:par>
-                                <p:cTn id="34" presetID="10" presetClass="entr" presetSubtype="0" fill="hold" grpId="0" nodeType="withEffect">
-                                  <p:stCondLst>
-                                    <p:cond delay="0"/>
-                                  </p:stCondLst>
-                                  <p:childTnLst>
-                                    <p:set>
-                                      <p:cBhvr>
-                                        <p:cTn id="35" dur="1" fill="hold">
-                                          <p:stCondLst>
-                                            <p:cond delay="0"/>
-                                          </p:stCondLst>
-                                        </p:cTn>
-                                        <p:tgtEl>
-                                          <p:spTgt spid="3">
-                                            <p:txEl>
-                                              <p:pRg st="7" end="7"/>
-                                            </p:txEl>
-                                          </p:spTgt>
-                                        </p:tgtEl>
-                                        <p:attrNameLst>
-                                          <p:attrName>style.visibility</p:attrName>
-                                        </p:attrNameLst>
-                                      </p:cBhvr>
-                                      <p:to>
-                                        <p:strVal val="visible"/>
-                                      </p:to>
-                                    </p:set>
-                                    <p:animEffect transition="in" filter="fade">
-                                      <p:cBhvr>
-                                        <p:cTn id="36" dur="500"/>
-                                        <p:tgtEl>
-                                          <p:spTgt spid="3">
-                                            <p:txEl>
-                                              <p:pRg st="7" end="7"/>
-                                            </p:txEl>
-                                          </p:spTgt>
-                                        </p:tgtEl>
-                                      </p:cBhvr>
-                                    </p:animEffect>
-                                  </p:childTnLst>
-                                </p:cTn>
-                              </p:par>
-                              <p:par>
-                                <p:cTn id="37" presetID="10" presetClass="entr" presetSubtype="0" fill="hold" grpId="0" nodeType="withEffect">
-                                  <p:stCondLst>
-                                    <p:cond delay="0"/>
-                                  </p:stCondLst>
-                                  <p:childTnLst>
-                                    <p:set>
-                                      <p:cBhvr>
-                                        <p:cTn id="38" dur="1" fill="hold">
-                                          <p:stCondLst>
-                                            <p:cond delay="0"/>
-                                          </p:stCondLst>
-                                        </p:cTn>
-                                        <p:tgtEl>
-                                          <p:spTgt spid="3">
-                                            <p:txEl>
-                                              <p:pRg st="8" end="8"/>
-                                            </p:txEl>
-                                          </p:spTgt>
-                                        </p:tgtEl>
-                                        <p:attrNameLst>
-                                          <p:attrName>style.visibility</p:attrName>
-                                        </p:attrNameLst>
-                                      </p:cBhvr>
-                                      <p:to>
-                                        <p:strVal val="visible"/>
-                                      </p:to>
-                                    </p:set>
-                                    <p:animEffect transition="in" filter="fade">
-                                      <p:cBhvr>
-                                        <p:cTn id="39" dur="500"/>
-                                        <p:tgtEl>
-                                          <p:spTgt spid="3">
-                                            <p:txEl>
-                                              <p:pRg st="8" end="8"/>
-                                            </p:txEl>
-                                          </p:spTgt>
-                                        </p:tgtEl>
-                                      </p:cBhvr>
-                                    </p:animEffect>
-                                  </p:childTnLst>
-                                </p:cTn>
-                              </p:par>
-                              <p:par>
-                                <p:cTn id="40" presetID="10" presetClass="entr" presetSubtype="0" fill="hold" grpId="0" nodeType="withEffect">
-                                  <p:stCondLst>
-                                    <p:cond delay="0"/>
-                                  </p:stCondLst>
-                                  <p:childTnLst>
-                                    <p:set>
-                                      <p:cBhvr>
-                                        <p:cTn id="41" dur="1" fill="hold">
-                                          <p:stCondLst>
-                                            <p:cond delay="0"/>
-                                          </p:stCondLst>
-                                        </p:cTn>
-                                        <p:tgtEl>
-                                          <p:spTgt spid="3">
-                                            <p:txEl>
-                                              <p:pRg st="9" end="9"/>
-                                            </p:txEl>
-                                          </p:spTgt>
-                                        </p:tgtEl>
-                                        <p:attrNameLst>
-                                          <p:attrName>style.visibility</p:attrName>
-                                        </p:attrNameLst>
-                                      </p:cBhvr>
-                                      <p:to>
-                                        <p:strVal val="visible"/>
-                                      </p:to>
-                                    </p:set>
-                                    <p:animEffect transition="in" filter="fade">
-                                      <p:cBhvr>
-                                        <p:cTn id="42" dur="500"/>
-                                        <p:tgtEl>
-                                          <p:spTgt spid="3">
-                                            <p:txEl>
-                                              <p:pRg st="9" end="9"/>
-                                            </p:txEl>
-                                          </p:spTgt>
-                                        </p:tgtEl>
-                                      </p:cBhvr>
-                                    </p:animEffect>
-                                  </p:childTnLst>
-                                </p:cTn>
-                              </p:par>
-                            </p:childTnLst>
-                          </p:cTn>
-                        </p:par>
-                      </p:childTnLst>
-                    </p:cTn>
-                  </p:par>
-                  <p:par>
-                    <p:cTn id="43" fill="hold">
-                      <p:stCondLst>
-                        <p:cond delay="indefinite"/>
-                      </p:stCondLst>
-                      <p:childTnLst>
-                        <p:par>
-                          <p:cTn id="44" fill="hold">
-                            <p:stCondLst>
-                              <p:cond delay="0"/>
-                            </p:stCondLst>
-                            <p:childTnLst>
-                              <p:par>
-                                <p:cTn id="45" presetID="2" presetClass="entr" presetSubtype="4" fill="hold" nodeType="clickEffect">
-                                  <p:stCondLst>
-                                    <p:cond delay="0"/>
-                                  </p:stCondLst>
-                                  <p:childTnLst>
-                                    <p:set>
-                                      <p:cBhvr>
-                                        <p:cTn id="46" dur="1" fill="hold">
-                                          <p:stCondLst>
-                                            <p:cond delay="0"/>
-                                          </p:stCondLst>
-                                        </p:cTn>
-                                        <p:tgtEl>
-                                          <p:spTgt spid="2"/>
-                                        </p:tgtEl>
-                                        <p:attrNameLst>
-                                          <p:attrName>style.visibility</p:attrName>
-                                        </p:attrNameLst>
-                                      </p:cBhvr>
-                                      <p:to>
-                                        <p:strVal val="visible"/>
-                                      </p:to>
-                                    </p:set>
-                                    <p:anim calcmode="lin" valueType="num">
-                                      <p:cBhvr additive="base">
-                                        <p:cTn id="47" dur="500" fill="hold"/>
-                                        <p:tgtEl>
-                                          <p:spTgt spid="2"/>
-                                        </p:tgtEl>
-                                        <p:attrNameLst>
-                                          <p:attrName>ppt_x</p:attrName>
-                                        </p:attrNameLst>
-                                      </p:cBhvr>
-                                      <p:tavLst>
-                                        <p:tav tm="0">
-                                          <p:val>
-                                            <p:strVal val="#ppt_x"/>
-                                          </p:val>
-                                        </p:tav>
-                                        <p:tav tm="100000">
-                                          <p:val>
-                                            <p:strVal val="#ppt_x"/>
-                                          </p:val>
-                                        </p:tav>
-                                      </p:tavLst>
-                                    </p:anim>
-                                    <p:anim calcmode="lin" valueType="num">
-                                      <p:cBhvr additive="base">
-                                        <p:cTn id="48" dur="500" fill="hold"/>
-                                        <p:tgtEl>
-                                          <p:spTgt spid="2"/>
-                                        </p:tgtEl>
-                                        <p:attrNameLst>
-                                          <p:attrName>ppt_y</p:attrName>
-                                        </p:attrNameLst>
-                                      </p:cBhvr>
-                                      <p:tavLst>
-                                        <p:tav tm="0">
-                                          <p:val>
-                                            <p:strVal val="1+#ppt_h/2"/>
-                                          </p:val>
-                                        </p:tav>
-                                        <p:tav tm="100000">
-                                          <p:val>
-                                            <p:strVal val="#ppt_y"/>
-                                          </p:val>
-                                        </p:tav>
-                                      </p:tavLst>
-                                    </p:anim>
-                                  </p:childTnLst>
-                                </p:cTn>
-                              </p:par>
-                            </p:childTnLst>
-                          </p:cTn>
-                        </p:par>
-                      </p:childTnLst>
-                    </p:cTn>
-                  </p:par>
-                </p:childTnLst>
-              </p:cTn>
-              <p:prevCondLst>
-                <p:cond evt="onPrev" delay="0">
-                  <p:tgtEl>
-                    <p:sldTgt/>
-                  </p:tgtEl>
-                </p:cond>
-              </p:prevCondLst>
-              <p:nextCondLst>
-                <p:cond evt="onNext" delay="0">
-                  <p:tgtEl>
-                    <p:sldTgt/>
-                  </p:tgtEl>
-                </p:cond>
-              </p:nextCondLst>
-            </p:seq>
-          </p:childTnLst>
-        </p:cTn>
-      </p:par>
-    </p:tnLst>
-    <p:bldLst>
-      <p:bldP spid="3" grpId="0" build="p"/>
-    </p:bldLst>
-  </p:timing>
 </p:sld>
 </file>
 

--- a/Day3/DockerAndKubernetes_Training-day3.pptx
+++ b/Day3/DockerAndKubernetes_Training-day3.pptx
@@ -5,12 +5,13 @@
     <p:sldMasterId id="2147483880" r:id="rId1"/>
   </p:sldMasterIdLst>
   <p:notesMasterIdLst>
-    <p:notesMasterId r:id="rId5"/>
+    <p:notesMasterId r:id="rId6"/>
   </p:notesMasterIdLst>
   <p:sldIdLst>
     <p:sldId id="414" r:id="rId2"/>
     <p:sldId id="415" r:id="rId3"/>
     <p:sldId id="417" r:id="rId4"/>
+    <p:sldId id="418" r:id="rId5"/>
   </p:sldIdLst>
   <p:sldSz cx="12192000" cy="6858000"/>
   <p:notesSz cx="6858000" cy="9144000"/>
@@ -13984,12 +13985,16 @@
           <a:p>
             <a:r>
               <a:rPr lang="en-IN" dirty="0"/>
-              <a:t>Ubuntu package manager </a:t>
+              <a:t>Ubuntu package manager cheat sheet</a:t>
             </a:r>
+          </a:p>
+          <a:p>
             <a:r>
-              <a:rPr lang="en-IN"/>
-              <a:t>cheat sheet</a:t>
+              <a:rPr lang="en-IN" dirty="0"/>
+              <a:t>Play with Linux platform</a:t>
             </a:r>
+          </a:p>
+          <a:p>
             <a:endParaRPr lang="en-IN" dirty="0"/>
           </a:p>
           <a:p>
@@ -14004,6 +14009,90 @@
     <p:extLst>
       <p:ext uri="{BB962C8B-B14F-4D97-AF65-F5344CB8AC3E}">
         <p14:creationId xmlns:p14="http://schemas.microsoft.com/office/powerpoint/2010/main" val="1605325416"/>
+      </p:ext>
+    </p:extLst>
+  </p:cSld>
+  <p:clrMapOvr>
+    <a:masterClrMapping/>
+  </p:clrMapOvr>
+</p:sld>
+</file>
+
+<file path=ppt/slides/slide4.xml><?xml version="1.0" encoding="utf-8"?>
+<p:sld xmlns:a="http://schemas.openxmlformats.org/drawingml/2006/main" xmlns:r="http://schemas.openxmlformats.org/officeDocument/2006/relationships" xmlns:p="http://schemas.openxmlformats.org/presentationml/2006/main">
+  <p:cSld>
+    <p:spTree>
+      <p:nvGrpSpPr>
+        <p:cNvPr id="1" name=""/>
+        <p:cNvGrpSpPr/>
+        <p:nvPr/>
+      </p:nvGrpSpPr>
+      <p:grpSpPr>
+        <a:xfrm>
+          <a:off x="0" y="0"/>
+          <a:ext cx="0" cy="0"/>
+          <a:chOff x="0" y="0"/>
+          <a:chExt cx="0" cy="0"/>
+        </a:xfrm>
+      </p:grpSpPr>
+      <p:sp>
+        <p:nvSpPr>
+          <p:cNvPr id="4" name="Title 3">
+            <a:extLst>
+              <a:ext uri="{FF2B5EF4-FFF2-40B4-BE49-F238E27FC236}">
+                <a16:creationId xmlns:a16="http://schemas.microsoft.com/office/drawing/2014/main" id="{8015C0D9-3574-280B-C539-3B9A19AA43AA}"/>
+              </a:ext>
+            </a:extLst>
+          </p:cNvPr>
+          <p:cNvSpPr>
+            <a:spLocks noGrp="1"/>
+          </p:cNvSpPr>
+          <p:nvPr>
+            <p:ph type="title"/>
+          </p:nvPr>
+        </p:nvSpPr>
+        <p:spPr/>
+        <p:txBody>
+          <a:bodyPr anchor="ctr"/>
+          <a:lstStyle/>
+          <a:p>
+            <a:pPr algn="ctr"/>
+            <a:r>
+              <a:rPr lang="en-US" sz="6000" i="1" dirty="0">
+                <a:solidFill>
+                  <a:schemeClr val="accent5">
+                    <a:lumMod val="60000"/>
+                    <a:lumOff val="40000"/>
+                  </a:schemeClr>
+                </a:solidFill>
+              </a:rPr>
+              <a:t>Happy Learning</a:t>
+            </a:r>
+            <a:br>
+              <a:rPr lang="en-US" i="1" dirty="0">
+                <a:solidFill>
+                  <a:schemeClr val="accent5">
+                    <a:lumMod val="60000"/>
+                    <a:lumOff val="40000"/>
+                  </a:schemeClr>
+                </a:solidFill>
+              </a:rPr>
+            </a:br>
+            <a:endParaRPr lang="en-IN" i="1" dirty="0">
+              <a:solidFill>
+                <a:schemeClr val="accent5">
+                  <a:lumMod val="60000"/>
+                  <a:lumOff val="40000"/>
+                </a:schemeClr>
+              </a:solidFill>
+            </a:endParaRPr>
+          </a:p>
+        </p:txBody>
+      </p:sp>
+    </p:spTree>
+    <p:extLst>
+      <p:ext uri="{BB962C8B-B14F-4D97-AF65-F5344CB8AC3E}">
+        <p14:creationId xmlns:p14="http://schemas.microsoft.com/office/powerpoint/2010/main" val="255782075"/>
       </p:ext>
     </p:extLst>
   </p:cSld>
